--- a/Presentation/ScalaTeam9Planning.pptx
+++ b/Presentation/ScalaTeam9Planning.pptx
@@ -5472,7 +5472,7 @@
             </a:pPr>
             <a:r>
               <a:rPr lang="en"/>
-              <a:t>Training the data science models and pick the best one based on performance</a:t>
+              <a:t>Train the data science models and pick the best one based on performance</a:t>
             </a:r>
           </a:p>
           <a:p>
@@ -5583,7 +5583,7 @@
               <a:buClr>
                 <a:schemeClr val="dk1"/>
               </a:buClr>
-              <a:buAutoNum type="arabicPeriod"/>
+              <a:buChar char="●"/>
             </a:pPr>
             <a:r>
               <a:rPr lang="en">
@@ -5633,7 +5633,7 @@
               <a:buClr>
                 <a:schemeClr val="dk1"/>
               </a:buClr>
-              <a:buAutoNum type="arabicPeriod"/>
+              <a:buChar char="●"/>
             </a:pPr>
             <a:r>
               <a:rPr lang="en">
@@ -6007,7 +6007,7 @@
         <p:spPr>
           <a:xfrm>
             <a:off x="4791675" y="1413850"/>
-            <a:ext cx="2610900" cy="1055100"/>
+            <a:ext cx="3028800" cy="1055100"/>
           </a:xfrm>
           <a:prstGeom prst="wedgeRoundRectCallout">
             <a:avLst>
@@ -6043,7 +6043,7 @@
             </a:pPr>
             <a:r>
               <a:rPr lang="en"/>
-              <a:t>Implement (tail), improve the accuracy if possible</a:t>
+              <a:t>Implement (tail), Improve the accuracy if possible, Render on Zeppelin, Design Test cases</a:t>
             </a:r>
           </a:p>
         </p:txBody>
@@ -6142,9 +6142,9 @@
               <a:buNone/>
             </a:pPr>
             <a:r>
-              <a:t/>
-            </a:r>
-            <a:endParaRPr/>
+              <a:rPr lang="en"/>
+              <a:t>Create Tests and check criteria, Implement UI, Prepare Final Presentation</a:t>
+            </a:r>
           </a:p>
         </p:txBody>
       </p:sp>
@@ -6246,6 +6246,103 @@
             </a:pPr>
             <a:r>
               <a:rPr lang="en"/>
+              <a:t>Programming in Scala:</a:t>
+            </a:r>
+          </a:p>
+          <a:p>
+            <a:pPr indent="-342900" lvl="0" marL="457200" rtl="0">
+              <a:spcBef>
+                <a:spcPts val="0"/>
+              </a:spcBef>
+              <a:spcAft>
+                <a:spcPts val="0"/>
+              </a:spcAft>
+            </a:pPr>
+            <a:r>
+              <a:rPr lang="en"/>
+              <a:t>Parsing data from CSV file</a:t>
+            </a:r>
+          </a:p>
+          <a:p>
+            <a:pPr indent="-342900" lvl="0" marL="457200" rtl="0">
+              <a:spcBef>
+                <a:spcPts val="0"/>
+              </a:spcBef>
+              <a:spcAft>
+                <a:spcPts val="0"/>
+              </a:spcAft>
+            </a:pPr>
+            <a:r>
+              <a:rPr lang="en"/>
+              <a:t>Clean data</a:t>
+            </a:r>
+          </a:p>
+          <a:p>
+            <a:pPr indent="-342900" lvl="0" marL="457200" rtl="0">
+              <a:spcBef>
+                <a:spcPts val="0"/>
+              </a:spcBef>
+              <a:spcAft>
+                <a:spcPts val="0"/>
+              </a:spcAft>
+            </a:pPr>
+            <a:r>
+              <a:rPr lang="en"/>
+              <a:t>Filter and trim</a:t>
+            </a:r>
+          </a:p>
+          <a:p>
+            <a:pPr indent="-342900" lvl="0" marL="457200" rtl="0">
+              <a:spcBef>
+                <a:spcPts val="0"/>
+              </a:spcBef>
+              <a:spcAft>
+                <a:spcPts val="0"/>
+              </a:spcAft>
+            </a:pPr>
+            <a:r>
+              <a:rPr lang="en"/>
+              <a:t>Calculate and implement prediction model</a:t>
+            </a:r>
+          </a:p>
+          <a:p>
+            <a:pPr indent="-342900" lvl="0" marL="457200" rtl="0">
+              <a:spcBef>
+                <a:spcPts val="0"/>
+              </a:spcBef>
+              <a:spcAft>
+                <a:spcPts val="0"/>
+              </a:spcAft>
+            </a:pPr>
+            <a:r>
+              <a:rPr lang="en"/>
+              <a:t>Data </a:t>
+            </a:r>
+            <a:r>
+              <a:rPr lang="en"/>
+              <a:t>visualization</a:t>
+            </a:r>
+          </a:p>
+          <a:p>
+            <a:pPr indent="-342900" lvl="0" marL="457200">
+              <a:spcBef>
+                <a:spcPts val="0"/>
+              </a:spcBef>
+            </a:pPr>
+            <a:r>
+              <a:rPr lang="en"/>
+              <a:t>Tests</a:t>
+            </a:r>
+          </a:p>
+          <a:p>
+            <a:pPr lvl="0">
+              <a:spcBef>
+                <a:spcPts val="0"/>
+              </a:spcBef>
+              <a:buNone/>
+            </a:pPr>
+            <a:r>
+              <a:rPr lang="en"/>
               <a:t>Repository:	</a:t>
             </a:r>
             <a:r>
@@ -6334,7 +6431,7 @@
               <a:buClr>
                 <a:schemeClr val="dk1"/>
               </a:buClr>
-              <a:buAutoNum type="arabicPeriod"/>
+              <a:buChar char="●"/>
             </a:pPr>
             <a:r>
               <a:rPr lang="en"/>
@@ -6365,7 +6462,7 @@
               <a:spcAft>
                 <a:spcPts val="0"/>
               </a:spcAft>
-              <a:buAutoNum type="arabicPeriod"/>
+              <a:buChar char="●"/>
             </a:pPr>
             <a:r>
               <a:rPr lang="en"/>
@@ -6396,7 +6493,7 @@
               <a:spcAft>
                 <a:spcPts val="0"/>
               </a:spcAft>
-              <a:buAutoNum type="arabicPeriod"/>
+              <a:buChar char="●"/>
             </a:pPr>
             <a:r>
               <a:rPr lang="en"/>
@@ -6408,7 +6505,19 @@
               <a:spcBef>
                 <a:spcPts val="0"/>
               </a:spcBef>
-              <a:buAutoNum type="arabicPeriod"/>
+              <a:buChar char="●"/>
+            </a:pPr>
+            <a:r>
+              <a:rPr lang="en"/>
+              <a:t>Provide prediction for individual stock based on user inputs</a:t>
+            </a:r>
+          </a:p>
+          <a:p>
+            <a:pPr lvl="0" rtl="0">
+              <a:spcBef>
+                <a:spcPts val="0"/>
+              </a:spcBef>
+              <a:buNone/>
             </a:pPr>
             <a:r>
               <a:t/>

--- a/Presentation/ScalaTeam9Planning.pptx
+++ b/Presentation/ScalaTeam9Planning.pptx
@@ -1,41 +1,27 @@
 
 <file path=ppt/presentation.xml><?xml version="1.0" encoding="utf-8"?>
-<p:presentation xmlns:a="http://schemas.openxmlformats.org/drawingml/2006/main" xmlns:r="http://schemas.openxmlformats.org/officeDocument/2006/relationships" xmlns:mc="http://schemas.openxmlformats.org/markup-compatibility/2006" xmlns:mv="urn:schemas-microsoft-com:mac:vml" xmlns:p="http://schemas.openxmlformats.org/presentationml/2006/main" xmlns:c="http://schemas.openxmlformats.org/drawingml/2006/chart" xmlns:dgm="http://schemas.openxmlformats.org/drawingml/2006/diagram" xmlns:o="urn:schemas-microsoft-com:office:office" xmlns:v="urn:schemas-microsoft-com:vml" xmlns:pvml="urn:schemas-microsoft-com:office:powerpoint" xmlns:com="http://schemas.openxmlformats.org/drawingml/2006/compatibility" xmlns:p14="http://schemas.microsoft.com/office/powerpoint/2010/main" xmlns:p15="http://schemas.microsoft.com/office/powerpoint/2012/main" autoCompressPictures="0" embedTrueTypeFonts="1" strictFirstAndLastChars="0" saveSubsetFonts="1">
+<p:presentation xmlns:a="http://schemas.openxmlformats.org/drawingml/2006/main" xmlns:r="http://schemas.openxmlformats.org/officeDocument/2006/relationships" xmlns:p="http://schemas.openxmlformats.org/presentationml/2006/main" strictFirstAndLastChars="0" saveSubsetFonts="1" autoCompressPictures="0">
   <p:sldMasterIdLst>
-    <p:sldMasterId id="2147483659" r:id="rId3"/>
+    <p:sldMasterId id="2147483659" r:id="rId1"/>
   </p:sldMasterIdLst>
   <p:notesMasterIdLst>
-    <p:notesMasterId r:id="rId4"/>
+    <p:notesMasterId r:id="rId11"/>
   </p:notesMasterIdLst>
   <p:sldIdLst>
-    <p:sldId id="256" r:id="rId5"/>
-    <p:sldId id="257" r:id="rId6"/>
-    <p:sldId id="258" r:id="rId7"/>
-    <p:sldId id="259" r:id="rId8"/>
-    <p:sldId id="260" r:id="rId9"/>
-    <p:sldId id="261" r:id="rId10"/>
-    <p:sldId id="262" r:id="rId11"/>
-    <p:sldId id="263" r:id="rId12"/>
-    <p:sldId id="264" r:id="rId13"/>
+    <p:sldId id="256" r:id="rId2"/>
+    <p:sldId id="257" r:id="rId3"/>
+    <p:sldId id="258" r:id="rId4"/>
+    <p:sldId id="259" r:id="rId5"/>
+    <p:sldId id="260" r:id="rId6"/>
+    <p:sldId id="261" r:id="rId7"/>
+    <p:sldId id="262" r:id="rId8"/>
+    <p:sldId id="263" r:id="rId9"/>
+    <p:sldId id="264" r:id="rId10"/>
   </p:sldIdLst>
-  <p:sldSz cy="5143500" cx="9144000"/>
+  <p:sldSz cx="9144000" cy="5143500" type="screen16x9"/>
   <p:notesSz cx="6858000" cy="9144000"/>
-  <p:embeddedFontLst>
-    <p:embeddedFont>
-      <p:font typeface="Roboto Slab"/>
-      <p:regular r:id="rId14"/>
-      <p:bold r:id="rId15"/>
-    </p:embeddedFont>
-    <p:embeddedFont>
-      <p:font typeface="Roboto"/>
-      <p:regular r:id="rId16"/>
-      <p:bold r:id="rId17"/>
-      <p:italic r:id="rId18"/>
-      <p:boldItalic r:id="rId19"/>
-    </p:embeddedFont>
-  </p:embeddedFontLst>
   <p:defaultTextStyle>
-    <a:defPPr lvl="0" marR="0" rtl="0" algn="l">
+    <a:defPPr marR="0" lvl="0" algn="l" rtl="0">
       <a:lnSpc>
         <a:spcPct val="100000"/>
       </a:lnSpc>
@@ -46,7 +32,7 @@
         <a:spcPts val="0"/>
       </a:spcAft>
     </a:defPPr>
-    <a:lvl1pPr lvl="0" marR="0" rtl="0" algn="l">
+    <a:lvl1pPr marR="0" lvl="0" algn="l" rtl="0">
       <a:lnSpc>
         <a:spcPct val="100000"/>
       </a:lnSpc>
@@ -57,7 +43,7 @@
         <a:spcPts val="0"/>
       </a:spcAft>
       <a:buNone/>
-      <a:defRPr b="0" i="0" sz="1400" u="none" cap="none" strike="noStrike">
+      <a:defRPr sz="1400" b="0" i="0" u="none" strike="noStrike" cap="none">
         <a:solidFill>
           <a:srgbClr val="000000"/>
         </a:solidFill>
@@ -67,7 +53,7 @@
         <a:sym typeface="Arial"/>
       </a:defRPr>
     </a:lvl1pPr>
-    <a:lvl2pPr lvl="1" marR="0" rtl="0" algn="l">
+    <a:lvl2pPr marR="0" lvl="1" algn="l" rtl="0">
       <a:lnSpc>
         <a:spcPct val="100000"/>
       </a:lnSpc>
@@ -78,7 +64,7 @@
         <a:spcPts val="0"/>
       </a:spcAft>
       <a:buNone/>
-      <a:defRPr b="0" i="0" sz="1400" u="none" cap="none" strike="noStrike">
+      <a:defRPr sz="1400" b="0" i="0" u="none" strike="noStrike" cap="none">
         <a:solidFill>
           <a:srgbClr val="000000"/>
         </a:solidFill>
@@ -88,7 +74,7 @@
         <a:sym typeface="Arial"/>
       </a:defRPr>
     </a:lvl2pPr>
-    <a:lvl3pPr lvl="2" marR="0" rtl="0" algn="l">
+    <a:lvl3pPr marR="0" lvl="2" algn="l" rtl="0">
       <a:lnSpc>
         <a:spcPct val="100000"/>
       </a:lnSpc>
@@ -99,7 +85,7 @@
         <a:spcPts val="0"/>
       </a:spcAft>
       <a:buNone/>
-      <a:defRPr b="0" i="0" sz="1400" u="none" cap="none" strike="noStrike">
+      <a:defRPr sz="1400" b="0" i="0" u="none" strike="noStrike" cap="none">
         <a:solidFill>
           <a:srgbClr val="000000"/>
         </a:solidFill>
@@ -109,7 +95,7 @@
         <a:sym typeface="Arial"/>
       </a:defRPr>
     </a:lvl3pPr>
-    <a:lvl4pPr lvl="3" marR="0" rtl="0" algn="l">
+    <a:lvl4pPr marR="0" lvl="3" algn="l" rtl="0">
       <a:lnSpc>
         <a:spcPct val="100000"/>
       </a:lnSpc>
@@ -120,7 +106,7 @@
         <a:spcPts val="0"/>
       </a:spcAft>
       <a:buNone/>
-      <a:defRPr b="0" i="0" sz="1400" u="none" cap="none" strike="noStrike">
+      <a:defRPr sz="1400" b="0" i="0" u="none" strike="noStrike" cap="none">
         <a:solidFill>
           <a:srgbClr val="000000"/>
         </a:solidFill>
@@ -130,7 +116,7 @@
         <a:sym typeface="Arial"/>
       </a:defRPr>
     </a:lvl4pPr>
-    <a:lvl5pPr lvl="4" marR="0" rtl="0" algn="l">
+    <a:lvl5pPr marR="0" lvl="4" algn="l" rtl="0">
       <a:lnSpc>
         <a:spcPct val="100000"/>
       </a:lnSpc>
@@ -141,7 +127,7 @@
         <a:spcPts val="0"/>
       </a:spcAft>
       <a:buNone/>
-      <a:defRPr b="0" i="0" sz="1400" u="none" cap="none" strike="noStrike">
+      <a:defRPr sz="1400" b="0" i="0" u="none" strike="noStrike" cap="none">
         <a:solidFill>
           <a:srgbClr val="000000"/>
         </a:solidFill>
@@ -151,7 +137,7 @@
         <a:sym typeface="Arial"/>
       </a:defRPr>
     </a:lvl5pPr>
-    <a:lvl6pPr lvl="5" marR="0" rtl="0" algn="l">
+    <a:lvl6pPr marR="0" lvl="5" algn="l" rtl="0">
       <a:lnSpc>
         <a:spcPct val="100000"/>
       </a:lnSpc>
@@ -162,7 +148,7 @@
         <a:spcPts val="0"/>
       </a:spcAft>
       <a:buNone/>
-      <a:defRPr b="0" i="0" sz="1400" u="none" cap="none" strike="noStrike">
+      <a:defRPr sz="1400" b="0" i="0" u="none" strike="noStrike" cap="none">
         <a:solidFill>
           <a:srgbClr val="000000"/>
         </a:solidFill>
@@ -172,7 +158,7 @@
         <a:sym typeface="Arial"/>
       </a:defRPr>
     </a:lvl6pPr>
-    <a:lvl7pPr lvl="6" marR="0" rtl="0" algn="l">
+    <a:lvl7pPr marR="0" lvl="6" algn="l" rtl="0">
       <a:lnSpc>
         <a:spcPct val="100000"/>
       </a:lnSpc>
@@ -183,7 +169,7 @@
         <a:spcPts val="0"/>
       </a:spcAft>
       <a:buNone/>
-      <a:defRPr b="0" i="0" sz="1400" u="none" cap="none" strike="noStrike">
+      <a:defRPr sz="1400" b="0" i="0" u="none" strike="noStrike" cap="none">
         <a:solidFill>
           <a:srgbClr val="000000"/>
         </a:solidFill>
@@ -193,7 +179,7 @@
         <a:sym typeface="Arial"/>
       </a:defRPr>
     </a:lvl7pPr>
-    <a:lvl8pPr lvl="7" marR="0" rtl="0" algn="l">
+    <a:lvl8pPr marR="0" lvl="7" algn="l" rtl="0">
       <a:lnSpc>
         <a:spcPct val="100000"/>
       </a:lnSpc>
@@ -204,7 +190,7 @@
         <a:spcPts val="0"/>
       </a:spcAft>
       <a:buNone/>
-      <a:defRPr b="0" i="0" sz="1400" u="none" cap="none" strike="noStrike">
+      <a:defRPr sz="1400" b="0" i="0" u="none" strike="noStrike" cap="none">
         <a:solidFill>
           <a:srgbClr val="000000"/>
         </a:solidFill>
@@ -214,7 +200,7 @@
         <a:sym typeface="Arial"/>
       </a:defRPr>
     </a:lvl8pPr>
-    <a:lvl9pPr lvl="8" marR="0" rtl="0" algn="l">
+    <a:lvl9pPr marR="0" lvl="8" algn="l" rtl="0">
       <a:lnSpc>
         <a:spcPct val="100000"/>
       </a:lnSpc>
@@ -225,7 +211,7 @@
         <a:spcPts val="0"/>
       </a:spcAft>
       <a:buNone/>
-      <a:defRPr b="0" i="0" sz="1400" u="none" cap="none" strike="noStrike">
+      <a:defRPr sz="1400" b="0" i="0" u="none" strike="noStrike" cap="none">
         <a:solidFill>
           <a:srgbClr val="000000"/>
         </a:solidFill>
@@ -240,11 +226,16 @@
 </file>
 
 <file path=ppt/notesMasters/notesMaster1.xml><?xml version="1.0" encoding="utf-8"?>
-<p:notesMaster xmlns:a="http://schemas.openxmlformats.org/drawingml/2006/main" xmlns:r="http://schemas.openxmlformats.org/officeDocument/2006/relationships" xmlns:mc="http://schemas.openxmlformats.org/markup-compatibility/2006" xmlns:mv="urn:schemas-microsoft-com:mac:vml" xmlns:p="http://schemas.openxmlformats.org/presentationml/2006/main" xmlns:c="http://schemas.openxmlformats.org/drawingml/2006/chart" xmlns:dgm="http://schemas.openxmlformats.org/drawingml/2006/diagram" xmlns:o="urn:schemas-microsoft-com:office:office" xmlns:v="urn:schemas-microsoft-com:vml" xmlns:pvml="urn:schemas-microsoft-com:office:powerpoint" xmlns:com="http://schemas.openxmlformats.org/drawingml/2006/compatibility" xmlns:p14="http://schemas.microsoft.com/office/powerpoint/2010/main" xmlns:p15="http://schemas.microsoft.com/office/powerpoint/2012/main">
+<p:notesMaster xmlns:a="http://schemas.openxmlformats.org/drawingml/2006/main" xmlns:r="http://schemas.openxmlformats.org/officeDocument/2006/relationships" xmlns:p="http://schemas.openxmlformats.org/presentationml/2006/main">
   <p:cSld>
+    <p:bg>
+      <p:bgRef idx="1001">
+        <a:schemeClr val="bg1"/>
+      </p:bgRef>
+    </p:bg>
     <p:spTree>
       <p:nvGrpSpPr>
-        <p:cNvPr id="2" name="Shape 2"/>
+        <p:cNvPr id="1" name="Shape 2"/>
         <p:cNvGrpSpPr/>
         <p:nvPr/>
       </p:nvGrpSpPr>
@@ -259,9 +250,11 @@
       <p:sp>
         <p:nvSpPr>
           <p:cNvPr id="3" name="Shape 3"/>
-          <p:cNvSpPr/>
+          <p:cNvSpPr>
+            <a:spLocks noGrp="1" noRot="1" noChangeAspect="1"/>
+          </p:cNvSpPr>
           <p:nvPr>
-            <p:ph idx="2" type="sldImg"/>
+            <p:ph type="sldImg" idx="2"/>
           </p:nvPr>
         </p:nvSpPr>
         <p:spPr>
@@ -270,8 +263,13 @@
             <a:ext cx="6096075" cy="3429000"/>
           </a:xfrm>
           <a:custGeom>
+            <a:avLst/>
+            <a:gdLst/>
+            <a:ahLst/>
+            <a:cxnLst/>
+            <a:rect l="0" t="0" r="0" b="0"/>
             <a:pathLst>
-              <a:path extrusionOk="0" h="120000" w="120000">
+              <a:path w="120000" h="120000" extrusionOk="0">
                 <a:moveTo>
                   <a:pt x="0" y="0"/>
                 </a:moveTo>
@@ -289,23 +287,25 @@
             </a:pathLst>
           </a:custGeom>
           <a:noFill/>
-          <a:ln cap="flat" cmpd="sng" w="9525">
+          <a:ln w="9525" cap="flat" cmpd="sng">
             <a:solidFill>
               <a:srgbClr val="000000"/>
             </a:solidFill>
             <a:prstDash val="solid"/>
             <a:round/>
-            <a:headEnd len="med" w="med" type="none"/>
-            <a:tailEnd len="med" w="med" type="none"/>
+            <a:headEnd type="none" w="med" len="med"/>
+            <a:tailEnd type="none" w="med" len="med"/>
           </a:ln>
         </p:spPr>
       </p:sp>
       <p:sp>
         <p:nvSpPr>
           <p:cNvPr id="4" name="Shape 4"/>
-          <p:cNvSpPr txBox="1"/>
+          <p:cNvSpPr txBox="1">
+            <a:spLocks noGrp="1"/>
+          </p:cNvSpPr>
           <p:nvPr>
-            <p:ph idx="1" type="body"/>
+            <p:ph type="body" idx="1"/>
           </p:nvPr>
         </p:nvSpPr>
         <p:spPr>
@@ -322,7 +322,7 @@
           </a:ln>
         </p:spPr>
         <p:txBody>
-          <a:bodyPr anchorCtr="0" anchor="t" bIns="91425" lIns="91425" rIns="91425" wrap="square" tIns="91425"/>
+          <a:bodyPr wrap="square" lIns="91425" tIns="91425" rIns="91425" bIns="91425" anchor="t" anchorCtr="0"/>
           <a:lstStyle>
             <a:lvl1pPr lvl="0">
               <a:spcBef>
@@ -397,21 +397,120 @@
               <a:defRPr sz="1100"/>
             </a:lvl9pPr>
           </a:lstStyle>
-          <a:p/>
+          <a:p>
+            <a:endParaRPr/>
+          </a:p>
         </p:txBody>
       </p:sp>
     </p:spTree>
+    <p:extLst>
+      <p:ext uri="{BB962C8B-B14F-4D97-AF65-F5344CB8AC3E}">
+        <p14:creationId xmlns:p14="http://schemas.microsoft.com/office/powerpoint/2010/main" val="2076110488"/>
+      </p:ext>
+    </p:extLst>
   </p:cSld>
-  <p:clrMap accent1="accent1" accent2="accent2" accent3="accent3" accent4="accent4" accent5="accent5" accent6="accent6" bg1="lt1" bg2="dk2" tx1="dk1" tx2="lt2" folHlink="folHlink" hlink="hlink"/>
+  <p:clrMap bg1="lt1" tx1="dk1" bg2="dk2" tx2="lt2" accent1="accent1" accent2="accent2" accent3="accent3" accent4="accent4" accent5="accent5" accent6="accent6" hlink="hlink" folHlink="folHlink"/>
+  <p:notesStyle>
+    <a:lvl1pPr marL="0" algn="l" defTabSz="914400" rtl="0" eaLnBrk="1" latinLnBrk="0" hangingPunct="1">
+      <a:defRPr sz="1200" kern="1200">
+        <a:solidFill>
+          <a:schemeClr val="tx1"/>
+        </a:solidFill>
+        <a:latin typeface="+mn-lt"/>
+        <a:ea typeface="+mn-ea"/>
+        <a:cs typeface="+mn-cs"/>
+      </a:defRPr>
+    </a:lvl1pPr>
+    <a:lvl2pPr marL="457200" algn="l" defTabSz="914400" rtl="0" eaLnBrk="1" latinLnBrk="0" hangingPunct="1">
+      <a:defRPr sz="1200" kern="1200">
+        <a:solidFill>
+          <a:schemeClr val="tx1"/>
+        </a:solidFill>
+        <a:latin typeface="+mn-lt"/>
+        <a:ea typeface="+mn-ea"/>
+        <a:cs typeface="+mn-cs"/>
+      </a:defRPr>
+    </a:lvl2pPr>
+    <a:lvl3pPr marL="914400" algn="l" defTabSz="914400" rtl="0" eaLnBrk="1" latinLnBrk="0" hangingPunct="1">
+      <a:defRPr sz="1200" kern="1200">
+        <a:solidFill>
+          <a:schemeClr val="tx1"/>
+        </a:solidFill>
+        <a:latin typeface="+mn-lt"/>
+        <a:ea typeface="+mn-ea"/>
+        <a:cs typeface="+mn-cs"/>
+      </a:defRPr>
+    </a:lvl3pPr>
+    <a:lvl4pPr marL="1371600" algn="l" defTabSz="914400" rtl="0" eaLnBrk="1" latinLnBrk="0" hangingPunct="1">
+      <a:defRPr sz="1200" kern="1200">
+        <a:solidFill>
+          <a:schemeClr val="tx1"/>
+        </a:solidFill>
+        <a:latin typeface="+mn-lt"/>
+        <a:ea typeface="+mn-ea"/>
+        <a:cs typeface="+mn-cs"/>
+      </a:defRPr>
+    </a:lvl4pPr>
+    <a:lvl5pPr marL="1828800" algn="l" defTabSz="914400" rtl="0" eaLnBrk="1" latinLnBrk="0" hangingPunct="1">
+      <a:defRPr sz="1200" kern="1200">
+        <a:solidFill>
+          <a:schemeClr val="tx1"/>
+        </a:solidFill>
+        <a:latin typeface="+mn-lt"/>
+        <a:ea typeface="+mn-ea"/>
+        <a:cs typeface="+mn-cs"/>
+      </a:defRPr>
+    </a:lvl5pPr>
+    <a:lvl6pPr marL="2286000" algn="l" defTabSz="914400" rtl="0" eaLnBrk="1" latinLnBrk="0" hangingPunct="1">
+      <a:defRPr sz="1200" kern="1200">
+        <a:solidFill>
+          <a:schemeClr val="tx1"/>
+        </a:solidFill>
+        <a:latin typeface="+mn-lt"/>
+        <a:ea typeface="+mn-ea"/>
+        <a:cs typeface="+mn-cs"/>
+      </a:defRPr>
+    </a:lvl6pPr>
+    <a:lvl7pPr marL="2743200" algn="l" defTabSz="914400" rtl="0" eaLnBrk="1" latinLnBrk="0" hangingPunct="1">
+      <a:defRPr sz="1200" kern="1200">
+        <a:solidFill>
+          <a:schemeClr val="tx1"/>
+        </a:solidFill>
+        <a:latin typeface="+mn-lt"/>
+        <a:ea typeface="+mn-ea"/>
+        <a:cs typeface="+mn-cs"/>
+      </a:defRPr>
+    </a:lvl7pPr>
+    <a:lvl8pPr marL="3200400" algn="l" defTabSz="914400" rtl="0" eaLnBrk="1" latinLnBrk="0" hangingPunct="1">
+      <a:defRPr sz="1200" kern="1200">
+        <a:solidFill>
+          <a:schemeClr val="tx1"/>
+        </a:solidFill>
+        <a:latin typeface="+mn-lt"/>
+        <a:ea typeface="+mn-ea"/>
+        <a:cs typeface="+mn-cs"/>
+      </a:defRPr>
+    </a:lvl8pPr>
+    <a:lvl9pPr marL="3657600" algn="l" defTabSz="914400" rtl="0" eaLnBrk="1" latinLnBrk="0" hangingPunct="1">
+      <a:defRPr sz="1200" kern="1200">
+        <a:solidFill>
+          <a:schemeClr val="tx1"/>
+        </a:solidFill>
+        <a:latin typeface="+mn-lt"/>
+        <a:ea typeface="+mn-ea"/>
+        <a:cs typeface="+mn-cs"/>
+      </a:defRPr>
+    </a:lvl9pPr>
+  </p:notesStyle>
 </p:notesMaster>
 </file>
 
 <file path=ppt/notesSlides/notesSlide1.xml><?xml version="1.0" encoding="utf-8"?>
-<p:notes xmlns:a="http://schemas.openxmlformats.org/drawingml/2006/main" xmlns:r="http://schemas.openxmlformats.org/officeDocument/2006/relationships" xmlns:mc="http://schemas.openxmlformats.org/markup-compatibility/2006" xmlns:mv="urn:schemas-microsoft-com:mac:vml" xmlns:p="http://schemas.openxmlformats.org/presentationml/2006/main" xmlns:c="http://schemas.openxmlformats.org/drawingml/2006/chart" xmlns:dgm="http://schemas.openxmlformats.org/drawingml/2006/diagram" xmlns:o="urn:schemas-microsoft-com:office:office" xmlns:v="urn:schemas-microsoft-com:vml" xmlns:pvml="urn:schemas-microsoft-com:office:powerpoint" xmlns:com="http://schemas.openxmlformats.org/drawingml/2006/compatibility" xmlns:p14="http://schemas.microsoft.com/office/powerpoint/2010/main" xmlns:p15="http://schemas.microsoft.com/office/powerpoint/2012/main" showMasterPhAnim="0" showMasterSp="0">
+<p:notes xmlns:a="http://schemas.openxmlformats.org/drawingml/2006/main" xmlns:r="http://schemas.openxmlformats.org/officeDocument/2006/relationships" xmlns:p="http://schemas.openxmlformats.org/presentationml/2006/main" showMasterSp="0" showMasterPhAnim="0">
   <p:cSld>
     <p:spTree>
       <p:nvGrpSpPr>
-        <p:cNvPr id="59" name="Shape 59"/>
+        <p:cNvPr id="1" name="Shape 59"/>
         <p:cNvGrpSpPr/>
         <p:nvPr/>
       </p:nvGrpSpPr>
@@ -426,9 +525,11 @@
       <p:sp>
         <p:nvSpPr>
           <p:cNvPr id="60" name="Shape 60"/>
-          <p:cNvSpPr/>
+          <p:cNvSpPr>
+            <a:spLocks noGrp="1" noRot="1" noChangeAspect="1"/>
+          </p:cNvSpPr>
           <p:nvPr>
-            <p:ph idx="2" type="sldImg"/>
+            <p:ph type="sldImg" idx="2"/>
           </p:nvPr>
         </p:nvSpPr>
         <p:spPr>
@@ -437,8 +538,13 @@
             <a:ext cx="6096075" cy="3429000"/>
           </a:xfrm>
           <a:custGeom>
+            <a:avLst/>
+            <a:gdLst/>
+            <a:ahLst/>
+            <a:cxnLst/>
+            <a:rect l="0" t="0" r="0" b="0"/>
             <a:pathLst>
-              <a:path extrusionOk="0" h="120000" w="120000">
+              <a:path w="120000" h="120000" extrusionOk="0">
                 <a:moveTo>
                   <a:pt x="0" y="0"/>
                 </a:moveTo>
@@ -460,9 +566,11 @@
       <p:sp>
         <p:nvSpPr>
           <p:cNvPr id="61" name="Shape 61"/>
-          <p:cNvSpPr txBox="1"/>
+          <p:cNvSpPr txBox="1">
+            <a:spLocks noGrp="1"/>
+          </p:cNvSpPr>
           <p:nvPr>
-            <p:ph idx="1" type="body"/>
+            <p:ph type="body" idx="1"/>
           </p:nvPr>
         </p:nvSpPr>
         <p:spPr>
@@ -475,7 +583,7 @@
           </a:prstGeom>
         </p:spPr>
         <p:txBody>
-          <a:bodyPr anchorCtr="0" anchor="t" bIns="91425" lIns="91425" rIns="91425" wrap="square" tIns="91425">
+          <a:bodyPr wrap="square" lIns="91425" tIns="91425" rIns="91425" bIns="91425" anchor="t" anchorCtr="0">
             <a:noAutofit/>
           </a:bodyPr>
           <a:lstStyle/>
@@ -486,14 +594,16 @@
               </a:spcBef>
               <a:buNone/>
             </a:pPr>
-            <a:r>
-              <a:t/>
-            </a:r>
             <a:endParaRPr/>
           </a:p>
         </p:txBody>
       </p:sp>
     </p:spTree>
+    <p:extLst>
+      <p:ext uri="{BB962C8B-B14F-4D97-AF65-F5344CB8AC3E}">
+        <p14:creationId xmlns:p14="http://schemas.microsoft.com/office/powerpoint/2010/main" val="874675360"/>
+      </p:ext>
+    </p:extLst>
   </p:cSld>
   <p:clrMapOvr>
     <a:masterClrMapping/>
@@ -502,11 +612,11 @@
 </file>
 
 <file path=ppt/notesSlides/notesSlide2.xml><?xml version="1.0" encoding="utf-8"?>
-<p:notes xmlns:a="http://schemas.openxmlformats.org/drawingml/2006/main" xmlns:r="http://schemas.openxmlformats.org/officeDocument/2006/relationships" xmlns:mc="http://schemas.openxmlformats.org/markup-compatibility/2006" xmlns:mv="urn:schemas-microsoft-com:mac:vml" xmlns:p="http://schemas.openxmlformats.org/presentationml/2006/main" xmlns:c="http://schemas.openxmlformats.org/drawingml/2006/chart" xmlns:dgm="http://schemas.openxmlformats.org/drawingml/2006/diagram" xmlns:o="urn:schemas-microsoft-com:office:office" xmlns:v="urn:schemas-microsoft-com:vml" xmlns:pvml="urn:schemas-microsoft-com:office:powerpoint" xmlns:com="http://schemas.openxmlformats.org/drawingml/2006/compatibility" xmlns:p14="http://schemas.microsoft.com/office/powerpoint/2010/main" xmlns:p15="http://schemas.microsoft.com/office/powerpoint/2012/main" showMasterPhAnim="0" showMasterSp="0">
+<p:notes xmlns:a="http://schemas.openxmlformats.org/drawingml/2006/main" xmlns:r="http://schemas.openxmlformats.org/officeDocument/2006/relationships" xmlns:p="http://schemas.openxmlformats.org/presentationml/2006/main" showMasterSp="0" showMasterPhAnim="0">
   <p:cSld>
     <p:spTree>
       <p:nvGrpSpPr>
-        <p:cNvPr id="65" name="Shape 65"/>
+        <p:cNvPr id="1" name="Shape 65"/>
         <p:cNvGrpSpPr/>
         <p:nvPr/>
       </p:nvGrpSpPr>
@@ -521,9 +631,11 @@
       <p:sp>
         <p:nvSpPr>
           <p:cNvPr id="66" name="Shape 66"/>
-          <p:cNvSpPr/>
+          <p:cNvSpPr>
+            <a:spLocks noGrp="1" noRot="1" noChangeAspect="1"/>
+          </p:cNvSpPr>
           <p:nvPr>
-            <p:ph idx="2" type="sldImg"/>
+            <p:ph type="sldImg" idx="2"/>
           </p:nvPr>
         </p:nvSpPr>
         <p:spPr>
@@ -532,8 +644,13 @@
             <a:ext cx="6096000" cy="3429000"/>
           </a:xfrm>
           <a:custGeom>
+            <a:avLst/>
+            <a:gdLst/>
+            <a:ahLst/>
+            <a:cxnLst/>
+            <a:rect l="0" t="0" r="0" b="0"/>
             <a:pathLst>
-              <a:path extrusionOk="0" h="120000" w="120000">
+              <a:path w="120000" h="120000" extrusionOk="0">
                 <a:moveTo>
                   <a:pt x="0" y="0"/>
                 </a:moveTo>
@@ -555,9 +672,11 @@
       <p:sp>
         <p:nvSpPr>
           <p:cNvPr id="67" name="Shape 67"/>
-          <p:cNvSpPr txBox="1"/>
+          <p:cNvSpPr txBox="1">
+            <a:spLocks noGrp="1"/>
+          </p:cNvSpPr>
           <p:nvPr>
-            <p:ph idx="1" type="body"/>
+            <p:ph type="body" idx="1"/>
           </p:nvPr>
         </p:nvSpPr>
         <p:spPr>
@@ -570,7 +689,7 @@
           </a:prstGeom>
         </p:spPr>
         <p:txBody>
-          <a:bodyPr anchorCtr="0" anchor="t" bIns="91425" lIns="91425" rIns="91425" wrap="square" tIns="91425">
+          <a:bodyPr wrap="square" lIns="91425" tIns="91425" rIns="91425" bIns="91425" anchor="t" anchorCtr="0">
             <a:noAutofit/>
           </a:bodyPr>
           <a:lstStyle/>
@@ -581,14 +700,16 @@
               </a:spcBef>
               <a:buNone/>
             </a:pPr>
-            <a:r>
-              <a:t/>
-            </a:r>
             <a:endParaRPr/>
           </a:p>
         </p:txBody>
       </p:sp>
     </p:spTree>
+    <p:extLst>
+      <p:ext uri="{BB962C8B-B14F-4D97-AF65-F5344CB8AC3E}">
+        <p14:creationId xmlns:p14="http://schemas.microsoft.com/office/powerpoint/2010/main" val="1143211805"/>
+      </p:ext>
+    </p:extLst>
   </p:cSld>
   <p:clrMapOvr>
     <a:masterClrMapping/>
@@ -597,11 +718,11 @@
 </file>
 
 <file path=ppt/notesSlides/notesSlide3.xml><?xml version="1.0" encoding="utf-8"?>
-<p:notes xmlns:a="http://schemas.openxmlformats.org/drawingml/2006/main" xmlns:r="http://schemas.openxmlformats.org/officeDocument/2006/relationships" xmlns:mc="http://schemas.openxmlformats.org/markup-compatibility/2006" xmlns:mv="urn:schemas-microsoft-com:mac:vml" xmlns:p="http://schemas.openxmlformats.org/presentationml/2006/main" xmlns:c="http://schemas.openxmlformats.org/drawingml/2006/chart" xmlns:dgm="http://schemas.openxmlformats.org/drawingml/2006/diagram" xmlns:o="urn:schemas-microsoft-com:office:office" xmlns:v="urn:schemas-microsoft-com:vml" xmlns:pvml="urn:schemas-microsoft-com:office:powerpoint" xmlns:com="http://schemas.openxmlformats.org/drawingml/2006/compatibility" xmlns:p14="http://schemas.microsoft.com/office/powerpoint/2010/main" xmlns:p15="http://schemas.microsoft.com/office/powerpoint/2012/main" showMasterPhAnim="0" showMasterSp="0">
+<p:notes xmlns:a="http://schemas.openxmlformats.org/drawingml/2006/main" xmlns:r="http://schemas.openxmlformats.org/officeDocument/2006/relationships" xmlns:p="http://schemas.openxmlformats.org/presentationml/2006/main" showMasterSp="0" showMasterPhAnim="0">
   <p:cSld>
     <p:spTree>
       <p:nvGrpSpPr>
-        <p:cNvPr id="71" name="Shape 71"/>
+        <p:cNvPr id="1" name="Shape 71"/>
         <p:cNvGrpSpPr/>
         <p:nvPr/>
       </p:nvGrpSpPr>
@@ -616,19 +737,26 @@
       <p:sp>
         <p:nvSpPr>
           <p:cNvPr id="72" name="Shape 72"/>
-          <p:cNvSpPr/>
+          <p:cNvSpPr>
+            <a:spLocks noGrp="1" noRot="1" noChangeAspect="1"/>
+          </p:cNvSpPr>
           <p:nvPr>
-            <p:ph idx="2" type="sldImg"/>
+            <p:ph type="sldImg" idx="2"/>
           </p:nvPr>
         </p:nvSpPr>
         <p:spPr>
           <a:xfrm>
-            <a:off x="381300" y="685800"/>
+            <a:off x="381000" y="685800"/>
             <a:ext cx="6096000" cy="3429000"/>
           </a:xfrm>
           <a:custGeom>
+            <a:avLst/>
+            <a:gdLst/>
+            <a:ahLst/>
+            <a:cxnLst/>
+            <a:rect l="0" t="0" r="0" b="0"/>
             <a:pathLst>
-              <a:path extrusionOk="0" h="120000" w="120000">
+              <a:path w="120000" h="120000" extrusionOk="0">
                 <a:moveTo>
                   <a:pt x="0" y="0"/>
                 </a:moveTo>
@@ -650,9 +778,11 @@
       <p:sp>
         <p:nvSpPr>
           <p:cNvPr id="73" name="Shape 73"/>
-          <p:cNvSpPr txBox="1"/>
+          <p:cNvSpPr txBox="1">
+            <a:spLocks noGrp="1"/>
+          </p:cNvSpPr>
           <p:nvPr>
-            <p:ph idx="1" type="body"/>
+            <p:ph type="body" idx="1"/>
           </p:nvPr>
         </p:nvSpPr>
         <p:spPr>
@@ -665,7 +795,7 @@
           </a:prstGeom>
         </p:spPr>
         <p:txBody>
-          <a:bodyPr anchorCtr="0" anchor="t" bIns="91425" lIns="91425" rIns="91425" wrap="square" tIns="91425">
+          <a:bodyPr wrap="square" lIns="91425" tIns="91425" rIns="91425" bIns="91425" anchor="t" anchorCtr="0">
             <a:noAutofit/>
           </a:bodyPr>
           <a:lstStyle/>
@@ -676,14 +806,16 @@
               </a:spcBef>
               <a:buNone/>
             </a:pPr>
-            <a:r>
-              <a:t/>
-            </a:r>
             <a:endParaRPr/>
           </a:p>
         </p:txBody>
       </p:sp>
     </p:spTree>
+    <p:extLst>
+      <p:ext uri="{BB962C8B-B14F-4D97-AF65-F5344CB8AC3E}">
+        <p14:creationId xmlns:p14="http://schemas.microsoft.com/office/powerpoint/2010/main" val="424616926"/>
+      </p:ext>
+    </p:extLst>
   </p:cSld>
   <p:clrMapOvr>
     <a:masterClrMapping/>
@@ -692,11 +824,11 @@
 </file>
 
 <file path=ppt/notesSlides/notesSlide4.xml><?xml version="1.0" encoding="utf-8"?>
-<p:notes xmlns:a="http://schemas.openxmlformats.org/drawingml/2006/main" xmlns:r="http://schemas.openxmlformats.org/officeDocument/2006/relationships" xmlns:mc="http://schemas.openxmlformats.org/markup-compatibility/2006" xmlns:mv="urn:schemas-microsoft-com:mac:vml" xmlns:p="http://schemas.openxmlformats.org/presentationml/2006/main" xmlns:c="http://schemas.openxmlformats.org/drawingml/2006/chart" xmlns:dgm="http://schemas.openxmlformats.org/drawingml/2006/diagram" xmlns:o="urn:schemas-microsoft-com:office:office" xmlns:v="urn:schemas-microsoft-com:vml" xmlns:pvml="urn:schemas-microsoft-com:office:powerpoint" xmlns:com="http://schemas.openxmlformats.org/drawingml/2006/compatibility" xmlns:p14="http://schemas.microsoft.com/office/powerpoint/2010/main" xmlns:p15="http://schemas.microsoft.com/office/powerpoint/2012/main" showMasterPhAnim="0" showMasterSp="0">
+<p:notes xmlns:a="http://schemas.openxmlformats.org/drawingml/2006/main" xmlns:r="http://schemas.openxmlformats.org/officeDocument/2006/relationships" xmlns:p="http://schemas.openxmlformats.org/presentationml/2006/main" showMasterSp="0" showMasterPhAnim="0">
   <p:cSld>
     <p:spTree>
       <p:nvGrpSpPr>
-        <p:cNvPr id="77" name="Shape 77"/>
+        <p:cNvPr id="1" name="Shape 77"/>
         <p:cNvGrpSpPr/>
         <p:nvPr/>
       </p:nvGrpSpPr>
@@ -711,9 +843,11 @@
       <p:sp>
         <p:nvSpPr>
           <p:cNvPr id="78" name="Shape 78"/>
-          <p:cNvSpPr/>
+          <p:cNvSpPr>
+            <a:spLocks noGrp="1" noRot="1" noChangeAspect="1"/>
+          </p:cNvSpPr>
           <p:nvPr>
-            <p:ph idx="2" type="sldImg"/>
+            <p:ph type="sldImg" idx="2"/>
           </p:nvPr>
         </p:nvSpPr>
         <p:spPr>
@@ -722,8 +856,13 @@
             <a:ext cx="6096000" cy="3429000"/>
           </a:xfrm>
           <a:custGeom>
+            <a:avLst/>
+            <a:gdLst/>
+            <a:ahLst/>
+            <a:cxnLst/>
+            <a:rect l="0" t="0" r="0" b="0"/>
             <a:pathLst>
-              <a:path extrusionOk="0" h="120000" w="120000">
+              <a:path w="120000" h="120000" extrusionOk="0">
                 <a:moveTo>
                   <a:pt x="0" y="0"/>
                 </a:moveTo>
@@ -745,9 +884,11 @@
       <p:sp>
         <p:nvSpPr>
           <p:cNvPr id="79" name="Shape 79"/>
-          <p:cNvSpPr txBox="1"/>
+          <p:cNvSpPr txBox="1">
+            <a:spLocks noGrp="1"/>
+          </p:cNvSpPr>
           <p:nvPr>
-            <p:ph idx="1" type="body"/>
+            <p:ph type="body" idx="1"/>
           </p:nvPr>
         </p:nvSpPr>
         <p:spPr>
@@ -760,7 +901,7 @@
           </a:prstGeom>
         </p:spPr>
         <p:txBody>
-          <a:bodyPr anchorCtr="0" anchor="t" bIns="91425" lIns="91425" rIns="91425" wrap="square" tIns="91425">
+          <a:bodyPr wrap="square" lIns="91425" tIns="91425" rIns="91425" bIns="91425" anchor="t" anchorCtr="0">
             <a:noAutofit/>
           </a:bodyPr>
           <a:lstStyle/>
@@ -771,14 +912,16 @@
               </a:spcBef>
               <a:buNone/>
             </a:pPr>
-            <a:r>
-              <a:t/>
-            </a:r>
             <a:endParaRPr/>
           </a:p>
         </p:txBody>
       </p:sp>
     </p:spTree>
+    <p:extLst>
+      <p:ext uri="{BB962C8B-B14F-4D97-AF65-F5344CB8AC3E}">
+        <p14:creationId xmlns:p14="http://schemas.microsoft.com/office/powerpoint/2010/main" val="448516301"/>
+      </p:ext>
+    </p:extLst>
   </p:cSld>
   <p:clrMapOvr>
     <a:masterClrMapping/>
@@ -787,11 +930,11 @@
 </file>
 
 <file path=ppt/notesSlides/notesSlide5.xml><?xml version="1.0" encoding="utf-8"?>
-<p:notes xmlns:a="http://schemas.openxmlformats.org/drawingml/2006/main" xmlns:r="http://schemas.openxmlformats.org/officeDocument/2006/relationships" xmlns:mc="http://schemas.openxmlformats.org/markup-compatibility/2006" xmlns:mv="urn:schemas-microsoft-com:mac:vml" xmlns:p="http://schemas.openxmlformats.org/presentationml/2006/main" xmlns:c="http://schemas.openxmlformats.org/drawingml/2006/chart" xmlns:dgm="http://schemas.openxmlformats.org/drawingml/2006/diagram" xmlns:o="urn:schemas-microsoft-com:office:office" xmlns:v="urn:schemas-microsoft-com:vml" xmlns:pvml="urn:schemas-microsoft-com:office:powerpoint" xmlns:com="http://schemas.openxmlformats.org/drawingml/2006/compatibility" xmlns:p14="http://schemas.microsoft.com/office/powerpoint/2010/main" xmlns:p15="http://schemas.microsoft.com/office/powerpoint/2012/main" showMasterPhAnim="0" showMasterSp="0">
+<p:notes xmlns:a="http://schemas.openxmlformats.org/drawingml/2006/main" xmlns:r="http://schemas.openxmlformats.org/officeDocument/2006/relationships" xmlns:p="http://schemas.openxmlformats.org/presentationml/2006/main" showMasterSp="0" showMasterPhAnim="0">
   <p:cSld>
     <p:spTree>
       <p:nvGrpSpPr>
-        <p:cNvPr id="83" name="Shape 83"/>
+        <p:cNvPr id="1" name="Shape 83"/>
         <p:cNvGrpSpPr/>
         <p:nvPr/>
       </p:nvGrpSpPr>
@@ -806,9 +949,11 @@
       <p:sp>
         <p:nvSpPr>
           <p:cNvPr id="84" name="Shape 84"/>
-          <p:cNvSpPr/>
+          <p:cNvSpPr>
+            <a:spLocks noGrp="1" noRot="1" noChangeAspect="1"/>
+          </p:cNvSpPr>
           <p:nvPr>
-            <p:ph idx="2" type="sldImg"/>
+            <p:ph type="sldImg" idx="2"/>
           </p:nvPr>
         </p:nvSpPr>
         <p:spPr>
@@ -817,8 +962,13 @@
             <a:ext cx="6096000" cy="3429000"/>
           </a:xfrm>
           <a:custGeom>
+            <a:avLst/>
+            <a:gdLst/>
+            <a:ahLst/>
+            <a:cxnLst/>
+            <a:rect l="0" t="0" r="0" b="0"/>
             <a:pathLst>
-              <a:path extrusionOk="0" h="120000" w="120000">
+              <a:path w="120000" h="120000" extrusionOk="0">
                 <a:moveTo>
                   <a:pt x="0" y="0"/>
                 </a:moveTo>
@@ -840,9 +990,11 @@
       <p:sp>
         <p:nvSpPr>
           <p:cNvPr id="85" name="Shape 85"/>
-          <p:cNvSpPr txBox="1"/>
+          <p:cNvSpPr txBox="1">
+            <a:spLocks noGrp="1"/>
+          </p:cNvSpPr>
           <p:nvPr>
-            <p:ph idx="1" type="body"/>
+            <p:ph type="body" idx="1"/>
           </p:nvPr>
         </p:nvSpPr>
         <p:spPr>
@@ -855,7 +1007,7 @@
           </a:prstGeom>
         </p:spPr>
         <p:txBody>
-          <a:bodyPr anchorCtr="0" anchor="t" bIns="91425" lIns="91425" rIns="91425" wrap="square" tIns="91425">
+          <a:bodyPr wrap="square" lIns="91425" tIns="91425" rIns="91425" bIns="91425" anchor="t" anchorCtr="0">
             <a:noAutofit/>
           </a:bodyPr>
           <a:lstStyle/>
@@ -866,14 +1018,16 @@
               </a:spcBef>
               <a:buNone/>
             </a:pPr>
-            <a:r>
-              <a:t/>
-            </a:r>
             <a:endParaRPr/>
           </a:p>
         </p:txBody>
       </p:sp>
     </p:spTree>
+    <p:extLst>
+      <p:ext uri="{BB962C8B-B14F-4D97-AF65-F5344CB8AC3E}">
+        <p14:creationId xmlns:p14="http://schemas.microsoft.com/office/powerpoint/2010/main" val="545869937"/>
+      </p:ext>
+    </p:extLst>
   </p:cSld>
   <p:clrMapOvr>
     <a:masterClrMapping/>
@@ -882,11 +1036,11 @@
 </file>
 
 <file path=ppt/notesSlides/notesSlide6.xml><?xml version="1.0" encoding="utf-8"?>
-<p:notes xmlns:a="http://schemas.openxmlformats.org/drawingml/2006/main" xmlns:r="http://schemas.openxmlformats.org/officeDocument/2006/relationships" xmlns:mc="http://schemas.openxmlformats.org/markup-compatibility/2006" xmlns:mv="urn:schemas-microsoft-com:mac:vml" xmlns:p="http://schemas.openxmlformats.org/presentationml/2006/main" xmlns:c="http://schemas.openxmlformats.org/drawingml/2006/chart" xmlns:dgm="http://schemas.openxmlformats.org/drawingml/2006/diagram" xmlns:o="urn:schemas-microsoft-com:office:office" xmlns:v="urn:schemas-microsoft-com:vml" xmlns:pvml="urn:schemas-microsoft-com:office:powerpoint" xmlns:com="http://schemas.openxmlformats.org/drawingml/2006/compatibility" xmlns:p14="http://schemas.microsoft.com/office/powerpoint/2010/main" xmlns:p15="http://schemas.microsoft.com/office/powerpoint/2012/main" showMasterPhAnim="0" showMasterSp="0">
+<p:notes xmlns:a="http://schemas.openxmlformats.org/drawingml/2006/main" xmlns:r="http://schemas.openxmlformats.org/officeDocument/2006/relationships" xmlns:p="http://schemas.openxmlformats.org/presentationml/2006/main" showMasterSp="0" showMasterPhAnim="0">
   <p:cSld>
     <p:spTree>
       <p:nvGrpSpPr>
-        <p:cNvPr id="98" name="Shape 98"/>
+        <p:cNvPr id="1" name="Shape 98"/>
         <p:cNvGrpSpPr/>
         <p:nvPr/>
       </p:nvGrpSpPr>
@@ -901,9 +1055,11 @@
       <p:sp>
         <p:nvSpPr>
           <p:cNvPr id="99" name="Shape 99"/>
-          <p:cNvSpPr/>
+          <p:cNvSpPr>
+            <a:spLocks noGrp="1" noRot="1" noChangeAspect="1"/>
+          </p:cNvSpPr>
           <p:nvPr>
-            <p:ph idx="2" type="sldImg"/>
+            <p:ph type="sldImg" idx="2"/>
           </p:nvPr>
         </p:nvSpPr>
         <p:spPr>
@@ -912,8 +1068,13 @@
             <a:ext cx="6096000" cy="3429000"/>
           </a:xfrm>
           <a:custGeom>
+            <a:avLst/>
+            <a:gdLst/>
+            <a:ahLst/>
+            <a:cxnLst/>
+            <a:rect l="0" t="0" r="0" b="0"/>
             <a:pathLst>
-              <a:path extrusionOk="0" h="120000" w="120000">
+              <a:path w="120000" h="120000" extrusionOk="0">
                 <a:moveTo>
                   <a:pt x="0" y="0"/>
                 </a:moveTo>
@@ -935,9 +1096,11 @@
       <p:sp>
         <p:nvSpPr>
           <p:cNvPr id="100" name="Shape 100"/>
-          <p:cNvSpPr txBox="1"/>
+          <p:cNvSpPr txBox="1">
+            <a:spLocks noGrp="1"/>
+          </p:cNvSpPr>
           <p:nvPr>
-            <p:ph idx="1" type="body"/>
+            <p:ph type="body" idx="1"/>
           </p:nvPr>
         </p:nvSpPr>
         <p:spPr>
@@ -950,7 +1113,7 @@
           </a:prstGeom>
         </p:spPr>
         <p:txBody>
-          <a:bodyPr anchorCtr="0" anchor="t" bIns="91425" lIns="91425" rIns="91425" wrap="square" tIns="91425">
+          <a:bodyPr wrap="square" lIns="91425" tIns="91425" rIns="91425" bIns="91425" anchor="t" anchorCtr="0">
             <a:noAutofit/>
           </a:bodyPr>
           <a:lstStyle/>
@@ -961,14 +1124,16 @@
               </a:spcBef>
               <a:buNone/>
             </a:pPr>
-            <a:r>
-              <a:t/>
-            </a:r>
             <a:endParaRPr/>
           </a:p>
         </p:txBody>
       </p:sp>
     </p:spTree>
+    <p:extLst>
+      <p:ext uri="{BB962C8B-B14F-4D97-AF65-F5344CB8AC3E}">
+        <p14:creationId xmlns:p14="http://schemas.microsoft.com/office/powerpoint/2010/main" val="385891175"/>
+      </p:ext>
+    </p:extLst>
   </p:cSld>
   <p:clrMapOvr>
     <a:masterClrMapping/>
@@ -977,11 +1142,11 @@
 </file>
 
 <file path=ppt/notesSlides/notesSlide7.xml><?xml version="1.0" encoding="utf-8"?>
-<p:notes xmlns:a="http://schemas.openxmlformats.org/drawingml/2006/main" xmlns:r="http://schemas.openxmlformats.org/officeDocument/2006/relationships" xmlns:mc="http://schemas.openxmlformats.org/markup-compatibility/2006" xmlns:mv="urn:schemas-microsoft-com:mac:vml" xmlns:p="http://schemas.openxmlformats.org/presentationml/2006/main" xmlns:c="http://schemas.openxmlformats.org/drawingml/2006/chart" xmlns:dgm="http://schemas.openxmlformats.org/drawingml/2006/diagram" xmlns:o="urn:schemas-microsoft-com:office:office" xmlns:v="urn:schemas-microsoft-com:vml" xmlns:pvml="urn:schemas-microsoft-com:office:powerpoint" xmlns:com="http://schemas.openxmlformats.org/drawingml/2006/compatibility" xmlns:p14="http://schemas.microsoft.com/office/powerpoint/2010/main" xmlns:p15="http://schemas.microsoft.com/office/powerpoint/2012/main" showMasterPhAnim="0" showMasterSp="0">
+<p:notes xmlns:a="http://schemas.openxmlformats.org/drawingml/2006/main" xmlns:r="http://schemas.openxmlformats.org/officeDocument/2006/relationships" xmlns:p="http://schemas.openxmlformats.org/presentationml/2006/main" showMasterSp="0" showMasterPhAnim="0">
   <p:cSld>
     <p:spTree>
       <p:nvGrpSpPr>
-        <p:cNvPr id="104" name="Shape 104"/>
+        <p:cNvPr id="1" name="Shape 104"/>
         <p:cNvGrpSpPr/>
         <p:nvPr/>
       </p:nvGrpSpPr>
@@ -996,19 +1161,26 @@
       <p:sp>
         <p:nvSpPr>
           <p:cNvPr id="105" name="Shape 105"/>
-          <p:cNvSpPr/>
+          <p:cNvSpPr>
+            <a:spLocks noGrp="1" noRot="1" noChangeAspect="1"/>
+          </p:cNvSpPr>
           <p:nvPr>
-            <p:ph idx="2" type="sldImg"/>
+            <p:ph type="sldImg" idx="2"/>
           </p:nvPr>
         </p:nvSpPr>
         <p:spPr>
           <a:xfrm>
-            <a:off x="381300" y="685800"/>
+            <a:off x="381000" y="685800"/>
             <a:ext cx="6096000" cy="3429000"/>
           </a:xfrm>
           <a:custGeom>
+            <a:avLst/>
+            <a:gdLst/>
+            <a:ahLst/>
+            <a:cxnLst/>
+            <a:rect l="0" t="0" r="0" b="0"/>
             <a:pathLst>
-              <a:path extrusionOk="0" h="120000" w="120000">
+              <a:path w="120000" h="120000" extrusionOk="0">
                 <a:moveTo>
                   <a:pt x="0" y="0"/>
                 </a:moveTo>
@@ -1030,9 +1202,11 @@
       <p:sp>
         <p:nvSpPr>
           <p:cNvPr id="106" name="Shape 106"/>
-          <p:cNvSpPr txBox="1"/>
+          <p:cNvSpPr txBox="1">
+            <a:spLocks noGrp="1"/>
+          </p:cNvSpPr>
           <p:nvPr>
-            <p:ph idx="1" type="body"/>
+            <p:ph type="body" idx="1"/>
           </p:nvPr>
         </p:nvSpPr>
         <p:spPr>
@@ -1045,7 +1219,7 @@
           </a:prstGeom>
         </p:spPr>
         <p:txBody>
-          <a:bodyPr anchorCtr="0" anchor="t" bIns="91425" lIns="91425" rIns="91425" wrap="square" tIns="91425">
+          <a:bodyPr wrap="square" lIns="91425" tIns="91425" rIns="91425" bIns="91425" anchor="t" anchorCtr="0">
             <a:noAutofit/>
           </a:bodyPr>
           <a:lstStyle/>
@@ -1056,14 +1230,16 @@
               </a:spcBef>
               <a:buNone/>
             </a:pPr>
-            <a:r>
-              <a:t/>
-            </a:r>
             <a:endParaRPr/>
           </a:p>
         </p:txBody>
       </p:sp>
     </p:spTree>
+    <p:extLst>
+      <p:ext uri="{BB962C8B-B14F-4D97-AF65-F5344CB8AC3E}">
+        <p14:creationId xmlns:p14="http://schemas.microsoft.com/office/powerpoint/2010/main" val="272364285"/>
+      </p:ext>
+    </p:extLst>
   </p:cSld>
   <p:clrMapOvr>
     <a:masterClrMapping/>
@@ -1072,11 +1248,11 @@
 </file>
 
 <file path=ppt/notesSlides/notesSlide8.xml><?xml version="1.0" encoding="utf-8"?>
-<p:notes xmlns:a="http://schemas.openxmlformats.org/drawingml/2006/main" xmlns:r="http://schemas.openxmlformats.org/officeDocument/2006/relationships" xmlns:mc="http://schemas.openxmlformats.org/markup-compatibility/2006" xmlns:mv="urn:schemas-microsoft-com:mac:vml" xmlns:p="http://schemas.openxmlformats.org/presentationml/2006/main" xmlns:c="http://schemas.openxmlformats.org/drawingml/2006/chart" xmlns:dgm="http://schemas.openxmlformats.org/drawingml/2006/diagram" xmlns:o="urn:schemas-microsoft-com:office:office" xmlns:v="urn:schemas-microsoft-com:vml" xmlns:pvml="urn:schemas-microsoft-com:office:powerpoint" xmlns:com="http://schemas.openxmlformats.org/drawingml/2006/compatibility" xmlns:p14="http://schemas.microsoft.com/office/powerpoint/2010/main" xmlns:p15="http://schemas.microsoft.com/office/powerpoint/2012/main" showMasterPhAnim="0" showMasterSp="0">
+<p:notes xmlns:a="http://schemas.openxmlformats.org/drawingml/2006/main" xmlns:r="http://schemas.openxmlformats.org/officeDocument/2006/relationships" xmlns:p="http://schemas.openxmlformats.org/presentationml/2006/main" showMasterSp="0" showMasterPhAnim="0">
   <p:cSld>
     <p:spTree>
       <p:nvGrpSpPr>
-        <p:cNvPr id="110" name="Shape 110"/>
+        <p:cNvPr id="1" name="Shape 110"/>
         <p:cNvGrpSpPr/>
         <p:nvPr/>
       </p:nvGrpSpPr>
@@ -1091,9 +1267,11 @@
       <p:sp>
         <p:nvSpPr>
           <p:cNvPr id="111" name="Shape 111"/>
-          <p:cNvSpPr/>
+          <p:cNvSpPr>
+            <a:spLocks noGrp="1" noRot="1" noChangeAspect="1"/>
+          </p:cNvSpPr>
           <p:nvPr>
-            <p:ph idx="2" type="sldImg"/>
+            <p:ph type="sldImg" idx="2"/>
           </p:nvPr>
         </p:nvSpPr>
         <p:spPr>
@@ -1102,8 +1280,13 @@
             <a:ext cx="6096000" cy="3429000"/>
           </a:xfrm>
           <a:custGeom>
+            <a:avLst/>
+            <a:gdLst/>
+            <a:ahLst/>
+            <a:cxnLst/>
+            <a:rect l="0" t="0" r="0" b="0"/>
             <a:pathLst>
-              <a:path extrusionOk="0" h="120000" w="120000">
+              <a:path w="120000" h="120000" extrusionOk="0">
                 <a:moveTo>
                   <a:pt x="0" y="0"/>
                 </a:moveTo>
@@ -1125,9 +1308,11 @@
       <p:sp>
         <p:nvSpPr>
           <p:cNvPr id="112" name="Shape 112"/>
-          <p:cNvSpPr txBox="1"/>
+          <p:cNvSpPr txBox="1">
+            <a:spLocks noGrp="1"/>
+          </p:cNvSpPr>
           <p:nvPr>
-            <p:ph idx="1" type="body"/>
+            <p:ph type="body" idx="1"/>
           </p:nvPr>
         </p:nvSpPr>
         <p:spPr>
@@ -1140,7 +1325,7 @@
           </a:prstGeom>
         </p:spPr>
         <p:txBody>
-          <a:bodyPr anchorCtr="0" anchor="t" bIns="91425" lIns="91425" rIns="91425" wrap="square" tIns="91425">
+          <a:bodyPr wrap="square" lIns="91425" tIns="91425" rIns="91425" bIns="91425" anchor="t" anchorCtr="0">
             <a:noAutofit/>
           </a:bodyPr>
           <a:lstStyle/>
@@ -1151,14 +1336,16 @@
               </a:spcBef>
               <a:buNone/>
             </a:pPr>
-            <a:r>
-              <a:t/>
-            </a:r>
             <a:endParaRPr/>
           </a:p>
         </p:txBody>
       </p:sp>
     </p:spTree>
+    <p:extLst>
+      <p:ext uri="{BB962C8B-B14F-4D97-AF65-F5344CB8AC3E}">
+        <p14:creationId xmlns:p14="http://schemas.microsoft.com/office/powerpoint/2010/main" val="1338886238"/>
+      </p:ext>
+    </p:extLst>
   </p:cSld>
   <p:clrMapOvr>
     <a:masterClrMapping/>
@@ -1167,11 +1354,11 @@
 </file>
 
 <file path=ppt/notesSlides/notesSlide9.xml><?xml version="1.0" encoding="utf-8"?>
-<p:notes xmlns:a="http://schemas.openxmlformats.org/drawingml/2006/main" xmlns:r="http://schemas.openxmlformats.org/officeDocument/2006/relationships" xmlns:mc="http://schemas.openxmlformats.org/markup-compatibility/2006" xmlns:mv="urn:schemas-microsoft-com:mac:vml" xmlns:p="http://schemas.openxmlformats.org/presentationml/2006/main" xmlns:c="http://schemas.openxmlformats.org/drawingml/2006/chart" xmlns:dgm="http://schemas.openxmlformats.org/drawingml/2006/diagram" xmlns:o="urn:schemas-microsoft-com:office:office" xmlns:v="urn:schemas-microsoft-com:vml" xmlns:pvml="urn:schemas-microsoft-com:office:powerpoint" xmlns:com="http://schemas.openxmlformats.org/drawingml/2006/compatibility" xmlns:p14="http://schemas.microsoft.com/office/powerpoint/2010/main" xmlns:p15="http://schemas.microsoft.com/office/powerpoint/2012/main" showMasterPhAnim="0" showMasterSp="0">
+<p:notes xmlns:a="http://schemas.openxmlformats.org/drawingml/2006/main" xmlns:r="http://schemas.openxmlformats.org/officeDocument/2006/relationships" xmlns:p="http://schemas.openxmlformats.org/presentationml/2006/main" showMasterSp="0" showMasterPhAnim="0">
   <p:cSld>
     <p:spTree>
       <p:nvGrpSpPr>
-        <p:cNvPr id="116" name="Shape 116"/>
+        <p:cNvPr id="1" name="Shape 116"/>
         <p:cNvGrpSpPr/>
         <p:nvPr/>
       </p:nvGrpSpPr>
@@ -1186,9 +1373,11 @@
       <p:sp>
         <p:nvSpPr>
           <p:cNvPr id="117" name="Shape 117"/>
-          <p:cNvSpPr/>
+          <p:cNvSpPr>
+            <a:spLocks noGrp="1" noRot="1" noChangeAspect="1"/>
+          </p:cNvSpPr>
           <p:nvPr>
-            <p:ph idx="2" type="sldImg"/>
+            <p:ph type="sldImg" idx="2"/>
           </p:nvPr>
         </p:nvSpPr>
         <p:spPr>
@@ -1197,8 +1386,13 @@
             <a:ext cx="6096000" cy="3429000"/>
           </a:xfrm>
           <a:custGeom>
+            <a:avLst/>
+            <a:gdLst/>
+            <a:ahLst/>
+            <a:cxnLst/>
+            <a:rect l="0" t="0" r="0" b="0"/>
             <a:pathLst>
-              <a:path extrusionOk="0" h="120000" w="120000">
+              <a:path w="120000" h="120000" extrusionOk="0">
                 <a:moveTo>
                   <a:pt x="0" y="0"/>
                 </a:moveTo>
@@ -1220,9 +1414,11 @@
       <p:sp>
         <p:nvSpPr>
           <p:cNvPr id="118" name="Shape 118"/>
-          <p:cNvSpPr txBox="1"/>
+          <p:cNvSpPr txBox="1">
+            <a:spLocks noGrp="1"/>
+          </p:cNvSpPr>
           <p:nvPr>
-            <p:ph idx="1" type="body"/>
+            <p:ph type="body" idx="1"/>
           </p:nvPr>
         </p:nvSpPr>
         <p:spPr>
@@ -1235,7 +1431,7 @@
           </a:prstGeom>
         </p:spPr>
         <p:txBody>
-          <a:bodyPr anchorCtr="0" anchor="t" bIns="91425" lIns="91425" rIns="91425" wrap="square" tIns="91425">
+          <a:bodyPr wrap="square" lIns="91425" tIns="91425" rIns="91425" bIns="91425" anchor="t" anchorCtr="0">
             <a:noAutofit/>
           </a:bodyPr>
           <a:lstStyle/>
@@ -1246,14 +1442,16 @@
               </a:spcBef>
               <a:buNone/>
             </a:pPr>
-            <a:r>
-              <a:t/>
-            </a:r>
             <a:endParaRPr/>
           </a:p>
         </p:txBody>
       </p:sp>
     </p:spTree>
+    <p:extLst>
+      <p:ext uri="{BB962C8B-B14F-4D97-AF65-F5344CB8AC3E}">
+        <p14:creationId xmlns:p14="http://schemas.microsoft.com/office/powerpoint/2010/main" val="691156564"/>
+      </p:ext>
+    </p:extLst>
   </p:cSld>
   <p:clrMapOvr>
     <a:masterClrMapping/>
@@ -1262,11 +1460,11 @@
 </file>
 
 <file path=ppt/slideLayouts/slideLayout1.xml><?xml version="1.0" encoding="utf-8"?>
-<p:sldLayout xmlns:a="http://schemas.openxmlformats.org/drawingml/2006/main" xmlns:r="http://schemas.openxmlformats.org/officeDocument/2006/relationships" xmlns:mc="http://schemas.openxmlformats.org/markup-compatibility/2006" xmlns:mv="urn:schemas-microsoft-com:mac:vml" xmlns:p="http://schemas.openxmlformats.org/presentationml/2006/main" xmlns:c="http://schemas.openxmlformats.org/drawingml/2006/chart" xmlns:dgm="http://schemas.openxmlformats.org/drawingml/2006/diagram" xmlns:o="urn:schemas-microsoft-com:office:office" xmlns:v="urn:schemas-microsoft-com:vml" xmlns:pvml="urn:schemas-microsoft-com:office:powerpoint" xmlns:com="http://schemas.openxmlformats.org/drawingml/2006/compatibility" xmlns:p14="http://schemas.microsoft.com/office/powerpoint/2010/main" xmlns:p15="http://schemas.microsoft.com/office/powerpoint/2012/main" type="title">
+<p:sldLayout xmlns:a="http://schemas.openxmlformats.org/drawingml/2006/main" xmlns:r="http://schemas.openxmlformats.org/officeDocument/2006/relationships" xmlns:p="http://schemas.openxmlformats.org/presentationml/2006/main" type="title">
   <p:cSld name="Title slide">
     <p:spTree>
       <p:nvGrpSpPr>
-        <p:cNvPr id="9" name="Shape 9"/>
+        <p:cNvPr id="1" name="Shape 9"/>
         <p:cNvGrpSpPr/>
         <p:nvPr/>
       </p:nvGrpSpPr>
@@ -1290,8 +1488,13 @@
             <a:ext cx="1081625" cy="1124950"/>
           </a:xfrm>
           <a:custGeom>
+            <a:avLst/>
+            <a:gdLst/>
+            <a:ahLst/>
+            <a:cxnLst/>
+            <a:rect l="0" t="0" r="0" b="0"/>
             <a:pathLst>
-              <a:path extrusionOk="0" h="44998" w="43265">
+              <a:path w="43265" h="44998" extrusionOk="0">
                 <a:moveTo>
                   <a:pt x="0" y="44998"/>
                 </a:moveTo>
@@ -1305,14 +1508,14 @@
             </a:pathLst>
           </a:custGeom>
           <a:noFill/>
-          <a:ln cap="flat" cmpd="sng" w="28575">
+          <a:ln w="28575" cap="flat" cmpd="sng">
             <a:solidFill>
               <a:schemeClr val="accent5"/>
             </a:solidFill>
             <a:prstDash val="solid"/>
             <a:miter lim="8000"/>
-            <a:headEnd len="med" w="med" type="none"/>
-            <a:tailEnd len="med" w="med" type="none"/>
+            <a:headEnd type="none" w="med" len="med"/>
+            <a:tailEnd type="none" w="med" len="med"/>
           </a:ln>
         </p:spPr>
       </p:sp>
@@ -1328,8 +1531,13 @@
             <a:ext cx="1081625" cy="1124950"/>
           </a:xfrm>
           <a:custGeom>
+            <a:avLst/>
+            <a:gdLst/>
+            <a:ahLst/>
+            <a:cxnLst/>
+            <a:rect l="0" t="0" r="0" b="0"/>
             <a:pathLst>
-              <a:path extrusionOk="0" h="44998" w="43265">
+              <a:path w="43265" h="44998" extrusionOk="0">
                 <a:moveTo>
                   <a:pt x="0" y="44998"/>
                 </a:moveTo>
@@ -1343,14 +1551,14 @@
             </a:pathLst>
           </a:custGeom>
           <a:noFill/>
-          <a:ln cap="flat" cmpd="sng" w="28575">
+          <a:ln w="28575" cap="flat" cmpd="sng">
             <a:solidFill>
               <a:schemeClr val="accent5"/>
             </a:solidFill>
             <a:prstDash val="solid"/>
             <a:miter lim="8000"/>
-            <a:headEnd len="med" w="med" type="none"/>
-            <a:tailEnd len="med" w="med" type="none"/>
+            <a:headEnd type="none" w="med" len="med"/>
+            <a:tailEnd type="none" w="med" len="med"/>
           </a:ln>
         </p:spPr>
       </p:sp>
@@ -1369,21 +1577,23 @@
             <a:avLst/>
           </a:prstGeom>
           <a:noFill/>
-          <a:ln cap="flat" cmpd="sng" w="38100">
+          <a:ln w="38100" cap="flat" cmpd="sng">
             <a:solidFill>
               <a:schemeClr val="accent4"/>
             </a:solidFill>
             <a:prstDash val="solid"/>
             <a:round/>
-            <a:headEnd len="med" w="med" type="none"/>
-            <a:tailEnd len="med" w="med" type="none"/>
+            <a:headEnd type="none" w="med" len="med"/>
+            <a:tailEnd type="none" w="med" len="med"/>
           </a:ln>
         </p:spPr>
       </p:cxnSp>
       <p:sp>
         <p:nvSpPr>
           <p:cNvPr id="13" name="Shape 13"/>
-          <p:cNvSpPr txBox="1"/>
+          <p:cNvSpPr txBox="1">
+            <a:spLocks noGrp="1"/>
+          </p:cNvSpPr>
           <p:nvPr>
             <p:ph type="ctrTitle"/>
           </p:nvPr>
@@ -1398,7 +1608,7 @@
           </a:prstGeom>
         </p:spPr>
         <p:txBody>
-          <a:bodyPr anchorCtr="0" anchor="b" bIns="91425" lIns="91425" rIns="91425" wrap="square" tIns="91425"/>
+          <a:bodyPr wrap="square" lIns="91425" tIns="91425" rIns="91425" bIns="91425" anchor="b" anchorCtr="0"/>
           <a:lstStyle>
             <a:lvl1pPr lvl="0" algn="ctr">
               <a:spcBef>
@@ -1464,15 +1674,19 @@
               <a:defRPr sz="4000"/>
             </a:lvl9pPr>
           </a:lstStyle>
-          <a:p/>
+          <a:p>
+            <a:endParaRPr/>
+          </a:p>
         </p:txBody>
       </p:sp>
       <p:sp>
         <p:nvSpPr>
           <p:cNvPr id="14" name="Shape 14"/>
-          <p:cNvSpPr txBox="1"/>
+          <p:cNvSpPr txBox="1">
+            <a:spLocks noGrp="1"/>
+          </p:cNvSpPr>
           <p:nvPr>
-            <p:ph idx="1" type="subTitle"/>
+            <p:ph type="subTitle" idx="1"/>
           </p:nvPr>
         </p:nvSpPr>
         <p:spPr>
@@ -1485,7 +1699,7 @@
           </a:prstGeom>
         </p:spPr>
         <p:txBody>
-          <a:bodyPr anchorCtr="0" anchor="t" bIns="91425" lIns="91425" rIns="91425" wrap="square" tIns="91425"/>
+          <a:bodyPr wrap="square" lIns="91425" tIns="91425" rIns="91425" bIns="91425" anchor="t" anchorCtr="0"/>
           <a:lstStyle>
             <a:lvl1pPr lvl="0" algn="ctr">
               <a:lnSpc>
@@ -1722,15 +1936,19 @@
               </a:defRPr>
             </a:lvl9pPr>
           </a:lstStyle>
-          <a:p/>
+          <a:p>
+            <a:endParaRPr/>
+          </a:p>
         </p:txBody>
       </p:sp>
       <p:sp>
         <p:nvSpPr>
           <p:cNvPr id="15" name="Shape 15"/>
-          <p:cNvSpPr txBox="1"/>
+          <p:cNvSpPr txBox="1">
+            <a:spLocks noGrp="1"/>
+          </p:cNvSpPr>
           <p:nvPr>
-            <p:ph idx="12" type="sldNum"/>
+            <p:ph type="sldNum" idx="12"/>
           </p:nvPr>
         </p:nvSpPr>
         <p:spPr>
@@ -1743,7 +1961,7 @@
           </a:prstGeom>
         </p:spPr>
         <p:txBody>
-          <a:bodyPr anchorCtr="0" anchor="ctr" bIns="91425" lIns="91425" rIns="91425" wrap="square" tIns="91425">
+          <a:bodyPr wrap="square" lIns="91425" tIns="91425" rIns="91425" bIns="91425" anchor="ctr" anchorCtr="0">
             <a:noAutofit/>
           </a:bodyPr>
           <a:lstStyle/>
@@ -1758,6 +1976,7 @@
               <a:rPr lang="en"/>
               <a:t>‹#›</a:t>
             </a:fld>
+            <a:endParaRPr lang="en"/>
           </a:p>
         </p:txBody>
       </p:sp>
@@ -1770,11 +1989,11 @@
 </file>
 
 <file path=ppt/slideLayouts/slideLayout10.xml><?xml version="1.0" encoding="utf-8"?>
-<p:sldLayout xmlns:a="http://schemas.openxmlformats.org/drawingml/2006/main" xmlns:r="http://schemas.openxmlformats.org/officeDocument/2006/relationships" xmlns:mc="http://schemas.openxmlformats.org/markup-compatibility/2006" xmlns:mv="urn:schemas-microsoft-com:mac:vml" xmlns:p="http://schemas.openxmlformats.org/presentationml/2006/main" xmlns:c="http://schemas.openxmlformats.org/drawingml/2006/chart" xmlns:dgm="http://schemas.openxmlformats.org/drawingml/2006/diagram" xmlns:o="urn:schemas-microsoft-com:office:office" xmlns:v="urn:schemas-microsoft-com:vml" xmlns:pvml="urn:schemas-microsoft-com:office:powerpoint" xmlns:com="http://schemas.openxmlformats.org/drawingml/2006/compatibility" xmlns:p14="http://schemas.microsoft.com/office/powerpoint/2010/main" xmlns:p15="http://schemas.microsoft.com/office/powerpoint/2012/main">
+<p:sldLayout xmlns:a="http://schemas.openxmlformats.org/drawingml/2006/main" xmlns:r="http://schemas.openxmlformats.org/officeDocument/2006/relationships" xmlns:p="http://schemas.openxmlformats.org/presentationml/2006/main">
   <p:cSld name="Big number">
     <p:spTree>
       <p:nvGrpSpPr>
-        <p:cNvPr id="52" name="Shape 52"/>
+        <p:cNvPr id="1" name="Shape 52"/>
         <p:cNvGrpSpPr/>
         <p:nvPr/>
       </p:nvGrpSpPr>
@@ -1808,7 +2027,7 @@
           </a:ln>
         </p:spPr>
         <p:txBody>
-          <a:bodyPr anchorCtr="0" anchor="ctr" bIns="91425" lIns="91425" rIns="91425" wrap="square" tIns="91425">
+          <a:bodyPr wrap="square" lIns="91425" tIns="91425" rIns="91425" bIns="91425" anchor="ctr" anchorCtr="0">
             <a:noAutofit/>
           </a:bodyPr>
           <a:lstStyle/>
@@ -1819,9 +2038,6 @@
               </a:spcBef>
               <a:buNone/>
             </a:pPr>
-            <a:r>
-              <a:t/>
-            </a:r>
             <a:endParaRPr/>
           </a:p>
         </p:txBody>
@@ -1829,7 +2045,9 @@
       <p:sp>
         <p:nvSpPr>
           <p:cNvPr id="54" name="Shape 54"/>
-          <p:cNvSpPr txBox="1"/>
+          <p:cNvSpPr txBox="1">
+            <a:spLocks noGrp="1"/>
+          </p:cNvSpPr>
           <p:nvPr>
             <p:ph type="title"/>
           </p:nvPr>
@@ -1844,7 +2062,7 @@
           </a:prstGeom>
         </p:spPr>
         <p:txBody>
-          <a:bodyPr anchorCtr="0" anchor="ctr" bIns="91425" lIns="91425" rIns="91425" wrap="square" tIns="91425"/>
+          <a:bodyPr wrap="square" lIns="91425" tIns="91425" rIns="91425" bIns="91425" anchor="ctr" anchorCtr="0"/>
           <a:lstStyle>
             <a:lvl1pPr lvl="0" algn="ctr">
               <a:spcBef>
@@ -1973,15 +2191,19 @@
               </a:defRPr>
             </a:lvl9pPr>
           </a:lstStyle>
-          <a:p/>
+          <a:p>
+            <a:endParaRPr/>
+          </a:p>
         </p:txBody>
       </p:sp>
       <p:sp>
         <p:nvSpPr>
           <p:cNvPr id="55" name="Shape 55"/>
-          <p:cNvSpPr txBox="1"/>
+          <p:cNvSpPr txBox="1">
+            <a:spLocks noGrp="1"/>
+          </p:cNvSpPr>
           <p:nvPr>
-            <p:ph idx="1" type="body"/>
+            <p:ph type="body" idx="1"/>
           </p:nvPr>
         </p:nvSpPr>
         <p:spPr>
@@ -1994,7 +2216,7 @@
           </a:prstGeom>
         </p:spPr>
         <p:txBody>
-          <a:bodyPr anchorCtr="0" anchor="t" bIns="91425" lIns="91425" rIns="91425" wrap="square" tIns="91425"/>
+          <a:bodyPr wrap="square" lIns="91425" tIns="91425" rIns="91425" bIns="91425" anchor="t" anchorCtr="0"/>
           <a:lstStyle>
             <a:lvl1pPr lvl="0" algn="ctr">
               <a:spcBef>
@@ -2051,15 +2273,19 @@
               <a:defRPr/>
             </a:lvl9pPr>
           </a:lstStyle>
-          <a:p/>
+          <a:p>
+            <a:endParaRPr/>
+          </a:p>
         </p:txBody>
       </p:sp>
       <p:sp>
         <p:nvSpPr>
           <p:cNvPr id="56" name="Shape 56"/>
-          <p:cNvSpPr txBox="1"/>
+          <p:cNvSpPr txBox="1">
+            <a:spLocks noGrp="1"/>
+          </p:cNvSpPr>
           <p:nvPr>
-            <p:ph idx="12" type="sldNum"/>
+            <p:ph type="sldNum" idx="12"/>
           </p:nvPr>
         </p:nvSpPr>
         <p:spPr>
@@ -2072,7 +2298,7 @@
           </a:prstGeom>
         </p:spPr>
         <p:txBody>
-          <a:bodyPr anchorCtr="0" anchor="ctr" bIns="91425" lIns="91425" rIns="91425" wrap="square" tIns="91425">
+          <a:bodyPr wrap="square" lIns="91425" tIns="91425" rIns="91425" bIns="91425" anchor="ctr" anchorCtr="0">
             <a:noAutofit/>
           </a:bodyPr>
           <a:lstStyle/>
@@ -2087,6 +2313,7 @@
               <a:rPr lang="en"/>
               <a:t>‹#›</a:t>
             </a:fld>
+            <a:endParaRPr lang="en"/>
           </a:p>
         </p:txBody>
       </p:sp>
@@ -2099,11 +2326,11 @@
 </file>
 
 <file path=ppt/slideLayouts/slideLayout11.xml><?xml version="1.0" encoding="utf-8"?>
-<p:sldLayout xmlns:a="http://schemas.openxmlformats.org/drawingml/2006/main" xmlns:r="http://schemas.openxmlformats.org/officeDocument/2006/relationships" xmlns:mc="http://schemas.openxmlformats.org/markup-compatibility/2006" xmlns:mv="urn:schemas-microsoft-com:mac:vml" xmlns:p="http://schemas.openxmlformats.org/presentationml/2006/main" xmlns:c="http://schemas.openxmlformats.org/drawingml/2006/chart" xmlns:dgm="http://schemas.openxmlformats.org/drawingml/2006/diagram" xmlns:o="urn:schemas-microsoft-com:office:office" xmlns:v="urn:schemas-microsoft-com:vml" xmlns:pvml="urn:schemas-microsoft-com:office:powerpoint" xmlns:com="http://schemas.openxmlformats.org/drawingml/2006/compatibility" xmlns:p14="http://schemas.microsoft.com/office/powerpoint/2010/main" xmlns:p15="http://schemas.microsoft.com/office/powerpoint/2012/main" type="blank">
+<p:sldLayout xmlns:a="http://schemas.openxmlformats.org/drawingml/2006/main" xmlns:r="http://schemas.openxmlformats.org/officeDocument/2006/relationships" xmlns:p="http://schemas.openxmlformats.org/presentationml/2006/main" type="blank">
   <p:cSld name="Blank">
     <p:spTree>
       <p:nvGrpSpPr>
-        <p:cNvPr id="57" name="Shape 57"/>
+        <p:cNvPr id="1" name="Shape 57"/>
         <p:cNvGrpSpPr/>
         <p:nvPr/>
       </p:nvGrpSpPr>
@@ -2118,9 +2345,11 @@
       <p:sp>
         <p:nvSpPr>
           <p:cNvPr id="58" name="Shape 58"/>
-          <p:cNvSpPr txBox="1"/>
+          <p:cNvSpPr txBox="1">
+            <a:spLocks noGrp="1"/>
+          </p:cNvSpPr>
           <p:nvPr>
-            <p:ph idx="12" type="sldNum"/>
+            <p:ph type="sldNum" idx="12"/>
           </p:nvPr>
         </p:nvSpPr>
         <p:spPr>
@@ -2133,7 +2362,7 @@
           </a:prstGeom>
         </p:spPr>
         <p:txBody>
-          <a:bodyPr anchorCtr="0" anchor="ctr" bIns="91425" lIns="91425" rIns="91425" wrap="square" tIns="91425">
+          <a:bodyPr wrap="square" lIns="91425" tIns="91425" rIns="91425" bIns="91425" anchor="ctr" anchorCtr="0">
             <a:noAutofit/>
           </a:bodyPr>
           <a:lstStyle/>
@@ -2148,6 +2377,7 @@
               <a:rPr lang="en"/>
               <a:t>‹#›</a:t>
             </a:fld>
+            <a:endParaRPr lang="en"/>
           </a:p>
         </p:txBody>
       </p:sp>
@@ -2160,11 +2390,11 @@
 </file>
 
 <file path=ppt/slideLayouts/slideLayout2.xml><?xml version="1.0" encoding="utf-8"?>
-<p:sldLayout xmlns:a="http://schemas.openxmlformats.org/drawingml/2006/main" xmlns:r="http://schemas.openxmlformats.org/officeDocument/2006/relationships" xmlns:mc="http://schemas.openxmlformats.org/markup-compatibility/2006" xmlns:mv="urn:schemas-microsoft-com:mac:vml" xmlns:p="http://schemas.openxmlformats.org/presentationml/2006/main" xmlns:c="http://schemas.openxmlformats.org/drawingml/2006/chart" xmlns:dgm="http://schemas.openxmlformats.org/drawingml/2006/diagram" xmlns:o="urn:schemas-microsoft-com:office:office" xmlns:v="urn:schemas-microsoft-com:vml" xmlns:pvml="urn:schemas-microsoft-com:office:powerpoint" xmlns:com="http://schemas.openxmlformats.org/drawingml/2006/compatibility" xmlns:p14="http://schemas.microsoft.com/office/powerpoint/2010/main" xmlns:p15="http://schemas.microsoft.com/office/powerpoint/2012/main" type="secHead">
+<p:sldLayout xmlns:a="http://schemas.openxmlformats.org/drawingml/2006/main" xmlns:r="http://schemas.openxmlformats.org/officeDocument/2006/relationships" xmlns:p="http://schemas.openxmlformats.org/presentationml/2006/main" type="secHead">
   <p:cSld name="Section header">
     <p:spTree>
       <p:nvGrpSpPr>
-        <p:cNvPr id="16" name="Shape 16"/>
+        <p:cNvPr id="1" name="Shape 16"/>
         <p:cNvGrpSpPr/>
         <p:nvPr/>
       </p:nvGrpSpPr>
@@ -2191,21 +2421,23 @@
             <a:avLst/>
           </a:prstGeom>
           <a:noFill/>
-          <a:ln cap="flat" cmpd="sng" w="38100">
+          <a:ln w="38100" cap="flat" cmpd="sng">
             <a:solidFill>
               <a:schemeClr val="accent4"/>
             </a:solidFill>
             <a:prstDash val="solid"/>
             <a:round/>
-            <a:headEnd len="med" w="med" type="none"/>
-            <a:tailEnd len="med" w="med" type="none"/>
+            <a:headEnd type="none" w="med" len="med"/>
+            <a:tailEnd type="none" w="med" len="med"/>
           </a:ln>
         </p:spPr>
       </p:cxnSp>
       <p:sp>
         <p:nvSpPr>
           <p:cNvPr id="18" name="Shape 18"/>
-          <p:cNvSpPr txBox="1"/>
+          <p:cNvSpPr txBox="1">
+            <a:spLocks noGrp="1"/>
+          </p:cNvSpPr>
           <p:nvPr>
             <p:ph type="title"/>
           </p:nvPr>
@@ -2220,7 +2452,7 @@
           </a:prstGeom>
         </p:spPr>
         <p:txBody>
-          <a:bodyPr anchorCtr="0" anchor="b" bIns="91425" lIns="91425" rIns="91425" wrap="square" tIns="91425"/>
+          <a:bodyPr wrap="square" lIns="91425" tIns="91425" rIns="91425" bIns="91425" anchor="b" anchorCtr="0"/>
           <a:lstStyle>
             <a:lvl1pPr lvl="0" algn="ctr">
               <a:spcBef>
@@ -2286,15 +2518,19 @@
               <a:defRPr sz="4800"/>
             </a:lvl9pPr>
           </a:lstStyle>
-          <a:p/>
+          <a:p>
+            <a:endParaRPr/>
+          </a:p>
         </p:txBody>
       </p:sp>
       <p:sp>
         <p:nvSpPr>
           <p:cNvPr id="19" name="Shape 19"/>
-          <p:cNvSpPr txBox="1"/>
+          <p:cNvSpPr txBox="1">
+            <a:spLocks noGrp="1"/>
+          </p:cNvSpPr>
           <p:nvPr>
-            <p:ph idx="12" type="sldNum"/>
+            <p:ph type="sldNum" idx="12"/>
           </p:nvPr>
         </p:nvSpPr>
         <p:spPr>
@@ -2307,7 +2543,7 @@
           </a:prstGeom>
         </p:spPr>
         <p:txBody>
-          <a:bodyPr anchorCtr="0" anchor="ctr" bIns="91425" lIns="91425" rIns="91425" wrap="square" tIns="91425">
+          <a:bodyPr wrap="square" lIns="91425" tIns="91425" rIns="91425" bIns="91425" anchor="ctr" anchorCtr="0">
             <a:noAutofit/>
           </a:bodyPr>
           <a:lstStyle/>
@@ -2322,6 +2558,7 @@
               <a:rPr lang="en"/>
               <a:t>‹#›</a:t>
             </a:fld>
+            <a:endParaRPr lang="en"/>
           </a:p>
         </p:txBody>
       </p:sp>
@@ -2334,11 +2571,11 @@
 </file>
 
 <file path=ppt/slideLayouts/slideLayout3.xml><?xml version="1.0" encoding="utf-8"?>
-<p:sldLayout xmlns:a="http://schemas.openxmlformats.org/drawingml/2006/main" xmlns:r="http://schemas.openxmlformats.org/officeDocument/2006/relationships" xmlns:mc="http://schemas.openxmlformats.org/markup-compatibility/2006" xmlns:mv="urn:schemas-microsoft-com:mac:vml" xmlns:p="http://schemas.openxmlformats.org/presentationml/2006/main" xmlns:c="http://schemas.openxmlformats.org/drawingml/2006/chart" xmlns:dgm="http://schemas.openxmlformats.org/drawingml/2006/diagram" xmlns:o="urn:schemas-microsoft-com:office:office" xmlns:v="urn:schemas-microsoft-com:vml" xmlns:pvml="urn:schemas-microsoft-com:office:powerpoint" xmlns:com="http://schemas.openxmlformats.org/drawingml/2006/compatibility" xmlns:p14="http://schemas.microsoft.com/office/powerpoint/2010/main" xmlns:p15="http://schemas.microsoft.com/office/powerpoint/2012/main" type="tx">
+<p:sldLayout xmlns:a="http://schemas.openxmlformats.org/drawingml/2006/main" xmlns:r="http://schemas.openxmlformats.org/officeDocument/2006/relationships" xmlns:p="http://schemas.openxmlformats.org/presentationml/2006/main" type="tx">
   <p:cSld name="Title and body">
     <p:spTree>
       <p:nvGrpSpPr>
-        <p:cNvPr id="20" name="Shape 20"/>
+        <p:cNvPr id="1" name="Shape 20"/>
         <p:cNvGrpSpPr/>
         <p:nvPr/>
       </p:nvGrpSpPr>
@@ -2365,21 +2602,23 @@
             <a:avLst/>
           </a:prstGeom>
           <a:noFill/>
-          <a:ln cap="flat" cmpd="sng" w="38100">
+          <a:ln w="38100" cap="flat" cmpd="sng">
             <a:solidFill>
               <a:schemeClr val="accent4"/>
             </a:solidFill>
             <a:prstDash val="solid"/>
             <a:round/>
-            <a:headEnd len="med" w="med" type="none"/>
-            <a:tailEnd len="med" w="med" type="none"/>
+            <a:headEnd type="none" w="med" len="med"/>
+            <a:tailEnd type="none" w="med" len="med"/>
           </a:ln>
         </p:spPr>
       </p:cxnSp>
       <p:sp>
         <p:nvSpPr>
           <p:cNvPr id="22" name="Shape 22"/>
-          <p:cNvSpPr txBox="1"/>
+          <p:cNvSpPr txBox="1">
+            <a:spLocks noGrp="1"/>
+          </p:cNvSpPr>
           <p:nvPr>
             <p:ph type="title"/>
           </p:nvPr>
@@ -2394,7 +2633,7 @@
           </a:prstGeom>
         </p:spPr>
         <p:txBody>
-          <a:bodyPr anchorCtr="0" anchor="b" bIns="91425" lIns="91425" rIns="91425" wrap="square" tIns="91425"/>
+          <a:bodyPr wrap="square" lIns="91425" tIns="91425" rIns="91425" bIns="91425" anchor="b" anchorCtr="0"/>
           <a:lstStyle>
             <a:lvl1pPr lvl="0">
               <a:spcBef>
@@ -2451,15 +2690,19 @@
               <a:defRPr/>
             </a:lvl9pPr>
           </a:lstStyle>
-          <a:p/>
+          <a:p>
+            <a:endParaRPr/>
+          </a:p>
         </p:txBody>
       </p:sp>
       <p:sp>
         <p:nvSpPr>
           <p:cNvPr id="23" name="Shape 23"/>
-          <p:cNvSpPr txBox="1"/>
+          <p:cNvSpPr txBox="1">
+            <a:spLocks noGrp="1"/>
+          </p:cNvSpPr>
           <p:nvPr>
-            <p:ph idx="1" type="body"/>
+            <p:ph type="body" idx="1"/>
           </p:nvPr>
         </p:nvSpPr>
         <p:spPr>
@@ -2472,7 +2715,7 @@
           </a:prstGeom>
         </p:spPr>
         <p:txBody>
-          <a:bodyPr anchorCtr="0" anchor="t" bIns="91425" lIns="91425" rIns="91425" wrap="square" tIns="91425"/>
+          <a:bodyPr wrap="square" lIns="91425" tIns="91425" rIns="91425" bIns="91425" anchor="t" anchorCtr="0"/>
           <a:lstStyle>
             <a:lvl1pPr lvl="0">
               <a:spcBef>
@@ -2529,15 +2772,19 @@
               <a:defRPr/>
             </a:lvl9pPr>
           </a:lstStyle>
-          <a:p/>
+          <a:p>
+            <a:endParaRPr/>
+          </a:p>
         </p:txBody>
       </p:sp>
       <p:sp>
         <p:nvSpPr>
           <p:cNvPr id="24" name="Shape 24"/>
-          <p:cNvSpPr txBox="1"/>
+          <p:cNvSpPr txBox="1">
+            <a:spLocks noGrp="1"/>
+          </p:cNvSpPr>
           <p:nvPr>
-            <p:ph idx="12" type="sldNum"/>
+            <p:ph type="sldNum" idx="12"/>
           </p:nvPr>
         </p:nvSpPr>
         <p:spPr>
@@ -2550,7 +2797,7 @@
           </a:prstGeom>
         </p:spPr>
         <p:txBody>
-          <a:bodyPr anchorCtr="0" anchor="ctr" bIns="91425" lIns="91425" rIns="91425" wrap="square" tIns="91425">
+          <a:bodyPr wrap="square" lIns="91425" tIns="91425" rIns="91425" bIns="91425" anchor="ctr" anchorCtr="0">
             <a:noAutofit/>
           </a:bodyPr>
           <a:lstStyle/>
@@ -2565,6 +2812,7 @@
               <a:rPr lang="en"/>
               <a:t>‹#›</a:t>
             </a:fld>
+            <a:endParaRPr lang="en"/>
           </a:p>
         </p:txBody>
       </p:sp>
@@ -2577,11 +2825,11 @@
 </file>
 
 <file path=ppt/slideLayouts/slideLayout4.xml><?xml version="1.0" encoding="utf-8"?>
-<p:sldLayout xmlns:a="http://schemas.openxmlformats.org/drawingml/2006/main" xmlns:r="http://schemas.openxmlformats.org/officeDocument/2006/relationships" xmlns:mc="http://schemas.openxmlformats.org/markup-compatibility/2006" xmlns:mv="urn:schemas-microsoft-com:mac:vml" xmlns:p="http://schemas.openxmlformats.org/presentationml/2006/main" xmlns:c="http://schemas.openxmlformats.org/drawingml/2006/chart" xmlns:dgm="http://schemas.openxmlformats.org/drawingml/2006/diagram" xmlns:o="urn:schemas-microsoft-com:office:office" xmlns:v="urn:schemas-microsoft-com:vml" xmlns:pvml="urn:schemas-microsoft-com:office:powerpoint" xmlns:com="http://schemas.openxmlformats.org/drawingml/2006/compatibility" xmlns:p14="http://schemas.microsoft.com/office/powerpoint/2010/main" xmlns:p15="http://schemas.microsoft.com/office/powerpoint/2012/main" type="twoColTx">
+<p:sldLayout xmlns:a="http://schemas.openxmlformats.org/drawingml/2006/main" xmlns:r="http://schemas.openxmlformats.org/officeDocument/2006/relationships" xmlns:p="http://schemas.openxmlformats.org/presentationml/2006/main" type="twoColTx">
   <p:cSld name="Title and two columns">
     <p:spTree>
       <p:nvGrpSpPr>
-        <p:cNvPr id="25" name="Shape 25"/>
+        <p:cNvPr id="1" name="Shape 25"/>
         <p:cNvGrpSpPr/>
         <p:nvPr/>
       </p:nvGrpSpPr>
@@ -2608,21 +2856,23 @@
             <a:avLst/>
           </a:prstGeom>
           <a:noFill/>
-          <a:ln cap="flat" cmpd="sng" w="38100">
+          <a:ln w="38100" cap="flat" cmpd="sng">
             <a:solidFill>
               <a:schemeClr val="accent4"/>
             </a:solidFill>
             <a:prstDash val="solid"/>
             <a:round/>
-            <a:headEnd len="med" w="med" type="none"/>
-            <a:tailEnd len="med" w="med" type="none"/>
+            <a:headEnd type="none" w="med" len="med"/>
+            <a:tailEnd type="none" w="med" len="med"/>
           </a:ln>
         </p:spPr>
       </p:cxnSp>
       <p:sp>
         <p:nvSpPr>
           <p:cNvPr id="27" name="Shape 27"/>
-          <p:cNvSpPr txBox="1"/>
+          <p:cNvSpPr txBox="1">
+            <a:spLocks noGrp="1"/>
+          </p:cNvSpPr>
           <p:nvPr>
             <p:ph type="title"/>
           </p:nvPr>
@@ -2637,7 +2887,7 @@
           </a:prstGeom>
         </p:spPr>
         <p:txBody>
-          <a:bodyPr anchorCtr="0" anchor="b" bIns="91425" lIns="91425" rIns="91425" wrap="square" tIns="91425"/>
+          <a:bodyPr wrap="square" lIns="91425" tIns="91425" rIns="91425" bIns="91425" anchor="b" anchorCtr="0"/>
           <a:lstStyle>
             <a:lvl1pPr lvl="0">
               <a:spcBef>
@@ -2694,15 +2944,19 @@
               <a:defRPr/>
             </a:lvl9pPr>
           </a:lstStyle>
-          <a:p/>
+          <a:p>
+            <a:endParaRPr/>
+          </a:p>
         </p:txBody>
       </p:sp>
       <p:sp>
         <p:nvSpPr>
           <p:cNvPr id="28" name="Shape 28"/>
-          <p:cNvSpPr txBox="1"/>
+          <p:cNvSpPr txBox="1">
+            <a:spLocks noGrp="1"/>
+          </p:cNvSpPr>
           <p:nvPr>
-            <p:ph idx="1" type="body"/>
+            <p:ph type="body" idx="1"/>
           </p:nvPr>
         </p:nvSpPr>
         <p:spPr>
@@ -2715,7 +2969,7 @@
           </a:prstGeom>
         </p:spPr>
         <p:txBody>
-          <a:bodyPr anchorCtr="0" anchor="t" bIns="91425" lIns="91425" rIns="91425" wrap="square" tIns="91425"/>
+          <a:bodyPr wrap="square" lIns="91425" tIns="91425" rIns="91425" bIns="91425" anchor="t" anchorCtr="0"/>
           <a:lstStyle>
             <a:lvl1pPr lvl="0">
               <a:spcBef>
@@ -2781,15 +3035,19 @@
               <a:defRPr sz="1200"/>
             </a:lvl9pPr>
           </a:lstStyle>
-          <a:p/>
+          <a:p>
+            <a:endParaRPr/>
+          </a:p>
         </p:txBody>
       </p:sp>
       <p:sp>
         <p:nvSpPr>
           <p:cNvPr id="29" name="Shape 29"/>
-          <p:cNvSpPr txBox="1"/>
+          <p:cNvSpPr txBox="1">
+            <a:spLocks noGrp="1"/>
+          </p:cNvSpPr>
           <p:nvPr>
-            <p:ph idx="2" type="body"/>
+            <p:ph type="body" idx="2"/>
           </p:nvPr>
         </p:nvSpPr>
         <p:spPr>
@@ -2802,7 +3060,7 @@
           </a:prstGeom>
         </p:spPr>
         <p:txBody>
-          <a:bodyPr anchorCtr="0" anchor="t" bIns="91425" lIns="91425" rIns="91425" wrap="square" tIns="91425"/>
+          <a:bodyPr wrap="square" lIns="91425" tIns="91425" rIns="91425" bIns="91425" anchor="t" anchorCtr="0"/>
           <a:lstStyle>
             <a:lvl1pPr lvl="0">
               <a:spcBef>
@@ -2868,15 +3126,19 @@
               <a:defRPr sz="1200"/>
             </a:lvl9pPr>
           </a:lstStyle>
-          <a:p/>
+          <a:p>
+            <a:endParaRPr/>
+          </a:p>
         </p:txBody>
       </p:sp>
       <p:sp>
         <p:nvSpPr>
           <p:cNvPr id="30" name="Shape 30"/>
-          <p:cNvSpPr txBox="1"/>
+          <p:cNvSpPr txBox="1">
+            <a:spLocks noGrp="1"/>
+          </p:cNvSpPr>
           <p:nvPr>
-            <p:ph idx="12" type="sldNum"/>
+            <p:ph type="sldNum" idx="12"/>
           </p:nvPr>
         </p:nvSpPr>
         <p:spPr>
@@ -2889,7 +3151,7 @@
           </a:prstGeom>
         </p:spPr>
         <p:txBody>
-          <a:bodyPr anchorCtr="0" anchor="ctr" bIns="91425" lIns="91425" rIns="91425" wrap="square" tIns="91425">
+          <a:bodyPr wrap="square" lIns="91425" tIns="91425" rIns="91425" bIns="91425" anchor="ctr" anchorCtr="0">
             <a:noAutofit/>
           </a:bodyPr>
           <a:lstStyle/>
@@ -2904,6 +3166,7 @@
               <a:rPr lang="en"/>
               <a:t>‹#›</a:t>
             </a:fld>
+            <a:endParaRPr lang="en"/>
           </a:p>
         </p:txBody>
       </p:sp>
@@ -2916,11 +3179,11 @@
 </file>
 
 <file path=ppt/slideLayouts/slideLayout5.xml><?xml version="1.0" encoding="utf-8"?>
-<p:sldLayout xmlns:a="http://schemas.openxmlformats.org/drawingml/2006/main" xmlns:r="http://schemas.openxmlformats.org/officeDocument/2006/relationships" xmlns:mc="http://schemas.openxmlformats.org/markup-compatibility/2006" xmlns:mv="urn:schemas-microsoft-com:mac:vml" xmlns:p="http://schemas.openxmlformats.org/presentationml/2006/main" xmlns:c="http://schemas.openxmlformats.org/drawingml/2006/chart" xmlns:dgm="http://schemas.openxmlformats.org/drawingml/2006/diagram" xmlns:o="urn:schemas-microsoft-com:office:office" xmlns:v="urn:schemas-microsoft-com:vml" xmlns:pvml="urn:schemas-microsoft-com:office:powerpoint" xmlns:com="http://schemas.openxmlformats.org/drawingml/2006/compatibility" xmlns:p14="http://schemas.microsoft.com/office/powerpoint/2010/main" xmlns:p15="http://schemas.microsoft.com/office/powerpoint/2012/main" type="titleOnly">
+<p:sldLayout xmlns:a="http://schemas.openxmlformats.org/drawingml/2006/main" xmlns:r="http://schemas.openxmlformats.org/officeDocument/2006/relationships" xmlns:p="http://schemas.openxmlformats.org/presentationml/2006/main" type="titleOnly">
   <p:cSld name="Title only">
     <p:spTree>
       <p:nvGrpSpPr>
-        <p:cNvPr id="31" name="Shape 31"/>
+        <p:cNvPr id="1" name="Shape 31"/>
         <p:cNvGrpSpPr/>
         <p:nvPr/>
       </p:nvGrpSpPr>
@@ -2935,7 +3198,9 @@
       <p:sp>
         <p:nvSpPr>
           <p:cNvPr id="32" name="Shape 32"/>
-          <p:cNvSpPr txBox="1"/>
+          <p:cNvSpPr txBox="1">
+            <a:spLocks noGrp="1"/>
+          </p:cNvSpPr>
           <p:nvPr>
             <p:ph type="title"/>
           </p:nvPr>
@@ -2950,7 +3215,7 @@
           </a:prstGeom>
         </p:spPr>
         <p:txBody>
-          <a:bodyPr anchorCtr="0" anchor="b" bIns="91425" lIns="91425" rIns="91425" wrap="square" tIns="91425"/>
+          <a:bodyPr wrap="square" lIns="91425" tIns="91425" rIns="91425" bIns="91425" anchor="b" anchorCtr="0"/>
           <a:lstStyle>
             <a:lvl1pPr lvl="0">
               <a:spcBef>
@@ -3007,15 +3272,19 @@
               <a:defRPr/>
             </a:lvl9pPr>
           </a:lstStyle>
-          <a:p/>
+          <a:p>
+            <a:endParaRPr/>
+          </a:p>
         </p:txBody>
       </p:sp>
       <p:sp>
         <p:nvSpPr>
           <p:cNvPr id="33" name="Shape 33"/>
-          <p:cNvSpPr txBox="1"/>
+          <p:cNvSpPr txBox="1">
+            <a:spLocks noGrp="1"/>
+          </p:cNvSpPr>
           <p:nvPr>
-            <p:ph idx="12" type="sldNum"/>
+            <p:ph type="sldNum" idx="12"/>
           </p:nvPr>
         </p:nvSpPr>
         <p:spPr>
@@ -3028,7 +3297,7 @@
           </a:prstGeom>
         </p:spPr>
         <p:txBody>
-          <a:bodyPr anchorCtr="0" anchor="ctr" bIns="91425" lIns="91425" rIns="91425" wrap="square" tIns="91425">
+          <a:bodyPr wrap="square" lIns="91425" tIns="91425" rIns="91425" bIns="91425" anchor="ctr" anchorCtr="0">
             <a:noAutofit/>
           </a:bodyPr>
           <a:lstStyle/>
@@ -3043,6 +3312,7 @@
               <a:rPr lang="en"/>
               <a:t>‹#›</a:t>
             </a:fld>
+            <a:endParaRPr lang="en"/>
           </a:p>
         </p:txBody>
       </p:sp>
@@ -3055,11 +3325,11 @@
 </file>
 
 <file path=ppt/slideLayouts/slideLayout6.xml><?xml version="1.0" encoding="utf-8"?>
-<p:sldLayout xmlns:a="http://schemas.openxmlformats.org/drawingml/2006/main" xmlns:r="http://schemas.openxmlformats.org/officeDocument/2006/relationships" xmlns:mc="http://schemas.openxmlformats.org/markup-compatibility/2006" xmlns:mv="urn:schemas-microsoft-com:mac:vml" xmlns:p="http://schemas.openxmlformats.org/presentationml/2006/main" xmlns:c="http://schemas.openxmlformats.org/drawingml/2006/chart" xmlns:dgm="http://schemas.openxmlformats.org/drawingml/2006/diagram" xmlns:o="urn:schemas-microsoft-com:office:office" xmlns:v="urn:schemas-microsoft-com:vml" xmlns:pvml="urn:schemas-microsoft-com:office:powerpoint" xmlns:com="http://schemas.openxmlformats.org/drawingml/2006/compatibility" xmlns:p14="http://schemas.microsoft.com/office/powerpoint/2010/main" xmlns:p15="http://schemas.microsoft.com/office/powerpoint/2012/main">
+<p:sldLayout xmlns:a="http://schemas.openxmlformats.org/drawingml/2006/main" xmlns:r="http://schemas.openxmlformats.org/officeDocument/2006/relationships" xmlns:p="http://schemas.openxmlformats.org/presentationml/2006/main">
   <p:cSld name="One column text">
     <p:spTree>
       <p:nvGrpSpPr>
-        <p:cNvPr id="34" name="Shape 34"/>
+        <p:cNvPr id="1" name="Shape 34"/>
         <p:cNvGrpSpPr/>
         <p:nvPr/>
       </p:nvGrpSpPr>
@@ -3086,21 +3356,23 @@
             <a:avLst/>
           </a:prstGeom>
           <a:noFill/>
-          <a:ln cap="flat" cmpd="sng" w="38100">
+          <a:ln w="38100" cap="flat" cmpd="sng">
             <a:solidFill>
               <a:schemeClr val="accent4"/>
             </a:solidFill>
             <a:prstDash val="solid"/>
             <a:round/>
-            <a:headEnd len="med" w="med" type="none"/>
-            <a:tailEnd len="med" w="med" type="none"/>
+            <a:headEnd type="none" w="med" len="med"/>
+            <a:tailEnd type="none" w="med" len="med"/>
           </a:ln>
         </p:spPr>
       </p:cxnSp>
       <p:sp>
         <p:nvSpPr>
           <p:cNvPr id="36" name="Shape 36"/>
-          <p:cNvSpPr txBox="1"/>
+          <p:cNvSpPr txBox="1">
+            <a:spLocks noGrp="1"/>
+          </p:cNvSpPr>
           <p:nvPr>
             <p:ph type="title"/>
           </p:nvPr>
@@ -3115,7 +3387,7 @@
           </a:prstGeom>
         </p:spPr>
         <p:txBody>
-          <a:bodyPr anchorCtr="0" anchor="b" bIns="91425" lIns="91425" rIns="91425" wrap="square" tIns="91425"/>
+          <a:bodyPr wrap="square" lIns="91425" tIns="91425" rIns="91425" bIns="91425" anchor="b" anchorCtr="0"/>
           <a:lstStyle>
             <a:lvl1pPr lvl="0">
               <a:spcBef>
@@ -3181,15 +3453,19 @@
               <a:defRPr sz="2400"/>
             </a:lvl9pPr>
           </a:lstStyle>
-          <a:p/>
+          <a:p>
+            <a:endParaRPr/>
+          </a:p>
         </p:txBody>
       </p:sp>
       <p:sp>
         <p:nvSpPr>
           <p:cNvPr id="37" name="Shape 37"/>
-          <p:cNvSpPr txBox="1"/>
+          <p:cNvSpPr txBox="1">
+            <a:spLocks noGrp="1"/>
+          </p:cNvSpPr>
           <p:nvPr>
-            <p:ph idx="1" type="body"/>
+            <p:ph type="body" idx="1"/>
           </p:nvPr>
         </p:nvSpPr>
         <p:spPr>
@@ -3202,7 +3478,7 @@
           </a:prstGeom>
         </p:spPr>
         <p:txBody>
-          <a:bodyPr anchorCtr="0" anchor="t" bIns="91425" lIns="91425" rIns="91425" wrap="square" tIns="91425"/>
+          <a:bodyPr wrap="square" lIns="91425" tIns="91425" rIns="91425" bIns="91425" anchor="t" anchorCtr="0"/>
           <a:lstStyle>
             <a:lvl1pPr lvl="0">
               <a:spcBef>
@@ -3268,15 +3544,19 @@
               <a:defRPr sz="1200"/>
             </a:lvl9pPr>
           </a:lstStyle>
-          <a:p/>
+          <a:p>
+            <a:endParaRPr/>
+          </a:p>
         </p:txBody>
       </p:sp>
       <p:sp>
         <p:nvSpPr>
           <p:cNvPr id="38" name="Shape 38"/>
-          <p:cNvSpPr txBox="1"/>
+          <p:cNvSpPr txBox="1">
+            <a:spLocks noGrp="1"/>
+          </p:cNvSpPr>
           <p:nvPr>
-            <p:ph idx="12" type="sldNum"/>
+            <p:ph type="sldNum" idx="12"/>
           </p:nvPr>
         </p:nvSpPr>
         <p:spPr>
@@ -3289,7 +3569,7 @@
           </a:prstGeom>
         </p:spPr>
         <p:txBody>
-          <a:bodyPr anchorCtr="0" anchor="ctr" bIns="91425" lIns="91425" rIns="91425" wrap="square" tIns="91425">
+          <a:bodyPr wrap="square" lIns="91425" tIns="91425" rIns="91425" bIns="91425" anchor="ctr" anchorCtr="0">
             <a:noAutofit/>
           </a:bodyPr>
           <a:lstStyle/>
@@ -3304,6 +3584,7 @@
               <a:rPr lang="en"/>
               <a:t>‹#›</a:t>
             </a:fld>
+            <a:endParaRPr lang="en"/>
           </a:p>
         </p:txBody>
       </p:sp>
@@ -3316,11 +3597,11 @@
 </file>
 
 <file path=ppt/slideLayouts/slideLayout7.xml><?xml version="1.0" encoding="utf-8"?>
-<p:sldLayout xmlns:a="http://schemas.openxmlformats.org/drawingml/2006/main" xmlns:r="http://schemas.openxmlformats.org/officeDocument/2006/relationships" xmlns:mc="http://schemas.openxmlformats.org/markup-compatibility/2006" xmlns:mv="urn:schemas-microsoft-com:mac:vml" xmlns:p="http://schemas.openxmlformats.org/presentationml/2006/main" xmlns:c="http://schemas.openxmlformats.org/drawingml/2006/chart" xmlns:dgm="http://schemas.openxmlformats.org/drawingml/2006/diagram" xmlns:o="urn:schemas-microsoft-com:office:office" xmlns:v="urn:schemas-microsoft-com:vml" xmlns:pvml="urn:schemas-microsoft-com:office:powerpoint" xmlns:com="http://schemas.openxmlformats.org/drawingml/2006/compatibility" xmlns:p14="http://schemas.microsoft.com/office/powerpoint/2010/main" xmlns:p15="http://schemas.microsoft.com/office/powerpoint/2012/main">
+<p:sldLayout xmlns:a="http://schemas.openxmlformats.org/drawingml/2006/main" xmlns:r="http://schemas.openxmlformats.org/officeDocument/2006/relationships" xmlns:p="http://schemas.openxmlformats.org/presentationml/2006/main">
   <p:cSld name="Main point">
     <p:spTree>
       <p:nvGrpSpPr>
-        <p:cNvPr id="39" name="Shape 39"/>
+        <p:cNvPr id="1" name="Shape 39"/>
         <p:cNvGrpSpPr/>
         <p:nvPr/>
       </p:nvGrpSpPr>
@@ -3335,7 +3616,9 @@
       <p:sp>
         <p:nvSpPr>
           <p:cNvPr id="40" name="Shape 40"/>
-          <p:cNvSpPr txBox="1"/>
+          <p:cNvSpPr txBox="1">
+            <a:spLocks noGrp="1"/>
+          </p:cNvSpPr>
           <p:nvPr>
             <p:ph type="title"/>
           </p:nvPr>
@@ -3350,7 +3633,7 @@
           </a:prstGeom>
         </p:spPr>
         <p:txBody>
-          <a:bodyPr anchorCtr="0" anchor="ctr" bIns="91425" lIns="91425" rIns="91425" wrap="square" tIns="91425"/>
+          <a:bodyPr wrap="square" lIns="91425" tIns="91425" rIns="91425" bIns="91425" anchor="ctr" anchorCtr="0"/>
           <a:lstStyle>
             <a:lvl1pPr lvl="0">
               <a:spcBef>
@@ -3416,15 +3699,19 @@
               <a:defRPr sz="4800"/>
             </a:lvl9pPr>
           </a:lstStyle>
-          <a:p/>
+          <a:p>
+            <a:endParaRPr/>
+          </a:p>
         </p:txBody>
       </p:sp>
       <p:sp>
         <p:nvSpPr>
           <p:cNvPr id="41" name="Shape 41"/>
-          <p:cNvSpPr txBox="1"/>
+          <p:cNvSpPr txBox="1">
+            <a:spLocks noGrp="1"/>
+          </p:cNvSpPr>
           <p:nvPr>
-            <p:ph idx="12" type="sldNum"/>
+            <p:ph type="sldNum" idx="12"/>
           </p:nvPr>
         </p:nvSpPr>
         <p:spPr>
@@ -3437,7 +3724,7 @@
           </a:prstGeom>
         </p:spPr>
         <p:txBody>
-          <a:bodyPr anchorCtr="0" anchor="ctr" bIns="91425" lIns="91425" rIns="91425" wrap="square" tIns="91425">
+          <a:bodyPr wrap="square" lIns="91425" tIns="91425" rIns="91425" bIns="91425" anchor="ctr" anchorCtr="0">
             <a:noAutofit/>
           </a:bodyPr>
           <a:lstStyle/>
@@ -3452,6 +3739,7 @@
               <a:rPr lang="en"/>
               <a:t>‹#›</a:t>
             </a:fld>
+            <a:endParaRPr lang="en"/>
           </a:p>
         </p:txBody>
       </p:sp>
@@ -3464,11 +3752,11 @@
 </file>
 
 <file path=ppt/slideLayouts/slideLayout8.xml><?xml version="1.0" encoding="utf-8"?>
-<p:sldLayout xmlns:a="http://schemas.openxmlformats.org/drawingml/2006/main" xmlns:r="http://schemas.openxmlformats.org/officeDocument/2006/relationships" xmlns:mc="http://schemas.openxmlformats.org/markup-compatibility/2006" xmlns:mv="urn:schemas-microsoft-com:mac:vml" xmlns:p="http://schemas.openxmlformats.org/presentationml/2006/main" xmlns:c="http://schemas.openxmlformats.org/drawingml/2006/chart" xmlns:dgm="http://schemas.openxmlformats.org/drawingml/2006/diagram" xmlns:o="urn:schemas-microsoft-com:office:office" xmlns:v="urn:schemas-microsoft-com:vml" xmlns:pvml="urn:schemas-microsoft-com:office:powerpoint" xmlns:com="http://schemas.openxmlformats.org/drawingml/2006/compatibility" xmlns:p14="http://schemas.microsoft.com/office/powerpoint/2010/main" xmlns:p15="http://schemas.microsoft.com/office/powerpoint/2012/main">
+<p:sldLayout xmlns:a="http://schemas.openxmlformats.org/drawingml/2006/main" xmlns:r="http://schemas.openxmlformats.org/officeDocument/2006/relationships" xmlns:p="http://schemas.openxmlformats.org/presentationml/2006/main">
   <p:cSld name="Section title and description">
     <p:spTree>
       <p:nvGrpSpPr>
-        <p:cNvPr id="42" name="Shape 42"/>
+        <p:cNvPr id="1" name="Shape 42"/>
         <p:cNvGrpSpPr/>
         <p:nvPr/>
       </p:nvGrpSpPr>
@@ -3502,7 +3790,7 @@
           </a:ln>
         </p:spPr>
         <p:txBody>
-          <a:bodyPr anchorCtr="0" anchor="ctr" bIns="91425" lIns="91425" rIns="91425" wrap="square" tIns="91425">
+          <a:bodyPr wrap="square" lIns="91425" tIns="91425" rIns="91425" bIns="91425" anchor="ctr" anchorCtr="0">
             <a:noAutofit/>
           </a:bodyPr>
           <a:lstStyle/>
@@ -3513,9 +3801,6 @@
               </a:spcBef>
               <a:buNone/>
             </a:pPr>
-            <a:r>
-              <a:t/>
-            </a:r>
             <a:endParaRPr/>
           </a:p>
         </p:txBody>
@@ -3535,21 +3820,23 @@
             <a:avLst/>
           </a:prstGeom>
           <a:noFill/>
-          <a:ln cap="flat" cmpd="sng" w="38100">
+          <a:ln w="38100" cap="flat" cmpd="sng">
             <a:solidFill>
               <a:schemeClr val="accent5"/>
             </a:solidFill>
             <a:prstDash val="solid"/>
             <a:round/>
-            <a:headEnd len="med" w="med" type="none"/>
-            <a:tailEnd len="med" w="med" type="none"/>
+            <a:headEnd type="none" w="med" len="med"/>
+            <a:tailEnd type="none" w="med" len="med"/>
           </a:ln>
         </p:spPr>
       </p:cxnSp>
       <p:sp>
         <p:nvSpPr>
           <p:cNvPr id="45" name="Shape 45"/>
-          <p:cNvSpPr txBox="1"/>
+          <p:cNvSpPr txBox="1">
+            <a:spLocks noGrp="1"/>
+          </p:cNvSpPr>
           <p:nvPr>
             <p:ph type="title"/>
           </p:nvPr>
@@ -3564,7 +3851,7 @@
           </a:prstGeom>
         </p:spPr>
         <p:txBody>
-          <a:bodyPr anchorCtr="0" anchor="b" bIns="91425" lIns="91425" rIns="91425" wrap="square" tIns="91425"/>
+          <a:bodyPr wrap="square" lIns="91425" tIns="91425" rIns="91425" bIns="91425" anchor="b" anchorCtr="0"/>
           <a:lstStyle>
             <a:lvl1pPr lvl="0" algn="ctr">
               <a:spcBef>
@@ -3630,15 +3917,19 @@
               <a:defRPr sz="3800"/>
             </a:lvl9pPr>
           </a:lstStyle>
-          <a:p/>
+          <a:p>
+            <a:endParaRPr/>
+          </a:p>
         </p:txBody>
       </p:sp>
       <p:sp>
         <p:nvSpPr>
           <p:cNvPr id="46" name="Shape 46"/>
-          <p:cNvSpPr txBox="1"/>
+          <p:cNvSpPr txBox="1">
+            <a:spLocks noGrp="1"/>
+          </p:cNvSpPr>
           <p:nvPr>
-            <p:ph idx="1" type="subTitle"/>
+            <p:ph type="subTitle" idx="1"/>
           </p:nvPr>
         </p:nvSpPr>
         <p:spPr>
@@ -3651,7 +3942,7 @@
           </a:prstGeom>
         </p:spPr>
         <p:txBody>
-          <a:bodyPr anchorCtr="0" anchor="t" bIns="91425" lIns="91425" rIns="91425" wrap="square" tIns="91425"/>
+          <a:bodyPr wrap="square" lIns="91425" tIns="91425" rIns="91425" bIns="91425" anchor="t" anchorCtr="0"/>
           <a:lstStyle>
             <a:lvl1pPr lvl="0" algn="ctr">
               <a:lnSpc>
@@ -3843,15 +4134,19 @@
               </a:defRPr>
             </a:lvl9pPr>
           </a:lstStyle>
-          <a:p/>
+          <a:p>
+            <a:endParaRPr/>
+          </a:p>
         </p:txBody>
       </p:sp>
       <p:sp>
         <p:nvSpPr>
           <p:cNvPr id="47" name="Shape 47"/>
-          <p:cNvSpPr txBox="1"/>
+          <p:cNvSpPr txBox="1">
+            <a:spLocks noGrp="1"/>
+          </p:cNvSpPr>
           <p:nvPr>
-            <p:ph idx="2" type="body"/>
+            <p:ph type="body" idx="2"/>
           </p:nvPr>
         </p:nvSpPr>
         <p:spPr>
@@ -3864,7 +4159,7 @@
           </a:prstGeom>
         </p:spPr>
         <p:txBody>
-          <a:bodyPr anchorCtr="0" anchor="ctr" bIns="91425" lIns="91425" rIns="91425" wrap="square" tIns="91425"/>
+          <a:bodyPr wrap="square" lIns="91425" tIns="91425" rIns="91425" bIns="91425" anchor="ctr" anchorCtr="0"/>
           <a:lstStyle>
             <a:lvl1pPr lvl="0">
               <a:spcBef>
@@ -3921,15 +4216,19 @@
               <a:defRPr/>
             </a:lvl9pPr>
           </a:lstStyle>
-          <a:p/>
+          <a:p>
+            <a:endParaRPr/>
+          </a:p>
         </p:txBody>
       </p:sp>
       <p:sp>
         <p:nvSpPr>
           <p:cNvPr id="48" name="Shape 48"/>
-          <p:cNvSpPr txBox="1"/>
+          <p:cNvSpPr txBox="1">
+            <a:spLocks noGrp="1"/>
+          </p:cNvSpPr>
           <p:nvPr>
-            <p:ph idx="12" type="sldNum"/>
+            <p:ph type="sldNum" idx="12"/>
           </p:nvPr>
         </p:nvSpPr>
         <p:spPr>
@@ -3942,7 +4241,7 @@
           </a:prstGeom>
         </p:spPr>
         <p:txBody>
-          <a:bodyPr anchorCtr="0" anchor="ctr" bIns="91425" lIns="91425" rIns="91425" wrap="square" tIns="91425">
+          <a:bodyPr wrap="square" lIns="91425" tIns="91425" rIns="91425" bIns="91425" anchor="ctr" anchorCtr="0">
             <a:noAutofit/>
           </a:bodyPr>
           <a:lstStyle/>
@@ -3957,6 +4256,7 @@
               <a:rPr lang="en"/>
               <a:t>‹#›</a:t>
             </a:fld>
+            <a:endParaRPr lang="en"/>
           </a:p>
         </p:txBody>
       </p:sp>
@@ -3969,11 +4269,11 @@
 </file>
 
 <file path=ppt/slideLayouts/slideLayout9.xml><?xml version="1.0" encoding="utf-8"?>
-<p:sldLayout xmlns:a="http://schemas.openxmlformats.org/drawingml/2006/main" xmlns:r="http://schemas.openxmlformats.org/officeDocument/2006/relationships" xmlns:mc="http://schemas.openxmlformats.org/markup-compatibility/2006" xmlns:mv="urn:schemas-microsoft-com:mac:vml" xmlns:p="http://schemas.openxmlformats.org/presentationml/2006/main" xmlns:c="http://schemas.openxmlformats.org/drawingml/2006/chart" xmlns:dgm="http://schemas.openxmlformats.org/drawingml/2006/diagram" xmlns:o="urn:schemas-microsoft-com:office:office" xmlns:v="urn:schemas-microsoft-com:vml" xmlns:pvml="urn:schemas-microsoft-com:office:powerpoint" xmlns:com="http://schemas.openxmlformats.org/drawingml/2006/compatibility" xmlns:p14="http://schemas.microsoft.com/office/powerpoint/2010/main" xmlns:p15="http://schemas.microsoft.com/office/powerpoint/2012/main">
+<p:sldLayout xmlns:a="http://schemas.openxmlformats.org/drawingml/2006/main" xmlns:r="http://schemas.openxmlformats.org/officeDocument/2006/relationships" xmlns:p="http://schemas.openxmlformats.org/presentationml/2006/main">
   <p:cSld name="Caption">
     <p:spTree>
       <p:nvGrpSpPr>
-        <p:cNvPr id="49" name="Shape 49"/>
+        <p:cNvPr id="1" name="Shape 49"/>
         <p:cNvGrpSpPr/>
         <p:nvPr/>
       </p:nvGrpSpPr>
@@ -3988,9 +4288,11 @@
       <p:sp>
         <p:nvSpPr>
           <p:cNvPr id="50" name="Shape 50"/>
-          <p:cNvSpPr txBox="1"/>
+          <p:cNvSpPr txBox="1">
+            <a:spLocks noGrp="1"/>
+          </p:cNvSpPr>
           <p:nvPr>
-            <p:ph idx="1" type="body"/>
+            <p:ph type="body" idx="1"/>
           </p:nvPr>
         </p:nvSpPr>
         <p:spPr>
@@ -4003,7 +4305,7 @@
           </a:prstGeom>
         </p:spPr>
         <p:txBody>
-          <a:bodyPr anchorCtr="0" anchor="ctr" bIns="91425" lIns="91425" rIns="91425" wrap="square" tIns="91425"/>
+          <a:bodyPr wrap="square" lIns="91425" tIns="91425" rIns="91425" bIns="91425" anchor="ctr" anchorCtr="0"/>
           <a:lstStyle>
             <a:lvl1pPr lvl="0">
               <a:lnSpc>
@@ -4025,15 +4327,19 @@
               </a:defRPr>
             </a:lvl1pPr>
           </a:lstStyle>
-          <a:p/>
+          <a:p>
+            <a:endParaRPr/>
+          </a:p>
         </p:txBody>
       </p:sp>
       <p:sp>
         <p:nvSpPr>
           <p:cNvPr id="51" name="Shape 51"/>
-          <p:cNvSpPr txBox="1"/>
+          <p:cNvSpPr txBox="1">
+            <a:spLocks noGrp="1"/>
+          </p:cNvSpPr>
           <p:nvPr>
-            <p:ph idx="12" type="sldNum"/>
+            <p:ph type="sldNum" idx="12"/>
           </p:nvPr>
         </p:nvSpPr>
         <p:spPr>
@@ -4046,7 +4352,7 @@
           </a:prstGeom>
         </p:spPr>
         <p:txBody>
-          <a:bodyPr anchorCtr="0" anchor="ctr" bIns="91425" lIns="91425" rIns="91425" wrap="square" tIns="91425">
+          <a:bodyPr wrap="square" lIns="91425" tIns="91425" rIns="91425" bIns="91425" anchor="ctr" anchorCtr="0">
             <a:noAutofit/>
           </a:bodyPr>
           <a:lstStyle/>
@@ -4061,6 +4367,7 @@
               <a:rPr lang="en"/>
               <a:t>‹#›</a:t>
             </a:fld>
+            <a:endParaRPr lang="en"/>
           </a:p>
         </p:txBody>
       </p:sp>
@@ -4073,18 +4380,19 @@
 </file>
 
 <file path=ppt/slideMasters/slideMaster1.xml><?xml version="1.0" encoding="utf-8"?>
-<p:sldMaster xmlns:a="http://schemas.openxmlformats.org/drawingml/2006/main" xmlns:r="http://schemas.openxmlformats.org/officeDocument/2006/relationships" xmlns:mc="http://schemas.openxmlformats.org/markup-compatibility/2006" xmlns:mv="urn:schemas-microsoft-com:mac:vml" xmlns:p="http://schemas.openxmlformats.org/presentationml/2006/main" xmlns:c="http://schemas.openxmlformats.org/drawingml/2006/chart" xmlns:dgm="http://schemas.openxmlformats.org/drawingml/2006/diagram" xmlns:o="urn:schemas-microsoft-com:office:office" xmlns:v="urn:schemas-microsoft-com:vml" xmlns:pvml="urn:schemas-microsoft-com:office:powerpoint" xmlns:com="http://schemas.openxmlformats.org/drawingml/2006/compatibility" xmlns:p14="http://schemas.microsoft.com/office/powerpoint/2010/main" xmlns:p15="http://schemas.microsoft.com/office/powerpoint/2012/main">
+<p:sldMaster xmlns:a="http://schemas.openxmlformats.org/drawingml/2006/main" xmlns:r="http://schemas.openxmlformats.org/officeDocument/2006/relationships" xmlns:p="http://schemas.openxmlformats.org/presentationml/2006/main">
   <p:cSld name="marina">
     <p:bg>
       <p:bgPr>
         <a:solidFill>
           <a:schemeClr val="lt1"/>
         </a:solidFill>
+        <a:effectLst/>
       </p:bgPr>
     </p:bg>
     <p:spTree>
       <p:nvGrpSpPr>
-        <p:cNvPr id="5" name="Shape 5"/>
+        <p:cNvPr id="1" name="Shape 5"/>
         <p:cNvGrpSpPr/>
         <p:nvPr/>
       </p:nvGrpSpPr>
@@ -4099,7 +4407,9 @@
       <p:sp>
         <p:nvSpPr>
           <p:cNvPr id="6" name="Shape 6"/>
-          <p:cNvSpPr txBox="1"/>
+          <p:cNvSpPr txBox="1">
+            <a:spLocks noGrp="1"/>
+          </p:cNvSpPr>
           <p:nvPr>
             <p:ph type="title"/>
           </p:nvPr>
@@ -4118,7 +4428,7 @@
           </a:ln>
         </p:spPr>
         <p:txBody>
-          <a:bodyPr anchorCtr="0" anchor="b" bIns="91425" lIns="91425" rIns="91425" wrap="square" tIns="91425"/>
+          <a:bodyPr wrap="square" lIns="91425" tIns="91425" rIns="91425" bIns="91425" anchor="b" anchorCtr="0"/>
           <a:lstStyle>
             <a:lvl1pPr lvl="0">
               <a:spcBef>
@@ -4301,15 +4611,19 @@
               </a:defRPr>
             </a:lvl9pPr>
           </a:lstStyle>
-          <a:p/>
+          <a:p>
+            <a:endParaRPr/>
+          </a:p>
         </p:txBody>
       </p:sp>
       <p:sp>
         <p:nvSpPr>
           <p:cNvPr id="7" name="Shape 7"/>
-          <p:cNvSpPr txBox="1"/>
+          <p:cNvSpPr txBox="1">
+            <a:spLocks noGrp="1"/>
+          </p:cNvSpPr>
           <p:nvPr>
-            <p:ph idx="1" type="body"/>
+            <p:ph type="body" idx="1"/>
           </p:nvPr>
         </p:nvSpPr>
         <p:spPr>
@@ -4326,7 +4640,7 @@
           </a:ln>
         </p:spPr>
         <p:txBody>
-          <a:bodyPr anchorCtr="0" anchor="t" bIns="91425" lIns="91425" rIns="91425" wrap="square" tIns="91425"/>
+          <a:bodyPr wrap="square" lIns="91425" tIns="91425" rIns="91425" bIns="91425" anchor="t" anchorCtr="0"/>
           <a:lstStyle>
             <a:lvl1pPr lvl="0">
               <a:lnSpc>
@@ -4555,15 +4869,19 @@
               </a:defRPr>
             </a:lvl9pPr>
           </a:lstStyle>
-          <a:p/>
+          <a:p>
+            <a:endParaRPr/>
+          </a:p>
         </p:txBody>
       </p:sp>
       <p:sp>
         <p:nvSpPr>
           <p:cNvPr id="8" name="Shape 8"/>
-          <p:cNvSpPr txBox="1"/>
+          <p:cNvSpPr txBox="1">
+            <a:spLocks noGrp="1"/>
+          </p:cNvSpPr>
           <p:nvPr>
-            <p:ph idx="12" type="sldNum"/>
+            <p:ph type="sldNum" idx="12"/>
           </p:nvPr>
         </p:nvSpPr>
         <p:spPr>
@@ -4580,7 +4898,7 @@
           </a:ln>
         </p:spPr>
         <p:txBody>
-          <a:bodyPr anchorCtr="0" anchor="ctr" bIns="91425" lIns="91425" rIns="91425" wrap="square" tIns="91425">
+          <a:bodyPr wrap="square" lIns="91425" tIns="91425" rIns="91425" bIns="91425" anchor="ctr" anchorCtr="0">
             <a:noAutofit/>
           </a:bodyPr>
           <a:lstStyle/>
@@ -4603,12 +4921,21 @@
               </a:rPr>
               <a:t>‹#›</a:t>
             </a:fld>
+            <a:endParaRPr lang="en" sz="1000">
+              <a:solidFill>
+                <a:schemeClr val="dk1"/>
+              </a:solidFill>
+              <a:latin typeface="Roboto"/>
+              <a:ea typeface="Roboto"/>
+              <a:cs typeface="Roboto"/>
+              <a:sym typeface="Roboto"/>
+            </a:endParaRPr>
           </a:p>
         </p:txBody>
       </p:sp>
     </p:spTree>
   </p:cSld>
-  <p:clrMap accent1="accent1" accent2="accent2" accent3="accent3" accent4="accent4" accent5="accent5" accent6="accent6" bg1="lt1" bg2="dk2" tx1="dk1" tx2="lt2" folHlink="folHlink" hlink="hlink"/>
+  <p:clrMap bg1="lt1" tx1="dk1" bg2="dk2" tx2="lt2" accent1="accent1" accent2="accent2" accent3="accent3" accent4="accent4" accent5="accent5" accent6="accent6" hlink="hlink" folHlink="folHlink"/>
   <p:sldLayoutIdLst>
     <p:sldLayoutId id="2147483648" r:id="rId1"/>
     <p:sldLayoutId id="2147483649" r:id="rId2"/>
@@ -4622,10 +4949,10 @@
     <p:sldLayoutId id="2147483657" r:id="rId10"/>
     <p:sldLayoutId id="2147483658" r:id="rId11"/>
   </p:sldLayoutIdLst>
-  <p:hf dt="0" ftr="0" hdr="0" sldNum="0"/>
+  <p:hf sldNum="0" hdr="0" ftr="0" dt="0"/>
   <p:txStyles>
     <p:titleStyle>
-      <a:defPPr lvl="0" marR="0" rtl="0" algn="l">
+      <a:defPPr marR="0" lvl="0" algn="l" rtl="0">
         <a:lnSpc>
           <a:spcPct val="100000"/>
         </a:lnSpc>
@@ -4636,7 +4963,7 @@
           <a:spcPts val="0"/>
         </a:spcAft>
       </a:defPPr>
-      <a:lvl1pPr lvl="0" marR="0" rtl="0" algn="l">
+      <a:lvl1pPr marR="0" lvl="0" algn="l" rtl="0">
         <a:lnSpc>
           <a:spcPct val="100000"/>
         </a:lnSpc>
@@ -4647,7 +4974,7 @@
           <a:spcPts val="0"/>
         </a:spcAft>
         <a:buNone/>
-        <a:defRPr b="0" i="0" sz="1400" u="none" cap="none" strike="noStrike">
+        <a:defRPr sz="1400" b="0" i="0" u="none" strike="noStrike" cap="none">
           <a:solidFill>
             <a:srgbClr val="000000"/>
           </a:solidFill>
@@ -4659,7 +4986,7 @@
       </a:lvl1pPr>
     </p:titleStyle>
     <p:bodyStyle>
-      <a:defPPr lvl="0" marR="0" rtl="0" algn="l">
+      <a:defPPr marR="0" lvl="0" algn="l" rtl="0">
         <a:lnSpc>
           <a:spcPct val="100000"/>
         </a:lnSpc>
@@ -4670,7 +4997,7 @@
           <a:spcPts val="0"/>
         </a:spcAft>
       </a:defPPr>
-      <a:lvl1pPr lvl="0" marR="0" rtl="0" algn="l">
+      <a:lvl1pPr marR="0" lvl="0" algn="l" rtl="0">
         <a:lnSpc>
           <a:spcPct val="100000"/>
         </a:lnSpc>
@@ -4681,7 +5008,7 @@
           <a:spcPts val="0"/>
         </a:spcAft>
         <a:buNone/>
-        <a:defRPr b="0" i="0" sz="1400" u="none" cap="none" strike="noStrike">
+        <a:defRPr sz="1400" b="0" i="0" u="none" strike="noStrike" cap="none">
           <a:solidFill>
             <a:srgbClr val="000000"/>
           </a:solidFill>
@@ -4691,7 +5018,7 @@
           <a:sym typeface="Arial"/>
         </a:defRPr>
       </a:lvl1pPr>
-      <a:lvl2pPr lvl="1" marR="0" rtl="0" algn="l">
+      <a:lvl2pPr marR="0" lvl="1" algn="l" rtl="0">
         <a:lnSpc>
           <a:spcPct val="100000"/>
         </a:lnSpc>
@@ -4702,7 +5029,7 @@
           <a:spcPts val="0"/>
         </a:spcAft>
         <a:buNone/>
-        <a:defRPr b="0" i="0" sz="1400" u="none" cap="none" strike="noStrike">
+        <a:defRPr sz="1400" b="0" i="0" u="none" strike="noStrike" cap="none">
           <a:solidFill>
             <a:srgbClr val="000000"/>
           </a:solidFill>
@@ -4712,7 +5039,7 @@
           <a:sym typeface="Arial"/>
         </a:defRPr>
       </a:lvl2pPr>
-      <a:lvl3pPr lvl="2" marR="0" rtl="0" algn="l">
+      <a:lvl3pPr marR="0" lvl="2" algn="l" rtl="0">
         <a:lnSpc>
           <a:spcPct val="100000"/>
         </a:lnSpc>
@@ -4723,7 +5050,7 @@
           <a:spcPts val="0"/>
         </a:spcAft>
         <a:buNone/>
-        <a:defRPr b="0" i="0" sz="1400" u="none" cap="none" strike="noStrike">
+        <a:defRPr sz="1400" b="0" i="0" u="none" strike="noStrike" cap="none">
           <a:solidFill>
             <a:srgbClr val="000000"/>
           </a:solidFill>
@@ -4733,7 +5060,7 @@
           <a:sym typeface="Arial"/>
         </a:defRPr>
       </a:lvl3pPr>
-      <a:lvl4pPr lvl="3" marR="0" rtl="0" algn="l">
+      <a:lvl4pPr marR="0" lvl="3" algn="l" rtl="0">
         <a:lnSpc>
           <a:spcPct val="100000"/>
         </a:lnSpc>
@@ -4744,7 +5071,7 @@
           <a:spcPts val="0"/>
         </a:spcAft>
         <a:buNone/>
-        <a:defRPr b="0" i="0" sz="1400" u="none" cap="none" strike="noStrike">
+        <a:defRPr sz="1400" b="0" i="0" u="none" strike="noStrike" cap="none">
           <a:solidFill>
             <a:srgbClr val="000000"/>
           </a:solidFill>
@@ -4754,7 +5081,7 @@
           <a:sym typeface="Arial"/>
         </a:defRPr>
       </a:lvl4pPr>
-      <a:lvl5pPr lvl="4" marR="0" rtl="0" algn="l">
+      <a:lvl5pPr marR="0" lvl="4" algn="l" rtl="0">
         <a:lnSpc>
           <a:spcPct val="100000"/>
         </a:lnSpc>
@@ -4765,7 +5092,7 @@
           <a:spcPts val="0"/>
         </a:spcAft>
         <a:buNone/>
-        <a:defRPr b="0" i="0" sz="1400" u="none" cap="none" strike="noStrike">
+        <a:defRPr sz="1400" b="0" i="0" u="none" strike="noStrike" cap="none">
           <a:solidFill>
             <a:srgbClr val="000000"/>
           </a:solidFill>
@@ -4775,7 +5102,7 @@
           <a:sym typeface="Arial"/>
         </a:defRPr>
       </a:lvl5pPr>
-      <a:lvl6pPr lvl="5" marR="0" rtl="0" algn="l">
+      <a:lvl6pPr marR="0" lvl="5" algn="l" rtl="0">
         <a:lnSpc>
           <a:spcPct val="100000"/>
         </a:lnSpc>
@@ -4786,7 +5113,7 @@
           <a:spcPts val="0"/>
         </a:spcAft>
         <a:buNone/>
-        <a:defRPr b="0" i="0" sz="1400" u="none" cap="none" strike="noStrike">
+        <a:defRPr sz="1400" b="0" i="0" u="none" strike="noStrike" cap="none">
           <a:solidFill>
             <a:srgbClr val="000000"/>
           </a:solidFill>
@@ -4796,7 +5123,7 @@
           <a:sym typeface="Arial"/>
         </a:defRPr>
       </a:lvl6pPr>
-      <a:lvl7pPr lvl="6" marR="0" rtl="0" algn="l">
+      <a:lvl7pPr marR="0" lvl="6" algn="l" rtl="0">
         <a:lnSpc>
           <a:spcPct val="100000"/>
         </a:lnSpc>
@@ -4807,7 +5134,7 @@
           <a:spcPts val="0"/>
         </a:spcAft>
         <a:buNone/>
-        <a:defRPr b="0" i="0" sz="1400" u="none" cap="none" strike="noStrike">
+        <a:defRPr sz="1400" b="0" i="0" u="none" strike="noStrike" cap="none">
           <a:solidFill>
             <a:srgbClr val="000000"/>
           </a:solidFill>
@@ -4817,7 +5144,7 @@
           <a:sym typeface="Arial"/>
         </a:defRPr>
       </a:lvl7pPr>
-      <a:lvl8pPr lvl="7" marR="0" rtl="0" algn="l">
+      <a:lvl8pPr marR="0" lvl="7" algn="l" rtl="0">
         <a:lnSpc>
           <a:spcPct val="100000"/>
         </a:lnSpc>
@@ -4828,7 +5155,7 @@
           <a:spcPts val="0"/>
         </a:spcAft>
         <a:buNone/>
-        <a:defRPr b="0" i="0" sz="1400" u="none" cap="none" strike="noStrike">
+        <a:defRPr sz="1400" b="0" i="0" u="none" strike="noStrike" cap="none">
           <a:solidFill>
             <a:srgbClr val="000000"/>
           </a:solidFill>
@@ -4838,7 +5165,7 @@
           <a:sym typeface="Arial"/>
         </a:defRPr>
       </a:lvl8pPr>
-      <a:lvl9pPr lvl="8" marR="0" rtl="0" algn="l">
+      <a:lvl9pPr marR="0" lvl="8" algn="l" rtl="0">
         <a:lnSpc>
           <a:spcPct val="100000"/>
         </a:lnSpc>
@@ -4849,7 +5176,7 @@
           <a:spcPts val="0"/>
         </a:spcAft>
         <a:buNone/>
-        <a:defRPr b="0" i="0" sz="1400" u="none" cap="none" strike="noStrike">
+        <a:defRPr sz="1400" b="0" i="0" u="none" strike="noStrike" cap="none">
           <a:solidFill>
             <a:srgbClr val="000000"/>
           </a:solidFill>
@@ -4861,7 +5188,7 @@
       </a:lvl9pPr>
     </p:bodyStyle>
     <p:otherStyle>
-      <a:defPPr lvl="0" marR="0" rtl="0" algn="l">
+      <a:defPPr marR="0" lvl="0" algn="l" rtl="0">
         <a:lnSpc>
           <a:spcPct val="100000"/>
         </a:lnSpc>
@@ -4872,7 +5199,7 @@
           <a:spcPts val="0"/>
         </a:spcAft>
       </a:defPPr>
-      <a:lvl1pPr lvl="0" marR="0" rtl="0" algn="l">
+      <a:lvl1pPr marR="0" lvl="0" algn="l" rtl="0">
         <a:lnSpc>
           <a:spcPct val="100000"/>
         </a:lnSpc>
@@ -4883,7 +5210,7 @@
           <a:spcPts val="0"/>
         </a:spcAft>
         <a:buNone/>
-        <a:defRPr b="0" i="0" sz="1400" u="none" cap="none" strike="noStrike">
+        <a:defRPr sz="1400" b="0" i="0" u="none" strike="noStrike" cap="none">
           <a:solidFill>
             <a:srgbClr val="000000"/>
           </a:solidFill>
@@ -4893,7 +5220,7 @@
           <a:sym typeface="Arial"/>
         </a:defRPr>
       </a:lvl1pPr>
-      <a:lvl2pPr lvl="1" marR="0" rtl="0" algn="l">
+      <a:lvl2pPr marR="0" lvl="1" algn="l" rtl="0">
         <a:lnSpc>
           <a:spcPct val="100000"/>
         </a:lnSpc>
@@ -4904,7 +5231,7 @@
           <a:spcPts val="0"/>
         </a:spcAft>
         <a:buNone/>
-        <a:defRPr b="0" i="0" sz="1400" u="none" cap="none" strike="noStrike">
+        <a:defRPr sz="1400" b="0" i="0" u="none" strike="noStrike" cap="none">
           <a:solidFill>
             <a:srgbClr val="000000"/>
           </a:solidFill>
@@ -4914,7 +5241,7 @@
           <a:sym typeface="Arial"/>
         </a:defRPr>
       </a:lvl2pPr>
-      <a:lvl3pPr lvl="2" marR="0" rtl="0" algn="l">
+      <a:lvl3pPr marR="0" lvl="2" algn="l" rtl="0">
         <a:lnSpc>
           <a:spcPct val="100000"/>
         </a:lnSpc>
@@ -4925,7 +5252,7 @@
           <a:spcPts val="0"/>
         </a:spcAft>
         <a:buNone/>
-        <a:defRPr b="0" i="0" sz="1400" u="none" cap="none" strike="noStrike">
+        <a:defRPr sz="1400" b="0" i="0" u="none" strike="noStrike" cap="none">
           <a:solidFill>
             <a:srgbClr val="000000"/>
           </a:solidFill>
@@ -4935,7 +5262,7 @@
           <a:sym typeface="Arial"/>
         </a:defRPr>
       </a:lvl3pPr>
-      <a:lvl4pPr lvl="3" marR="0" rtl="0" algn="l">
+      <a:lvl4pPr marR="0" lvl="3" algn="l" rtl="0">
         <a:lnSpc>
           <a:spcPct val="100000"/>
         </a:lnSpc>
@@ -4946,7 +5273,7 @@
           <a:spcPts val="0"/>
         </a:spcAft>
         <a:buNone/>
-        <a:defRPr b="0" i="0" sz="1400" u="none" cap="none" strike="noStrike">
+        <a:defRPr sz="1400" b="0" i="0" u="none" strike="noStrike" cap="none">
           <a:solidFill>
             <a:srgbClr val="000000"/>
           </a:solidFill>
@@ -4956,7 +5283,7 @@
           <a:sym typeface="Arial"/>
         </a:defRPr>
       </a:lvl4pPr>
-      <a:lvl5pPr lvl="4" marR="0" rtl="0" algn="l">
+      <a:lvl5pPr marR="0" lvl="4" algn="l" rtl="0">
         <a:lnSpc>
           <a:spcPct val="100000"/>
         </a:lnSpc>
@@ -4967,7 +5294,7 @@
           <a:spcPts val="0"/>
         </a:spcAft>
         <a:buNone/>
-        <a:defRPr b="0" i="0" sz="1400" u="none" cap="none" strike="noStrike">
+        <a:defRPr sz="1400" b="0" i="0" u="none" strike="noStrike" cap="none">
           <a:solidFill>
             <a:srgbClr val="000000"/>
           </a:solidFill>
@@ -4977,7 +5304,7 @@
           <a:sym typeface="Arial"/>
         </a:defRPr>
       </a:lvl5pPr>
-      <a:lvl6pPr lvl="5" marR="0" rtl="0" algn="l">
+      <a:lvl6pPr marR="0" lvl="5" algn="l" rtl="0">
         <a:lnSpc>
           <a:spcPct val="100000"/>
         </a:lnSpc>
@@ -4988,7 +5315,7 @@
           <a:spcPts val="0"/>
         </a:spcAft>
         <a:buNone/>
-        <a:defRPr b="0" i="0" sz="1400" u="none" cap="none" strike="noStrike">
+        <a:defRPr sz="1400" b="0" i="0" u="none" strike="noStrike" cap="none">
           <a:solidFill>
             <a:srgbClr val="000000"/>
           </a:solidFill>
@@ -4998,7 +5325,7 @@
           <a:sym typeface="Arial"/>
         </a:defRPr>
       </a:lvl6pPr>
-      <a:lvl7pPr lvl="6" marR="0" rtl="0" algn="l">
+      <a:lvl7pPr marR="0" lvl="6" algn="l" rtl="0">
         <a:lnSpc>
           <a:spcPct val="100000"/>
         </a:lnSpc>
@@ -5009,7 +5336,7 @@
           <a:spcPts val="0"/>
         </a:spcAft>
         <a:buNone/>
-        <a:defRPr b="0" i="0" sz="1400" u="none" cap="none" strike="noStrike">
+        <a:defRPr sz="1400" b="0" i="0" u="none" strike="noStrike" cap="none">
           <a:solidFill>
             <a:srgbClr val="000000"/>
           </a:solidFill>
@@ -5019,7 +5346,7 @@
           <a:sym typeface="Arial"/>
         </a:defRPr>
       </a:lvl7pPr>
-      <a:lvl8pPr lvl="7" marR="0" rtl="0" algn="l">
+      <a:lvl8pPr marR="0" lvl="7" algn="l" rtl="0">
         <a:lnSpc>
           <a:spcPct val="100000"/>
         </a:lnSpc>
@@ -5030,7 +5357,7 @@
           <a:spcPts val="0"/>
         </a:spcAft>
         <a:buNone/>
-        <a:defRPr b="0" i="0" sz="1400" u="none" cap="none" strike="noStrike">
+        <a:defRPr sz="1400" b="0" i="0" u="none" strike="noStrike" cap="none">
           <a:solidFill>
             <a:srgbClr val="000000"/>
           </a:solidFill>
@@ -5040,7 +5367,7 @@
           <a:sym typeface="Arial"/>
         </a:defRPr>
       </a:lvl8pPr>
-      <a:lvl9pPr lvl="8" marR="0" rtl="0" algn="l">
+      <a:lvl9pPr marR="0" lvl="8" algn="l" rtl="0">
         <a:lnSpc>
           <a:spcPct val="100000"/>
         </a:lnSpc>
@@ -5051,7 +5378,7 @@
           <a:spcPts val="0"/>
         </a:spcAft>
         <a:buNone/>
-        <a:defRPr b="0" i="0" sz="1400" u="none" cap="none" strike="noStrike">
+        <a:defRPr sz="1400" b="0" i="0" u="none" strike="noStrike" cap="none">
           <a:solidFill>
             <a:srgbClr val="000000"/>
           </a:solidFill>
@@ -5067,11 +5394,11 @@
 </file>
 
 <file path=ppt/slides/slide1.xml><?xml version="1.0" encoding="utf-8"?>
-<p:sld xmlns:a="http://schemas.openxmlformats.org/drawingml/2006/main" xmlns:r="http://schemas.openxmlformats.org/officeDocument/2006/relationships" xmlns:mc="http://schemas.openxmlformats.org/markup-compatibility/2006" xmlns:mv="urn:schemas-microsoft-com:mac:vml" xmlns:p="http://schemas.openxmlformats.org/presentationml/2006/main" xmlns:c="http://schemas.openxmlformats.org/drawingml/2006/chart" xmlns:dgm="http://schemas.openxmlformats.org/drawingml/2006/diagram" xmlns:o="urn:schemas-microsoft-com:office:office" xmlns:v="urn:schemas-microsoft-com:vml" xmlns:pvml="urn:schemas-microsoft-com:office:powerpoint" xmlns:com="http://schemas.openxmlformats.org/drawingml/2006/compatibility" xmlns:p14="http://schemas.microsoft.com/office/powerpoint/2010/main" xmlns:p15="http://schemas.microsoft.com/office/powerpoint/2012/main">
+<p:sld xmlns:a="http://schemas.openxmlformats.org/drawingml/2006/main" xmlns:r="http://schemas.openxmlformats.org/officeDocument/2006/relationships" xmlns:p="http://schemas.openxmlformats.org/presentationml/2006/main">
   <p:cSld>
     <p:spTree>
       <p:nvGrpSpPr>
-        <p:cNvPr id="62" name="Shape 62"/>
+        <p:cNvPr id="1" name="Shape 62"/>
         <p:cNvGrpSpPr/>
         <p:nvPr/>
       </p:nvGrpSpPr>
@@ -5086,7 +5413,9 @@
       <p:sp>
         <p:nvSpPr>
           <p:cNvPr id="63" name="Shape 63"/>
-          <p:cNvSpPr txBox="1"/>
+          <p:cNvSpPr txBox="1">
+            <a:spLocks noGrp="1"/>
+          </p:cNvSpPr>
           <p:nvPr>
             <p:ph type="ctrTitle"/>
           </p:nvPr>
@@ -5101,7 +5430,7 @@
           </a:prstGeom>
         </p:spPr>
         <p:txBody>
-          <a:bodyPr anchorCtr="0" anchor="b" bIns="91425" lIns="91425" rIns="91425" wrap="square" tIns="91425">
+          <a:bodyPr wrap="square" lIns="91425" tIns="91425" rIns="91425" bIns="91425" anchor="b" anchorCtr="0">
             <a:noAutofit/>
           </a:bodyPr>
           <a:lstStyle/>
@@ -5122,9 +5451,11 @@
       <p:sp>
         <p:nvSpPr>
           <p:cNvPr id="64" name="Shape 64"/>
-          <p:cNvSpPr txBox="1"/>
+          <p:cNvSpPr txBox="1">
+            <a:spLocks noGrp="1"/>
+          </p:cNvSpPr>
           <p:nvPr>
-            <p:ph idx="1" type="subTitle"/>
+            <p:ph type="subTitle" idx="1"/>
           </p:nvPr>
         </p:nvSpPr>
         <p:spPr>
@@ -5137,7 +5468,7 @@
           </a:prstGeom>
         </p:spPr>
         <p:txBody>
-          <a:bodyPr anchorCtr="0" anchor="t" bIns="91425" lIns="91425" rIns="91425" wrap="square" tIns="91425">
+          <a:bodyPr wrap="square" lIns="91425" tIns="91425" rIns="91425" bIns="91425" anchor="t" anchorCtr="0">
             <a:noAutofit/>
           </a:bodyPr>
           <a:lstStyle/>
@@ -5164,11 +5495,11 @@
 </file>
 
 <file path=ppt/slides/slide2.xml><?xml version="1.0" encoding="utf-8"?>
-<p:sld xmlns:a="http://schemas.openxmlformats.org/drawingml/2006/main" xmlns:r="http://schemas.openxmlformats.org/officeDocument/2006/relationships" xmlns:mc="http://schemas.openxmlformats.org/markup-compatibility/2006" xmlns:mv="urn:schemas-microsoft-com:mac:vml" xmlns:p="http://schemas.openxmlformats.org/presentationml/2006/main" xmlns:c="http://schemas.openxmlformats.org/drawingml/2006/chart" xmlns:dgm="http://schemas.openxmlformats.org/drawingml/2006/diagram" xmlns:o="urn:schemas-microsoft-com:office:office" xmlns:v="urn:schemas-microsoft-com:vml" xmlns:pvml="urn:schemas-microsoft-com:office:powerpoint" xmlns:com="http://schemas.openxmlformats.org/drawingml/2006/compatibility" xmlns:p14="http://schemas.microsoft.com/office/powerpoint/2010/main" xmlns:p15="http://schemas.microsoft.com/office/powerpoint/2012/main">
+<p:sld xmlns:a="http://schemas.openxmlformats.org/drawingml/2006/main" xmlns:r="http://schemas.openxmlformats.org/officeDocument/2006/relationships" xmlns:p="http://schemas.openxmlformats.org/presentationml/2006/main">
   <p:cSld>
     <p:spTree>
       <p:nvGrpSpPr>
-        <p:cNvPr id="68" name="Shape 68"/>
+        <p:cNvPr id="1" name="Shape 68"/>
         <p:cNvGrpSpPr/>
         <p:nvPr/>
       </p:nvGrpSpPr>
@@ -5183,7 +5514,9 @@
       <p:sp>
         <p:nvSpPr>
           <p:cNvPr id="69" name="Shape 69"/>
-          <p:cNvSpPr txBox="1"/>
+          <p:cNvSpPr txBox="1">
+            <a:spLocks noGrp="1"/>
+          </p:cNvSpPr>
           <p:nvPr>
             <p:ph type="title"/>
           </p:nvPr>
@@ -5198,7 +5531,7 @@
           </a:prstGeom>
         </p:spPr>
         <p:txBody>
-          <a:bodyPr anchorCtr="0" anchor="b" bIns="91425" lIns="91425" rIns="91425" wrap="square" tIns="91425">
+          <a:bodyPr wrap="square" lIns="91425" tIns="91425" rIns="91425" bIns="91425" anchor="b" anchorCtr="0">
             <a:noAutofit/>
           </a:bodyPr>
           <a:lstStyle/>
@@ -5219,9 +5552,11 @@
       <p:sp>
         <p:nvSpPr>
           <p:cNvPr id="70" name="Shape 70"/>
-          <p:cNvSpPr txBox="1"/>
+          <p:cNvSpPr txBox="1">
+            <a:spLocks noGrp="1"/>
+          </p:cNvSpPr>
           <p:nvPr>
-            <p:ph idx="1" type="body"/>
+            <p:ph type="body" idx="1"/>
           </p:nvPr>
         </p:nvSpPr>
         <p:spPr>
@@ -5234,7 +5569,7 @@
           </a:prstGeom>
         </p:spPr>
         <p:txBody>
-          <a:bodyPr anchorCtr="0" anchor="t" bIns="91425" lIns="91425" rIns="91425" wrap="square" tIns="91425">
+          <a:bodyPr wrap="square" lIns="91425" tIns="91425" rIns="91425" bIns="91425" anchor="t" anchorCtr="0">
             <a:noAutofit/>
           </a:bodyPr>
           <a:lstStyle/>
@@ -5267,23 +5602,7 @@
                   <a:schemeClr val="dk1"/>
                 </a:solidFill>
               </a:rPr>
-              <a:t>Usage:	</a:t>
-            </a:r>
-            <a:r>
-              <a:rPr lang="en">
-                <a:solidFill>
-                  <a:schemeClr val="dk1"/>
-                </a:solidFill>
-              </a:rPr>
-              <a:t>Prediction for quantitative trading </a:t>
-            </a:r>
-            <a:r>
-              <a:rPr lang="en">
-                <a:solidFill>
-                  <a:schemeClr val="dk1"/>
-                </a:solidFill>
-              </a:rPr>
-              <a:t>and high frequency trading strategy</a:t>
+              <a:t>Usage:	Prediction for quantitative trading and high frequency trading strategy</a:t>
             </a:r>
           </a:p>
           <a:p>
@@ -5299,16 +5618,8 @@
                   <a:schemeClr val="dk1"/>
                 </a:solidFill>
               </a:rPr>
-              <a:t>	E</a:t>
+              <a:t>	Eg.: Given a stock and a particular timeframe, predict the following trend price and its possibility based on time scale (per day). Results will show as a line chart with values like open price, close price, low/high, trading volume</a:t>
             </a:r>
-            <a:r>
-              <a:rPr lang="en">
-                <a:solidFill>
-                  <a:schemeClr val="dk1"/>
-                </a:solidFill>
-              </a:rPr>
-              <a:t>g.: Given a stock and a particular timeframe, predict the following trend price and its possibility based on time scale (per day). Results will show as a line chart with values like open price, close price, low/high, trading volume</a:t>
-            </a:r>
           </a:p>
           <a:p>
             <a:pPr lvl="0" rtl="0">
@@ -5317,9 +5628,6 @@
               </a:spcBef>
               <a:buNone/>
             </a:pPr>
-            <a:r>
-              <a:t/>
-            </a:r>
             <a:endParaRPr>
               <a:solidFill>
                 <a:schemeClr val="dk1"/>
@@ -5333,9 +5641,6 @@
               </a:spcBef>
               <a:buNone/>
             </a:pPr>
-            <a:r>
-              <a:t/>
-            </a:r>
             <a:endParaRPr>
               <a:solidFill>
                 <a:schemeClr val="dk1"/>
@@ -5353,11 +5658,11 @@
 </file>
 
 <file path=ppt/slides/slide3.xml><?xml version="1.0" encoding="utf-8"?>
-<p:sld xmlns:a="http://schemas.openxmlformats.org/drawingml/2006/main" xmlns:r="http://schemas.openxmlformats.org/officeDocument/2006/relationships" xmlns:mc="http://schemas.openxmlformats.org/markup-compatibility/2006" xmlns:mv="urn:schemas-microsoft-com:mac:vml" xmlns:p="http://schemas.openxmlformats.org/presentationml/2006/main" xmlns:c="http://schemas.openxmlformats.org/drawingml/2006/chart" xmlns:dgm="http://schemas.openxmlformats.org/drawingml/2006/diagram" xmlns:o="urn:schemas-microsoft-com:office:office" xmlns:v="urn:schemas-microsoft-com:vml" xmlns:pvml="urn:schemas-microsoft-com:office:powerpoint" xmlns:com="http://schemas.openxmlformats.org/drawingml/2006/compatibility" xmlns:p14="http://schemas.microsoft.com/office/powerpoint/2010/main" xmlns:p15="http://schemas.microsoft.com/office/powerpoint/2012/main">
+<p:sld xmlns:a="http://schemas.openxmlformats.org/drawingml/2006/main" xmlns:r="http://schemas.openxmlformats.org/officeDocument/2006/relationships" xmlns:p="http://schemas.openxmlformats.org/presentationml/2006/main">
   <p:cSld>
     <p:spTree>
       <p:nvGrpSpPr>
-        <p:cNvPr id="74" name="Shape 74"/>
+        <p:cNvPr id="1" name="Shape 74"/>
         <p:cNvGrpSpPr/>
         <p:nvPr/>
       </p:nvGrpSpPr>
@@ -5372,7 +5677,9 @@
       <p:sp>
         <p:nvSpPr>
           <p:cNvPr id="75" name="Shape 75"/>
-          <p:cNvSpPr txBox="1"/>
+          <p:cNvSpPr txBox="1">
+            <a:spLocks noGrp="1"/>
+          </p:cNvSpPr>
           <p:nvPr>
             <p:ph type="title"/>
           </p:nvPr>
@@ -5387,7 +5694,7 @@
           </a:prstGeom>
         </p:spPr>
         <p:txBody>
-          <a:bodyPr anchorCtr="0" anchor="b" bIns="91425" lIns="91425" rIns="91425" wrap="square" tIns="91425">
+          <a:bodyPr wrap="square" lIns="91425" tIns="91425" rIns="91425" bIns="91425" anchor="b" anchorCtr="0">
             <a:noAutofit/>
           </a:bodyPr>
           <a:lstStyle/>
@@ -5399,7 +5706,7 @@
               <a:buNone/>
             </a:pPr>
             <a:r>
-              <a:rPr lang="en"/>
+              <a:rPr lang="en" dirty="0"/>
               <a:t>Methodology</a:t>
             </a:r>
           </a:p>
@@ -5408,9 +5715,11 @@
       <p:sp>
         <p:nvSpPr>
           <p:cNvPr id="76" name="Shape 76"/>
-          <p:cNvSpPr txBox="1"/>
+          <p:cNvSpPr txBox="1">
+            <a:spLocks noGrp="1"/>
+          </p:cNvSpPr>
           <p:nvPr>
-            <p:ph idx="1" type="body"/>
+            <p:ph type="body" idx="1"/>
           </p:nvPr>
         </p:nvSpPr>
         <p:spPr>
@@ -5423,14 +5732,14 @@
           </a:prstGeom>
         </p:spPr>
         <p:txBody>
-          <a:bodyPr anchorCtr="0" anchor="t" bIns="91425" lIns="91425" rIns="91425" wrap="square" tIns="91425">
+          <a:bodyPr wrap="square" lIns="91425" tIns="91425" rIns="91425" bIns="91425" anchor="t" anchorCtr="0">
             <a:noAutofit/>
           </a:bodyPr>
           <a:lstStyle/>
           <a:p>
-            <a:pPr indent="-342900" lvl="0" marL="457200" rtl="0">
-              <a:spcBef>
-                <a:spcPts val="0"/>
+            <a:pPr marL="457200" lvl="0" indent="-342900" rtl="0">
+              <a:spcBef>
+                <a:spcPts val="1200"/>
               </a:spcBef>
               <a:spcAft>
                 <a:spcPts val="0"/>
@@ -5441,26 +5750,18 @@
               <a:buAutoNum type="arabicPeriod"/>
             </a:pPr>
             <a:r>
-              <a:rPr lang="en">
+              <a:rPr lang="en" dirty="0">
                 <a:solidFill>
                   <a:schemeClr val="dk1"/>
                 </a:solidFill>
               </a:rPr>
-              <a:t>Focus on some main factors that will influence the price and get </a:t>
+              <a:t>Focus on some main factors that will influence the price and get relevant dataset. (Market Price, Ask, Bid, Market Cap, PE Ratio, EPS, Volume and historical Financial Statement)</a:t>
             </a:r>
-            <a:r>
-              <a:rPr lang="en">
-                <a:solidFill>
-                  <a:schemeClr val="dk1"/>
-                </a:solidFill>
-              </a:rPr>
-              <a:t>relevant dataset. (Market Price, Ask, Bid, Market Cap, PE Ratio, EPS, Volume and historical Financial Statement)</a:t>
-            </a:r>
-          </a:p>
-          <a:p>
-            <a:pPr indent="-342900" lvl="0" marL="457200" rtl="0">
-              <a:spcBef>
-                <a:spcPts val="0"/>
+          </a:p>
+          <a:p>
+            <a:pPr marL="457200" lvl="0" indent="-342900" rtl="0">
+              <a:spcBef>
+                <a:spcPts val="1200"/>
               </a:spcBef>
               <a:spcAft>
                 <a:spcPts val="0"/>
@@ -5471,19 +5772,19 @@
               <a:buAutoNum type="arabicPeriod"/>
             </a:pPr>
             <a:r>
-              <a:rPr lang="en"/>
+              <a:rPr lang="en" dirty="0"/>
               <a:t>Train the data science models and pick the best one based on performance</a:t>
             </a:r>
           </a:p>
           <a:p>
-            <a:pPr indent="-342900" lvl="0" marL="457200">
-              <a:spcBef>
-                <a:spcPts val="0"/>
+            <a:pPr marL="457200" lvl="0" indent="-342900">
+              <a:spcBef>
+                <a:spcPts val="1200"/>
               </a:spcBef>
               <a:buAutoNum type="arabicPeriod"/>
             </a:pPr>
             <a:r>
-              <a:rPr lang="en"/>
+              <a:rPr lang="en" dirty="0"/>
               <a:t>Visualization using Zeppelin</a:t>
             </a:r>
           </a:p>
@@ -5498,11 +5799,11 @@
 </file>
 
 <file path=ppt/slides/slide4.xml><?xml version="1.0" encoding="utf-8"?>
-<p:sld xmlns:a="http://schemas.openxmlformats.org/drawingml/2006/main" xmlns:r="http://schemas.openxmlformats.org/officeDocument/2006/relationships" xmlns:mc="http://schemas.openxmlformats.org/markup-compatibility/2006" xmlns:mv="urn:schemas-microsoft-com:mac:vml" xmlns:p="http://schemas.openxmlformats.org/presentationml/2006/main" xmlns:c="http://schemas.openxmlformats.org/drawingml/2006/chart" xmlns:dgm="http://schemas.openxmlformats.org/drawingml/2006/diagram" xmlns:o="urn:schemas-microsoft-com:office:office" xmlns:v="urn:schemas-microsoft-com:vml" xmlns:pvml="urn:schemas-microsoft-com:office:powerpoint" xmlns:com="http://schemas.openxmlformats.org/drawingml/2006/compatibility" xmlns:p14="http://schemas.microsoft.com/office/powerpoint/2010/main" xmlns:p15="http://schemas.microsoft.com/office/powerpoint/2012/main">
+<p:sld xmlns:a="http://schemas.openxmlformats.org/drawingml/2006/main" xmlns:r="http://schemas.openxmlformats.org/officeDocument/2006/relationships" xmlns:p="http://schemas.openxmlformats.org/presentationml/2006/main">
   <p:cSld>
     <p:spTree>
       <p:nvGrpSpPr>
-        <p:cNvPr id="80" name="Shape 80"/>
+        <p:cNvPr id="1" name="Shape 80"/>
         <p:cNvGrpSpPr/>
         <p:nvPr/>
       </p:nvGrpSpPr>
@@ -5517,7 +5818,9 @@
       <p:sp>
         <p:nvSpPr>
           <p:cNvPr id="81" name="Shape 81"/>
-          <p:cNvSpPr txBox="1"/>
+          <p:cNvSpPr txBox="1">
+            <a:spLocks noGrp="1"/>
+          </p:cNvSpPr>
           <p:nvPr>
             <p:ph type="title"/>
           </p:nvPr>
@@ -5532,7 +5835,7 @@
           </a:prstGeom>
         </p:spPr>
         <p:txBody>
-          <a:bodyPr anchorCtr="0" anchor="b" bIns="91425" lIns="91425" rIns="91425" wrap="square" tIns="91425">
+          <a:bodyPr wrap="square" lIns="91425" tIns="91425" rIns="91425" bIns="91425" anchor="b" anchorCtr="0">
             <a:noAutofit/>
           </a:bodyPr>
           <a:lstStyle/>
@@ -5553,9 +5856,11 @@
       <p:sp>
         <p:nvSpPr>
           <p:cNvPr id="82" name="Shape 82"/>
-          <p:cNvSpPr txBox="1"/>
+          <p:cNvSpPr txBox="1">
+            <a:spLocks noGrp="1"/>
+          </p:cNvSpPr>
           <p:nvPr>
-            <p:ph idx="1" type="body"/>
+            <p:ph type="body" idx="1"/>
           </p:nvPr>
         </p:nvSpPr>
         <p:spPr>
@@ -5568,12 +5873,12 @@
           </a:prstGeom>
         </p:spPr>
         <p:txBody>
-          <a:bodyPr anchorCtr="0" anchor="t" bIns="91425" lIns="91425" rIns="91425" wrap="square" tIns="91425">
+          <a:bodyPr wrap="square" lIns="91425" tIns="91425" rIns="91425" bIns="91425" anchor="t" anchorCtr="0">
             <a:noAutofit/>
           </a:bodyPr>
           <a:lstStyle/>
           <a:p>
-            <a:pPr indent="-342900" lvl="0" marL="457200" rtl="0">
+            <a:pPr marL="457200" lvl="0" indent="-342900" rtl="0">
               <a:lnSpc>
                 <a:spcPct val="115000"/>
               </a:lnSpc>
@@ -5594,7 +5899,7 @@
               <a:t>New York Stock Exchange S&amp;P 500 Companies historical prices with fundamental data:</a:t>
             </a:r>
             <a:r>
-              <a:rPr i="1" lang="en">
+              <a:rPr lang="en" i="1">
                 <a:solidFill>
                   <a:schemeClr val="dk1"/>
                 </a:solidFill>
@@ -5603,7 +5908,7 @@
             </a:r>
           </a:p>
           <a:p>
-            <a:pPr indent="457200" lvl="0" rtl="0">
+            <a:pPr lvl="0" indent="457200" rtl="0">
               <a:lnSpc>
                 <a:spcPct val="115000"/>
               </a:lnSpc>
@@ -5613,7 +5918,7 @@
               <a:buNone/>
             </a:pPr>
             <a:r>
-              <a:rPr i="1" lang="en">
+              <a:rPr lang="en" i="1">
                 <a:solidFill>
                   <a:schemeClr val="hlink"/>
                 </a:solidFill>
@@ -5623,7 +5928,7 @@
             </a:r>
           </a:p>
           <a:p>
-            <a:pPr indent="-342900" lvl="0" marL="457200" rtl="0">
+            <a:pPr marL="457200" lvl="0" indent="-342900" rtl="0">
               <a:lnSpc>
                 <a:spcPct val="115000"/>
               </a:lnSpc>
@@ -5645,7 +5950,7 @@
             </a:r>
           </a:p>
           <a:p>
-            <a:pPr indent="457200" lvl="0">
+            <a:pPr lvl="0" indent="457200">
               <a:lnSpc>
                 <a:spcPct val="115000"/>
               </a:lnSpc>
@@ -5655,7 +5960,7 @@
               <a:buNone/>
             </a:pPr>
             <a:r>
-              <a:rPr i="1" lang="en">
+              <a:rPr lang="en" i="1">
                 <a:solidFill>
                   <a:srgbClr val="4285F4"/>
                 </a:solidFill>
@@ -5674,11 +5979,11 @@
 </file>
 
 <file path=ppt/slides/slide5.xml><?xml version="1.0" encoding="utf-8"?>
-<p:sld xmlns:a="http://schemas.openxmlformats.org/drawingml/2006/main" xmlns:r="http://schemas.openxmlformats.org/officeDocument/2006/relationships" xmlns:mc="http://schemas.openxmlformats.org/markup-compatibility/2006" xmlns:mv="urn:schemas-microsoft-com:mac:vml" xmlns:p="http://schemas.openxmlformats.org/presentationml/2006/main" xmlns:c="http://schemas.openxmlformats.org/drawingml/2006/chart" xmlns:dgm="http://schemas.openxmlformats.org/drawingml/2006/diagram" xmlns:o="urn:schemas-microsoft-com:office:office" xmlns:v="urn:schemas-microsoft-com:vml" xmlns:pvml="urn:schemas-microsoft-com:office:powerpoint" xmlns:com="http://schemas.openxmlformats.org/drawingml/2006/compatibility" xmlns:p14="http://schemas.microsoft.com/office/powerpoint/2010/main" xmlns:p15="http://schemas.microsoft.com/office/powerpoint/2012/main">
+<p:sld xmlns:a="http://schemas.openxmlformats.org/drawingml/2006/main" xmlns:r="http://schemas.openxmlformats.org/officeDocument/2006/relationships" xmlns:p="http://schemas.openxmlformats.org/presentationml/2006/main">
   <p:cSld>
     <p:spTree>
       <p:nvGrpSpPr>
-        <p:cNvPr id="86" name="Shape 86"/>
+        <p:cNvPr id="1" name="Shape 86"/>
         <p:cNvGrpSpPr/>
         <p:nvPr/>
       </p:nvGrpSpPr>
@@ -5693,7 +5998,9 @@
       <p:sp>
         <p:nvSpPr>
           <p:cNvPr id="87" name="Shape 87"/>
-          <p:cNvSpPr txBox="1"/>
+          <p:cNvSpPr txBox="1">
+            <a:spLocks noGrp="1"/>
+          </p:cNvSpPr>
           <p:nvPr>
             <p:ph type="title"/>
           </p:nvPr>
@@ -5708,7 +6015,7 @@
           </a:prstGeom>
         </p:spPr>
         <p:txBody>
-          <a:bodyPr anchorCtr="0" anchor="b" bIns="91425" lIns="91425" rIns="91425" wrap="square" tIns="91425">
+          <a:bodyPr wrap="square" lIns="91425" tIns="91425" rIns="91425" bIns="91425" anchor="b" anchorCtr="0">
             <a:noAutofit/>
           </a:bodyPr>
           <a:lstStyle/>
@@ -5741,14 +6048,14 @@
             <a:avLst/>
           </a:prstGeom>
           <a:noFill/>
-          <a:ln cap="flat" cmpd="sng" w="38100">
+          <a:ln w="38100" cap="flat" cmpd="sng">
             <a:solidFill>
               <a:srgbClr val="FFF2CC"/>
             </a:solidFill>
             <a:prstDash val="solid"/>
             <a:round/>
-            <a:headEnd len="lg" w="lg" type="none"/>
-            <a:tailEnd len="lg" w="lg" type="triangle"/>
+            <a:headEnd type="none" w="lg" len="lg"/>
+            <a:tailEnd type="triangle" w="lg" len="lg"/>
           </a:ln>
         </p:spPr>
       </p:cxnSp>
@@ -5765,26 +6072,26 @@
           </a:xfrm>
           <a:prstGeom prst="wedgeRoundRectCallout">
             <a:avLst>
-              <a:gd fmla="val -8798" name="adj1"/>
-              <a:gd fmla="val 81542" name="adj2"/>
-              <a:gd fmla="val 0" name="adj3"/>
+              <a:gd name="adj1" fmla="val -8798"/>
+              <a:gd name="adj2" fmla="val 81542"/>
+              <a:gd name="adj3" fmla="val 0"/>
             </a:avLst>
           </a:prstGeom>
           <a:solidFill>
             <a:srgbClr val="F3F3F3"/>
           </a:solidFill>
-          <a:ln cap="flat" cmpd="sng" w="9525">
+          <a:ln w="9525" cap="flat" cmpd="sng">
             <a:solidFill>
               <a:schemeClr val="dk2"/>
             </a:solidFill>
             <a:prstDash val="solid"/>
             <a:round/>
-            <a:headEnd len="med" w="med" type="none"/>
-            <a:tailEnd len="med" w="med" type="none"/>
+            <a:headEnd type="none" w="med" len="med"/>
+            <a:tailEnd type="none" w="med" len="med"/>
           </a:ln>
         </p:spPr>
         <p:txBody>
-          <a:bodyPr anchorCtr="0" anchor="ctr" bIns="91425" lIns="91425" rIns="91425" wrap="square" tIns="91425">
+          <a:bodyPr wrap="square" lIns="91425" tIns="91425" rIns="91425" bIns="91425" anchor="ctr" anchorCtr="0">
             <a:noAutofit/>
           </a:bodyPr>
           <a:lstStyle/>
@@ -5822,7 +6129,7 @@
           </a:ln>
         </p:spPr>
         <p:txBody>
-          <a:bodyPr anchorCtr="0" anchor="t" bIns="91425" lIns="91425" rIns="91425" wrap="square" tIns="91425">
+          <a:bodyPr wrap="square" lIns="91425" tIns="91425" rIns="91425" bIns="91425" anchor="t" anchorCtr="0">
             <a:noAutofit/>
           </a:bodyPr>
           <a:lstStyle/>
@@ -5864,7 +6171,7 @@
           </a:ln>
         </p:spPr>
         <p:txBody>
-          <a:bodyPr anchorCtr="0" anchor="t" bIns="91425" lIns="91425" rIns="91425" wrap="square" tIns="91425">
+          <a:bodyPr wrap="square" lIns="91425" tIns="91425" rIns="91425" bIns="91425" anchor="t" anchorCtr="0">
             <a:noAutofit/>
           </a:bodyPr>
           <a:lstStyle/>
@@ -5906,7 +6213,7 @@
           </a:ln>
         </p:spPr>
         <p:txBody>
-          <a:bodyPr anchorCtr="0" anchor="t" bIns="91425" lIns="91425" rIns="91425" wrap="square" tIns="91425">
+          <a:bodyPr wrap="square" lIns="91425" tIns="91425" rIns="91425" bIns="91425" anchor="t" anchorCtr="0">
             <a:noAutofit/>
           </a:bodyPr>
           <a:lstStyle/>
@@ -5948,7 +6255,7 @@
           </a:ln>
         </p:spPr>
         <p:txBody>
-          <a:bodyPr anchorCtr="0" anchor="t" bIns="91425" lIns="91425" rIns="91425" wrap="square" tIns="91425">
+          <a:bodyPr wrap="square" lIns="91425" tIns="91425" rIns="91425" bIns="91425" anchor="t" anchorCtr="0">
             <a:noAutofit/>
           </a:bodyPr>
           <a:lstStyle/>
@@ -5987,14 +6294,14 @@
             <a:avLst/>
           </a:prstGeom>
           <a:noFill/>
-          <a:ln cap="flat" cmpd="sng" w="9525">
+          <a:ln w="9525" cap="flat" cmpd="sng">
             <a:solidFill>
               <a:schemeClr val="dk2"/>
             </a:solidFill>
             <a:prstDash val="solid"/>
             <a:round/>
-            <a:headEnd len="lg" w="lg" type="none"/>
-            <a:tailEnd len="lg" w="lg" type="none"/>
+            <a:headEnd type="none" w="lg" len="lg"/>
+            <a:tailEnd type="none" w="lg" len="lg"/>
           </a:ln>
         </p:spPr>
       </p:cxnSp>
@@ -6011,26 +6318,26 @@
           </a:xfrm>
           <a:prstGeom prst="wedgeRoundRectCallout">
             <a:avLst>
-              <a:gd fmla="val -35237" name="adj1"/>
-              <a:gd fmla="val 83639" name="adj2"/>
-              <a:gd fmla="val 0" name="adj3"/>
+              <a:gd name="adj1" fmla="val -35237"/>
+              <a:gd name="adj2" fmla="val 83639"/>
+              <a:gd name="adj3" fmla="val 0"/>
             </a:avLst>
           </a:prstGeom>
           <a:solidFill>
             <a:srgbClr val="F3F3F3"/>
           </a:solidFill>
-          <a:ln cap="flat" cmpd="sng" w="9525">
+          <a:ln w="9525" cap="flat" cmpd="sng">
             <a:solidFill>
               <a:schemeClr val="dk2"/>
             </a:solidFill>
             <a:prstDash val="solid"/>
             <a:round/>
-            <a:headEnd len="med" w="med" type="none"/>
-            <a:tailEnd len="med" w="med" type="none"/>
+            <a:headEnd type="none" w="med" len="med"/>
+            <a:tailEnd type="none" w="med" len="med"/>
           </a:ln>
         </p:spPr>
         <p:txBody>
-          <a:bodyPr anchorCtr="0" anchor="ctr" bIns="91425" lIns="91425" rIns="91425" wrap="square" tIns="91425">
+          <a:bodyPr wrap="square" lIns="91425" tIns="91425" rIns="91425" bIns="91425" anchor="ctr" anchorCtr="0">
             <a:noAutofit/>
           </a:bodyPr>
           <a:lstStyle/>
@@ -6061,26 +6368,26 @@
           </a:xfrm>
           <a:prstGeom prst="wedgeRoundRectCallout">
             <a:avLst>
-              <a:gd fmla="val 24680" name="adj1"/>
-              <a:gd fmla="val -86639" name="adj2"/>
-              <a:gd fmla="val 0" name="adj3"/>
+              <a:gd name="adj1" fmla="val 24680"/>
+              <a:gd name="adj2" fmla="val -86639"/>
+              <a:gd name="adj3" fmla="val 0"/>
             </a:avLst>
           </a:prstGeom>
           <a:solidFill>
             <a:srgbClr val="F3F3F3"/>
           </a:solidFill>
-          <a:ln cap="flat" cmpd="sng" w="9525">
+          <a:ln w="9525" cap="flat" cmpd="sng">
             <a:solidFill>
               <a:schemeClr val="dk2"/>
             </a:solidFill>
             <a:prstDash val="solid"/>
             <a:round/>
-            <a:headEnd len="med" w="med" type="none"/>
-            <a:tailEnd len="med" w="med" type="none"/>
+            <a:headEnd type="none" w="med" len="med"/>
+            <a:tailEnd type="none" w="med" len="med"/>
           </a:ln>
         </p:spPr>
         <p:txBody>
-          <a:bodyPr anchorCtr="0" anchor="ctr" bIns="91425" lIns="91425" rIns="91425" wrap="square" tIns="91425">
+          <a:bodyPr wrap="square" lIns="91425" tIns="91425" rIns="91425" bIns="91425" anchor="ctr" anchorCtr="0">
             <a:noAutofit/>
           </a:bodyPr>
           <a:lstStyle/>
@@ -6111,26 +6418,26 @@
           </a:xfrm>
           <a:prstGeom prst="wedgeRoundRectCallout">
             <a:avLst>
-              <a:gd fmla="val 6267" name="adj1"/>
-              <a:gd fmla="val -87703" name="adj2"/>
-              <a:gd fmla="val 0" name="adj3"/>
+              <a:gd name="adj1" fmla="val 6267"/>
+              <a:gd name="adj2" fmla="val -87703"/>
+              <a:gd name="adj3" fmla="val 0"/>
             </a:avLst>
           </a:prstGeom>
           <a:solidFill>
             <a:srgbClr val="F3F3F3"/>
           </a:solidFill>
-          <a:ln cap="flat" cmpd="sng" w="9525">
+          <a:ln w="9525" cap="flat" cmpd="sng">
             <a:solidFill>
               <a:schemeClr val="dk2"/>
             </a:solidFill>
             <a:prstDash val="solid"/>
             <a:round/>
-            <a:headEnd len="med" w="med" type="none"/>
-            <a:tailEnd len="med" w="med" type="none"/>
+            <a:headEnd type="none" w="med" len="med"/>
+            <a:tailEnd type="none" w="med" len="med"/>
           </a:ln>
         </p:spPr>
         <p:txBody>
-          <a:bodyPr anchorCtr="0" anchor="ctr" bIns="91425" lIns="91425" rIns="91425" wrap="square" tIns="91425">
+          <a:bodyPr wrap="square" lIns="91425" tIns="91425" rIns="91425" bIns="91425" anchor="ctr" anchorCtr="0">
             <a:noAutofit/>
           </a:bodyPr>
           <a:lstStyle/>
@@ -6157,11 +6464,11 @@
 </file>
 
 <file path=ppt/slides/slide6.xml><?xml version="1.0" encoding="utf-8"?>
-<p:sld xmlns:a="http://schemas.openxmlformats.org/drawingml/2006/main" xmlns:r="http://schemas.openxmlformats.org/officeDocument/2006/relationships" xmlns:mc="http://schemas.openxmlformats.org/markup-compatibility/2006" xmlns:mv="urn:schemas-microsoft-com:mac:vml" xmlns:p="http://schemas.openxmlformats.org/presentationml/2006/main" xmlns:c="http://schemas.openxmlformats.org/drawingml/2006/chart" xmlns:dgm="http://schemas.openxmlformats.org/drawingml/2006/diagram" xmlns:o="urn:schemas-microsoft-com:office:office" xmlns:v="urn:schemas-microsoft-com:vml" xmlns:pvml="urn:schemas-microsoft-com:office:powerpoint" xmlns:com="http://schemas.openxmlformats.org/drawingml/2006/compatibility" xmlns:p14="http://schemas.microsoft.com/office/powerpoint/2010/main" xmlns:p15="http://schemas.microsoft.com/office/powerpoint/2012/main">
+<p:sld xmlns:a="http://schemas.openxmlformats.org/drawingml/2006/main" xmlns:r="http://schemas.openxmlformats.org/officeDocument/2006/relationships" xmlns:p="http://schemas.openxmlformats.org/presentationml/2006/main">
   <p:cSld>
     <p:spTree>
       <p:nvGrpSpPr>
-        <p:cNvPr id="101" name="Shape 101"/>
+        <p:cNvPr id="1" name="Shape 101"/>
         <p:cNvGrpSpPr/>
         <p:nvPr/>
       </p:nvGrpSpPr>
@@ -6176,7 +6483,9 @@
       <p:sp>
         <p:nvSpPr>
           <p:cNvPr id="102" name="Shape 102"/>
-          <p:cNvSpPr txBox="1"/>
+          <p:cNvSpPr txBox="1">
+            <a:spLocks noGrp="1"/>
+          </p:cNvSpPr>
           <p:nvPr>
             <p:ph type="title"/>
           </p:nvPr>
@@ -6191,12 +6500,12 @@
           </a:prstGeom>
         </p:spPr>
         <p:txBody>
-          <a:bodyPr anchorCtr="0" anchor="b" bIns="91425" lIns="91425" rIns="91425" wrap="square" tIns="91425">
+          <a:bodyPr wrap="square" lIns="91425" tIns="91425" rIns="91425" bIns="91425" anchor="b" anchorCtr="0">
             <a:noAutofit/>
           </a:bodyPr>
           <a:lstStyle/>
           <a:p>
-            <a:pPr indent="0" lvl="0" marL="0" marR="0" rtl="0" algn="l">
+            <a:pPr marL="0" marR="0" lvl="0" indent="0" algn="l" rtl="0">
               <a:lnSpc>
                 <a:spcPct val="100000"/>
               </a:lnSpc>
@@ -6218,9 +6527,11 @@
       <p:sp>
         <p:nvSpPr>
           <p:cNvPr id="103" name="Shape 103"/>
-          <p:cNvSpPr txBox="1"/>
+          <p:cNvSpPr txBox="1">
+            <a:spLocks noGrp="1"/>
+          </p:cNvSpPr>
           <p:nvPr>
-            <p:ph idx="1" type="body"/>
+            <p:ph type="body" idx="1"/>
           </p:nvPr>
         </p:nvSpPr>
         <p:spPr>
@@ -6233,7 +6544,7 @@
           </a:prstGeom>
         </p:spPr>
         <p:txBody>
-          <a:bodyPr anchorCtr="0" anchor="t" bIns="91425" lIns="91425" rIns="91425" wrap="square" tIns="91425">
+          <a:bodyPr wrap="square" lIns="91425" tIns="91425" rIns="91425" bIns="91425" anchor="t" anchorCtr="0">
             <a:noAutofit/>
           </a:bodyPr>
           <a:lstStyle/>
@@ -6250,7 +6561,7 @@
             </a:r>
           </a:p>
           <a:p>
-            <a:pPr indent="-342900" lvl="0" marL="457200" rtl="0">
+            <a:pPr marL="457200" lvl="0" indent="-342900" rtl="0">
               <a:spcBef>
                 <a:spcPts val="0"/>
               </a:spcBef>
@@ -6264,7 +6575,7 @@
             </a:r>
           </a:p>
           <a:p>
-            <a:pPr indent="-342900" lvl="0" marL="457200" rtl="0">
+            <a:pPr marL="457200" lvl="0" indent="-342900" rtl="0">
               <a:spcBef>
                 <a:spcPts val="0"/>
               </a:spcBef>
@@ -6278,7 +6589,7 @@
             </a:r>
           </a:p>
           <a:p>
-            <a:pPr indent="-342900" lvl="0" marL="457200" rtl="0">
+            <a:pPr marL="457200" lvl="0" indent="-342900" rtl="0">
               <a:spcBef>
                 <a:spcPts val="0"/>
               </a:spcBef>
@@ -6292,7 +6603,7 @@
             </a:r>
           </a:p>
           <a:p>
-            <a:pPr indent="-342900" lvl="0" marL="457200" rtl="0">
+            <a:pPr marL="457200" lvl="0" indent="-342900" rtl="0">
               <a:spcBef>
                 <a:spcPts val="0"/>
               </a:spcBef>
@@ -6306,7 +6617,7 @@
             </a:r>
           </a:p>
           <a:p>
-            <a:pPr indent="-342900" lvl="0" marL="457200" rtl="0">
+            <a:pPr marL="457200" lvl="0" indent="-342900" rtl="0">
               <a:spcBef>
                 <a:spcPts val="0"/>
               </a:spcBef>
@@ -6316,15 +6627,11 @@
             </a:pPr>
             <a:r>
               <a:rPr lang="en"/>
-              <a:t>Data </a:t>
+              <a:t>Data visualization</a:t>
             </a:r>
-            <a:r>
-              <a:rPr lang="en"/>
-              <a:t>visualization</a:t>
-            </a:r>
-          </a:p>
-          <a:p>
-            <a:pPr indent="-342900" lvl="0" marL="457200">
+          </a:p>
+          <a:p>
+            <a:pPr marL="457200" lvl="0" indent="-342900">
               <a:spcBef>
                 <a:spcPts val="0"/>
               </a:spcBef>
@@ -6366,9 +6673,6 @@
               </a:spcBef>
               <a:buNone/>
             </a:pPr>
-            <a:r>
-              <a:t/>
-            </a:r>
             <a:endParaRPr/>
           </a:p>
         </p:txBody>
@@ -6382,11 +6686,11 @@
 </file>
 
 <file path=ppt/slides/slide7.xml><?xml version="1.0" encoding="utf-8"?>
-<p:sld xmlns:a="http://schemas.openxmlformats.org/drawingml/2006/main" xmlns:r="http://schemas.openxmlformats.org/officeDocument/2006/relationships" xmlns:mc="http://schemas.openxmlformats.org/markup-compatibility/2006" xmlns:mv="urn:schemas-microsoft-com:mac:vml" xmlns:p="http://schemas.openxmlformats.org/presentationml/2006/main" xmlns:c="http://schemas.openxmlformats.org/drawingml/2006/chart" xmlns:dgm="http://schemas.openxmlformats.org/drawingml/2006/diagram" xmlns:o="urn:schemas-microsoft-com:office:office" xmlns:v="urn:schemas-microsoft-com:vml" xmlns:pvml="urn:schemas-microsoft-com:office:powerpoint" xmlns:com="http://schemas.openxmlformats.org/drawingml/2006/compatibility" xmlns:p14="http://schemas.microsoft.com/office/powerpoint/2010/main" xmlns:p15="http://schemas.microsoft.com/office/powerpoint/2012/main">
+<p:sld xmlns:a="http://schemas.openxmlformats.org/drawingml/2006/main" xmlns:r="http://schemas.openxmlformats.org/officeDocument/2006/relationships" xmlns:p="http://schemas.openxmlformats.org/presentationml/2006/main">
   <p:cSld>
     <p:spTree>
       <p:nvGrpSpPr>
-        <p:cNvPr id="107" name="Shape 107"/>
+        <p:cNvPr id="1" name="Shape 107"/>
         <p:cNvGrpSpPr/>
         <p:nvPr/>
       </p:nvGrpSpPr>
@@ -6401,9 +6705,11 @@
       <p:sp>
         <p:nvSpPr>
           <p:cNvPr id="108" name="Shape 108"/>
-          <p:cNvSpPr txBox="1"/>
+          <p:cNvSpPr txBox="1">
+            <a:spLocks noGrp="1"/>
+          </p:cNvSpPr>
           <p:nvPr>
-            <p:ph idx="1" type="body"/>
+            <p:ph type="body" idx="1"/>
           </p:nvPr>
         </p:nvSpPr>
         <p:spPr>
@@ -6416,14 +6722,14 @@
           </a:prstGeom>
         </p:spPr>
         <p:txBody>
-          <a:bodyPr anchorCtr="0" anchor="t" bIns="91425" lIns="91425" rIns="91425" wrap="square" tIns="91425">
+          <a:bodyPr wrap="square" lIns="91425" tIns="91425" rIns="91425" bIns="91425" anchor="t" anchorCtr="0">
             <a:noAutofit/>
           </a:bodyPr>
           <a:lstStyle/>
           <a:p>
-            <a:pPr indent="-342900" lvl="0" marL="457200" rtl="0">
-              <a:spcBef>
-                <a:spcPts val="0"/>
+            <a:pPr marL="457200" lvl="0" indent="-342900" rtl="0">
+              <a:spcBef>
+                <a:spcPts val="1200"/>
               </a:spcBef>
               <a:spcAft>
                 <a:spcPts val="0"/>
@@ -6434,30 +6740,30 @@
               <a:buChar char="●"/>
             </a:pPr>
             <a:r>
-              <a:rPr lang="en"/>
+              <a:rPr lang="en" dirty="0"/>
               <a:t>Accuracy of prediction model for price </a:t>
             </a:r>
             <a:r>
-              <a:rPr b="1" i="1" lang="en"/>
+              <a:rPr lang="en" b="1" i="1" dirty="0"/>
               <a:t>trend</a:t>
             </a:r>
             <a:r>
-              <a:rPr lang="en"/>
+              <a:rPr lang="en" dirty="0"/>
               <a:t> at </a:t>
             </a:r>
             <a:r>
-              <a:rPr b="1" i="1" lang="en"/>
+              <a:rPr lang="en" b="1" i="1" dirty="0"/>
               <a:t>least</a:t>
             </a:r>
             <a:r>
-              <a:rPr lang="en"/>
+              <a:rPr lang="en" dirty="0"/>
               <a:t> 65%.</a:t>
             </a:r>
           </a:p>
           <a:p>
-            <a:pPr indent="-342900" lvl="0" marL="457200" rtl="0">
-              <a:spcBef>
-                <a:spcPts val="0"/>
+            <a:pPr marL="457200" lvl="0" indent="-342900" rtl="0">
+              <a:spcBef>
+                <a:spcPts val="1200"/>
               </a:spcBef>
               <a:spcAft>
                 <a:spcPts val="0"/>
@@ -6465,30 +6771,30 @@
               <a:buChar char="●"/>
             </a:pPr>
             <a:r>
-              <a:rPr lang="en"/>
+              <a:rPr lang="en" dirty="0"/>
               <a:t>Difference of prediction model for price </a:t>
             </a:r>
             <a:r>
-              <a:rPr b="1" i="1" lang="en"/>
+              <a:rPr lang="en" b="1" i="1" dirty="0"/>
               <a:t>movement</a:t>
             </a:r>
             <a:r>
-              <a:rPr lang="en"/>
+              <a:rPr lang="en" dirty="0"/>
               <a:t> at </a:t>
             </a:r>
             <a:r>
-              <a:rPr b="1" i="1" lang="en"/>
+              <a:rPr lang="en" b="1" i="1" dirty="0"/>
               <a:t>most</a:t>
             </a:r>
             <a:r>
-              <a:rPr lang="en"/>
+              <a:rPr lang="en" dirty="0"/>
               <a:t> 20%.</a:t>
             </a:r>
           </a:p>
           <a:p>
-            <a:pPr indent="-342900" lvl="0" marL="457200" rtl="0">
-              <a:spcBef>
-                <a:spcPts val="0"/>
+            <a:pPr marL="457200" lvl="0" indent="-342900" rtl="0">
+              <a:spcBef>
+                <a:spcPts val="1200"/>
               </a:spcBef>
               <a:spcAft>
                 <a:spcPts val="0"/>
@@ -6496,19 +6802,24 @@
               <a:buChar char="●"/>
             </a:pPr>
             <a:r>
-              <a:rPr lang="en"/>
-              <a:t>Visualization the prediction result using Zepplin</a:t>
+              <a:rPr lang="en" dirty="0"/>
+              <a:t>Visualization the prediction result using </a:t>
             </a:r>
-          </a:p>
-          <a:p>
-            <a:pPr indent="-342900" lvl="0" marL="457200" rtl="0">
-              <a:spcBef>
-                <a:spcPts val="0"/>
+            <a:r>
+              <a:rPr lang="en" dirty="0" err="1"/>
+              <a:t>Zepplin</a:t>
+            </a:r>
+            <a:endParaRPr lang="en" dirty="0"/>
+          </a:p>
+          <a:p>
+            <a:pPr marL="457200" lvl="0" indent="-342900" rtl="0">
+              <a:spcBef>
+                <a:spcPts val="1200"/>
               </a:spcBef>
               <a:buChar char="●"/>
             </a:pPr>
             <a:r>
-              <a:rPr lang="en"/>
+              <a:rPr lang="en" dirty="0"/>
               <a:t>Provide prediction for individual stock based on user inputs</a:t>
             </a:r>
           </a:p>
@@ -6519,17 +6830,16 @@
               </a:spcBef>
               <a:buNone/>
             </a:pPr>
-            <a:r>
-              <a:t/>
-            </a:r>
-            <a:endParaRPr/>
+            <a:endParaRPr dirty="0"/>
           </a:p>
         </p:txBody>
       </p:sp>
       <p:sp>
         <p:nvSpPr>
           <p:cNvPr id="109" name="Shape 109"/>
-          <p:cNvSpPr txBox="1"/>
+          <p:cNvSpPr txBox="1">
+            <a:spLocks noGrp="1"/>
+          </p:cNvSpPr>
           <p:nvPr>
             <p:ph type="title"/>
           </p:nvPr>
@@ -6544,7 +6854,7 @@
           </a:prstGeom>
         </p:spPr>
         <p:txBody>
-          <a:bodyPr anchorCtr="0" anchor="b" bIns="91425" lIns="91425" rIns="91425" wrap="square" tIns="91425">
+          <a:bodyPr wrap="square" lIns="91425" tIns="91425" rIns="91425" bIns="91425" anchor="b" anchorCtr="0">
             <a:noAutofit/>
           </a:bodyPr>
           <a:lstStyle/>
@@ -6571,11 +6881,11 @@
 </file>
 
 <file path=ppt/slides/slide8.xml><?xml version="1.0" encoding="utf-8"?>
-<p:sld xmlns:a="http://schemas.openxmlformats.org/drawingml/2006/main" xmlns:r="http://schemas.openxmlformats.org/officeDocument/2006/relationships" xmlns:mc="http://schemas.openxmlformats.org/markup-compatibility/2006" xmlns:mv="urn:schemas-microsoft-com:mac:vml" xmlns:p="http://schemas.openxmlformats.org/presentationml/2006/main" xmlns:c="http://schemas.openxmlformats.org/drawingml/2006/chart" xmlns:dgm="http://schemas.openxmlformats.org/drawingml/2006/diagram" xmlns:o="urn:schemas-microsoft-com:office:office" xmlns:v="urn:schemas-microsoft-com:vml" xmlns:pvml="urn:schemas-microsoft-com:office:powerpoint" xmlns:com="http://schemas.openxmlformats.org/drawingml/2006/compatibility" xmlns:p14="http://schemas.microsoft.com/office/powerpoint/2010/main" xmlns:p15="http://schemas.microsoft.com/office/powerpoint/2012/main">
+<p:sld xmlns:a="http://schemas.openxmlformats.org/drawingml/2006/main" xmlns:r="http://schemas.openxmlformats.org/officeDocument/2006/relationships" xmlns:p="http://schemas.openxmlformats.org/presentationml/2006/main">
   <p:cSld>
     <p:spTree>
       <p:nvGrpSpPr>
-        <p:cNvPr id="113" name="Shape 113"/>
+        <p:cNvPr id="1" name="Shape 113"/>
         <p:cNvGrpSpPr/>
         <p:nvPr/>
       </p:nvGrpSpPr>
@@ -6590,7 +6900,9 @@
       <p:sp>
         <p:nvSpPr>
           <p:cNvPr id="114" name="Shape 114"/>
-          <p:cNvSpPr txBox="1"/>
+          <p:cNvSpPr txBox="1">
+            <a:spLocks noGrp="1"/>
+          </p:cNvSpPr>
           <p:nvPr>
             <p:ph type="title"/>
           </p:nvPr>
@@ -6605,7 +6917,7 @@
           </a:prstGeom>
         </p:spPr>
         <p:txBody>
-          <a:bodyPr anchorCtr="0" anchor="b" bIns="91425" lIns="91425" rIns="91425" wrap="square" tIns="91425">
+          <a:bodyPr wrap="square" lIns="91425" tIns="91425" rIns="91425" bIns="91425" anchor="b" anchorCtr="0">
             <a:noAutofit/>
           </a:bodyPr>
           <a:lstStyle/>
@@ -6626,9 +6938,11 @@
       <p:sp>
         <p:nvSpPr>
           <p:cNvPr id="115" name="Shape 115"/>
-          <p:cNvSpPr txBox="1"/>
+          <p:cNvSpPr txBox="1">
+            <a:spLocks noGrp="1"/>
+          </p:cNvSpPr>
           <p:nvPr>
-            <p:ph idx="1" type="body"/>
+            <p:ph type="body" idx="1"/>
           </p:nvPr>
         </p:nvSpPr>
         <p:spPr>
@@ -6641,12 +6955,12 @@
           </a:prstGeom>
         </p:spPr>
         <p:txBody>
-          <a:bodyPr anchorCtr="0" anchor="t" bIns="91425" lIns="91425" rIns="91425" wrap="square" tIns="91425">
+          <a:bodyPr wrap="square" lIns="91425" tIns="91425" rIns="91425" bIns="91425" anchor="t" anchorCtr="0">
             <a:noAutofit/>
           </a:bodyPr>
           <a:lstStyle/>
           <a:p>
-            <a:pPr indent="-355600" lvl="0" marL="457200" rtl="0">
+            <a:pPr marL="457200" lvl="0" indent="-355600" rtl="0">
               <a:spcBef>
                 <a:spcPts val="0"/>
               </a:spcBef>
@@ -6660,27 +6974,11 @@
             </a:pPr>
             <a:r>
               <a:rPr lang="en" sz="2000"/>
-              <a:t>Process historical stock </a:t>
+              <a:t>Process historical stock data sets to make meaningful analysis and predict stock price</a:t>
             </a:r>
-            <a:r>
-              <a:rPr lang="en" sz="2000"/>
-              <a:t>data sets</a:t>
-            </a:r>
-            <a:r>
-              <a:rPr lang="en" sz="2000"/>
-              <a:t> </a:t>
-            </a:r>
-            <a:r>
-              <a:rPr lang="en" sz="2000"/>
-              <a:t>to make</a:t>
-            </a:r>
-            <a:r>
-              <a:rPr lang="en" sz="2000"/>
-              <a:t> meaningful analysis and predict stock price</a:t>
-            </a:r>
-          </a:p>
-          <a:p>
-            <a:pPr indent="-355600" lvl="0" marL="457200" rtl="0">
+          </a:p>
+          <a:p>
+            <a:pPr marL="457200" lvl="0" indent="-355600" rtl="0">
               <a:spcBef>
                 <a:spcPts val="0"/>
               </a:spcBef>
@@ -6695,7 +6993,7 @@
             </a:r>
           </a:p>
           <a:p>
-            <a:pPr indent="-355600" lvl="0" marL="457200" rtl="0">
+            <a:pPr marL="457200" lvl="0" indent="-355600" rtl="0">
               <a:spcBef>
                 <a:spcPts val="0"/>
               </a:spcBef>
@@ -6706,23 +7004,11 @@
             </a:pPr>
             <a:r>
               <a:rPr lang="en" sz="2000"/>
-              <a:t>Design UI to allow </a:t>
+              <a:t>Design UI to allow interact with users and represent result using charts</a:t>
             </a:r>
-            <a:r>
-              <a:rPr lang="en" sz="2000"/>
-              <a:t>interact</a:t>
-            </a:r>
-            <a:r>
-              <a:rPr lang="en" sz="2000"/>
-              <a:t> with users and r</a:t>
-            </a:r>
-            <a:r>
-              <a:rPr lang="en" sz="2000"/>
-              <a:t>epresent result using charts</a:t>
-            </a:r>
-          </a:p>
-          <a:p>
-            <a:pPr indent="-355600" lvl="0" marL="457200">
+          </a:p>
+          <a:p>
+            <a:pPr marL="457200" lvl="0" indent="-355600">
               <a:spcBef>
                 <a:spcPts val="0"/>
               </a:spcBef>
@@ -6744,11 +7030,11 @@
 </file>
 
 <file path=ppt/slides/slide9.xml><?xml version="1.0" encoding="utf-8"?>
-<p:sld xmlns:a="http://schemas.openxmlformats.org/drawingml/2006/main" xmlns:r="http://schemas.openxmlformats.org/officeDocument/2006/relationships" xmlns:mc="http://schemas.openxmlformats.org/markup-compatibility/2006" xmlns:mv="urn:schemas-microsoft-com:mac:vml" xmlns:p="http://schemas.openxmlformats.org/presentationml/2006/main" xmlns:c="http://schemas.openxmlformats.org/drawingml/2006/chart" xmlns:dgm="http://schemas.openxmlformats.org/drawingml/2006/diagram" xmlns:o="urn:schemas-microsoft-com:office:office" xmlns:v="urn:schemas-microsoft-com:vml" xmlns:pvml="urn:schemas-microsoft-com:office:powerpoint" xmlns:com="http://schemas.openxmlformats.org/drawingml/2006/compatibility" xmlns:p14="http://schemas.microsoft.com/office/powerpoint/2010/main" xmlns:p15="http://schemas.microsoft.com/office/powerpoint/2012/main">
+<p:sld xmlns:a="http://schemas.openxmlformats.org/drawingml/2006/main" xmlns:r="http://schemas.openxmlformats.org/officeDocument/2006/relationships" xmlns:p="http://schemas.openxmlformats.org/presentationml/2006/main">
   <p:cSld>
     <p:spTree>
       <p:nvGrpSpPr>
-        <p:cNvPr id="119" name="Shape 119"/>
+        <p:cNvPr id="1" name="Shape 119"/>
         <p:cNvGrpSpPr/>
         <p:nvPr/>
       </p:nvGrpSpPr>
@@ -6763,7 +7049,9 @@
       <p:sp>
         <p:nvSpPr>
           <p:cNvPr id="120" name="Shape 120"/>
-          <p:cNvSpPr txBox="1"/>
+          <p:cNvSpPr txBox="1">
+            <a:spLocks noGrp="1"/>
+          </p:cNvSpPr>
           <p:nvPr>
             <p:ph type="title"/>
           </p:nvPr>
@@ -6778,7 +7066,7 @@
           </a:prstGeom>
         </p:spPr>
         <p:txBody>
-          <a:bodyPr anchorCtr="0" anchor="b" bIns="91425" lIns="91425" rIns="91425" wrap="square" tIns="91425">
+          <a:bodyPr wrap="square" lIns="91425" tIns="91425" rIns="91425" bIns="91425" anchor="b" anchorCtr="0">
             <a:noAutofit/>
           </a:bodyPr>
           <a:lstStyle/>
@@ -6799,9 +7087,11 @@
       <p:sp>
         <p:nvSpPr>
           <p:cNvPr id="121" name="Shape 121"/>
-          <p:cNvSpPr txBox="1"/>
+          <p:cNvSpPr txBox="1">
+            <a:spLocks noGrp="1"/>
+          </p:cNvSpPr>
           <p:nvPr>
-            <p:ph idx="4294967295" type="body"/>
+            <p:ph type="body" idx="4294967295"/>
           </p:nvPr>
         </p:nvSpPr>
         <p:spPr>
@@ -6814,7 +7104,7 @@
           </a:prstGeom>
         </p:spPr>
         <p:txBody>
-          <a:bodyPr anchorCtr="0" anchor="t" bIns="91425" lIns="91425" rIns="91425" wrap="square" tIns="91425">
+          <a:bodyPr wrap="square" lIns="91425" tIns="91425" rIns="91425" bIns="91425" anchor="t" anchorCtr="0">
             <a:noAutofit/>
           </a:bodyPr>
           <a:lstStyle/>
@@ -6841,7 +7131,7 @@
 </file>
 
 <file path=ppt/theme/theme1.xml><?xml version="1.0" encoding="utf-8"?>
-<a:theme xmlns:a="http://schemas.openxmlformats.org/drawingml/2006/main" xmlns:r="http://schemas.openxmlformats.org/officeDocument/2006/relationships" name="Marina">
+<a:theme xmlns:a="http://schemas.openxmlformats.org/drawingml/2006/main" name="Marina">
   <a:themeElements>
     <a:clrScheme name="Marina">
       <a:dk1>
@@ -7116,11 +7406,13 @@
       </a:bgFillStyleLst>
     </a:fmtScheme>
   </a:themeElements>
+  <a:objectDefaults/>
+  <a:extraClrSchemeLst/>
 </a:theme>
 </file>
 
 <file path=ppt/theme/theme2.xml><?xml version="1.0" encoding="utf-8"?>
-<a:theme xmlns:a="http://schemas.openxmlformats.org/drawingml/2006/main" xmlns:r="http://schemas.openxmlformats.org/officeDocument/2006/relationships" name="Custom Theme">
+<a:theme xmlns:a="http://schemas.openxmlformats.org/drawingml/2006/main" name="Custom Theme">
   <a:themeElements>
     <a:clrScheme name="Default">
       <a:dk1>
@@ -7395,5 +7687,7 @@
       </a:bgFillStyleLst>
     </a:fmtScheme>
   </a:themeElements>
+  <a:objectDefaults/>
+  <a:extraClrSchemeLst/>
 </a:theme>
 </file>
--- a/Presentation/ScalaTeam9Planning.pptx
+++ b/Presentation/ScalaTeam9Planning.pptx
@@ -1,27 +1,41 @@
 
 <file path=ppt/presentation.xml><?xml version="1.0" encoding="utf-8"?>
-<p:presentation xmlns:a="http://schemas.openxmlformats.org/drawingml/2006/main" xmlns:r="http://schemas.openxmlformats.org/officeDocument/2006/relationships" xmlns:p="http://schemas.openxmlformats.org/presentationml/2006/main" strictFirstAndLastChars="0" saveSubsetFonts="1" autoCompressPictures="0">
+<p:presentation xmlns:a="http://schemas.openxmlformats.org/drawingml/2006/main" xmlns:r="http://schemas.openxmlformats.org/officeDocument/2006/relationships" xmlns:mc="http://schemas.openxmlformats.org/markup-compatibility/2006" xmlns:mv="urn:schemas-microsoft-com:mac:vml" xmlns:p="http://schemas.openxmlformats.org/presentationml/2006/main" xmlns:c="http://schemas.openxmlformats.org/drawingml/2006/chart" xmlns:dgm="http://schemas.openxmlformats.org/drawingml/2006/diagram" xmlns:o="urn:schemas-microsoft-com:office:office" xmlns:v="urn:schemas-microsoft-com:vml" xmlns:pvml="urn:schemas-microsoft-com:office:powerpoint" xmlns:com="http://schemas.openxmlformats.org/drawingml/2006/compatibility" xmlns:p14="http://schemas.microsoft.com/office/powerpoint/2010/main" xmlns:p15="http://schemas.microsoft.com/office/powerpoint/2012/main" autoCompressPictures="0" embedTrueTypeFonts="1" strictFirstAndLastChars="0" saveSubsetFonts="1">
   <p:sldMasterIdLst>
-    <p:sldMasterId id="2147483659" r:id="rId1"/>
+    <p:sldMasterId id="2147483659" r:id="rId3"/>
   </p:sldMasterIdLst>
   <p:notesMasterIdLst>
-    <p:notesMasterId r:id="rId11"/>
+    <p:notesMasterId r:id="rId4"/>
   </p:notesMasterIdLst>
   <p:sldIdLst>
-    <p:sldId id="256" r:id="rId2"/>
-    <p:sldId id="257" r:id="rId3"/>
-    <p:sldId id="258" r:id="rId4"/>
-    <p:sldId id="259" r:id="rId5"/>
-    <p:sldId id="260" r:id="rId6"/>
-    <p:sldId id="261" r:id="rId7"/>
-    <p:sldId id="262" r:id="rId8"/>
-    <p:sldId id="263" r:id="rId9"/>
-    <p:sldId id="264" r:id="rId10"/>
+    <p:sldId id="256" r:id="rId5"/>
+    <p:sldId id="257" r:id="rId6"/>
+    <p:sldId id="258" r:id="rId7"/>
+    <p:sldId id="259" r:id="rId8"/>
+    <p:sldId id="260" r:id="rId9"/>
+    <p:sldId id="261" r:id="rId10"/>
+    <p:sldId id="262" r:id="rId11"/>
+    <p:sldId id="263" r:id="rId12"/>
+    <p:sldId id="264" r:id="rId13"/>
   </p:sldIdLst>
-  <p:sldSz cx="9144000" cy="5143500" type="screen16x9"/>
+  <p:sldSz cy="5143500" cx="9144000"/>
   <p:notesSz cx="6858000" cy="9144000"/>
+  <p:embeddedFontLst>
+    <p:embeddedFont>
+      <p:font typeface="Roboto Slab"/>
+      <p:regular r:id="rId14"/>
+      <p:bold r:id="rId15"/>
+    </p:embeddedFont>
+    <p:embeddedFont>
+      <p:font typeface="Roboto"/>
+      <p:regular r:id="rId16"/>
+      <p:bold r:id="rId17"/>
+      <p:italic r:id="rId18"/>
+      <p:boldItalic r:id="rId19"/>
+    </p:embeddedFont>
+  </p:embeddedFontLst>
   <p:defaultTextStyle>
-    <a:defPPr marR="0" lvl="0" algn="l" rtl="0">
+    <a:defPPr lvl="0" marR="0" rtl="0" algn="l">
       <a:lnSpc>
         <a:spcPct val="100000"/>
       </a:lnSpc>
@@ -32,7 +46,7 @@
         <a:spcPts val="0"/>
       </a:spcAft>
     </a:defPPr>
-    <a:lvl1pPr marR="0" lvl="0" algn="l" rtl="0">
+    <a:lvl1pPr lvl="0" marR="0" rtl="0" algn="l">
       <a:lnSpc>
         <a:spcPct val="100000"/>
       </a:lnSpc>
@@ -43,7 +57,7 @@
         <a:spcPts val="0"/>
       </a:spcAft>
       <a:buNone/>
-      <a:defRPr sz="1400" b="0" i="0" u="none" strike="noStrike" cap="none">
+      <a:defRPr b="0" i="0" sz="1400" u="none" cap="none" strike="noStrike">
         <a:solidFill>
           <a:srgbClr val="000000"/>
         </a:solidFill>
@@ -53,7 +67,7 @@
         <a:sym typeface="Arial"/>
       </a:defRPr>
     </a:lvl1pPr>
-    <a:lvl2pPr marR="0" lvl="1" algn="l" rtl="0">
+    <a:lvl2pPr lvl="1" marR="0" rtl="0" algn="l">
       <a:lnSpc>
         <a:spcPct val="100000"/>
       </a:lnSpc>
@@ -64,7 +78,7 @@
         <a:spcPts val="0"/>
       </a:spcAft>
       <a:buNone/>
-      <a:defRPr sz="1400" b="0" i="0" u="none" strike="noStrike" cap="none">
+      <a:defRPr b="0" i="0" sz="1400" u="none" cap="none" strike="noStrike">
         <a:solidFill>
           <a:srgbClr val="000000"/>
         </a:solidFill>
@@ -74,7 +88,7 @@
         <a:sym typeface="Arial"/>
       </a:defRPr>
     </a:lvl2pPr>
-    <a:lvl3pPr marR="0" lvl="2" algn="l" rtl="0">
+    <a:lvl3pPr lvl="2" marR="0" rtl="0" algn="l">
       <a:lnSpc>
         <a:spcPct val="100000"/>
       </a:lnSpc>
@@ -85,7 +99,7 @@
         <a:spcPts val="0"/>
       </a:spcAft>
       <a:buNone/>
-      <a:defRPr sz="1400" b="0" i="0" u="none" strike="noStrike" cap="none">
+      <a:defRPr b="0" i="0" sz="1400" u="none" cap="none" strike="noStrike">
         <a:solidFill>
           <a:srgbClr val="000000"/>
         </a:solidFill>
@@ -95,7 +109,7 @@
         <a:sym typeface="Arial"/>
       </a:defRPr>
     </a:lvl3pPr>
-    <a:lvl4pPr marR="0" lvl="3" algn="l" rtl="0">
+    <a:lvl4pPr lvl="3" marR="0" rtl="0" algn="l">
       <a:lnSpc>
         <a:spcPct val="100000"/>
       </a:lnSpc>
@@ -106,7 +120,7 @@
         <a:spcPts val="0"/>
       </a:spcAft>
       <a:buNone/>
-      <a:defRPr sz="1400" b="0" i="0" u="none" strike="noStrike" cap="none">
+      <a:defRPr b="0" i="0" sz="1400" u="none" cap="none" strike="noStrike">
         <a:solidFill>
           <a:srgbClr val="000000"/>
         </a:solidFill>
@@ -116,7 +130,7 @@
         <a:sym typeface="Arial"/>
       </a:defRPr>
     </a:lvl4pPr>
-    <a:lvl5pPr marR="0" lvl="4" algn="l" rtl="0">
+    <a:lvl5pPr lvl="4" marR="0" rtl="0" algn="l">
       <a:lnSpc>
         <a:spcPct val="100000"/>
       </a:lnSpc>
@@ -127,7 +141,7 @@
         <a:spcPts val="0"/>
       </a:spcAft>
       <a:buNone/>
-      <a:defRPr sz="1400" b="0" i="0" u="none" strike="noStrike" cap="none">
+      <a:defRPr b="0" i="0" sz="1400" u="none" cap="none" strike="noStrike">
         <a:solidFill>
           <a:srgbClr val="000000"/>
         </a:solidFill>
@@ -137,7 +151,7 @@
         <a:sym typeface="Arial"/>
       </a:defRPr>
     </a:lvl5pPr>
-    <a:lvl6pPr marR="0" lvl="5" algn="l" rtl="0">
+    <a:lvl6pPr lvl="5" marR="0" rtl="0" algn="l">
       <a:lnSpc>
         <a:spcPct val="100000"/>
       </a:lnSpc>
@@ -148,7 +162,7 @@
         <a:spcPts val="0"/>
       </a:spcAft>
       <a:buNone/>
-      <a:defRPr sz="1400" b="0" i="0" u="none" strike="noStrike" cap="none">
+      <a:defRPr b="0" i="0" sz="1400" u="none" cap="none" strike="noStrike">
         <a:solidFill>
           <a:srgbClr val="000000"/>
         </a:solidFill>
@@ -158,7 +172,7 @@
         <a:sym typeface="Arial"/>
       </a:defRPr>
     </a:lvl6pPr>
-    <a:lvl7pPr marR="0" lvl="6" algn="l" rtl="0">
+    <a:lvl7pPr lvl="6" marR="0" rtl="0" algn="l">
       <a:lnSpc>
         <a:spcPct val="100000"/>
       </a:lnSpc>
@@ -169,7 +183,7 @@
         <a:spcPts val="0"/>
       </a:spcAft>
       <a:buNone/>
-      <a:defRPr sz="1400" b="0" i="0" u="none" strike="noStrike" cap="none">
+      <a:defRPr b="0" i="0" sz="1400" u="none" cap="none" strike="noStrike">
         <a:solidFill>
           <a:srgbClr val="000000"/>
         </a:solidFill>
@@ -179,7 +193,7 @@
         <a:sym typeface="Arial"/>
       </a:defRPr>
     </a:lvl7pPr>
-    <a:lvl8pPr marR="0" lvl="7" algn="l" rtl="0">
+    <a:lvl8pPr lvl="7" marR="0" rtl="0" algn="l">
       <a:lnSpc>
         <a:spcPct val="100000"/>
       </a:lnSpc>
@@ -190,7 +204,7 @@
         <a:spcPts val="0"/>
       </a:spcAft>
       <a:buNone/>
-      <a:defRPr sz="1400" b="0" i="0" u="none" strike="noStrike" cap="none">
+      <a:defRPr b="0" i="0" sz="1400" u="none" cap="none" strike="noStrike">
         <a:solidFill>
           <a:srgbClr val="000000"/>
         </a:solidFill>
@@ -200,7 +214,7 @@
         <a:sym typeface="Arial"/>
       </a:defRPr>
     </a:lvl8pPr>
-    <a:lvl9pPr marR="0" lvl="8" algn="l" rtl="0">
+    <a:lvl9pPr lvl="8" marR="0" rtl="0" algn="l">
       <a:lnSpc>
         <a:spcPct val="100000"/>
       </a:lnSpc>
@@ -211,7 +225,7 @@
         <a:spcPts val="0"/>
       </a:spcAft>
       <a:buNone/>
-      <a:defRPr sz="1400" b="0" i="0" u="none" strike="noStrike" cap="none">
+      <a:defRPr b="0" i="0" sz="1400" u="none" cap="none" strike="noStrike">
         <a:solidFill>
           <a:srgbClr val="000000"/>
         </a:solidFill>
@@ -226,16 +240,11 @@
 </file>
 
 <file path=ppt/notesMasters/notesMaster1.xml><?xml version="1.0" encoding="utf-8"?>
-<p:notesMaster xmlns:a="http://schemas.openxmlformats.org/drawingml/2006/main" xmlns:r="http://schemas.openxmlformats.org/officeDocument/2006/relationships" xmlns:p="http://schemas.openxmlformats.org/presentationml/2006/main">
+<p:notesMaster xmlns:a="http://schemas.openxmlformats.org/drawingml/2006/main" xmlns:r="http://schemas.openxmlformats.org/officeDocument/2006/relationships" xmlns:mc="http://schemas.openxmlformats.org/markup-compatibility/2006" xmlns:mv="urn:schemas-microsoft-com:mac:vml" xmlns:p="http://schemas.openxmlformats.org/presentationml/2006/main" xmlns:c="http://schemas.openxmlformats.org/drawingml/2006/chart" xmlns:dgm="http://schemas.openxmlformats.org/drawingml/2006/diagram" xmlns:o="urn:schemas-microsoft-com:office:office" xmlns:v="urn:schemas-microsoft-com:vml" xmlns:pvml="urn:schemas-microsoft-com:office:powerpoint" xmlns:com="http://schemas.openxmlformats.org/drawingml/2006/compatibility" xmlns:p14="http://schemas.microsoft.com/office/powerpoint/2010/main" xmlns:p15="http://schemas.microsoft.com/office/powerpoint/2012/main">
   <p:cSld>
-    <p:bg>
-      <p:bgRef idx="1001">
-        <a:schemeClr val="bg1"/>
-      </p:bgRef>
-    </p:bg>
     <p:spTree>
       <p:nvGrpSpPr>
-        <p:cNvPr id="1" name="Shape 2"/>
+        <p:cNvPr id="2" name="Shape 2"/>
         <p:cNvGrpSpPr/>
         <p:nvPr/>
       </p:nvGrpSpPr>
@@ -250,11 +259,9 @@
       <p:sp>
         <p:nvSpPr>
           <p:cNvPr id="3" name="Shape 3"/>
-          <p:cNvSpPr>
-            <a:spLocks noGrp="1" noRot="1" noChangeAspect="1"/>
-          </p:cNvSpPr>
+          <p:cNvSpPr/>
           <p:nvPr>
-            <p:ph type="sldImg" idx="2"/>
+            <p:ph idx="2" type="sldImg"/>
           </p:nvPr>
         </p:nvSpPr>
         <p:spPr>
@@ -263,13 +270,8 @@
             <a:ext cx="6096075" cy="3429000"/>
           </a:xfrm>
           <a:custGeom>
-            <a:avLst/>
-            <a:gdLst/>
-            <a:ahLst/>
-            <a:cxnLst/>
-            <a:rect l="0" t="0" r="0" b="0"/>
             <a:pathLst>
-              <a:path w="120000" h="120000" extrusionOk="0">
+              <a:path extrusionOk="0" h="120000" w="120000">
                 <a:moveTo>
                   <a:pt x="0" y="0"/>
                 </a:moveTo>
@@ -287,25 +289,23 @@
             </a:pathLst>
           </a:custGeom>
           <a:noFill/>
-          <a:ln w="9525" cap="flat" cmpd="sng">
+          <a:ln cap="flat" cmpd="sng" w="9525">
             <a:solidFill>
               <a:srgbClr val="000000"/>
             </a:solidFill>
             <a:prstDash val="solid"/>
             <a:round/>
-            <a:headEnd type="none" w="med" len="med"/>
-            <a:tailEnd type="none" w="med" len="med"/>
+            <a:headEnd len="med" w="med" type="none"/>
+            <a:tailEnd len="med" w="med" type="none"/>
           </a:ln>
         </p:spPr>
       </p:sp>
       <p:sp>
         <p:nvSpPr>
           <p:cNvPr id="4" name="Shape 4"/>
-          <p:cNvSpPr txBox="1">
-            <a:spLocks noGrp="1"/>
-          </p:cNvSpPr>
+          <p:cNvSpPr txBox="1"/>
           <p:nvPr>
-            <p:ph type="body" idx="1"/>
+            <p:ph idx="1" type="body"/>
           </p:nvPr>
         </p:nvSpPr>
         <p:spPr>
@@ -322,7 +322,7 @@
           </a:ln>
         </p:spPr>
         <p:txBody>
-          <a:bodyPr wrap="square" lIns="91425" tIns="91425" rIns="91425" bIns="91425" anchor="t" anchorCtr="0"/>
+          <a:bodyPr anchorCtr="0" anchor="t" bIns="91425" lIns="91425" rIns="91425" wrap="square" tIns="91425"/>
           <a:lstStyle>
             <a:lvl1pPr lvl="0">
               <a:spcBef>
@@ -397,120 +397,21 @@
               <a:defRPr sz="1100"/>
             </a:lvl9pPr>
           </a:lstStyle>
-          <a:p>
-            <a:endParaRPr/>
-          </a:p>
+          <a:p/>
         </p:txBody>
       </p:sp>
     </p:spTree>
-    <p:extLst>
-      <p:ext uri="{BB962C8B-B14F-4D97-AF65-F5344CB8AC3E}">
-        <p14:creationId xmlns:p14="http://schemas.microsoft.com/office/powerpoint/2010/main" val="2076110488"/>
-      </p:ext>
-    </p:extLst>
   </p:cSld>
-  <p:clrMap bg1="lt1" tx1="dk1" bg2="dk2" tx2="lt2" accent1="accent1" accent2="accent2" accent3="accent3" accent4="accent4" accent5="accent5" accent6="accent6" hlink="hlink" folHlink="folHlink"/>
-  <p:notesStyle>
-    <a:lvl1pPr marL="0" algn="l" defTabSz="914400" rtl="0" eaLnBrk="1" latinLnBrk="0" hangingPunct="1">
-      <a:defRPr sz="1200" kern="1200">
-        <a:solidFill>
-          <a:schemeClr val="tx1"/>
-        </a:solidFill>
-        <a:latin typeface="+mn-lt"/>
-        <a:ea typeface="+mn-ea"/>
-        <a:cs typeface="+mn-cs"/>
-      </a:defRPr>
-    </a:lvl1pPr>
-    <a:lvl2pPr marL="457200" algn="l" defTabSz="914400" rtl="0" eaLnBrk="1" latinLnBrk="0" hangingPunct="1">
-      <a:defRPr sz="1200" kern="1200">
-        <a:solidFill>
-          <a:schemeClr val="tx1"/>
-        </a:solidFill>
-        <a:latin typeface="+mn-lt"/>
-        <a:ea typeface="+mn-ea"/>
-        <a:cs typeface="+mn-cs"/>
-      </a:defRPr>
-    </a:lvl2pPr>
-    <a:lvl3pPr marL="914400" algn="l" defTabSz="914400" rtl="0" eaLnBrk="1" latinLnBrk="0" hangingPunct="1">
-      <a:defRPr sz="1200" kern="1200">
-        <a:solidFill>
-          <a:schemeClr val="tx1"/>
-        </a:solidFill>
-        <a:latin typeface="+mn-lt"/>
-        <a:ea typeface="+mn-ea"/>
-        <a:cs typeface="+mn-cs"/>
-      </a:defRPr>
-    </a:lvl3pPr>
-    <a:lvl4pPr marL="1371600" algn="l" defTabSz="914400" rtl="0" eaLnBrk="1" latinLnBrk="0" hangingPunct="1">
-      <a:defRPr sz="1200" kern="1200">
-        <a:solidFill>
-          <a:schemeClr val="tx1"/>
-        </a:solidFill>
-        <a:latin typeface="+mn-lt"/>
-        <a:ea typeface="+mn-ea"/>
-        <a:cs typeface="+mn-cs"/>
-      </a:defRPr>
-    </a:lvl4pPr>
-    <a:lvl5pPr marL="1828800" algn="l" defTabSz="914400" rtl="0" eaLnBrk="1" latinLnBrk="0" hangingPunct="1">
-      <a:defRPr sz="1200" kern="1200">
-        <a:solidFill>
-          <a:schemeClr val="tx1"/>
-        </a:solidFill>
-        <a:latin typeface="+mn-lt"/>
-        <a:ea typeface="+mn-ea"/>
-        <a:cs typeface="+mn-cs"/>
-      </a:defRPr>
-    </a:lvl5pPr>
-    <a:lvl6pPr marL="2286000" algn="l" defTabSz="914400" rtl="0" eaLnBrk="1" latinLnBrk="0" hangingPunct="1">
-      <a:defRPr sz="1200" kern="1200">
-        <a:solidFill>
-          <a:schemeClr val="tx1"/>
-        </a:solidFill>
-        <a:latin typeface="+mn-lt"/>
-        <a:ea typeface="+mn-ea"/>
-        <a:cs typeface="+mn-cs"/>
-      </a:defRPr>
-    </a:lvl6pPr>
-    <a:lvl7pPr marL="2743200" algn="l" defTabSz="914400" rtl="0" eaLnBrk="1" latinLnBrk="0" hangingPunct="1">
-      <a:defRPr sz="1200" kern="1200">
-        <a:solidFill>
-          <a:schemeClr val="tx1"/>
-        </a:solidFill>
-        <a:latin typeface="+mn-lt"/>
-        <a:ea typeface="+mn-ea"/>
-        <a:cs typeface="+mn-cs"/>
-      </a:defRPr>
-    </a:lvl7pPr>
-    <a:lvl8pPr marL="3200400" algn="l" defTabSz="914400" rtl="0" eaLnBrk="1" latinLnBrk="0" hangingPunct="1">
-      <a:defRPr sz="1200" kern="1200">
-        <a:solidFill>
-          <a:schemeClr val="tx1"/>
-        </a:solidFill>
-        <a:latin typeface="+mn-lt"/>
-        <a:ea typeface="+mn-ea"/>
-        <a:cs typeface="+mn-cs"/>
-      </a:defRPr>
-    </a:lvl8pPr>
-    <a:lvl9pPr marL="3657600" algn="l" defTabSz="914400" rtl="0" eaLnBrk="1" latinLnBrk="0" hangingPunct="1">
-      <a:defRPr sz="1200" kern="1200">
-        <a:solidFill>
-          <a:schemeClr val="tx1"/>
-        </a:solidFill>
-        <a:latin typeface="+mn-lt"/>
-        <a:ea typeface="+mn-ea"/>
-        <a:cs typeface="+mn-cs"/>
-      </a:defRPr>
-    </a:lvl9pPr>
-  </p:notesStyle>
+  <p:clrMap accent1="accent1" accent2="accent2" accent3="accent3" accent4="accent4" accent5="accent5" accent6="accent6" bg1="lt1" bg2="dk2" tx1="dk1" tx2="lt2" folHlink="folHlink" hlink="hlink"/>
 </p:notesMaster>
 </file>
 
 <file path=ppt/notesSlides/notesSlide1.xml><?xml version="1.0" encoding="utf-8"?>
-<p:notes xmlns:a="http://schemas.openxmlformats.org/drawingml/2006/main" xmlns:r="http://schemas.openxmlformats.org/officeDocument/2006/relationships" xmlns:p="http://schemas.openxmlformats.org/presentationml/2006/main" showMasterSp="0" showMasterPhAnim="0">
+<p:notes xmlns:a="http://schemas.openxmlformats.org/drawingml/2006/main" xmlns:r="http://schemas.openxmlformats.org/officeDocument/2006/relationships" xmlns:mc="http://schemas.openxmlformats.org/markup-compatibility/2006" xmlns:mv="urn:schemas-microsoft-com:mac:vml" xmlns:p="http://schemas.openxmlformats.org/presentationml/2006/main" xmlns:c="http://schemas.openxmlformats.org/drawingml/2006/chart" xmlns:dgm="http://schemas.openxmlformats.org/drawingml/2006/diagram" xmlns:o="urn:schemas-microsoft-com:office:office" xmlns:v="urn:schemas-microsoft-com:vml" xmlns:pvml="urn:schemas-microsoft-com:office:powerpoint" xmlns:com="http://schemas.openxmlformats.org/drawingml/2006/compatibility" xmlns:p14="http://schemas.microsoft.com/office/powerpoint/2010/main" xmlns:p15="http://schemas.microsoft.com/office/powerpoint/2012/main" showMasterPhAnim="0" showMasterSp="0">
   <p:cSld>
     <p:spTree>
       <p:nvGrpSpPr>
-        <p:cNvPr id="1" name="Shape 59"/>
+        <p:cNvPr id="59" name="Shape 59"/>
         <p:cNvGrpSpPr/>
         <p:nvPr/>
       </p:nvGrpSpPr>
@@ -525,11 +426,9 @@
       <p:sp>
         <p:nvSpPr>
           <p:cNvPr id="60" name="Shape 60"/>
-          <p:cNvSpPr>
-            <a:spLocks noGrp="1" noRot="1" noChangeAspect="1"/>
-          </p:cNvSpPr>
+          <p:cNvSpPr/>
           <p:nvPr>
-            <p:ph type="sldImg" idx="2"/>
+            <p:ph idx="2" type="sldImg"/>
           </p:nvPr>
         </p:nvSpPr>
         <p:spPr>
@@ -538,13 +437,8 @@
             <a:ext cx="6096075" cy="3429000"/>
           </a:xfrm>
           <a:custGeom>
-            <a:avLst/>
-            <a:gdLst/>
-            <a:ahLst/>
-            <a:cxnLst/>
-            <a:rect l="0" t="0" r="0" b="0"/>
             <a:pathLst>
-              <a:path w="120000" h="120000" extrusionOk="0">
+              <a:path extrusionOk="0" h="120000" w="120000">
                 <a:moveTo>
                   <a:pt x="0" y="0"/>
                 </a:moveTo>
@@ -566,11 +460,9 @@
       <p:sp>
         <p:nvSpPr>
           <p:cNvPr id="61" name="Shape 61"/>
-          <p:cNvSpPr txBox="1">
-            <a:spLocks noGrp="1"/>
-          </p:cNvSpPr>
+          <p:cNvSpPr txBox="1"/>
           <p:nvPr>
-            <p:ph type="body" idx="1"/>
+            <p:ph idx="1" type="body"/>
           </p:nvPr>
         </p:nvSpPr>
         <p:spPr>
@@ -583,7 +475,7 @@
           </a:prstGeom>
         </p:spPr>
         <p:txBody>
-          <a:bodyPr wrap="square" lIns="91425" tIns="91425" rIns="91425" bIns="91425" anchor="t" anchorCtr="0">
+          <a:bodyPr anchorCtr="0" anchor="t" bIns="91425" lIns="91425" rIns="91425" wrap="square" tIns="91425">
             <a:noAutofit/>
           </a:bodyPr>
           <a:lstStyle/>
@@ -594,16 +486,14 @@
               </a:spcBef>
               <a:buNone/>
             </a:pPr>
+            <a:r>
+              <a:t/>
+            </a:r>
             <a:endParaRPr/>
           </a:p>
         </p:txBody>
       </p:sp>
     </p:spTree>
-    <p:extLst>
-      <p:ext uri="{BB962C8B-B14F-4D97-AF65-F5344CB8AC3E}">
-        <p14:creationId xmlns:p14="http://schemas.microsoft.com/office/powerpoint/2010/main" val="874675360"/>
-      </p:ext>
-    </p:extLst>
   </p:cSld>
   <p:clrMapOvr>
     <a:masterClrMapping/>
@@ -612,11 +502,11 @@
 </file>
 
 <file path=ppt/notesSlides/notesSlide2.xml><?xml version="1.0" encoding="utf-8"?>
-<p:notes xmlns:a="http://schemas.openxmlformats.org/drawingml/2006/main" xmlns:r="http://schemas.openxmlformats.org/officeDocument/2006/relationships" xmlns:p="http://schemas.openxmlformats.org/presentationml/2006/main" showMasterSp="0" showMasterPhAnim="0">
+<p:notes xmlns:a="http://schemas.openxmlformats.org/drawingml/2006/main" xmlns:r="http://schemas.openxmlformats.org/officeDocument/2006/relationships" xmlns:mc="http://schemas.openxmlformats.org/markup-compatibility/2006" xmlns:mv="urn:schemas-microsoft-com:mac:vml" xmlns:p="http://schemas.openxmlformats.org/presentationml/2006/main" xmlns:c="http://schemas.openxmlformats.org/drawingml/2006/chart" xmlns:dgm="http://schemas.openxmlformats.org/drawingml/2006/diagram" xmlns:o="urn:schemas-microsoft-com:office:office" xmlns:v="urn:schemas-microsoft-com:vml" xmlns:pvml="urn:schemas-microsoft-com:office:powerpoint" xmlns:com="http://schemas.openxmlformats.org/drawingml/2006/compatibility" xmlns:p14="http://schemas.microsoft.com/office/powerpoint/2010/main" xmlns:p15="http://schemas.microsoft.com/office/powerpoint/2012/main" showMasterPhAnim="0" showMasterSp="0">
   <p:cSld>
     <p:spTree>
       <p:nvGrpSpPr>
-        <p:cNvPr id="1" name="Shape 65"/>
+        <p:cNvPr id="65" name="Shape 65"/>
         <p:cNvGrpSpPr/>
         <p:nvPr/>
       </p:nvGrpSpPr>
@@ -631,11 +521,9 @@
       <p:sp>
         <p:nvSpPr>
           <p:cNvPr id="66" name="Shape 66"/>
-          <p:cNvSpPr>
-            <a:spLocks noGrp="1" noRot="1" noChangeAspect="1"/>
-          </p:cNvSpPr>
+          <p:cNvSpPr/>
           <p:nvPr>
-            <p:ph type="sldImg" idx="2"/>
+            <p:ph idx="2" type="sldImg"/>
           </p:nvPr>
         </p:nvSpPr>
         <p:spPr>
@@ -644,13 +532,8 @@
             <a:ext cx="6096000" cy="3429000"/>
           </a:xfrm>
           <a:custGeom>
-            <a:avLst/>
-            <a:gdLst/>
-            <a:ahLst/>
-            <a:cxnLst/>
-            <a:rect l="0" t="0" r="0" b="0"/>
             <a:pathLst>
-              <a:path w="120000" h="120000" extrusionOk="0">
+              <a:path extrusionOk="0" h="120000" w="120000">
                 <a:moveTo>
                   <a:pt x="0" y="0"/>
                 </a:moveTo>
@@ -672,11 +555,9 @@
       <p:sp>
         <p:nvSpPr>
           <p:cNvPr id="67" name="Shape 67"/>
-          <p:cNvSpPr txBox="1">
-            <a:spLocks noGrp="1"/>
-          </p:cNvSpPr>
+          <p:cNvSpPr txBox="1"/>
           <p:nvPr>
-            <p:ph type="body" idx="1"/>
+            <p:ph idx="1" type="body"/>
           </p:nvPr>
         </p:nvSpPr>
         <p:spPr>
@@ -689,7 +570,7 @@
           </a:prstGeom>
         </p:spPr>
         <p:txBody>
-          <a:bodyPr wrap="square" lIns="91425" tIns="91425" rIns="91425" bIns="91425" anchor="t" anchorCtr="0">
+          <a:bodyPr anchorCtr="0" anchor="t" bIns="91425" lIns="91425" rIns="91425" wrap="square" tIns="91425">
             <a:noAutofit/>
           </a:bodyPr>
           <a:lstStyle/>
@@ -700,16 +581,14 @@
               </a:spcBef>
               <a:buNone/>
             </a:pPr>
+            <a:r>
+              <a:t/>
+            </a:r>
             <a:endParaRPr/>
           </a:p>
         </p:txBody>
       </p:sp>
     </p:spTree>
-    <p:extLst>
-      <p:ext uri="{BB962C8B-B14F-4D97-AF65-F5344CB8AC3E}">
-        <p14:creationId xmlns:p14="http://schemas.microsoft.com/office/powerpoint/2010/main" val="1143211805"/>
-      </p:ext>
-    </p:extLst>
   </p:cSld>
   <p:clrMapOvr>
     <a:masterClrMapping/>
@@ -718,11 +597,11 @@
 </file>
 
 <file path=ppt/notesSlides/notesSlide3.xml><?xml version="1.0" encoding="utf-8"?>
-<p:notes xmlns:a="http://schemas.openxmlformats.org/drawingml/2006/main" xmlns:r="http://schemas.openxmlformats.org/officeDocument/2006/relationships" xmlns:p="http://schemas.openxmlformats.org/presentationml/2006/main" showMasterSp="0" showMasterPhAnim="0">
+<p:notes xmlns:a="http://schemas.openxmlformats.org/drawingml/2006/main" xmlns:r="http://schemas.openxmlformats.org/officeDocument/2006/relationships" xmlns:mc="http://schemas.openxmlformats.org/markup-compatibility/2006" xmlns:mv="urn:schemas-microsoft-com:mac:vml" xmlns:p="http://schemas.openxmlformats.org/presentationml/2006/main" xmlns:c="http://schemas.openxmlformats.org/drawingml/2006/chart" xmlns:dgm="http://schemas.openxmlformats.org/drawingml/2006/diagram" xmlns:o="urn:schemas-microsoft-com:office:office" xmlns:v="urn:schemas-microsoft-com:vml" xmlns:pvml="urn:schemas-microsoft-com:office:powerpoint" xmlns:com="http://schemas.openxmlformats.org/drawingml/2006/compatibility" xmlns:p14="http://schemas.microsoft.com/office/powerpoint/2010/main" xmlns:p15="http://schemas.microsoft.com/office/powerpoint/2012/main" showMasterPhAnim="0" showMasterSp="0">
   <p:cSld>
     <p:spTree>
       <p:nvGrpSpPr>
-        <p:cNvPr id="1" name="Shape 71"/>
+        <p:cNvPr id="71" name="Shape 71"/>
         <p:cNvGrpSpPr/>
         <p:nvPr/>
       </p:nvGrpSpPr>
@@ -737,26 +616,19 @@
       <p:sp>
         <p:nvSpPr>
           <p:cNvPr id="72" name="Shape 72"/>
-          <p:cNvSpPr>
-            <a:spLocks noGrp="1" noRot="1" noChangeAspect="1"/>
-          </p:cNvSpPr>
+          <p:cNvSpPr/>
           <p:nvPr>
-            <p:ph type="sldImg" idx="2"/>
+            <p:ph idx="2" type="sldImg"/>
           </p:nvPr>
         </p:nvSpPr>
         <p:spPr>
           <a:xfrm>
-            <a:off x="381000" y="685800"/>
+            <a:off x="381300" y="685800"/>
             <a:ext cx="6096000" cy="3429000"/>
           </a:xfrm>
           <a:custGeom>
-            <a:avLst/>
-            <a:gdLst/>
-            <a:ahLst/>
-            <a:cxnLst/>
-            <a:rect l="0" t="0" r="0" b="0"/>
             <a:pathLst>
-              <a:path w="120000" h="120000" extrusionOk="0">
+              <a:path extrusionOk="0" h="120000" w="120000">
                 <a:moveTo>
                   <a:pt x="0" y="0"/>
                 </a:moveTo>
@@ -778,11 +650,9 @@
       <p:sp>
         <p:nvSpPr>
           <p:cNvPr id="73" name="Shape 73"/>
-          <p:cNvSpPr txBox="1">
-            <a:spLocks noGrp="1"/>
-          </p:cNvSpPr>
+          <p:cNvSpPr txBox="1"/>
           <p:nvPr>
-            <p:ph type="body" idx="1"/>
+            <p:ph idx="1" type="body"/>
           </p:nvPr>
         </p:nvSpPr>
         <p:spPr>
@@ -795,7 +665,7 @@
           </a:prstGeom>
         </p:spPr>
         <p:txBody>
-          <a:bodyPr wrap="square" lIns="91425" tIns="91425" rIns="91425" bIns="91425" anchor="t" anchorCtr="0">
+          <a:bodyPr anchorCtr="0" anchor="t" bIns="91425" lIns="91425" rIns="91425" wrap="square" tIns="91425">
             <a:noAutofit/>
           </a:bodyPr>
           <a:lstStyle/>
@@ -806,16 +676,14 @@
               </a:spcBef>
               <a:buNone/>
             </a:pPr>
+            <a:r>
+              <a:t/>
+            </a:r>
             <a:endParaRPr/>
           </a:p>
         </p:txBody>
       </p:sp>
     </p:spTree>
-    <p:extLst>
-      <p:ext uri="{BB962C8B-B14F-4D97-AF65-F5344CB8AC3E}">
-        <p14:creationId xmlns:p14="http://schemas.microsoft.com/office/powerpoint/2010/main" val="424616926"/>
-      </p:ext>
-    </p:extLst>
   </p:cSld>
   <p:clrMapOvr>
     <a:masterClrMapping/>
@@ -824,11 +692,11 @@
 </file>
 
 <file path=ppt/notesSlides/notesSlide4.xml><?xml version="1.0" encoding="utf-8"?>
-<p:notes xmlns:a="http://schemas.openxmlformats.org/drawingml/2006/main" xmlns:r="http://schemas.openxmlformats.org/officeDocument/2006/relationships" xmlns:p="http://schemas.openxmlformats.org/presentationml/2006/main" showMasterSp="0" showMasterPhAnim="0">
+<p:notes xmlns:a="http://schemas.openxmlformats.org/drawingml/2006/main" xmlns:r="http://schemas.openxmlformats.org/officeDocument/2006/relationships" xmlns:mc="http://schemas.openxmlformats.org/markup-compatibility/2006" xmlns:mv="urn:schemas-microsoft-com:mac:vml" xmlns:p="http://schemas.openxmlformats.org/presentationml/2006/main" xmlns:c="http://schemas.openxmlformats.org/drawingml/2006/chart" xmlns:dgm="http://schemas.openxmlformats.org/drawingml/2006/diagram" xmlns:o="urn:schemas-microsoft-com:office:office" xmlns:v="urn:schemas-microsoft-com:vml" xmlns:pvml="urn:schemas-microsoft-com:office:powerpoint" xmlns:com="http://schemas.openxmlformats.org/drawingml/2006/compatibility" xmlns:p14="http://schemas.microsoft.com/office/powerpoint/2010/main" xmlns:p15="http://schemas.microsoft.com/office/powerpoint/2012/main" showMasterPhAnim="0" showMasterSp="0">
   <p:cSld>
     <p:spTree>
       <p:nvGrpSpPr>
-        <p:cNvPr id="1" name="Shape 77"/>
+        <p:cNvPr id="77" name="Shape 77"/>
         <p:cNvGrpSpPr/>
         <p:nvPr/>
       </p:nvGrpSpPr>
@@ -843,11 +711,9 @@
       <p:sp>
         <p:nvSpPr>
           <p:cNvPr id="78" name="Shape 78"/>
-          <p:cNvSpPr>
-            <a:spLocks noGrp="1" noRot="1" noChangeAspect="1"/>
-          </p:cNvSpPr>
+          <p:cNvSpPr/>
           <p:nvPr>
-            <p:ph type="sldImg" idx="2"/>
+            <p:ph idx="2" type="sldImg"/>
           </p:nvPr>
         </p:nvSpPr>
         <p:spPr>
@@ -856,13 +722,8 @@
             <a:ext cx="6096000" cy="3429000"/>
           </a:xfrm>
           <a:custGeom>
-            <a:avLst/>
-            <a:gdLst/>
-            <a:ahLst/>
-            <a:cxnLst/>
-            <a:rect l="0" t="0" r="0" b="0"/>
             <a:pathLst>
-              <a:path w="120000" h="120000" extrusionOk="0">
+              <a:path extrusionOk="0" h="120000" w="120000">
                 <a:moveTo>
                   <a:pt x="0" y="0"/>
                 </a:moveTo>
@@ -884,11 +745,9 @@
       <p:sp>
         <p:nvSpPr>
           <p:cNvPr id="79" name="Shape 79"/>
-          <p:cNvSpPr txBox="1">
-            <a:spLocks noGrp="1"/>
-          </p:cNvSpPr>
+          <p:cNvSpPr txBox="1"/>
           <p:nvPr>
-            <p:ph type="body" idx="1"/>
+            <p:ph idx="1" type="body"/>
           </p:nvPr>
         </p:nvSpPr>
         <p:spPr>
@@ -901,7 +760,7 @@
           </a:prstGeom>
         </p:spPr>
         <p:txBody>
-          <a:bodyPr wrap="square" lIns="91425" tIns="91425" rIns="91425" bIns="91425" anchor="t" anchorCtr="0">
+          <a:bodyPr anchorCtr="0" anchor="t" bIns="91425" lIns="91425" rIns="91425" wrap="square" tIns="91425">
             <a:noAutofit/>
           </a:bodyPr>
           <a:lstStyle/>
@@ -912,16 +771,14 @@
               </a:spcBef>
               <a:buNone/>
             </a:pPr>
+            <a:r>
+              <a:t/>
+            </a:r>
             <a:endParaRPr/>
           </a:p>
         </p:txBody>
       </p:sp>
     </p:spTree>
-    <p:extLst>
-      <p:ext uri="{BB962C8B-B14F-4D97-AF65-F5344CB8AC3E}">
-        <p14:creationId xmlns:p14="http://schemas.microsoft.com/office/powerpoint/2010/main" val="448516301"/>
-      </p:ext>
-    </p:extLst>
   </p:cSld>
   <p:clrMapOvr>
     <a:masterClrMapping/>
@@ -930,11 +787,11 @@
 </file>
 
 <file path=ppt/notesSlides/notesSlide5.xml><?xml version="1.0" encoding="utf-8"?>
-<p:notes xmlns:a="http://schemas.openxmlformats.org/drawingml/2006/main" xmlns:r="http://schemas.openxmlformats.org/officeDocument/2006/relationships" xmlns:p="http://schemas.openxmlformats.org/presentationml/2006/main" showMasterSp="0" showMasterPhAnim="0">
+<p:notes xmlns:a="http://schemas.openxmlformats.org/drawingml/2006/main" xmlns:r="http://schemas.openxmlformats.org/officeDocument/2006/relationships" xmlns:mc="http://schemas.openxmlformats.org/markup-compatibility/2006" xmlns:mv="urn:schemas-microsoft-com:mac:vml" xmlns:p="http://schemas.openxmlformats.org/presentationml/2006/main" xmlns:c="http://schemas.openxmlformats.org/drawingml/2006/chart" xmlns:dgm="http://schemas.openxmlformats.org/drawingml/2006/diagram" xmlns:o="urn:schemas-microsoft-com:office:office" xmlns:v="urn:schemas-microsoft-com:vml" xmlns:pvml="urn:schemas-microsoft-com:office:powerpoint" xmlns:com="http://schemas.openxmlformats.org/drawingml/2006/compatibility" xmlns:p14="http://schemas.microsoft.com/office/powerpoint/2010/main" xmlns:p15="http://schemas.microsoft.com/office/powerpoint/2012/main" showMasterPhAnim="0" showMasterSp="0">
   <p:cSld>
     <p:spTree>
       <p:nvGrpSpPr>
-        <p:cNvPr id="1" name="Shape 83"/>
+        <p:cNvPr id="83" name="Shape 83"/>
         <p:cNvGrpSpPr/>
         <p:nvPr/>
       </p:nvGrpSpPr>
@@ -949,11 +806,9 @@
       <p:sp>
         <p:nvSpPr>
           <p:cNvPr id="84" name="Shape 84"/>
-          <p:cNvSpPr>
-            <a:spLocks noGrp="1" noRot="1" noChangeAspect="1"/>
-          </p:cNvSpPr>
+          <p:cNvSpPr/>
           <p:nvPr>
-            <p:ph type="sldImg" idx="2"/>
+            <p:ph idx="2" type="sldImg"/>
           </p:nvPr>
         </p:nvSpPr>
         <p:spPr>
@@ -962,13 +817,8 @@
             <a:ext cx="6096000" cy="3429000"/>
           </a:xfrm>
           <a:custGeom>
-            <a:avLst/>
-            <a:gdLst/>
-            <a:ahLst/>
-            <a:cxnLst/>
-            <a:rect l="0" t="0" r="0" b="0"/>
             <a:pathLst>
-              <a:path w="120000" h="120000" extrusionOk="0">
+              <a:path extrusionOk="0" h="120000" w="120000">
                 <a:moveTo>
                   <a:pt x="0" y="0"/>
                 </a:moveTo>
@@ -990,11 +840,9 @@
       <p:sp>
         <p:nvSpPr>
           <p:cNvPr id="85" name="Shape 85"/>
-          <p:cNvSpPr txBox="1">
-            <a:spLocks noGrp="1"/>
-          </p:cNvSpPr>
+          <p:cNvSpPr txBox="1"/>
           <p:nvPr>
-            <p:ph type="body" idx="1"/>
+            <p:ph idx="1" type="body"/>
           </p:nvPr>
         </p:nvSpPr>
         <p:spPr>
@@ -1007,7 +855,7 @@
           </a:prstGeom>
         </p:spPr>
         <p:txBody>
-          <a:bodyPr wrap="square" lIns="91425" tIns="91425" rIns="91425" bIns="91425" anchor="t" anchorCtr="0">
+          <a:bodyPr anchorCtr="0" anchor="t" bIns="91425" lIns="91425" rIns="91425" wrap="square" tIns="91425">
             <a:noAutofit/>
           </a:bodyPr>
           <a:lstStyle/>
@@ -1018,16 +866,14 @@
               </a:spcBef>
               <a:buNone/>
             </a:pPr>
+            <a:r>
+              <a:t/>
+            </a:r>
             <a:endParaRPr/>
           </a:p>
         </p:txBody>
       </p:sp>
     </p:spTree>
-    <p:extLst>
-      <p:ext uri="{BB962C8B-B14F-4D97-AF65-F5344CB8AC3E}">
-        <p14:creationId xmlns:p14="http://schemas.microsoft.com/office/powerpoint/2010/main" val="545869937"/>
-      </p:ext>
-    </p:extLst>
   </p:cSld>
   <p:clrMapOvr>
     <a:masterClrMapping/>
@@ -1036,11 +882,11 @@
 </file>
 
 <file path=ppt/notesSlides/notesSlide6.xml><?xml version="1.0" encoding="utf-8"?>
-<p:notes xmlns:a="http://schemas.openxmlformats.org/drawingml/2006/main" xmlns:r="http://schemas.openxmlformats.org/officeDocument/2006/relationships" xmlns:p="http://schemas.openxmlformats.org/presentationml/2006/main" showMasterSp="0" showMasterPhAnim="0">
+<p:notes xmlns:a="http://schemas.openxmlformats.org/drawingml/2006/main" xmlns:r="http://schemas.openxmlformats.org/officeDocument/2006/relationships" xmlns:mc="http://schemas.openxmlformats.org/markup-compatibility/2006" xmlns:mv="urn:schemas-microsoft-com:mac:vml" xmlns:p="http://schemas.openxmlformats.org/presentationml/2006/main" xmlns:c="http://schemas.openxmlformats.org/drawingml/2006/chart" xmlns:dgm="http://schemas.openxmlformats.org/drawingml/2006/diagram" xmlns:o="urn:schemas-microsoft-com:office:office" xmlns:v="urn:schemas-microsoft-com:vml" xmlns:pvml="urn:schemas-microsoft-com:office:powerpoint" xmlns:com="http://schemas.openxmlformats.org/drawingml/2006/compatibility" xmlns:p14="http://schemas.microsoft.com/office/powerpoint/2010/main" xmlns:p15="http://schemas.microsoft.com/office/powerpoint/2012/main" showMasterPhAnim="0" showMasterSp="0">
   <p:cSld>
     <p:spTree>
       <p:nvGrpSpPr>
-        <p:cNvPr id="1" name="Shape 98"/>
+        <p:cNvPr id="98" name="Shape 98"/>
         <p:cNvGrpSpPr/>
         <p:nvPr/>
       </p:nvGrpSpPr>
@@ -1055,11 +901,9 @@
       <p:sp>
         <p:nvSpPr>
           <p:cNvPr id="99" name="Shape 99"/>
-          <p:cNvSpPr>
-            <a:spLocks noGrp="1" noRot="1" noChangeAspect="1"/>
-          </p:cNvSpPr>
+          <p:cNvSpPr/>
           <p:nvPr>
-            <p:ph type="sldImg" idx="2"/>
+            <p:ph idx="2" type="sldImg"/>
           </p:nvPr>
         </p:nvSpPr>
         <p:spPr>
@@ -1068,13 +912,8 @@
             <a:ext cx="6096000" cy="3429000"/>
           </a:xfrm>
           <a:custGeom>
-            <a:avLst/>
-            <a:gdLst/>
-            <a:ahLst/>
-            <a:cxnLst/>
-            <a:rect l="0" t="0" r="0" b="0"/>
             <a:pathLst>
-              <a:path w="120000" h="120000" extrusionOk="0">
+              <a:path extrusionOk="0" h="120000" w="120000">
                 <a:moveTo>
                   <a:pt x="0" y="0"/>
                 </a:moveTo>
@@ -1096,11 +935,9 @@
       <p:sp>
         <p:nvSpPr>
           <p:cNvPr id="100" name="Shape 100"/>
-          <p:cNvSpPr txBox="1">
-            <a:spLocks noGrp="1"/>
-          </p:cNvSpPr>
+          <p:cNvSpPr txBox="1"/>
           <p:nvPr>
-            <p:ph type="body" idx="1"/>
+            <p:ph idx="1" type="body"/>
           </p:nvPr>
         </p:nvSpPr>
         <p:spPr>
@@ -1113,7 +950,7 @@
           </a:prstGeom>
         </p:spPr>
         <p:txBody>
-          <a:bodyPr wrap="square" lIns="91425" tIns="91425" rIns="91425" bIns="91425" anchor="t" anchorCtr="0">
+          <a:bodyPr anchorCtr="0" anchor="t" bIns="91425" lIns="91425" rIns="91425" wrap="square" tIns="91425">
             <a:noAutofit/>
           </a:bodyPr>
           <a:lstStyle/>
@@ -1124,16 +961,14 @@
               </a:spcBef>
               <a:buNone/>
             </a:pPr>
+            <a:r>
+              <a:t/>
+            </a:r>
             <a:endParaRPr/>
           </a:p>
         </p:txBody>
       </p:sp>
     </p:spTree>
-    <p:extLst>
-      <p:ext uri="{BB962C8B-B14F-4D97-AF65-F5344CB8AC3E}">
-        <p14:creationId xmlns:p14="http://schemas.microsoft.com/office/powerpoint/2010/main" val="385891175"/>
-      </p:ext>
-    </p:extLst>
   </p:cSld>
   <p:clrMapOvr>
     <a:masterClrMapping/>
@@ -1142,11 +977,11 @@
 </file>
 
 <file path=ppt/notesSlides/notesSlide7.xml><?xml version="1.0" encoding="utf-8"?>
-<p:notes xmlns:a="http://schemas.openxmlformats.org/drawingml/2006/main" xmlns:r="http://schemas.openxmlformats.org/officeDocument/2006/relationships" xmlns:p="http://schemas.openxmlformats.org/presentationml/2006/main" showMasterSp="0" showMasterPhAnim="0">
+<p:notes xmlns:a="http://schemas.openxmlformats.org/drawingml/2006/main" xmlns:r="http://schemas.openxmlformats.org/officeDocument/2006/relationships" xmlns:mc="http://schemas.openxmlformats.org/markup-compatibility/2006" xmlns:mv="urn:schemas-microsoft-com:mac:vml" xmlns:p="http://schemas.openxmlformats.org/presentationml/2006/main" xmlns:c="http://schemas.openxmlformats.org/drawingml/2006/chart" xmlns:dgm="http://schemas.openxmlformats.org/drawingml/2006/diagram" xmlns:o="urn:schemas-microsoft-com:office:office" xmlns:v="urn:schemas-microsoft-com:vml" xmlns:pvml="urn:schemas-microsoft-com:office:powerpoint" xmlns:com="http://schemas.openxmlformats.org/drawingml/2006/compatibility" xmlns:p14="http://schemas.microsoft.com/office/powerpoint/2010/main" xmlns:p15="http://schemas.microsoft.com/office/powerpoint/2012/main" showMasterPhAnim="0" showMasterSp="0">
   <p:cSld>
     <p:spTree>
       <p:nvGrpSpPr>
-        <p:cNvPr id="1" name="Shape 104"/>
+        <p:cNvPr id="104" name="Shape 104"/>
         <p:cNvGrpSpPr/>
         <p:nvPr/>
       </p:nvGrpSpPr>
@@ -1161,26 +996,19 @@
       <p:sp>
         <p:nvSpPr>
           <p:cNvPr id="105" name="Shape 105"/>
-          <p:cNvSpPr>
-            <a:spLocks noGrp="1" noRot="1" noChangeAspect="1"/>
-          </p:cNvSpPr>
+          <p:cNvSpPr/>
           <p:nvPr>
-            <p:ph type="sldImg" idx="2"/>
+            <p:ph idx="2" type="sldImg"/>
           </p:nvPr>
         </p:nvSpPr>
         <p:spPr>
           <a:xfrm>
-            <a:off x="381000" y="685800"/>
+            <a:off x="381300" y="685800"/>
             <a:ext cx="6096000" cy="3429000"/>
           </a:xfrm>
           <a:custGeom>
-            <a:avLst/>
-            <a:gdLst/>
-            <a:ahLst/>
-            <a:cxnLst/>
-            <a:rect l="0" t="0" r="0" b="0"/>
             <a:pathLst>
-              <a:path w="120000" h="120000" extrusionOk="0">
+              <a:path extrusionOk="0" h="120000" w="120000">
                 <a:moveTo>
                   <a:pt x="0" y="0"/>
                 </a:moveTo>
@@ -1202,11 +1030,9 @@
       <p:sp>
         <p:nvSpPr>
           <p:cNvPr id="106" name="Shape 106"/>
-          <p:cNvSpPr txBox="1">
-            <a:spLocks noGrp="1"/>
-          </p:cNvSpPr>
+          <p:cNvSpPr txBox="1"/>
           <p:nvPr>
-            <p:ph type="body" idx="1"/>
+            <p:ph idx="1" type="body"/>
           </p:nvPr>
         </p:nvSpPr>
         <p:spPr>
@@ -1219,7 +1045,7 @@
           </a:prstGeom>
         </p:spPr>
         <p:txBody>
-          <a:bodyPr wrap="square" lIns="91425" tIns="91425" rIns="91425" bIns="91425" anchor="t" anchorCtr="0">
+          <a:bodyPr anchorCtr="0" anchor="t" bIns="91425" lIns="91425" rIns="91425" wrap="square" tIns="91425">
             <a:noAutofit/>
           </a:bodyPr>
           <a:lstStyle/>
@@ -1230,16 +1056,14 @@
               </a:spcBef>
               <a:buNone/>
             </a:pPr>
+            <a:r>
+              <a:t/>
+            </a:r>
             <a:endParaRPr/>
           </a:p>
         </p:txBody>
       </p:sp>
     </p:spTree>
-    <p:extLst>
-      <p:ext uri="{BB962C8B-B14F-4D97-AF65-F5344CB8AC3E}">
-        <p14:creationId xmlns:p14="http://schemas.microsoft.com/office/powerpoint/2010/main" val="272364285"/>
-      </p:ext>
-    </p:extLst>
   </p:cSld>
   <p:clrMapOvr>
     <a:masterClrMapping/>
@@ -1248,11 +1072,11 @@
 </file>
 
 <file path=ppt/notesSlides/notesSlide8.xml><?xml version="1.0" encoding="utf-8"?>
-<p:notes xmlns:a="http://schemas.openxmlformats.org/drawingml/2006/main" xmlns:r="http://schemas.openxmlformats.org/officeDocument/2006/relationships" xmlns:p="http://schemas.openxmlformats.org/presentationml/2006/main" showMasterSp="0" showMasterPhAnim="0">
+<p:notes xmlns:a="http://schemas.openxmlformats.org/drawingml/2006/main" xmlns:r="http://schemas.openxmlformats.org/officeDocument/2006/relationships" xmlns:mc="http://schemas.openxmlformats.org/markup-compatibility/2006" xmlns:mv="urn:schemas-microsoft-com:mac:vml" xmlns:p="http://schemas.openxmlformats.org/presentationml/2006/main" xmlns:c="http://schemas.openxmlformats.org/drawingml/2006/chart" xmlns:dgm="http://schemas.openxmlformats.org/drawingml/2006/diagram" xmlns:o="urn:schemas-microsoft-com:office:office" xmlns:v="urn:schemas-microsoft-com:vml" xmlns:pvml="urn:schemas-microsoft-com:office:powerpoint" xmlns:com="http://schemas.openxmlformats.org/drawingml/2006/compatibility" xmlns:p14="http://schemas.microsoft.com/office/powerpoint/2010/main" xmlns:p15="http://schemas.microsoft.com/office/powerpoint/2012/main" showMasterPhAnim="0" showMasterSp="0">
   <p:cSld>
     <p:spTree>
       <p:nvGrpSpPr>
-        <p:cNvPr id="1" name="Shape 110"/>
+        <p:cNvPr id="110" name="Shape 110"/>
         <p:cNvGrpSpPr/>
         <p:nvPr/>
       </p:nvGrpSpPr>
@@ -1267,11 +1091,9 @@
       <p:sp>
         <p:nvSpPr>
           <p:cNvPr id="111" name="Shape 111"/>
-          <p:cNvSpPr>
-            <a:spLocks noGrp="1" noRot="1" noChangeAspect="1"/>
-          </p:cNvSpPr>
+          <p:cNvSpPr/>
           <p:nvPr>
-            <p:ph type="sldImg" idx="2"/>
+            <p:ph idx="2" type="sldImg"/>
           </p:nvPr>
         </p:nvSpPr>
         <p:spPr>
@@ -1280,13 +1102,8 @@
             <a:ext cx="6096000" cy="3429000"/>
           </a:xfrm>
           <a:custGeom>
-            <a:avLst/>
-            <a:gdLst/>
-            <a:ahLst/>
-            <a:cxnLst/>
-            <a:rect l="0" t="0" r="0" b="0"/>
             <a:pathLst>
-              <a:path w="120000" h="120000" extrusionOk="0">
+              <a:path extrusionOk="0" h="120000" w="120000">
                 <a:moveTo>
                   <a:pt x="0" y="0"/>
                 </a:moveTo>
@@ -1308,11 +1125,9 @@
       <p:sp>
         <p:nvSpPr>
           <p:cNvPr id="112" name="Shape 112"/>
-          <p:cNvSpPr txBox="1">
-            <a:spLocks noGrp="1"/>
-          </p:cNvSpPr>
+          <p:cNvSpPr txBox="1"/>
           <p:nvPr>
-            <p:ph type="body" idx="1"/>
+            <p:ph idx="1" type="body"/>
           </p:nvPr>
         </p:nvSpPr>
         <p:spPr>
@@ -1325,7 +1140,7 @@
           </a:prstGeom>
         </p:spPr>
         <p:txBody>
-          <a:bodyPr wrap="square" lIns="91425" tIns="91425" rIns="91425" bIns="91425" anchor="t" anchorCtr="0">
+          <a:bodyPr anchorCtr="0" anchor="t" bIns="91425" lIns="91425" rIns="91425" wrap="square" tIns="91425">
             <a:noAutofit/>
           </a:bodyPr>
           <a:lstStyle/>
@@ -1336,16 +1151,14 @@
               </a:spcBef>
               <a:buNone/>
             </a:pPr>
+            <a:r>
+              <a:t/>
+            </a:r>
             <a:endParaRPr/>
           </a:p>
         </p:txBody>
       </p:sp>
     </p:spTree>
-    <p:extLst>
-      <p:ext uri="{BB962C8B-B14F-4D97-AF65-F5344CB8AC3E}">
-        <p14:creationId xmlns:p14="http://schemas.microsoft.com/office/powerpoint/2010/main" val="1338886238"/>
-      </p:ext>
-    </p:extLst>
   </p:cSld>
   <p:clrMapOvr>
     <a:masterClrMapping/>
@@ -1354,11 +1167,11 @@
 </file>
 
 <file path=ppt/notesSlides/notesSlide9.xml><?xml version="1.0" encoding="utf-8"?>
-<p:notes xmlns:a="http://schemas.openxmlformats.org/drawingml/2006/main" xmlns:r="http://schemas.openxmlformats.org/officeDocument/2006/relationships" xmlns:p="http://schemas.openxmlformats.org/presentationml/2006/main" showMasterSp="0" showMasterPhAnim="0">
+<p:notes xmlns:a="http://schemas.openxmlformats.org/drawingml/2006/main" xmlns:r="http://schemas.openxmlformats.org/officeDocument/2006/relationships" xmlns:mc="http://schemas.openxmlformats.org/markup-compatibility/2006" xmlns:mv="urn:schemas-microsoft-com:mac:vml" xmlns:p="http://schemas.openxmlformats.org/presentationml/2006/main" xmlns:c="http://schemas.openxmlformats.org/drawingml/2006/chart" xmlns:dgm="http://schemas.openxmlformats.org/drawingml/2006/diagram" xmlns:o="urn:schemas-microsoft-com:office:office" xmlns:v="urn:schemas-microsoft-com:vml" xmlns:pvml="urn:schemas-microsoft-com:office:powerpoint" xmlns:com="http://schemas.openxmlformats.org/drawingml/2006/compatibility" xmlns:p14="http://schemas.microsoft.com/office/powerpoint/2010/main" xmlns:p15="http://schemas.microsoft.com/office/powerpoint/2012/main" showMasterPhAnim="0" showMasterSp="0">
   <p:cSld>
     <p:spTree>
       <p:nvGrpSpPr>
-        <p:cNvPr id="1" name="Shape 116"/>
+        <p:cNvPr id="116" name="Shape 116"/>
         <p:cNvGrpSpPr/>
         <p:nvPr/>
       </p:nvGrpSpPr>
@@ -1373,11 +1186,9 @@
       <p:sp>
         <p:nvSpPr>
           <p:cNvPr id="117" name="Shape 117"/>
-          <p:cNvSpPr>
-            <a:spLocks noGrp="1" noRot="1" noChangeAspect="1"/>
-          </p:cNvSpPr>
+          <p:cNvSpPr/>
           <p:nvPr>
-            <p:ph type="sldImg" idx="2"/>
+            <p:ph idx="2" type="sldImg"/>
           </p:nvPr>
         </p:nvSpPr>
         <p:spPr>
@@ -1386,13 +1197,8 @@
             <a:ext cx="6096000" cy="3429000"/>
           </a:xfrm>
           <a:custGeom>
-            <a:avLst/>
-            <a:gdLst/>
-            <a:ahLst/>
-            <a:cxnLst/>
-            <a:rect l="0" t="0" r="0" b="0"/>
             <a:pathLst>
-              <a:path w="120000" h="120000" extrusionOk="0">
+              <a:path extrusionOk="0" h="120000" w="120000">
                 <a:moveTo>
                   <a:pt x="0" y="0"/>
                 </a:moveTo>
@@ -1414,11 +1220,9 @@
       <p:sp>
         <p:nvSpPr>
           <p:cNvPr id="118" name="Shape 118"/>
-          <p:cNvSpPr txBox="1">
-            <a:spLocks noGrp="1"/>
-          </p:cNvSpPr>
+          <p:cNvSpPr txBox="1"/>
           <p:nvPr>
-            <p:ph type="body" idx="1"/>
+            <p:ph idx="1" type="body"/>
           </p:nvPr>
         </p:nvSpPr>
         <p:spPr>
@@ -1431,7 +1235,7 @@
           </a:prstGeom>
         </p:spPr>
         <p:txBody>
-          <a:bodyPr wrap="square" lIns="91425" tIns="91425" rIns="91425" bIns="91425" anchor="t" anchorCtr="0">
+          <a:bodyPr anchorCtr="0" anchor="t" bIns="91425" lIns="91425" rIns="91425" wrap="square" tIns="91425">
             <a:noAutofit/>
           </a:bodyPr>
           <a:lstStyle/>
@@ -1442,16 +1246,14 @@
               </a:spcBef>
               <a:buNone/>
             </a:pPr>
+            <a:r>
+              <a:t/>
+            </a:r>
             <a:endParaRPr/>
           </a:p>
         </p:txBody>
       </p:sp>
     </p:spTree>
-    <p:extLst>
-      <p:ext uri="{BB962C8B-B14F-4D97-AF65-F5344CB8AC3E}">
-        <p14:creationId xmlns:p14="http://schemas.microsoft.com/office/powerpoint/2010/main" val="691156564"/>
-      </p:ext>
-    </p:extLst>
   </p:cSld>
   <p:clrMapOvr>
     <a:masterClrMapping/>
@@ -1460,11 +1262,11 @@
 </file>
 
 <file path=ppt/slideLayouts/slideLayout1.xml><?xml version="1.0" encoding="utf-8"?>
-<p:sldLayout xmlns:a="http://schemas.openxmlformats.org/drawingml/2006/main" xmlns:r="http://schemas.openxmlformats.org/officeDocument/2006/relationships" xmlns:p="http://schemas.openxmlformats.org/presentationml/2006/main" type="title">
+<p:sldLayout xmlns:a="http://schemas.openxmlformats.org/drawingml/2006/main" xmlns:r="http://schemas.openxmlformats.org/officeDocument/2006/relationships" xmlns:mc="http://schemas.openxmlformats.org/markup-compatibility/2006" xmlns:mv="urn:schemas-microsoft-com:mac:vml" xmlns:p="http://schemas.openxmlformats.org/presentationml/2006/main" xmlns:c="http://schemas.openxmlformats.org/drawingml/2006/chart" xmlns:dgm="http://schemas.openxmlformats.org/drawingml/2006/diagram" xmlns:o="urn:schemas-microsoft-com:office:office" xmlns:v="urn:schemas-microsoft-com:vml" xmlns:pvml="urn:schemas-microsoft-com:office:powerpoint" xmlns:com="http://schemas.openxmlformats.org/drawingml/2006/compatibility" xmlns:p14="http://schemas.microsoft.com/office/powerpoint/2010/main" xmlns:p15="http://schemas.microsoft.com/office/powerpoint/2012/main" type="title">
   <p:cSld name="Title slide">
     <p:spTree>
       <p:nvGrpSpPr>
-        <p:cNvPr id="1" name="Shape 9"/>
+        <p:cNvPr id="9" name="Shape 9"/>
         <p:cNvGrpSpPr/>
         <p:nvPr/>
       </p:nvGrpSpPr>
@@ -1488,13 +1290,8 @@
             <a:ext cx="1081625" cy="1124950"/>
           </a:xfrm>
           <a:custGeom>
-            <a:avLst/>
-            <a:gdLst/>
-            <a:ahLst/>
-            <a:cxnLst/>
-            <a:rect l="0" t="0" r="0" b="0"/>
             <a:pathLst>
-              <a:path w="43265" h="44998" extrusionOk="0">
+              <a:path extrusionOk="0" h="44998" w="43265">
                 <a:moveTo>
                   <a:pt x="0" y="44998"/>
                 </a:moveTo>
@@ -1508,14 +1305,14 @@
             </a:pathLst>
           </a:custGeom>
           <a:noFill/>
-          <a:ln w="28575" cap="flat" cmpd="sng">
+          <a:ln cap="flat" cmpd="sng" w="28575">
             <a:solidFill>
               <a:schemeClr val="accent5"/>
             </a:solidFill>
             <a:prstDash val="solid"/>
             <a:miter lim="8000"/>
-            <a:headEnd type="none" w="med" len="med"/>
-            <a:tailEnd type="none" w="med" len="med"/>
+            <a:headEnd len="med" w="med" type="none"/>
+            <a:tailEnd len="med" w="med" type="none"/>
           </a:ln>
         </p:spPr>
       </p:sp>
@@ -1531,13 +1328,8 @@
             <a:ext cx="1081625" cy="1124950"/>
           </a:xfrm>
           <a:custGeom>
-            <a:avLst/>
-            <a:gdLst/>
-            <a:ahLst/>
-            <a:cxnLst/>
-            <a:rect l="0" t="0" r="0" b="0"/>
             <a:pathLst>
-              <a:path w="43265" h="44998" extrusionOk="0">
+              <a:path extrusionOk="0" h="44998" w="43265">
                 <a:moveTo>
                   <a:pt x="0" y="44998"/>
                 </a:moveTo>
@@ -1551,14 +1343,14 @@
             </a:pathLst>
           </a:custGeom>
           <a:noFill/>
-          <a:ln w="28575" cap="flat" cmpd="sng">
+          <a:ln cap="flat" cmpd="sng" w="28575">
             <a:solidFill>
               <a:schemeClr val="accent5"/>
             </a:solidFill>
             <a:prstDash val="solid"/>
             <a:miter lim="8000"/>
-            <a:headEnd type="none" w="med" len="med"/>
-            <a:tailEnd type="none" w="med" len="med"/>
+            <a:headEnd len="med" w="med" type="none"/>
+            <a:tailEnd len="med" w="med" type="none"/>
           </a:ln>
         </p:spPr>
       </p:sp>
@@ -1577,23 +1369,21 @@
             <a:avLst/>
           </a:prstGeom>
           <a:noFill/>
-          <a:ln w="38100" cap="flat" cmpd="sng">
+          <a:ln cap="flat" cmpd="sng" w="38100">
             <a:solidFill>
               <a:schemeClr val="accent4"/>
             </a:solidFill>
             <a:prstDash val="solid"/>
             <a:round/>
-            <a:headEnd type="none" w="med" len="med"/>
-            <a:tailEnd type="none" w="med" len="med"/>
+            <a:headEnd len="med" w="med" type="none"/>
+            <a:tailEnd len="med" w="med" type="none"/>
           </a:ln>
         </p:spPr>
       </p:cxnSp>
       <p:sp>
         <p:nvSpPr>
           <p:cNvPr id="13" name="Shape 13"/>
-          <p:cNvSpPr txBox="1">
-            <a:spLocks noGrp="1"/>
-          </p:cNvSpPr>
+          <p:cNvSpPr txBox="1"/>
           <p:nvPr>
             <p:ph type="ctrTitle"/>
           </p:nvPr>
@@ -1608,7 +1398,7 @@
           </a:prstGeom>
         </p:spPr>
         <p:txBody>
-          <a:bodyPr wrap="square" lIns="91425" tIns="91425" rIns="91425" bIns="91425" anchor="b" anchorCtr="0"/>
+          <a:bodyPr anchorCtr="0" anchor="b" bIns="91425" lIns="91425" rIns="91425" wrap="square" tIns="91425"/>
           <a:lstStyle>
             <a:lvl1pPr lvl="0" algn="ctr">
               <a:spcBef>
@@ -1674,19 +1464,15 @@
               <a:defRPr sz="4000"/>
             </a:lvl9pPr>
           </a:lstStyle>
-          <a:p>
-            <a:endParaRPr/>
-          </a:p>
+          <a:p/>
         </p:txBody>
       </p:sp>
       <p:sp>
         <p:nvSpPr>
           <p:cNvPr id="14" name="Shape 14"/>
-          <p:cNvSpPr txBox="1">
-            <a:spLocks noGrp="1"/>
-          </p:cNvSpPr>
+          <p:cNvSpPr txBox="1"/>
           <p:nvPr>
-            <p:ph type="subTitle" idx="1"/>
+            <p:ph idx="1" type="subTitle"/>
           </p:nvPr>
         </p:nvSpPr>
         <p:spPr>
@@ -1699,7 +1485,7 @@
           </a:prstGeom>
         </p:spPr>
         <p:txBody>
-          <a:bodyPr wrap="square" lIns="91425" tIns="91425" rIns="91425" bIns="91425" anchor="t" anchorCtr="0"/>
+          <a:bodyPr anchorCtr="0" anchor="t" bIns="91425" lIns="91425" rIns="91425" wrap="square" tIns="91425"/>
           <a:lstStyle>
             <a:lvl1pPr lvl="0" algn="ctr">
               <a:lnSpc>
@@ -1936,19 +1722,15 @@
               </a:defRPr>
             </a:lvl9pPr>
           </a:lstStyle>
-          <a:p>
-            <a:endParaRPr/>
-          </a:p>
+          <a:p/>
         </p:txBody>
       </p:sp>
       <p:sp>
         <p:nvSpPr>
           <p:cNvPr id="15" name="Shape 15"/>
-          <p:cNvSpPr txBox="1">
-            <a:spLocks noGrp="1"/>
-          </p:cNvSpPr>
+          <p:cNvSpPr txBox="1"/>
           <p:nvPr>
-            <p:ph type="sldNum" idx="12"/>
+            <p:ph idx="12" type="sldNum"/>
           </p:nvPr>
         </p:nvSpPr>
         <p:spPr>
@@ -1961,7 +1743,7 @@
           </a:prstGeom>
         </p:spPr>
         <p:txBody>
-          <a:bodyPr wrap="square" lIns="91425" tIns="91425" rIns="91425" bIns="91425" anchor="ctr" anchorCtr="0">
+          <a:bodyPr anchorCtr="0" anchor="ctr" bIns="91425" lIns="91425" rIns="91425" wrap="square" tIns="91425">
             <a:noAutofit/>
           </a:bodyPr>
           <a:lstStyle/>
@@ -1976,7 +1758,6 @@
               <a:rPr lang="en"/>
               <a:t>‹#›</a:t>
             </a:fld>
-            <a:endParaRPr lang="en"/>
           </a:p>
         </p:txBody>
       </p:sp>
@@ -1989,11 +1770,11 @@
 </file>
 
 <file path=ppt/slideLayouts/slideLayout10.xml><?xml version="1.0" encoding="utf-8"?>
-<p:sldLayout xmlns:a="http://schemas.openxmlformats.org/drawingml/2006/main" xmlns:r="http://schemas.openxmlformats.org/officeDocument/2006/relationships" xmlns:p="http://schemas.openxmlformats.org/presentationml/2006/main">
+<p:sldLayout xmlns:a="http://schemas.openxmlformats.org/drawingml/2006/main" xmlns:r="http://schemas.openxmlformats.org/officeDocument/2006/relationships" xmlns:mc="http://schemas.openxmlformats.org/markup-compatibility/2006" xmlns:mv="urn:schemas-microsoft-com:mac:vml" xmlns:p="http://schemas.openxmlformats.org/presentationml/2006/main" xmlns:c="http://schemas.openxmlformats.org/drawingml/2006/chart" xmlns:dgm="http://schemas.openxmlformats.org/drawingml/2006/diagram" xmlns:o="urn:schemas-microsoft-com:office:office" xmlns:v="urn:schemas-microsoft-com:vml" xmlns:pvml="urn:schemas-microsoft-com:office:powerpoint" xmlns:com="http://schemas.openxmlformats.org/drawingml/2006/compatibility" xmlns:p14="http://schemas.microsoft.com/office/powerpoint/2010/main" xmlns:p15="http://schemas.microsoft.com/office/powerpoint/2012/main">
   <p:cSld name="Big number">
     <p:spTree>
       <p:nvGrpSpPr>
-        <p:cNvPr id="1" name="Shape 52"/>
+        <p:cNvPr id="52" name="Shape 52"/>
         <p:cNvGrpSpPr/>
         <p:nvPr/>
       </p:nvGrpSpPr>
@@ -2027,7 +1808,7 @@
           </a:ln>
         </p:spPr>
         <p:txBody>
-          <a:bodyPr wrap="square" lIns="91425" tIns="91425" rIns="91425" bIns="91425" anchor="ctr" anchorCtr="0">
+          <a:bodyPr anchorCtr="0" anchor="ctr" bIns="91425" lIns="91425" rIns="91425" wrap="square" tIns="91425">
             <a:noAutofit/>
           </a:bodyPr>
           <a:lstStyle/>
@@ -2038,6 +1819,9 @@
               </a:spcBef>
               <a:buNone/>
             </a:pPr>
+            <a:r>
+              <a:t/>
+            </a:r>
             <a:endParaRPr/>
           </a:p>
         </p:txBody>
@@ -2045,9 +1829,7 @@
       <p:sp>
         <p:nvSpPr>
           <p:cNvPr id="54" name="Shape 54"/>
-          <p:cNvSpPr txBox="1">
-            <a:spLocks noGrp="1"/>
-          </p:cNvSpPr>
+          <p:cNvSpPr txBox="1"/>
           <p:nvPr>
             <p:ph type="title"/>
           </p:nvPr>
@@ -2062,7 +1844,7 @@
           </a:prstGeom>
         </p:spPr>
         <p:txBody>
-          <a:bodyPr wrap="square" lIns="91425" tIns="91425" rIns="91425" bIns="91425" anchor="ctr" anchorCtr="0"/>
+          <a:bodyPr anchorCtr="0" anchor="ctr" bIns="91425" lIns="91425" rIns="91425" wrap="square" tIns="91425"/>
           <a:lstStyle>
             <a:lvl1pPr lvl="0" algn="ctr">
               <a:spcBef>
@@ -2191,19 +1973,15 @@
               </a:defRPr>
             </a:lvl9pPr>
           </a:lstStyle>
-          <a:p>
-            <a:endParaRPr/>
-          </a:p>
+          <a:p/>
         </p:txBody>
       </p:sp>
       <p:sp>
         <p:nvSpPr>
           <p:cNvPr id="55" name="Shape 55"/>
-          <p:cNvSpPr txBox="1">
-            <a:spLocks noGrp="1"/>
-          </p:cNvSpPr>
+          <p:cNvSpPr txBox="1"/>
           <p:nvPr>
-            <p:ph type="body" idx="1"/>
+            <p:ph idx="1" type="body"/>
           </p:nvPr>
         </p:nvSpPr>
         <p:spPr>
@@ -2216,7 +1994,7 @@
           </a:prstGeom>
         </p:spPr>
         <p:txBody>
-          <a:bodyPr wrap="square" lIns="91425" tIns="91425" rIns="91425" bIns="91425" anchor="t" anchorCtr="0"/>
+          <a:bodyPr anchorCtr="0" anchor="t" bIns="91425" lIns="91425" rIns="91425" wrap="square" tIns="91425"/>
           <a:lstStyle>
             <a:lvl1pPr lvl="0" algn="ctr">
               <a:spcBef>
@@ -2273,19 +2051,15 @@
               <a:defRPr/>
             </a:lvl9pPr>
           </a:lstStyle>
-          <a:p>
-            <a:endParaRPr/>
-          </a:p>
+          <a:p/>
         </p:txBody>
       </p:sp>
       <p:sp>
         <p:nvSpPr>
           <p:cNvPr id="56" name="Shape 56"/>
-          <p:cNvSpPr txBox="1">
-            <a:spLocks noGrp="1"/>
-          </p:cNvSpPr>
+          <p:cNvSpPr txBox="1"/>
           <p:nvPr>
-            <p:ph type="sldNum" idx="12"/>
+            <p:ph idx="12" type="sldNum"/>
           </p:nvPr>
         </p:nvSpPr>
         <p:spPr>
@@ -2298,7 +2072,7 @@
           </a:prstGeom>
         </p:spPr>
         <p:txBody>
-          <a:bodyPr wrap="square" lIns="91425" tIns="91425" rIns="91425" bIns="91425" anchor="ctr" anchorCtr="0">
+          <a:bodyPr anchorCtr="0" anchor="ctr" bIns="91425" lIns="91425" rIns="91425" wrap="square" tIns="91425">
             <a:noAutofit/>
           </a:bodyPr>
           <a:lstStyle/>
@@ -2313,7 +2087,6 @@
               <a:rPr lang="en"/>
               <a:t>‹#›</a:t>
             </a:fld>
-            <a:endParaRPr lang="en"/>
           </a:p>
         </p:txBody>
       </p:sp>
@@ -2326,11 +2099,11 @@
 </file>
 
 <file path=ppt/slideLayouts/slideLayout11.xml><?xml version="1.0" encoding="utf-8"?>
-<p:sldLayout xmlns:a="http://schemas.openxmlformats.org/drawingml/2006/main" xmlns:r="http://schemas.openxmlformats.org/officeDocument/2006/relationships" xmlns:p="http://schemas.openxmlformats.org/presentationml/2006/main" type="blank">
+<p:sldLayout xmlns:a="http://schemas.openxmlformats.org/drawingml/2006/main" xmlns:r="http://schemas.openxmlformats.org/officeDocument/2006/relationships" xmlns:mc="http://schemas.openxmlformats.org/markup-compatibility/2006" xmlns:mv="urn:schemas-microsoft-com:mac:vml" xmlns:p="http://schemas.openxmlformats.org/presentationml/2006/main" xmlns:c="http://schemas.openxmlformats.org/drawingml/2006/chart" xmlns:dgm="http://schemas.openxmlformats.org/drawingml/2006/diagram" xmlns:o="urn:schemas-microsoft-com:office:office" xmlns:v="urn:schemas-microsoft-com:vml" xmlns:pvml="urn:schemas-microsoft-com:office:powerpoint" xmlns:com="http://schemas.openxmlformats.org/drawingml/2006/compatibility" xmlns:p14="http://schemas.microsoft.com/office/powerpoint/2010/main" xmlns:p15="http://schemas.microsoft.com/office/powerpoint/2012/main" type="blank">
   <p:cSld name="Blank">
     <p:spTree>
       <p:nvGrpSpPr>
-        <p:cNvPr id="1" name="Shape 57"/>
+        <p:cNvPr id="57" name="Shape 57"/>
         <p:cNvGrpSpPr/>
         <p:nvPr/>
       </p:nvGrpSpPr>
@@ -2345,11 +2118,9 @@
       <p:sp>
         <p:nvSpPr>
           <p:cNvPr id="58" name="Shape 58"/>
-          <p:cNvSpPr txBox="1">
-            <a:spLocks noGrp="1"/>
-          </p:cNvSpPr>
+          <p:cNvSpPr txBox="1"/>
           <p:nvPr>
-            <p:ph type="sldNum" idx="12"/>
+            <p:ph idx="12" type="sldNum"/>
           </p:nvPr>
         </p:nvSpPr>
         <p:spPr>
@@ -2362,7 +2133,7 @@
           </a:prstGeom>
         </p:spPr>
         <p:txBody>
-          <a:bodyPr wrap="square" lIns="91425" tIns="91425" rIns="91425" bIns="91425" anchor="ctr" anchorCtr="0">
+          <a:bodyPr anchorCtr="0" anchor="ctr" bIns="91425" lIns="91425" rIns="91425" wrap="square" tIns="91425">
             <a:noAutofit/>
           </a:bodyPr>
           <a:lstStyle/>
@@ -2377,7 +2148,6 @@
               <a:rPr lang="en"/>
               <a:t>‹#›</a:t>
             </a:fld>
-            <a:endParaRPr lang="en"/>
           </a:p>
         </p:txBody>
       </p:sp>
@@ -2390,11 +2160,11 @@
 </file>
 
 <file path=ppt/slideLayouts/slideLayout2.xml><?xml version="1.0" encoding="utf-8"?>
-<p:sldLayout xmlns:a="http://schemas.openxmlformats.org/drawingml/2006/main" xmlns:r="http://schemas.openxmlformats.org/officeDocument/2006/relationships" xmlns:p="http://schemas.openxmlformats.org/presentationml/2006/main" type="secHead">
+<p:sldLayout xmlns:a="http://schemas.openxmlformats.org/drawingml/2006/main" xmlns:r="http://schemas.openxmlformats.org/officeDocument/2006/relationships" xmlns:mc="http://schemas.openxmlformats.org/markup-compatibility/2006" xmlns:mv="urn:schemas-microsoft-com:mac:vml" xmlns:p="http://schemas.openxmlformats.org/presentationml/2006/main" xmlns:c="http://schemas.openxmlformats.org/drawingml/2006/chart" xmlns:dgm="http://schemas.openxmlformats.org/drawingml/2006/diagram" xmlns:o="urn:schemas-microsoft-com:office:office" xmlns:v="urn:schemas-microsoft-com:vml" xmlns:pvml="urn:schemas-microsoft-com:office:powerpoint" xmlns:com="http://schemas.openxmlformats.org/drawingml/2006/compatibility" xmlns:p14="http://schemas.microsoft.com/office/powerpoint/2010/main" xmlns:p15="http://schemas.microsoft.com/office/powerpoint/2012/main" type="secHead">
   <p:cSld name="Section header">
     <p:spTree>
       <p:nvGrpSpPr>
-        <p:cNvPr id="1" name="Shape 16"/>
+        <p:cNvPr id="16" name="Shape 16"/>
         <p:cNvGrpSpPr/>
         <p:nvPr/>
       </p:nvGrpSpPr>
@@ -2421,23 +2191,21 @@
             <a:avLst/>
           </a:prstGeom>
           <a:noFill/>
-          <a:ln w="38100" cap="flat" cmpd="sng">
+          <a:ln cap="flat" cmpd="sng" w="38100">
             <a:solidFill>
               <a:schemeClr val="accent4"/>
             </a:solidFill>
             <a:prstDash val="solid"/>
             <a:round/>
-            <a:headEnd type="none" w="med" len="med"/>
-            <a:tailEnd type="none" w="med" len="med"/>
+            <a:headEnd len="med" w="med" type="none"/>
+            <a:tailEnd len="med" w="med" type="none"/>
           </a:ln>
         </p:spPr>
       </p:cxnSp>
       <p:sp>
         <p:nvSpPr>
           <p:cNvPr id="18" name="Shape 18"/>
-          <p:cNvSpPr txBox="1">
-            <a:spLocks noGrp="1"/>
-          </p:cNvSpPr>
+          <p:cNvSpPr txBox="1"/>
           <p:nvPr>
             <p:ph type="title"/>
           </p:nvPr>
@@ -2452,7 +2220,7 @@
           </a:prstGeom>
         </p:spPr>
         <p:txBody>
-          <a:bodyPr wrap="square" lIns="91425" tIns="91425" rIns="91425" bIns="91425" anchor="b" anchorCtr="0"/>
+          <a:bodyPr anchorCtr="0" anchor="b" bIns="91425" lIns="91425" rIns="91425" wrap="square" tIns="91425"/>
           <a:lstStyle>
             <a:lvl1pPr lvl="0" algn="ctr">
               <a:spcBef>
@@ -2518,19 +2286,15 @@
               <a:defRPr sz="4800"/>
             </a:lvl9pPr>
           </a:lstStyle>
-          <a:p>
-            <a:endParaRPr/>
-          </a:p>
+          <a:p/>
         </p:txBody>
       </p:sp>
       <p:sp>
         <p:nvSpPr>
           <p:cNvPr id="19" name="Shape 19"/>
-          <p:cNvSpPr txBox="1">
-            <a:spLocks noGrp="1"/>
-          </p:cNvSpPr>
+          <p:cNvSpPr txBox="1"/>
           <p:nvPr>
-            <p:ph type="sldNum" idx="12"/>
+            <p:ph idx="12" type="sldNum"/>
           </p:nvPr>
         </p:nvSpPr>
         <p:spPr>
@@ -2543,7 +2307,7 @@
           </a:prstGeom>
         </p:spPr>
         <p:txBody>
-          <a:bodyPr wrap="square" lIns="91425" tIns="91425" rIns="91425" bIns="91425" anchor="ctr" anchorCtr="0">
+          <a:bodyPr anchorCtr="0" anchor="ctr" bIns="91425" lIns="91425" rIns="91425" wrap="square" tIns="91425">
             <a:noAutofit/>
           </a:bodyPr>
           <a:lstStyle/>
@@ -2558,7 +2322,6 @@
               <a:rPr lang="en"/>
               <a:t>‹#›</a:t>
             </a:fld>
-            <a:endParaRPr lang="en"/>
           </a:p>
         </p:txBody>
       </p:sp>
@@ -2571,11 +2334,11 @@
 </file>
 
 <file path=ppt/slideLayouts/slideLayout3.xml><?xml version="1.0" encoding="utf-8"?>
-<p:sldLayout xmlns:a="http://schemas.openxmlformats.org/drawingml/2006/main" xmlns:r="http://schemas.openxmlformats.org/officeDocument/2006/relationships" xmlns:p="http://schemas.openxmlformats.org/presentationml/2006/main" type="tx">
+<p:sldLayout xmlns:a="http://schemas.openxmlformats.org/drawingml/2006/main" xmlns:r="http://schemas.openxmlformats.org/officeDocument/2006/relationships" xmlns:mc="http://schemas.openxmlformats.org/markup-compatibility/2006" xmlns:mv="urn:schemas-microsoft-com:mac:vml" xmlns:p="http://schemas.openxmlformats.org/presentationml/2006/main" xmlns:c="http://schemas.openxmlformats.org/drawingml/2006/chart" xmlns:dgm="http://schemas.openxmlformats.org/drawingml/2006/diagram" xmlns:o="urn:schemas-microsoft-com:office:office" xmlns:v="urn:schemas-microsoft-com:vml" xmlns:pvml="urn:schemas-microsoft-com:office:powerpoint" xmlns:com="http://schemas.openxmlformats.org/drawingml/2006/compatibility" xmlns:p14="http://schemas.microsoft.com/office/powerpoint/2010/main" xmlns:p15="http://schemas.microsoft.com/office/powerpoint/2012/main" type="tx">
   <p:cSld name="Title and body">
     <p:spTree>
       <p:nvGrpSpPr>
-        <p:cNvPr id="1" name="Shape 20"/>
+        <p:cNvPr id="20" name="Shape 20"/>
         <p:cNvGrpSpPr/>
         <p:nvPr/>
       </p:nvGrpSpPr>
@@ -2602,23 +2365,21 @@
             <a:avLst/>
           </a:prstGeom>
           <a:noFill/>
-          <a:ln w="38100" cap="flat" cmpd="sng">
+          <a:ln cap="flat" cmpd="sng" w="38100">
             <a:solidFill>
               <a:schemeClr val="accent4"/>
             </a:solidFill>
             <a:prstDash val="solid"/>
             <a:round/>
-            <a:headEnd type="none" w="med" len="med"/>
-            <a:tailEnd type="none" w="med" len="med"/>
+            <a:headEnd len="med" w="med" type="none"/>
+            <a:tailEnd len="med" w="med" type="none"/>
           </a:ln>
         </p:spPr>
       </p:cxnSp>
       <p:sp>
         <p:nvSpPr>
           <p:cNvPr id="22" name="Shape 22"/>
-          <p:cNvSpPr txBox="1">
-            <a:spLocks noGrp="1"/>
-          </p:cNvSpPr>
+          <p:cNvSpPr txBox="1"/>
           <p:nvPr>
             <p:ph type="title"/>
           </p:nvPr>
@@ -2633,7 +2394,7 @@
           </a:prstGeom>
         </p:spPr>
         <p:txBody>
-          <a:bodyPr wrap="square" lIns="91425" tIns="91425" rIns="91425" bIns="91425" anchor="b" anchorCtr="0"/>
+          <a:bodyPr anchorCtr="0" anchor="b" bIns="91425" lIns="91425" rIns="91425" wrap="square" tIns="91425"/>
           <a:lstStyle>
             <a:lvl1pPr lvl="0">
               <a:spcBef>
@@ -2690,19 +2451,15 @@
               <a:defRPr/>
             </a:lvl9pPr>
           </a:lstStyle>
-          <a:p>
-            <a:endParaRPr/>
-          </a:p>
+          <a:p/>
         </p:txBody>
       </p:sp>
       <p:sp>
         <p:nvSpPr>
           <p:cNvPr id="23" name="Shape 23"/>
-          <p:cNvSpPr txBox="1">
-            <a:spLocks noGrp="1"/>
-          </p:cNvSpPr>
+          <p:cNvSpPr txBox="1"/>
           <p:nvPr>
-            <p:ph type="body" idx="1"/>
+            <p:ph idx="1" type="body"/>
           </p:nvPr>
         </p:nvSpPr>
         <p:spPr>
@@ -2715,7 +2472,7 @@
           </a:prstGeom>
         </p:spPr>
         <p:txBody>
-          <a:bodyPr wrap="square" lIns="91425" tIns="91425" rIns="91425" bIns="91425" anchor="t" anchorCtr="0"/>
+          <a:bodyPr anchorCtr="0" anchor="t" bIns="91425" lIns="91425" rIns="91425" wrap="square" tIns="91425"/>
           <a:lstStyle>
             <a:lvl1pPr lvl="0">
               <a:spcBef>
@@ -2772,19 +2529,15 @@
               <a:defRPr/>
             </a:lvl9pPr>
           </a:lstStyle>
-          <a:p>
-            <a:endParaRPr/>
-          </a:p>
+          <a:p/>
         </p:txBody>
       </p:sp>
       <p:sp>
         <p:nvSpPr>
           <p:cNvPr id="24" name="Shape 24"/>
-          <p:cNvSpPr txBox="1">
-            <a:spLocks noGrp="1"/>
-          </p:cNvSpPr>
+          <p:cNvSpPr txBox="1"/>
           <p:nvPr>
-            <p:ph type="sldNum" idx="12"/>
+            <p:ph idx="12" type="sldNum"/>
           </p:nvPr>
         </p:nvSpPr>
         <p:spPr>
@@ -2797,7 +2550,7 @@
           </a:prstGeom>
         </p:spPr>
         <p:txBody>
-          <a:bodyPr wrap="square" lIns="91425" tIns="91425" rIns="91425" bIns="91425" anchor="ctr" anchorCtr="0">
+          <a:bodyPr anchorCtr="0" anchor="ctr" bIns="91425" lIns="91425" rIns="91425" wrap="square" tIns="91425">
             <a:noAutofit/>
           </a:bodyPr>
           <a:lstStyle/>
@@ -2812,7 +2565,6 @@
               <a:rPr lang="en"/>
               <a:t>‹#›</a:t>
             </a:fld>
-            <a:endParaRPr lang="en"/>
           </a:p>
         </p:txBody>
       </p:sp>
@@ -2825,11 +2577,11 @@
 </file>
 
 <file path=ppt/slideLayouts/slideLayout4.xml><?xml version="1.0" encoding="utf-8"?>
-<p:sldLayout xmlns:a="http://schemas.openxmlformats.org/drawingml/2006/main" xmlns:r="http://schemas.openxmlformats.org/officeDocument/2006/relationships" xmlns:p="http://schemas.openxmlformats.org/presentationml/2006/main" type="twoColTx">
+<p:sldLayout xmlns:a="http://schemas.openxmlformats.org/drawingml/2006/main" xmlns:r="http://schemas.openxmlformats.org/officeDocument/2006/relationships" xmlns:mc="http://schemas.openxmlformats.org/markup-compatibility/2006" xmlns:mv="urn:schemas-microsoft-com:mac:vml" xmlns:p="http://schemas.openxmlformats.org/presentationml/2006/main" xmlns:c="http://schemas.openxmlformats.org/drawingml/2006/chart" xmlns:dgm="http://schemas.openxmlformats.org/drawingml/2006/diagram" xmlns:o="urn:schemas-microsoft-com:office:office" xmlns:v="urn:schemas-microsoft-com:vml" xmlns:pvml="urn:schemas-microsoft-com:office:powerpoint" xmlns:com="http://schemas.openxmlformats.org/drawingml/2006/compatibility" xmlns:p14="http://schemas.microsoft.com/office/powerpoint/2010/main" xmlns:p15="http://schemas.microsoft.com/office/powerpoint/2012/main" type="twoColTx">
   <p:cSld name="Title and two columns">
     <p:spTree>
       <p:nvGrpSpPr>
-        <p:cNvPr id="1" name="Shape 25"/>
+        <p:cNvPr id="25" name="Shape 25"/>
         <p:cNvGrpSpPr/>
         <p:nvPr/>
       </p:nvGrpSpPr>
@@ -2856,23 +2608,21 @@
             <a:avLst/>
           </a:prstGeom>
           <a:noFill/>
-          <a:ln w="38100" cap="flat" cmpd="sng">
+          <a:ln cap="flat" cmpd="sng" w="38100">
             <a:solidFill>
               <a:schemeClr val="accent4"/>
             </a:solidFill>
             <a:prstDash val="solid"/>
             <a:round/>
-            <a:headEnd type="none" w="med" len="med"/>
-            <a:tailEnd type="none" w="med" len="med"/>
+            <a:headEnd len="med" w="med" type="none"/>
+            <a:tailEnd len="med" w="med" type="none"/>
           </a:ln>
         </p:spPr>
       </p:cxnSp>
       <p:sp>
         <p:nvSpPr>
           <p:cNvPr id="27" name="Shape 27"/>
-          <p:cNvSpPr txBox="1">
-            <a:spLocks noGrp="1"/>
-          </p:cNvSpPr>
+          <p:cNvSpPr txBox="1"/>
           <p:nvPr>
             <p:ph type="title"/>
           </p:nvPr>
@@ -2887,7 +2637,7 @@
           </a:prstGeom>
         </p:spPr>
         <p:txBody>
-          <a:bodyPr wrap="square" lIns="91425" tIns="91425" rIns="91425" bIns="91425" anchor="b" anchorCtr="0"/>
+          <a:bodyPr anchorCtr="0" anchor="b" bIns="91425" lIns="91425" rIns="91425" wrap="square" tIns="91425"/>
           <a:lstStyle>
             <a:lvl1pPr lvl="0">
               <a:spcBef>
@@ -2944,19 +2694,15 @@
               <a:defRPr/>
             </a:lvl9pPr>
           </a:lstStyle>
-          <a:p>
-            <a:endParaRPr/>
-          </a:p>
+          <a:p/>
         </p:txBody>
       </p:sp>
       <p:sp>
         <p:nvSpPr>
           <p:cNvPr id="28" name="Shape 28"/>
-          <p:cNvSpPr txBox="1">
-            <a:spLocks noGrp="1"/>
-          </p:cNvSpPr>
+          <p:cNvSpPr txBox="1"/>
           <p:nvPr>
-            <p:ph type="body" idx="1"/>
+            <p:ph idx="1" type="body"/>
           </p:nvPr>
         </p:nvSpPr>
         <p:spPr>
@@ -2969,7 +2715,7 @@
           </a:prstGeom>
         </p:spPr>
         <p:txBody>
-          <a:bodyPr wrap="square" lIns="91425" tIns="91425" rIns="91425" bIns="91425" anchor="t" anchorCtr="0"/>
+          <a:bodyPr anchorCtr="0" anchor="t" bIns="91425" lIns="91425" rIns="91425" wrap="square" tIns="91425"/>
           <a:lstStyle>
             <a:lvl1pPr lvl="0">
               <a:spcBef>
@@ -3035,19 +2781,15 @@
               <a:defRPr sz="1200"/>
             </a:lvl9pPr>
           </a:lstStyle>
-          <a:p>
-            <a:endParaRPr/>
-          </a:p>
+          <a:p/>
         </p:txBody>
       </p:sp>
       <p:sp>
         <p:nvSpPr>
           <p:cNvPr id="29" name="Shape 29"/>
-          <p:cNvSpPr txBox="1">
-            <a:spLocks noGrp="1"/>
-          </p:cNvSpPr>
+          <p:cNvSpPr txBox="1"/>
           <p:nvPr>
-            <p:ph type="body" idx="2"/>
+            <p:ph idx="2" type="body"/>
           </p:nvPr>
         </p:nvSpPr>
         <p:spPr>
@@ -3060,7 +2802,7 @@
           </a:prstGeom>
         </p:spPr>
         <p:txBody>
-          <a:bodyPr wrap="square" lIns="91425" tIns="91425" rIns="91425" bIns="91425" anchor="t" anchorCtr="0"/>
+          <a:bodyPr anchorCtr="0" anchor="t" bIns="91425" lIns="91425" rIns="91425" wrap="square" tIns="91425"/>
           <a:lstStyle>
             <a:lvl1pPr lvl="0">
               <a:spcBef>
@@ -3126,19 +2868,15 @@
               <a:defRPr sz="1200"/>
             </a:lvl9pPr>
           </a:lstStyle>
-          <a:p>
-            <a:endParaRPr/>
-          </a:p>
+          <a:p/>
         </p:txBody>
       </p:sp>
       <p:sp>
         <p:nvSpPr>
           <p:cNvPr id="30" name="Shape 30"/>
-          <p:cNvSpPr txBox="1">
-            <a:spLocks noGrp="1"/>
-          </p:cNvSpPr>
+          <p:cNvSpPr txBox="1"/>
           <p:nvPr>
-            <p:ph type="sldNum" idx="12"/>
+            <p:ph idx="12" type="sldNum"/>
           </p:nvPr>
         </p:nvSpPr>
         <p:spPr>
@@ -3151,7 +2889,7 @@
           </a:prstGeom>
         </p:spPr>
         <p:txBody>
-          <a:bodyPr wrap="square" lIns="91425" tIns="91425" rIns="91425" bIns="91425" anchor="ctr" anchorCtr="0">
+          <a:bodyPr anchorCtr="0" anchor="ctr" bIns="91425" lIns="91425" rIns="91425" wrap="square" tIns="91425">
             <a:noAutofit/>
           </a:bodyPr>
           <a:lstStyle/>
@@ -3166,7 +2904,6 @@
               <a:rPr lang="en"/>
               <a:t>‹#›</a:t>
             </a:fld>
-            <a:endParaRPr lang="en"/>
           </a:p>
         </p:txBody>
       </p:sp>
@@ -3179,11 +2916,11 @@
 </file>
 
 <file path=ppt/slideLayouts/slideLayout5.xml><?xml version="1.0" encoding="utf-8"?>
-<p:sldLayout xmlns:a="http://schemas.openxmlformats.org/drawingml/2006/main" xmlns:r="http://schemas.openxmlformats.org/officeDocument/2006/relationships" xmlns:p="http://schemas.openxmlformats.org/presentationml/2006/main" type="titleOnly">
+<p:sldLayout xmlns:a="http://schemas.openxmlformats.org/drawingml/2006/main" xmlns:r="http://schemas.openxmlformats.org/officeDocument/2006/relationships" xmlns:mc="http://schemas.openxmlformats.org/markup-compatibility/2006" xmlns:mv="urn:schemas-microsoft-com:mac:vml" xmlns:p="http://schemas.openxmlformats.org/presentationml/2006/main" xmlns:c="http://schemas.openxmlformats.org/drawingml/2006/chart" xmlns:dgm="http://schemas.openxmlformats.org/drawingml/2006/diagram" xmlns:o="urn:schemas-microsoft-com:office:office" xmlns:v="urn:schemas-microsoft-com:vml" xmlns:pvml="urn:schemas-microsoft-com:office:powerpoint" xmlns:com="http://schemas.openxmlformats.org/drawingml/2006/compatibility" xmlns:p14="http://schemas.microsoft.com/office/powerpoint/2010/main" xmlns:p15="http://schemas.microsoft.com/office/powerpoint/2012/main" type="titleOnly">
   <p:cSld name="Title only">
     <p:spTree>
       <p:nvGrpSpPr>
-        <p:cNvPr id="1" name="Shape 31"/>
+        <p:cNvPr id="31" name="Shape 31"/>
         <p:cNvGrpSpPr/>
         <p:nvPr/>
       </p:nvGrpSpPr>
@@ -3198,9 +2935,7 @@
       <p:sp>
         <p:nvSpPr>
           <p:cNvPr id="32" name="Shape 32"/>
-          <p:cNvSpPr txBox="1">
-            <a:spLocks noGrp="1"/>
-          </p:cNvSpPr>
+          <p:cNvSpPr txBox="1"/>
           <p:nvPr>
             <p:ph type="title"/>
           </p:nvPr>
@@ -3215,7 +2950,7 @@
           </a:prstGeom>
         </p:spPr>
         <p:txBody>
-          <a:bodyPr wrap="square" lIns="91425" tIns="91425" rIns="91425" bIns="91425" anchor="b" anchorCtr="0"/>
+          <a:bodyPr anchorCtr="0" anchor="b" bIns="91425" lIns="91425" rIns="91425" wrap="square" tIns="91425"/>
           <a:lstStyle>
             <a:lvl1pPr lvl="0">
               <a:spcBef>
@@ -3272,19 +3007,15 @@
               <a:defRPr/>
             </a:lvl9pPr>
           </a:lstStyle>
-          <a:p>
-            <a:endParaRPr/>
-          </a:p>
+          <a:p/>
         </p:txBody>
       </p:sp>
       <p:sp>
         <p:nvSpPr>
           <p:cNvPr id="33" name="Shape 33"/>
-          <p:cNvSpPr txBox="1">
-            <a:spLocks noGrp="1"/>
-          </p:cNvSpPr>
+          <p:cNvSpPr txBox="1"/>
           <p:nvPr>
-            <p:ph type="sldNum" idx="12"/>
+            <p:ph idx="12" type="sldNum"/>
           </p:nvPr>
         </p:nvSpPr>
         <p:spPr>
@@ -3297,7 +3028,7 @@
           </a:prstGeom>
         </p:spPr>
         <p:txBody>
-          <a:bodyPr wrap="square" lIns="91425" tIns="91425" rIns="91425" bIns="91425" anchor="ctr" anchorCtr="0">
+          <a:bodyPr anchorCtr="0" anchor="ctr" bIns="91425" lIns="91425" rIns="91425" wrap="square" tIns="91425">
             <a:noAutofit/>
           </a:bodyPr>
           <a:lstStyle/>
@@ -3312,7 +3043,6 @@
               <a:rPr lang="en"/>
               <a:t>‹#›</a:t>
             </a:fld>
-            <a:endParaRPr lang="en"/>
           </a:p>
         </p:txBody>
       </p:sp>
@@ -3325,11 +3055,11 @@
 </file>
 
 <file path=ppt/slideLayouts/slideLayout6.xml><?xml version="1.0" encoding="utf-8"?>
-<p:sldLayout xmlns:a="http://schemas.openxmlformats.org/drawingml/2006/main" xmlns:r="http://schemas.openxmlformats.org/officeDocument/2006/relationships" xmlns:p="http://schemas.openxmlformats.org/presentationml/2006/main">
+<p:sldLayout xmlns:a="http://schemas.openxmlformats.org/drawingml/2006/main" xmlns:r="http://schemas.openxmlformats.org/officeDocument/2006/relationships" xmlns:mc="http://schemas.openxmlformats.org/markup-compatibility/2006" xmlns:mv="urn:schemas-microsoft-com:mac:vml" xmlns:p="http://schemas.openxmlformats.org/presentationml/2006/main" xmlns:c="http://schemas.openxmlformats.org/drawingml/2006/chart" xmlns:dgm="http://schemas.openxmlformats.org/drawingml/2006/diagram" xmlns:o="urn:schemas-microsoft-com:office:office" xmlns:v="urn:schemas-microsoft-com:vml" xmlns:pvml="urn:schemas-microsoft-com:office:powerpoint" xmlns:com="http://schemas.openxmlformats.org/drawingml/2006/compatibility" xmlns:p14="http://schemas.microsoft.com/office/powerpoint/2010/main" xmlns:p15="http://schemas.microsoft.com/office/powerpoint/2012/main">
   <p:cSld name="One column text">
     <p:spTree>
       <p:nvGrpSpPr>
-        <p:cNvPr id="1" name="Shape 34"/>
+        <p:cNvPr id="34" name="Shape 34"/>
         <p:cNvGrpSpPr/>
         <p:nvPr/>
       </p:nvGrpSpPr>
@@ -3356,23 +3086,21 @@
             <a:avLst/>
           </a:prstGeom>
           <a:noFill/>
-          <a:ln w="38100" cap="flat" cmpd="sng">
+          <a:ln cap="flat" cmpd="sng" w="38100">
             <a:solidFill>
               <a:schemeClr val="accent4"/>
             </a:solidFill>
             <a:prstDash val="solid"/>
             <a:round/>
-            <a:headEnd type="none" w="med" len="med"/>
-            <a:tailEnd type="none" w="med" len="med"/>
+            <a:headEnd len="med" w="med" type="none"/>
+            <a:tailEnd len="med" w="med" type="none"/>
           </a:ln>
         </p:spPr>
       </p:cxnSp>
       <p:sp>
         <p:nvSpPr>
           <p:cNvPr id="36" name="Shape 36"/>
-          <p:cNvSpPr txBox="1">
-            <a:spLocks noGrp="1"/>
-          </p:cNvSpPr>
+          <p:cNvSpPr txBox="1"/>
           <p:nvPr>
             <p:ph type="title"/>
           </p:nvPr>
@@ -3387,7 +3115,7 @@
           </a:prstGeom>
         </p:spPr>
         <p:txBody>
-          <a:bodyPr wrap="square" lIns="91425" tIns="91425" rIns="91425" bIns="91425" anchor="b" anchorCtr="0"/>
+          <a:bodyPr anchorCtr="0" anchor="b" bIns="91425" lIns="91425" rIns="91425" wrap="square" tIns="91425"/>
           <a:lstStyle>
             <a:lvl1pPr lvl="0">
               <a:spcBef>
@@ -3453,19 +3181,15 @@
               <a:defRPr sz="2400"/>
             </a:lvl9pPr>
           </a:lstStyle>
-          <a:p>
-            <a:endParaRPr/>
-          </a:p>
+          <a:p/>
         </p:txBody>
       </p:sp>
       <p:sp>
         <p:nvSpPr>
           <p:cNvPr id="37" name="Shape 37"/>
-          <p:cNvSpPr txBox="1">
-            <a:spLocks noGrp="1"/>
-          </p:cNvSpPr>
+          <p:cNvSpPr txBox="1"/>
           <p:nvPr>
-            <p:ph type="body" idx="1"/>
+            <p:ph idx="1" type="body"/>
           </p:nvPr>
         </p:nvSpPr>
         <p:spPr>
@@ -3478,7 +3202,7 @@
           </a:prstGeom>
         </p:spPr>
         <p:txBody>
-          <a:bodyPr wrap="square" lIns="91425" tIns="91425" rIns="91425" bIns="91425" anchor="t" anchorCtr="0"/>
+          <a:bodyPr anchorCtr="0" anchor="t" bIns="91425" lIns="91425" rIns="91425" wrap="square" tIns="91425"/>
           <a:lstStyle>
             <a:lvl1pPr lvl="0">
               <a:spcBef>
@@ -3544,19 +3268,15 @@
               <a:defRPr sz="1200"/>
             </a:lvl9pPr>
           </a:lstStyle>
-          <a:p>
-            <a:endParaRPr/>
-          </a:p>
+          <a:p/>
         </p:txBody>
       </p:sp>
       <p:sp>
         <p:nvSpPr>
           <p:cNvPr id="38" name="Shape 38"/>
-          <p:cNvSpPr txBox="1">
-            <a:spLocks noGrp="1"/>
-          </p:cNvSpPr>
+          <p:cNvSpPr txBox="1"/>
           <p:nvPr>
-            <p:ph type="sldNum" idx="12"/>
+            <p:ph idx="12" type="sldNum"/>
           </p:nvPr>
         </p:nvSpPr>
         <p:spPr>
@@ -3569,7 +3289,7 @@
           </a:prstGeom>
         </p:spPr>
         <p:txBody>
-          <a:bodyPr wrap="square" lIns="91425" tIns="91425" rIns="91425" bIns="91425" anchor="ctr" anchorCtr="0">
+          <a:bodyPr anchorCtr="0" anchor="ctr" bIns="91425" lIns="91425" rIns="91425" wrap="square" tIns="91425">
             <a:noAutofit/>
           </a:bodyPr>
           <a:lstStyle/>
@@ -3584,7 +3304,6 @@
               <a:rPr lang="en"/>
               <a:t>‹#›</a:t>
             </a:fld>
-            <a:endParaRPr lang="en"/>
           </a:p>
         </p:txBody>
       </p:sp>
@@ -3597,11 +3316,11 @@
 </file>
 
 <file path=ppt/slideLayouts/slideLayout7.xml><?xml version="1.0" encoding="utf-8"?>
-<p:sldLayout xmlns:a="http://schemas.openxmlformats.org/drawingml/2006/main" xmlns:r="http://schemas.openxmlformats.org/officeDocument/2006/relationships" xmlns:p="http://schemas.openxmlformats.org/presentationml/2006/main">
+<p:sldLayout xmlns:a="http://schemas.openxmlformats.org/drawingml/2006/main" xmlns:r="http://schemas.openxmlformats.org/officeDocument/2006/relationships" xmlns:mc="http://schemas.openxmlformats.org/markup-compatibility/2006" xmlns:mv="urn:schemas-microsoft-com:mac:vml" xmlns:p="http://schemas.openxmlformats.org/presentationml/2006/main" xmlns:c="http://schemas.openxmlformats.org/drawingml/2006/chart" xmlns:dgm="http://schemas.openxmlformats.org/drawingml/2006/diagram" xmlns:o="urn:schemas-microsoft-com:office:office" xmlns:v="urn:schemas-microsoft-com:vml" xmlns:pvml="urn:schemas-microsoft-com:office:powerpoint" xmlns:com="http://schemas.openxmlformats.org/drawingml/2006/compatibility" xmlns:p14="http://schemas.microsoft.com/office/powerpoint/2010/main" xmlns:p15="http://schemas.microsoft.com/office/powerpoint/2012/main">
   <p:cSld name="Main point">
     <p:spTree>
       <p:nvGrpSpPr>
-        <p:cNvPr id="1" name="Shape 39"/>
+        <p:cNvPr id="39" name="Shape 39"/>
         <p:cNvGrpSpPr/>
         <p:nvPr/>
       </p:nvGrpSpPr>
@@ -3616,9 +3335,7 @@
       <p:sp>
         <p:nvSpPr>
           <p:cNvPr id="40" name="Shape 40"/>
-          <p:cNvSpPr txBox="1">
-            <a:spLocks noGrp="1"/>
-          </p:cNvSpPr>
+          <p:cNvSpPr txBox="1"/>
           <p:nvPr>
             <p:ph type="title"/>
           </p:nvPr>
@@ -3633,7 +3350,7 @@
           </a:prstGeom>
         </p:spPr>
         <p:txBody>
-          <a:bodyPr wrap="square" lIns="91425" tIns="91425" rIns="91425" bIns="91425" anchor="ctr" anchorCtr="0"/>
+          <a:bodyPr anchorCtr="0" anchor="ctr" bIns="91425" lIns="91425" rIns="91425" wrap="square" tIns="91425"/>
           <a:lstStyle>
             <a:lvl1pPr lvl="0">
               <a:spcBef>
@@ -3699,19 +3416,15 @@
               <a:defRPr sz="4800"/>
             </a:lvl9pPr>
           </a:lstStyle>
-          <a:p>
-            <a:endParaRPr/>
-          </a:p>
+          <a:p/>
         </p:txBody>
       </p:sp>
       <p:sp>
         <p:nvSpPr>
           <p:cNvPr id="41" name="Shape 41"/>
-          <p:cNvSpPr txBox="1">
-            <a:spLocks noGrp="1"/>
-          </p:cNvSpPr>
+          <p:cNvSpPr txBox="1"/>
           <p:nvPr>
-            <p:ph type="sldNum" idx="12"/>
+            <p:ph idx="12" type="sldNum"/>
           </p:nvPr>
         </p:nvSpPr>
         <p:spPr>
@@ -3724,7 +3437,7 @@
           </a:prstGeom>
         </p:spPr>
         <p:txBody>
-          <a:bodyPr wrap="square" lIns="91425" tIns="91425" rIns="91425" bIns="91425" anchor="ctr" anchorCtr="0">
+          <a:bodyPr anchorCtr="0" anchor="ctr" bIns="91425" lIns="91425" rIns="91425" wrap="square" tIns="91425">
             <a:noAutofit/>
           </a:bodyPr>
           <a:lstStyle/>
@@ -3739,7 +3452,6 @@
               <a:rPr lang="en"/>
               <a:t>‹#›</a:t>
             </a:fld>
-            <a:endParaRPr lang="en"/>
           </a:p>
         </p:txBody>
       </p:sp>
@@ -3752,11 +3464,11 @@
 </file>
 
 <file path=ppt/slideLayouts/slideLayout8.xml><?xml version="1.0" encoding="utf-8"?>
-<p:sldLayout xmlns:a="http://schemas.openxmlformats.org/drawingml/2006/main" xmlns:r="http://schemas.openxmlformats.org/officeDocument/2006/relationships" xmlns:p="http://schemas.openxmlformats.org/presentationml/2006/main">
+<p:sldLayout xmlns:a="http://schemas.openxmlformats.org/drawingml/2006/main" xmlns:r="http://schemas.openxmlformats.org/officeDocument/2006/relationships" xmlns:mc="http://schemas.openxmlformats.org/markup-compatibility/2006" xmlns:mv="urn:schemas-microsoft-com:mac:vml" xmlns:p="http://schemas.openxmlformats.org/presentationml/2006/main" xmlns:c="http://schemas.openxmlformats.org/drawingml/2006/chart" xmlns:dgm="http://schemas.openxmlformats.org/drawingml/2006/diagram" xmlns:o="urn:schemas-microsoft-com:office:office" xmlns:v="urn:schemas-microsoft-com:vml" xmlns:pvml="urn:schemas-microsoft-com:office:powerpoint" xmlns:com="http://schemas.openxmlformats.org/drawingml/2006/compatibility" xmlns:p14="http://schemas.microsoft.com/office/powerpoint/2010/main" xmlns:p15="http://schemas.microsoft.com/office/powerpoint/2012/main">
   <p:cSld name="Section title and description">
     <p:spTree>
       <p:nvGrpSpPr>
-        <p:cNvPr id="1" name="Shape 42"/>
+        <p:cNvPr id="42" name="Shape 42"/>
         <p:cNvGrpSpPr/>
         <p:nvPr/>
       </p:nvGrpSpPr>
@@ -3790,7 +3502,7 @@
           </a:ln>
         </p:spPr>
         <p:txBody>
-          <a:bodyPr wrap="square" lIns="91425" tIns="91425" rIns="91425" bIns="91425" anchor="ctr" anchorCtr="0">
+          <a:bodyPr anchorCtr="0" anchor="ctr" bIns="91425" lIns="91425" rIns="91425" wrap="square" tIns="91425">
             <a:noAutofit/>
           </a:bodyPr>
           <a:lstStyle/>
@@ -3801,6 +3513,9 @@
               </a:spcBef>
               <a:buNone/>
             </a:pPr>
+            <a:r>
+              <a:t/>
+            </a:r>
             <a:endParaRPr/>
           </a:p>
         </p:txBody>
@@ -3820,23 +3535,21 @@
             <a:avLst/>
           </a:prstGeom>
           <a:noFill/>
-          <a:ln w="38100" cap="flat" cmpd="sng">
+          <a:ln cap="flat" cmpd="sng" w="38100">
             <a:solidFill>
               <a:schemeClr val="accent5"/>
             </a:solidFill>
             <a:prstDash val="solid"/>
             <a:round/>
-            <a:headEnd type="none" w="med" len="med"/>
-            <a:tailEnd type="none" w="med" len="med"/>
+            <a:headEnd len="med" w="med" type="none"/>
+            <a:tailEnd len="med" w="med" type="none"/>
           </a:ln>
         </p:spPr>
       </p:cxnSp>
       <p:sp>
         <p:nvSpPr>
           <p:cNvPr id="45" name="Shape 45"/>
-          <p:cNvSpPr txBox="1">
-            <a:spLocks noGrp="1"/>
-          </p:cNvSpPr>
+          <p:cNvSpPr txBox="1"/>
           <p:nvPr>
             <p:ph type="title"/>
           </p:nvPr>
@@ -3851,7 +3564,7 @@
           </a:prstGeom>
         </p:spPr>
         <p:txBody>
-          <a:bodyPr wrap="square" lIns="91425" tIns="91425" rIns="91425" bIns="91425" anchor="b" anchorCtr="0"/>
+          <a:bodyPr anchorCtr="0" anchor="b" bIns="91425" lIns="91425" rIns="91425" wrap="square" tIns="91425"/>
           <a:lstStyle>
             <a:lvl1pPr lvl="0" algn="ctr">
               <a:spcBef>
@@ -3917,19 +3630,15 @@
               <a:defRPr sz="3800"/>
             </a:lvl9pPr>
           </a:lstStyle>
-          <a:p>
-            <a:endParaRPr/>
-          </a:p>
+          <a:p/>
         </p:txBody>
       </p:sp>
       <p:sp>
         <p:nvSpPr>
           <p:cNvPr id="46" name="Shape 46"/>
-          <p:cNvSpPr txBox="1">
-            <a:spLocks noGrp="1"/>
-          </p:cNvSpPr>
+          <p:cNvSpPr txBox="1"/>
           <p:nvPr>
-            <p:ph type="subTitle" idx="1"/>
+            <p:ph idx="1" type="subTitle"/>
           </p:nvPr>
         </p:nvSpPr>
         <p:spPr>
@@ -3942,7 +3651,7 @@
           </a:prstGeom>
         </p:spPr>
         <p:txBody>
-          <a:bodyPr wrap="square" lIns="91425" tIns="91425" rIns="91425" bIns="91425" anchor="t" anchorCtr="0"/>
+          <a:bodyPr anchorCtr="0" anchor="t" bIns="91425" lIns="91425" rIns="91425" wrap="square" tIns="91425"/>
           <a:lstStyle>
             <a:lvl1pPr lvl="0" algn="ctr">
               <a:lnSpc>
@@ -4134,19 +3843,15 @@
               </a:defRPr>
             </a:lvl9pPr>
           </a:lstStyle>
-          <a:p>
-            <a:endParaRPr/>
-          </a:p>
+          <a:p/>
         </p:txBody>
       </p:sp>
       <p:sp>
         <p:nvSpPr>
           <p:cNvPr id="47" name="Shape 47"/>
-          <p:cNvSpPr txBox="1">
-            <a:spLocks noGrp="1"/>
-          </p:cNvSpPr>
+          <p:cNvSpPr txBox="1"/>
           <p:nvPr>
-            <p:ph type="body" idx="2"/>
+            <p:ph idx="2" type="body"/>
           </p:nvPr>
         </p:nvSpPr>
         <p:spPr>
@@ -4159,7 +3864,7 @@
           </a:prstGeom>
         </p:spPr>
         <p:txBody>
-          <a:bodyPr wrap="square" lIns="91425" tIns="91425" rIns="91425" bIns="91425" anchor="ctr" anchorCtr="0"/>
+          <a:bodyPr anchorCtr="0" anchor="ctr" bIns="91425" lIns="91425" rIns="91425" wrap="square" tIns="91425"/>
           <a:lstStyle>
             <a:lvl1pPr lvl="0">
               <a:spcBef>
@@ -4216,19 +3921,15 @@
               <a:defRPr/>
             </a:lvl9pPr>
           </a:lstStyle>
-          <a:p>
-            <a:endParaRPr/>
-          </a:p>
+          <a:p/>
         </p:txBody>
       </p:sp>
       <p:sp>
         <p:nvSpPr>
           <p:cNvPr id="48" name="Shape 48"/>
-          <p:cNvSpPr txBox="1">
-            <a:spLocks noGrp="1"/>
-          </p:cNvSpPr>
+          <p:cNvSpPr txBox="1"/>
           <p:nvPr>
-            <p:ph type="sldNum" idx="12"/>
+            <p:ph idx="12" type="sldNum"/>
           </p:nvPr>
         </p:nvSpPr>
         <p:spPr>
@@ -4241,7 +3942,7 @@
           </a:prstGeom>
         </p:spPr>
         <p:txBody>
-          <a:bodyPr wrap="square" lIns="91425" tIns="91425" rIns="91425" bIns="91425" anchor="ctr" anchorCtr="0">
+          <a:bodyPr anchorCtr="0" anchor="ctr" bIns="91425" lIns="91425" rIns="91425" wrap="square" tIns="91425">
             <a:noAutofit/>
           </a:bodyPr>
           <a:lstStyle/>
@@ -4256,7 +3957,6 @@
               <a:rPr lang="en"/>
               <a:t>‹#›</a:t>
             </a:fld>
-            <a:endParaRPr lang="en"/>
           </a:p>
         </p:txBody>
       </p:sp>
@@ -4269,11 +3969,11 @@
 </file>
 
 <file path=ppt/slideLayouts/slideLayout9.xml><?xml version="1.0" encoding="utf-8"?>
-<p:sldLayout xmlns:a="http://schemas.openxmlformats.org/drawingml/2006/main" xmlns:r="http://schemas.openxmlformats.org/officeDocument/2006/relationships" xmlns:p="http://schemas.openxmlformats.org/presentationml/2006/main">
+<p:sldLayout xmlns:a="http://schemas.openxmlformats.org/drawingml/2006/main" xmlns:r="http://schemas.openxmlformats.org/officeDocument/2006/relationships" xmlns:mc="http://schemas.openxmlformats.org/markup-compatibility/2006" xmlns:mv="urn:schemas-microsoft-com:mac:vml" xmlns:p="http://schemas.openxmlformats.org/presentationml/2006/main" xmlns:c="http://schemas.openxmlformats.org/drawingml/2006/chart" xmlns:dgm="http://schemas.openxmlformats.org/drawingml/2006/diagram" xmlns:o="urn:schemas-microsoft-com:office:office" xmlns:v="urn:schemas-microsoft-com:vml" xmlns:pvml="urn:schemas-microsoft-com:office:powerpoint" xmlns:com="http://schemas.openxmlformats.org/drawingml/2006/compatibility" xmlns:p14="http://schemas.microsoft.com/office/powerpoint/2010/main" xmlns:p15="http://schemas.microsoft.com/office/powerpoint/2012/main">
   <p:cSld name="Caption">
     <p:spTree>
       <p:nvGrpSpPr>
-        <p:cNvPr id="1" name="Shape 49"/>
+        <p:cNvPr id="49" name="Shape 49"/>
         <p:cNvGrpSpPr/>
         <p:nvPr/>
       </p:nvGrpSpPr>
@@ -4288,11 +3988,9 @@
       <p:sp>
         <p:nvSpPr>
           <p:cNvPr id="50" name="Shape 50"/>
-          <p:cNvSpPr txBox="1">
-            <a:spLocks noGrp="1"/>
-          </p:cNvSpPr>
+          <p:cNvSpPr txBox="1"/>
           <p:nvPr>
-            <p:ph type="body" idx="1"/>
+            <p:ph idx="1" type="body"/>
           </p:nvPr>
         </p:nvSpPr>
         <p:spPr>
@@ -4305,7 +4003,7 @@
           </a:prstGeom>
         </p:spPr>
         <p:txBody>
-          <a:bodyPr wrap="square" lIns="91425" tIns="91425" rIns="91425" bIns="91425" anchor="ctr" anchorCtr="0"/>
+          <a:bodyPr anchorCtr="0" anchor="ctr" bIns="91425" lIns="91425" rIns="91425" wrap="square" tIns="91425"/>
           <a:lstStyle>
             <a:lvl1pPr lvl="0">
               <a:lnSpc>
@@ -4327,19 +4025,15 @@
               </a:defRPr>
             </a:lvl1pPr>
           </a:lstStyle>
-          <a:p>
-            <a:endParaRPr/>
-          </a:p>
+          <a:p/>
         </p:txBody>
       </p:sp>
       <p:sp>
         <p:nvSpPr>
           <p:cNvPr id="51" name="Shape 51"/>
-          <p:cNvSpPr txBox="1">
-            <a:spLocks noGrp="1"/>
-          </p:cNvSpPr>
+          <p:cNvSpPr txBox="1"/>
           <p:nvPr>
-            <p:ph type="sldNum" idx="12"/>
+            <p:ph idx="12" type="sldNum"/>
           </p:nvPr>
         </p:nvSpPr>
         <p:spPr>
@@ -4352,7 +4046,7 @@
           </a:prstGeom>
         </p:spPr>
         <p:txBody>
-          <a:bodyPr wrap="square" lIns="91425" tIns="91425" rIns="91425" bIns="91425" anchor="ctr" anchorCtr="0">
+          <a:bodyPr anchorCtr="0" anchor="ctr" bIns="91425" lIns="91425" rIns="91425" wrap="square" tIns="91425">
             <a:noAutofit/>
           </a:bodyPr>
           <a:lstStyle/>
@@ -4367,7 +4061,6 @@
               <a:rPr lang="en"/>
               <a:t>‹#›</a:t>
             </a:fld>
-            <a:endParaRPr lang="en"/>
           </a:p>
         </p:txBody>
       </p:sp>
@@ -4380,19 +4073,18 @@
 </file>
 
 <file path=ppt/slideMasters/slideMaster1.xml><?xml version="1.0" encoding="utf-8"?>
-<p:sldMaster xmlns:a="http://schemas.openxmlformats.org/drawingml/2006/main" xmlns:r="http://schemas.openxmlformats.org/officeDocument/2006/relationships" xmlns:p="http://schemas.openxmlformats.org/presentationml/2006/main">
+<p:sldMaster xmlns:a="http://schemas.openxmlformats.org/drawingml/2006/main" xmlns:r="http://schemas.openxmlformats.org/officeDocument/2006/relationships" xmlns:mc="http://schemas.openxmlformats.org/markup-compatibility/2006" xmlns:mv="urn:schemas-microsoft-com:mac:vml" xmlns:p="http://schemas.openxmlformats.org/presentationml/2006/main" xmlns:c="http://schemas.openxmlformats.org/drawingml/2006/chart" xmlns:dgm="http://schemas.openxmlformats.org/drawingml/2006/diagram" xmlns:o="urn:schemas-microsoft-com:office:office" xmlns:v="urn:schemas-microsoft-com:vml" xmlns:pvml="urn:schemas-microsoft-com:office:powerpoint" xmlns:com="http://schemas.openxmlformats.org/drawingml/2006/compatibility" xmlns:p14="http://schemas.microsoft.com/office/powerpoint/2010/main" xmlns:p15="http://schemas.microsoft.com/office/powerpoint/2012/main">
   <p:cSld name="marina">
     <p:bg>
       <p:bgPr>
         <a:solidFill>
           <a:schemeClr val="lt1"/>
         </a:solidFill>
-        <a:effectLst/>
       </p:bgPr>
     </p:bg>
     <p:spTree>
       <p:nvGrpSpPr>
-        <p:cNvPr id="1" name="Shape 5"/>
+        <p:cNvPr id="5" name="Shape 5"/>
         <p:cNvGrpSpPr/>
         <p:nvPr/>
       </p:nvGrpSpPr>
@@ -4407,9 +4099,7 @@
       <p:sp>
         <p:nvSpPr>
           <p:cNvPr id="6" name="Shape 6"/>
-          <p:cNvSpPr txBox="1">
-            <a:spLocks noGrp="1"/>
-          </p:cNvSpPr>
+          <p:cNvSpPr txBox="1"/>
           <p:nvPr>
             <p:ph type="title"/>
           </p:nvPr>
@@ -4428,7 +4118,7 @@
           </a:ln>
         </p:spPr>
         <p:txBody>
-          <a:bodyPr wrap="square" lIns="91425" tIns="91425" rIns="91425" bIns="91425" anchor="b" anchorCtr="0"/>
+          <a:bodyPr anchorCtr="0" anchor="b" bIns="91425" lIns="91425" rIns="91425" wrap="square" tIns="91425"/>
           <a:lstStyle>
             <a:lvl1pPr lvl="0">
               <a:spcBef>
@@ -4611,19 +4301,15 @@
               </a:defRPr>
             </a:lvl9pPr>
           </a:lstStyle>
-          <a:p>
-            <a:endParaRPr/>
-          </a:p>
+          <a:p/>
         </p:txBody>
       </p:sp>
       <p:sp>
         <p:nvSpPr>
           <p:cNvPr id="7" name="Shape 7"/>
-          <p:cNvSpPr txBox="1">
-            <a:spLocks noGrp="1"/>
-          </p:cNvSpPr>
+          <p:cNvSpPr txBox="1"/>
           <p:nvPr>
-            <p:ph type="body" idx="1"/>
+            <p:ph idx="1" type="body"/>
           </p:nvPr>
         </p:nvSpPr>
         <p:spPr>
@@ -4640,7 +4326,7 @@
           </a:ln>
         </p:spPr>
         <p:txBody>
-          <a:bodyPr wrap="square" lIns="91425" tIns="91425" rIns="91425" bIns="91425" anchor="t" anchorCtr="0"/>
+          <a:bodyPr anchorCtr="0" anchor="t" bIns="91425" lIns="91425" rIns="91425" wrap="square" tIns="91425"/>
           <a:lstStyle>
             <a:lvl1pPr lvl="0">
               <a:lnSpc>
@@ -4869,19 +4555,15 @@
               </a:defRPr>
             </a:lvl9pPr>
           </a:lstStyle>
-          <a:p>
-            <a:endParaRPr/>
-          </a:p>
+          <a:p/>
         </p:txBody>
       </p:sp>
       <p:sp>
         <p:nvSpPr>
           <p:cNvPr id="8" name="Shape 8"/>
-          <p:cNvSpPr txBox="1">
-            <a:spLocks noGrp="1"/>
-          </p:cNvSpPr>
+          <p:cNvSpPr txBox="1"/>
           <p:nvPr>
-            <p:ph type="sldNum" idx="12"/>
+            <p:ph idx="12" type="sldNum"/>
           </p:nvPr>
         </p:nvSpPr>
         <p:spPr>
@@ -4898,7 +4580,7 @@
           </a:ln>
         </p:spPr>
         <p:txBody>
-          <a:bodyPr wrap="square" lIns="91425" tIns="91425" rIns="91425" bIns="91425" anchor="ctr" anchorCtr="0">
+          <a:bodyPr anchorCtr="0" anchor="ctr" bIns="91425" lIns="91425" rIns="91425" wrap="square" tIns="91425">
             <a:noAutofit/>
           </a:bodyPr>
           <a:lstStyle/>
@@ -4921,21 +4603,12 @@
               </a:rPr>
               <a:t>‹#›</a:t>
             </a:fld>
-            <a:endParaRPr lang="en" sz="1000">
-              <a:solidFill>
-                <a:schemeClr val="dk1"/>
-              </a:solidFill>
-              <a:latin typeface="Roboto"/>
-              <a:ea typeface="Roboto"/>
-              <a:cs typeface="Roboto"/>
-              <a:sym typeface="Roboto"/>
-            </a:endParaRPr>
           </a:p>
         </p:txBody>
       </p:sp>
     </p:spTree>
   </p:cSld>
-  <p:clrMap bg1="lt1" tx1="dk1" bg2="dk2" tx2="lt2" accent1="accent1" accent2="accent2" accent3="accent3" accent4="accent4" accent5="accent5" accent6="accent6" hlink="hlink" folHlink="folHlink"/>
+  <p:clrMap accent1="accent1" accent2="accent2" accent3="accent3" accent4="accent4" accent5="accent5" accent6="accent6" bg1="lt1" bg2="dk2" tx1="dk1" tx2="lt2" folHlink="folHlink" hlink="hlink"/>
   <p:sldLayoutIdLst>
     <p:sldLayoutId id="2147483648" r:id="rId1"/>
     <p:sldLayoutId id="2147483649" r:id="rId2"/>
@@ -4949,10 +4622,10 @@
     <p:sldLayoutId id="2147483657" r:id="rId10"/>
     <p:sldLayoutId id="2147483658" r:id="rId11"/>
   </p:sldLayoutIdLst>
-  <p:hf sldNum="0" hdr="0" ftr="0" dt="0"/>
+  <p:hf dt="0" ftr="0" hdr="0" sldNum="0"/>
   <p:txStyles>
     <p:titleStyle>
-      <a:defPPr marR="0" lvl="0" algn="l" rtl="0">
+      <a:defPPr lvl="0" marR="0" rtl="0" algn="l">
         <a:lnSpc>
           <a:spcPct val="100000"/>
         </a:lnSpc>
@@ -4963,7 +4636,7 @@
           <a:spcPts val="0"/>
         </a:spcAft>
       </a:defPPr>
-      <a:lvl1pPr marR="0" lvl="0" algn="l" rtl="0">
+      <a:lvl1pPr lvl="0" marR="0" rtl="0" algn="l">
         <a:lnSpc>
           <a:spcPct val="100000"/>
         </a:lnSpc>
@@ -4974,7 +4647,7 @@
           <a:spcPts val="0"/>
         </a:spcAft>
         <a:buNone/>
-        <a:defRPr sz="1400" b="0" i="0" u="none" strike="noStrike" cap="none">
+        <a:defRPr b="0" i="0" sz="1400" u="none" cap="none" strike="noStrike">
           <a:solidFill>
             <a:srgbClr val="000000"/>
           </a:solidFill>
@@ -4986,7 +4659,7 @@
       </a:lvl1pPr>
     </p:titleStyle>
     <p:bodyStyle>
-      <a:defPPr marR="0" lvl="0" algn="l" rtl="0">
+      <a:defPPr lvl="0" marR="0" rtl="0" algn="l">
         <a:lnSpc>
           <a:spcPct val="100000"/>
         </a:lnSpc>
@@ -4997,7 +4670,7 @@
           <a:spcPts val="0"/>
         </a:spcAft>
       </a:defPPr>
-      <a:lvl1pPr marR="0" lvl="0" algn="l" rtl="0">
+      <a:lvl1pPr lvl="0" marR="0" rtl="0" algn="l">
         <a:lnSpc>
           <a:spcPct val="100000"/>
         </a:lnSpc>
@@ -5008,7 +4681,7 @@
           <a:spcPts val="0"/>
         </a:spcAft>
         <a:buNone/>
-        <a:defRPr sz="1400" b="0" i="0" u="none" strike="noStrike" cap="none">
+        <a:defRPr b="0" i="0" sz="1400" u="none" cap="none" strike="noStrike">
           <a:solidFill>
             <a:srgbClr val="000000"/>
           </a:solidFill>
@@ -5018,7 +4691,7 @@
           <a:sym typeface="Arial"/>
         </a:defRPr>
       </a:lvl1pPr>
-      <a:lvl2pPr marR="0" lvl="1" algn="l" rtl="0">
+      <a:lvl2pPr lvl="1" marR="0" rtl="0" algn="l">
         <a:lnSpc>
           <a:spcPct val="100000"/>
         </a:lnSpc>
@@ -5029,7 +4702,7 @@
           <a:spcPts val="0"/>
         </a:spcAft>
         <a:buNone/>
-        <a:defRPr sz="1400" b="0" i="0" u="none" strike="noStrike" cap="none">
+        <a:defRPr b="0" i="0" sz="1400" u="none" cap="none" strike="noStrike">
           <a:solidFill>
             <a:srgbClr val="000000"/>
           </a:solidFill>
@@ -5039,7 +4712,7 @@
           <a:sym typeface="Arial"/>
         </a:defRPr>
       </a:lvl2pPr>
-      <a:lvl3pPr marR="0" lvl="2" algn="l" rtl="0">
+      <a:lvl3pPr lvl="2" marR="0" rtl="0" algn="l">
         <a:lnSpc>
           <a:spcPct val="100000"/>
         </a:lnSpc>
@@ -5050,7 +4723,7 @@
           <a:spcPts val="0"/>
         </a:spcAft>
         <a:buNone/>
-        <a:defRPr sz="1400" b="0" i="0" u="none" strike="noStrike" cap="none">
+        <a:defRPr b="0" i="0" sz="1400" u="none" cap="none" strike="noStrike">
           <a:solidFill>
             <a:srgbClr val="000000"/>
           </a:solidFill>
@@ -5060,7 +4733,7 @@
           <a:sym typeface="Arial"/>
         </a:defRPr>
       </a:lvl3pPr>
-      <a:lvl4pPr marR="0" lvl="3" algn="l" rtl="0">
+      <a:lvl4pPr lvl="3" marR="0" rtl="0" algn="l">
         <a:lnSpc>
           <a:spcPct val="100000"/>
         </a:lnSpc>
@@ -5071,7 +4744,7 @@
           <a:spcPts val="0"/>
         </a:spcAft>
         <a:buNone/>
-        <a:defRPr sz="1400" b="0" i="0" u="none" strike="noStrike" cap="none">
+        <a:defRPr b="0" i="0" sz="1400" u="none" cap="none" strike="noStrike">
           <a:solidFill>
             <a:srgbClr val="000000"/>
           </a:solidFill>
@@ -5081,7 +4754,7 @@
           <a:sym typeface="Arial"/>
         </a:defRPr>
       </a:lvl4pPr>
-      <a:lvl5pPr marR="0" lvl="4" algn="l" rtl="0">
+      <a:lvl5pPr lvl="4" marR="0" rtl="0" algn="l">
         <a:lnSpc>
           <a:spcPct val="100000"/>
         </a:lnSpc>
@@ -5092,7 +4765,7 @@
           <a:spcPts val="0"/>
         </a:spcAft>
         <a:buNone/>
-        <a:defRPr sz="1400" b="0" i="0" u="none" strike="noStrike" cap="none">
+        <a:defRPr b="0" i="0" sz="1400" u="none" cap="none" strike="noStrike">
           <a:solidFill>
             <a:srgbClr val="000000"/>
           </a:solidFill>
@@ -5102,7 +4775,7 @@
           <a:sym typeface="Arial"/>
         </a:defRPr>
       </a:lvl5pPr>
-      <a:lvl6pPr marR="0" lvl="5" algn="l" rtl="0">
+      <a:lvl6pPr lvl="5" marR="0" rtl="0" algn="l">
         <a:lnSpc>
           <a:spcPct val="100000"/>
         </a:lnSpc>
@@ -5113,7 +4786,7 @@
           <a:spcPts val="0"/>
         </a:spcAft>
         <a:buNone/>
-        <a:defRPr sz="1400" b="0" i="0" u="none" strike="noStrike" cap="none">
+        <a:defRPr b="0" i="0" sz="1400" u="none" cap="none" strike="noStrike">
           <a:solidFill>
             <a:srgbClr val="000000"/>
           </a:solidFill>
@@ -5123,7 +4796,7 @@
           <a:sym typeface="Arial"/>
         </a:defRPr>
       </a:lvl6pPr>
-      <a:lvl7pPr marR="0" lvl="6" algn="l" rtl="0">
+      <a:lvl7pPr lvl="6" marR="0" rtl="0" algn="l">
         <a:lnSpc>
           <a:spcPct val="100000"/>
         </a:lnSpc>
@@ -5134,7 +4807,7 @@
           <a:spcPts val="0"/>
         </a:spcAft>
         <a:buNone/>
-        <a:defRPr sz="1400" b="0" i="0" u="none" strike="noStrike" cap="none">
+        <a:defRPr b="0" i="0" sz="1400" u="none" cap="none" strike="noStrike">
           <a:solidFill>
             <a:srgbClr val="000000"/>
           </a:solidFill>
@@ -5144,7 +4817,7 @@
           <a:sym typeface="Arial"/>
         </a:defRPr>
       </a:lvl7pPr>
-      <a:lvl8pPr marR="0" lvl="7" algn="l" rtl="0">
+      <a:lvl8pPr lvl="7" marR="0" rtl="0" algn="l">
         <a:lnSpc>
           <a:spcPct val="100000"/>
         </a:lnSpc>
@@ -5155,7 +4828,7 @@
           <a:spcPts val="0"/>
         </a:spcAft>
         <a:buNone/>
-        <a:defRPr sz="1400" b="0" i="0" u="none" strike="noStrike" cap="none">
+        <a:defRPr b="0" i="0" sz="1400" u="none" cap="none" strike="noStrike">
           <a:solidFill>
             <a:srgbClr val="000000"/>
           </a:solidFill>
@@ -5165,7 +4838,7 @@
           <a:sym typeface="Arial"/>
         </a:defRPr>
       </a:lvl8pPr>
-      <a:lvl9pPr marR="0" lvl="8" algn="l" rtl="0">
+      <a:lvl9pPr lvl="8" marR="0" rtl="0" algn="l">
         <a:lnSpc>
           <a:spcPct val="100000"/>
         </a:lnSpc>
@@ -5176,7 +4849,7 @@
           <a:spcPts val="0"/>
         </a:spcAft>
         <a:buNone/>
-        <a:defRPr sz="1400" b="0" i="0" u="none" strike="noStrike" cap="none">
+        <a:defRPr b="0" i="0" sz="1400" u="none" cap="none" strike="noStrike">
           <a:solidFill>
             <a:srgbClr val="000000"/>
           </a:solidFill>
@@ -5188,7 +4861,7 @@
       </a:lvl9pPr>
     </p:bodyStyle>
     <p:otherStyle>
-      <a:defPPr marR="0" lvl="0" algn="l" rtl="0">
+      <a:defPPr lvl="0" marR="0" rtl="0" algn="l">
         <a:lnSpc>
           <a:spcPct val="100000"/>
         </a:lnSpc>
@@ -5199,7 +4872,7 @@
           <a:spcPts val="0"/>
         </a:spcAft>
       </a:defPPr>
-      <a:lvl1pPr marR="0" lvl="0" algn="l" rtl="0">
+      <a:lvl1pPr lvl="0" marR="0" rtl="0" algn="l">
         <a:lnSpc>
           <a:spcPct val="100000"/>
         </a:lnSpc>
@@ -5210,7 +4883,7 @@
           <a:spcPts val="0"/>
         </a:spcAft>
         <a:buNone/>
-        <a:defRPr sz="1400" b="0" i="0" u="none" strike="noStrike" cap="none">
+        <a:defRPr b="0" i="0" sz="1400" u="none" cap="none" strike="noStrike">
           <a:solidFill>
             <a:srgbClr val="000000"/>
           </a:solidFill>
@@ -5220,7 +4893,7 @@
           <a:sym typeface="Arial"/>
         </a:defRPr>
       </a:lvl1pPr>
-      <a:lvl2pPr marR="0" lvl="1" algn="l" rtl="0">
+      <a:lvl2pPr lvl="1" marR="0" rtl="0" algn="l">
         <a:lnSpc>
           <a:spcPct val="100000"/>
         </a:lnSpc>
@@ -5231,7 +4904,7 @@
           <a:spcPts val="0"/>
         </a:spcAft>
         <a:buNone/>
-        <a:defRPr sz="1400" b="0" i="0" u="none" strike="noStrike" cap="none">
+        <a:defRPr b="0" i="0" sz="1400" u="none" cap="none" strike="noStrike">
           <a:solidFill>
             <a:srgbClr val="000000"/>
           </a:solidFill>
@@ -5241,7 +4914,7 @@
           <a:sym typeface="Arial"/>
         </a:defRPr>
       </a:lvl2pPr>
-      <a:lvl3pPr marR="0" lvl="2" algn="l" rtl="0">
+      <a:lvl3pPr lvl="2" marR="0" rtl="0" algn="l">
         <a:lnSpc>
           <a:spcPct val="100000"/>
         </a:lnSpc>
@@ -5252,7 +4925,7 @@
           <a:spcPts val="0"/>
         </a:spcAft>
         <a:buNone/>
-        <a:defRPr sz="1400" b="0" i="0" u="none" strike="noStrike" cap="none">
+        <a:defRPr b="0" i="0" sz="1400" u="none" cap="none" strike="noStrike">
           <a:solidFill>
             <a:srgbClr val="000000"/>
           </a:solidFill>
@@ -5262,7 +4935,7 @@
           <a:sym typeface="Arial"/>
         </a:defRPr>
       </a:lvl3pPr>
-      <a:lvl4pPr marR="0" lvl="3" algn="l" rtl="0">
+      <a:lvl4pPr lvl="3" marR="0" rtl="0" algn="l">
         <a:lnSpc>
           <a:spcPct val="100000"/>
         </a:lnSpc>
@@ -5273,7 +4946,7 @@
           <a:spcPts val="0"/>
         </a:spcAft>
         <a:buNone/>
-        <a:defRPr sz="1400" b="0" i="0" u="none" strike="noStrike" cap="none">
+        <a:defRPr b="0" i="0" sz="1400" u="none" cap="none" strike="noStrike">
           <a:solidFill>
             <a:srgbClr val="000000"/>
           </a:solidFill>
@@ -5283,7 +4956,7 @@
           <a:sym typeface="Arial"/>
         </a:defRPr>
       </a:lvl4pPr>
-      <a:lvl5pPr marR="0" lvl="4" algn="l" rtl="0">
+      <a:lvl5pPr lvl="4" marR="0" rtl="0" algn="l">
         <a:lnSpc>
           <a:spcPct val="100000"/>
         </a:lnSpc>
@@ -5294,7 +4967,7 @@
           <a:spcPts val="0"/>
         </a:spcAft>
         <a:buNone/>
-        <a:defRPr sz="1400" b="0" i="0" u="none" strike="noStrike" cap="none">
+        <a:defRPr b="0" i="0" sz="1400" u="none" cap="none" strike="noStrike">
           <a:solidFill>
             <a:srgbClr val="000000"/>
           </a:solidFill>
@@ -5304,7 +4977,7 @@
           <a:sym typeface="Arial"/>
         </a:defRPr>
       </a:lvl5pPr>
-      <a:lvl6pPr marR="0" lvl="5" algn="l" rtl="0">
+      <a:lvl6pPr lvl="5" marR="0" rtl="0" algn="l">
         <a:lnSpc>
           <a:spcPct val="100000"/>
         </a:lnSpc>
@@ -5315,7 +4988,7 @@
           <a:spcPts val="0"/>
         </a:spcAft>
         <a:buNone/>
-        <a:defRPr sz="1400" b="0" i="0" u="none" strike="noStrike" cap="none">
+        <a:defRPr b="0" i="0" sz="1400" u="none" cap="none" strike="noStrike">
           <a:solidFill>
             <a:srgbClr val="000000"/>
           </a:solidFill>
@@ -5325,7 +4998,7 @@
           <a:sym typeface="Arial"/>
         </a:defRPr>
       </a:lvl6pPr>
-      <a:lvl7pPr marR="0" lvl="6" algn="l" rtl="0">
+      <a:lvl7pPr lvl="6" marR="0" rtl="0" algn="l">
         <a:lnSpc>
           <a:spcPct val="100000"/>
         </a:lnSpc>
@@ -5336,7 +5009,7 @@
           <a:spcPts val="0"/>
         </a:spcAft>
         <a:buNone/>
-        <a:defRPr sz="1400" b="0" i="0" u="none" strike="noStrike" cap="none">
+        <a:defRPr b="0" i="0" sz="1400" u="none" cap="none" strike="noStrike">
           <a:solidFill>
             <a:srgbClr val="000000"/>
           </a:solidFill>
@@ -5346,7 +5019,7 @@
           <a:sym typeface="Arial"/>
         </a:defRPr>
       </a:lvl7pPr>
-      <a:lvl8pPr marR="0" lvl="7" algn="l" rtl="0">
+      <a:lvl8pPr lvl="7" marR="0" rtl="0" algn="l">
         <a:lnSpc>
           <a:spcPct val="100000"/>
         </a:lnSpc>
@@ -5357,7 +5030,7 @@
           <a:spcPts val="0"/>
         </a:spcAft>
         <a:buNone/>
-        <a:defRPr sz="1400" b="0" i="0" u="none" strike="noStrike" cap="none">
+        <a:defRPr b="0" i="0" sz="1400" u="none" cap="none" strike="noStrike">
           <a:solidFill>
             <a:srgbClr val="000000"/>
           </a:solidFill>
@@ -5367,7 +5040,7 @@
           <a:sym typeface="Arial"/>
         </a:defRPr>
       </a:lvl8pPr>
-      <a:lvl9pPr marR="0" lvl="8" algn="l" rtl="0">
+      <a:lvl9pPr lvl="8" marR="0" rtl="0" algn="l">
         <a:lnSpc>
           <a:spcPct val="100000"/>
         </a:lnSpc>
@@ -5378,7 +5051,7 @@
           <a:spcPts val="0"/>
         </a:spcAft>
         <a:buNone/>
-        <a:defRPr sz="1400" b="0" i="0" u="none" strike="noStrike" cap="none">
+        <a:defRPr b="0" i="0" sz="1400" u="none" cap="none" strike="noStrike">
           <a:solidFill>
             <a:srgbClr val="000000"/>
           </a:solidFill>
@@ -5394,11 +5067,11 @@
 </file>
 
 <file path=ppt/slides/slide1.xml><?xml version="1.0" encoding="utf-8"?>
-<p:sld xmlns:a="http://schemas.openxmlformats.org/drawingml/2006/main" xmlns:r="http://schemas.openxmlformats.org/officeDocument/2006/relationships" xmlns:p="http://schemas.openxmlformats.org/presentationml/2006/main">
+<p:sld xmlns:a="http://schemas.openxmlformats.org/drawingml/2006/main" xmlns:r="http://schemas.openxmlformats.org/officeDocument/2006/relationships" xmlns:mc="http://schemas.openxmlformats.org/markup-compatibility/2006" xmlns:mv="urn:schemas-microsoft-com:mac:vml" xmlns:p="http://schemas.openxmlformats.org/presentationml/2006/main" xmlns:c="http://schemas.openxmlformats.org/drawingml/2006/chart" xmlns:dgm="http://schemas.openxmlformats.org/drawingml/2006/diagram" xmlns:o="urn:schemas-microsoft-com:office:office" xmlns:v="urn:schemas-microsoft-com:vml" xmlns:pvml="urn:schemas-microsoft-com:office:powerpoint" xmlns:com="http://schemas.openxmlformats.org/drawingml/2006/compatibility" xmlns:p14="http://schemas.microsoft.com/office/powerpoint/2010/main" xmlns:p15="http://schemas.microsoft.com/office/powerpoint/2012/main">
   <p:cSld>
     <p:spTree>
       <p:nvGrpSpPr>
-        <p:cNvPr id="1" name="Shape 62"/>
+        <p:cNvPr id="62" name="Shape 62"/>
         <p:cNvGrpSpPr/>
         <p:nvPr/>
       </p:nvGrpSpPr>
@@ -5413,9 +5086,7 @@
       <p:sp>
         <p:nvSpPr>
           <p:cNvPr id="63" name="Shape 63"/>
-          <p:cNvSpPr txBox="1">
-            <a:spLocks noGrp="1"/>
-          </p:cNvSpPr>
+          <p:cNvSpPr txBox="1"/>
           <p:nvPr>
             <p:ph type="ctrTitle"/>
           </p:nvPr>
@@ -5430,7 +5101,7 @@
           </a:prstGeom>
         </p:spPr>
         <p:txBody>
-          <a:bodyPr wrap="square" lIns="91425" tIns="91425" rIns="91425" bIns="91425" anchor="b" anchorCtr="0">
+          <a:bodyPr anchorCtr="0" anchor="b" bIns="91425" lIns="91425" rIns="91425" wrap="square" tIns="91425">
             <a:noAutofit/>
           </a:bodyPr>
           <a:lstStyle/>
@@ -5451,11 +5122,9 @@
       <p:sp>
         <p:nvSpPr>
           <p:cNvPr id="64" name="Shape 64"/>
-          <p:cNvSpPr txBox="1">
-            <a:spLocks noGrp="1"/>
-          </p:cNvSpPr>
+          <p:cNvSpPr txBox="1"/>
           <p:nvPr>
-            <p:ph type="subTitle" idx="1"/>
+            <p:ph idx="1" type="subTitle"/>
           </p:nvPr>
         </p:nvSpPr>
         <p:spPr>
@@ -5468,7 +5137,7 @@
           </a:prstGeom>
         </p:spPr>
         <p:txBody>
-          <a:bodyPr wrap="square" lIns="91425" tIns="91425" rIns="91425" bIns="91425" anchor="t" anchorCtr="0">
+          <a:bodyPr anchorCtr="0" anchor="t" bIns="91425" lIns="91425" rIns="91425" wrap="square" tIns="91425">
             <a:noAutofit/>
           </a:bodyPr>
           <a:lstStyle/>
@@ -5495,11 +5164,11 @@
 </file>
 
 <file path=ppt/slides/slide2.xml><?xml version="1.0" encoding="utf-8"?>
-<p:sld xmlns:a="http://schemas.openxmlformats.org/drawingml/2006/main" xmlns:r="http://schemas.openxmlformats.org/officeDocument/2006/relationships" xmlns:p="http://schemas.openxmlformats.org/presentationml/2006/main">
+<p:sld xmlns:a="http://schemas.openxmlformats.org/drawingml/2006/main" xmlns:r="http://schemas.openxmlformats.org/officeDocument/2006/relationships" xmlns:mc="http://schemas.openxmlformats.org/markup-compatibility/2006" xmlns:mv="urn:schemas-microsoft-com:mac:vml" xmlns:p="http://schemas.openxmlformats.org/presentationml/2006/main" xmlns:c="http://schemas.openxmlformats.org/drawingml/2006/chart" xmlns:dgm="http://schemas.openxmlformats.org/drawingml/2006/diagram" xmlns:o="urn:schemas-microsoft-com:office:office" xmlns:v="urn:schemas-microsoft-com:vml" xmlns:pvml="urn:schemas-microsoft-com:office:powerpoint" xmlns:com="http://schemas.openxmlformats.org/drawingml/2006/compatibility" xmlns:p14="http://schemas.microsoft.com/office/powerpoint/2010/main" xmlns:p15="http://schemas.microsoft.com/office/powerpoint/2012/main">
   <p:cSld>
     <p:spTree>
       <p:nvGrpSpPr>
-        <p:cNvPr id="1" name="Shape 68"/>
+        <p:cNvPr id="68" name="Shape 68"/>
         <p:cNvGrpSpPr/>
         <p:nvPr/>
       </p:nvGrpSpPr>
@@ -5514,9 +5183,7 @@
       <p:sp>
         <p:nvSpPr>
           <p:cNvPr id="69" name="Shape 69"/>
-          <p:cNvSpPr txBox="1">
-            <a:spLocks noGrp="1"/>
-          </p:cNvSpPr>
+          <p:cNvSpPr txBox="1"/>
           <p:nvPr>
             <p:ph type="title"/>
           </p:nvPr>
@@ -5531,7 +5198,7 @@
           </a:prstGeom>
         </p:spPr>
         <p:txBody>
-          <a:bodyPr wrap="square" lIns="91425" tIns="91425" rIns="91425" bIns="91425" anchor="b" anchorCtr="0">
+          <a:bodyPr anchorCtr="0" anchor="b" bIns="91425" lIns="91425" rIns="91425" wrap="square" tIns="91425">
             <a:noAutofit/>
           </a:bodyPr>
           <a:lstStyle/>
@@ -5552,11 +5219,9 @@
       <p:sp>
         <p:nvSpPr>
           <p:cNvPr id="70" name="Shape 70"/>
-          <p:cNvSpPr txBox="1">
-            <a:spLocks noGrp="1"/>
-          </p:cNvSpPr>
+          <p:cNvSpPr txBox="1"/>
           <p:nvPr>
-            <p:ph type="body" idx="1"/>
+            <p:ph idx="1" type="body"/>
           </p:nvPr>
         </p:nvSpPr>
         <p:spPr>
@@ -5569,7 +5234,7 @@
           </a:prstGeom>
         </p:spPr>
         <p:txBody>
-          <a:bodyPr wrap="square" lIns="91425" tIns="91425" rIns="91425" bIns="91425" anchor="t" anchorCtr="0">
+          <a:bodyPr anchorCtr="0" anchor="t" bIns="91425" lIns="91425" rIns="91425" wrap="square" tIns="91425">
             <a:noAutofit/>
           </a:bodyPr>
           <a:lstStyle/>
@@ -5602,23 +5267,23 @@
                   <a:schemeClr val="dk1"/>
                 </a:solidFill>
               </a:rPr>
-              <a:t>Usage:	Prediction for quantitative trading and high frequency trading strategy</a:t>
-            </a:r>
-          </a:p>
-          <a:p>
-            <a:pPr lvl="0" rtl="0">
-              <a:spcBef>
-                <a:spcPts val="0"/>
-              </a:spcBef>
-              <a:buNone/>
-            </a:pPr>
+              <a:t>Usage:	</a:t>
+            </a:r>
             <a:r>
               <a:rPr lang="en">
                 <a:solidFill>
                   <a:schemeClr val="dk1"/>
                 </a:solidFill>
               </a:rPr>
-              <a:t>	Eg.: Given a stock and a particular timeframe, predict the following trend price and its possibility based on time scale (per day). Results will show as a line chart with values like open price, close price, low/high, trading volume</a:t>
+              <a:t>Prediction for quantitative trading </a:t>
+            </a:r>
+            <a:r>
+              <a:rPr lang="en">
+                <a:solidFill>
+                  <a:schemeClr val="dk1"/>
+                </a:solidFill>
+              </a:rPr>
+              <a:t>and high frequency trading strategy</a:t>
             </a:r>
           </a:p>
           <a:p>
@@ -5628,6 +5293,45 @@
               </a:spcBef>
               <a:buNone/>
             </a:pPr>
+            <a:r>
+              <a:rPr lang="en">
+                <a:solidFill>
+                  <a:schemeClr val="dk1"/>
+                </a:solidFill>
+              </a:rPr>
+              <a:t>	E</a:t>
+            </a:r>
+            <a:r>
+              <a:rPr lang="en">
+                <a:solidFill>
+                  <a:schemeClr val="dk1"/>
+                </a:solidFill>
+              </a:rPr>
+              <a:t>g.: Given a stock and a particular timeframe, predict the following trend price and its </a:t>
+            </a:r>
+            <a:r>
+              <a:rPr lang="en"/>
+              <a:t>probability</a:t>
+            </a:r>
+            <a:r>
+              <a:rPr lang="en">
+                <a:solidFill>
+                  <a:schemeClr val="dk1"/>
+                </a:solidFill>
+              </a:rPr>
+              <a:t> based on time scale (per day). Results will show as a line chart with values like open price, close price, low/high, trading volume</a:t>
+            </a:r>
+          </a:p>
+          <a:p>
+            <a:pPr lvl="0" rtl="0">
+              <a:spcBef>
+                <a:spcPts val="0"/>
+              </a:spcBef>
+              <a:buNone/>
+            </a:pPr>
+            <a:r>
+              <a:t/>
+            </a:r>
             <a:endParaRPr>
               <a:solidFill>
                 <a:schemeClr val="dk1"/>
@@ -5641,6 +5345,9 @@
               </a:spcBef>
               <a:buNone/>
             </a:pPr>
+            <a:r>
+              <a:t/>
+            </a:r>
             <a:endParaRPr>
               <a:solidFill>
                 <a:schemeClr val="dk1"/>
@@ -5658,11 +5365,11 @@
 </file>
 
 <file path=ppt/slides/slide3.xml><?xml version="1.0" encoding="utf-8"?>
-<p:sld xmlns:a="http://schemas.openxmlformats.org/drawingml/2006/main" xmlns:r="http://schemas.openxmlformats.org/officeDocument/2006/relationships" xmlns:p="http://schemas.openxmlformats.org/presentationml/2006/main">
+<p:sld xmlns:a="http://schemas.openxmlformats.org/drawingml/2006/main" xmlns:r="http://schemas.openxmlformats.org/officeDocument/2006/relationships" xmlns:mc="http://schemas.openxmlformats.org/markup-compatibility/2006" xmlns:mv="urn:schemas-microsoft-com:mac:vml" xmlns:p="http://schemas.openxmlformats.org/presentationml/2006/main" xmlns:c="http://schemas.openxmlformats.org/drawingml/2006/chart" xmlns:dgm="http://schemas.openxmlformats.org/drawingml/2006/diagram" xmlns:o="urn:schemas-microsoft-com:office:office" xmlns:v="urn:schemas-microsoft-com:vml" xmlns:pvml="urn:schemas-microsoft-com:office:powerpoint" xmlns:com="http://schemas.openxmlformats.org/drawingml/2006/compatibility" xmlns:p14="http://schemas.microsoft.com/office/powerpoint/2010/main" xmlns:p15="http://schemas.microsoft.com/office/powerpoint/2012/main">
   <p:cSld>
     <p:spTree>
       <p:nvGrpSpPr>
-        <p:cNvPr id="1" name="Shape 74"/>
+        <p:cNvPr id="74" name="Shape 74"/>
         <p:cNvGrpSpPr/>
         <p:nvPr/>
       </p:nvGrpSpPr>
@@ -5677,9 +5384,7 @@
       <p:sp>
         <p:nvSpPr>
           <p:cNvPr id="75" name="Shape 75"/>
-          <p:cNvSpPr txBox="1">
-            <a:spLocks noGrp="1"/>
-          </p:cNvSpPr>
+          <p:cNvSpPr txBox="1"/>
           <p:nvPr>
             <p:ph type="title"/>
           </p:nvPr>
@@ -5694,7 +5399,7 @@
           </a:prstGeom>
         </p:spPr>
         <p:txBody>
-          <a:bodyPr wrap="square" lIns="91425" tIns="91425" rIns="91425" bIns="91425" anchor="b" anchorCtr="0">
+          <a:bodyPr anchorCtr="0" anchor="b" bIns="91425" lIns="91425" rIns="91425" wrap="square" tIns="91425">
             <a:noAutofit/>
           </a:bodyPr>
           <a:lstStyle/>
@@ -5706,7 +5411,7 @@
               <a:buNone/>
             </a:pPr>
             <a:r>
-              <a:rPr lang="en" dirty="0"/>
+              <a:rPr lang="en"/>
               <a:t>Methodology</a:t>
             </a:r>
           </a:p>
@@ -5715,11 +5420,9 @@
       <p:sp>
         <p:nvSpPr>
           <p:cNvPr id="76" name="Shape 76"/>
-          <p:cNvSpPr txBox="1">
-            <a:spLocks noGrp="1"/>
-          </p:cNvSpPr>
+          <p:cNvSpPr txBox="1"/>
           <p:nvPr>
-            <p:ph type="body" idx="1"/>
+            <p:ph idx="1" type="body"/>
           </p:nvPr>
         </p:nvSpPr>
         <p:spPr>
@@ -5732,14 +5435,14 @@
           </a:prstGeom>
         </p:spPr>
         <p:txBody>
-          <a:bodyPr wrap="square" lIns="91425" tIns="91425" rIns="91425" bIns="91425" anchor="t" anchorCtr="0">
+          <a:bodyPr anchorCtr="0" anchor="t" bIns="91425" lIns="91425" rIns="91425" wrap="square" tIns="91425">
             <a:noAutofit/>
           </a:bodyPr>
           <a:lstStyle/>
           <a:p>
-            <a:pPr marL="457200" lvl="0" indent="-342900" rtl="0">
-              <a:spcBef>
-                <a:spcPts val="1200"/>
+            <a:pPr indent="-342900" lvl="0" marL="457200" rtl="0">
+              <a:spcBef>
+                <a:spcPts val="0"/>
               </a:spcBef>
               <a:spcAft>
                 <a:spcPts val="0"/>
@@ -5750,18 +5453,26 @@
               <a:buAutoNum type="arabicPeriod"/>
             </a:pPr>
             <a:r>
-              <a:rPr lang="en" dirty="0">
+              <a:rPr lang="en">
                 <a:solidFill>
                   <a:schemeClr val="dk1"/>
                 </a:solidFill>
               </a:rPr>
-              <a:t>Focus on some main factors that will influence the price and get relevant dataset. (Market Price, Ask, Bid, Market Cap, PE Ratio, EPS, Volume and historical Financial Statement)</a:t>
+              <a:t>Focus on some main factors that will influence the price and get </a:t>
+            </a:r>
+            <a:r>
+              <a:rPr lang="en">
+                <a:solidFill>
+                  <a:schemeClr val="dk1"/>
+                </a:solidFill>
+              </a:rPr>
+              <a:t>relevant dataset. (Market Price, Ask, Bid, Market Cap, PE Ratio, EPS, Volume and historical Financial Statement)</a:t>
             </a:r>
           </a:p>
           <a:p>
-            <a:pPr marL="457200" lvl="0" indent="-342900" rtl="0">
-              <a:spcBef>
-                <a:spcPts val="1200"/>
+            <a:pPr indent="-342900" lvl="0" marL="457200" rtl="0">
+              <a:spcBef>
+                <a:spcPts val="0"/>
               </a:spcBef>
               <a:spcAft>
                 <a:spcPts val="0"/>
@@ -5772,19 +5483,19 @@
               <a:buAutoNum type="arabicPeriod"/>
             </a:pPr>
             <a:r>
-              <a:rPr lang="en" dirty="0"/>
+              <a:rPr lang="en"/>
               <a:t>Train the data science models and pick the best one based on performance</a:t>
             </a:r>
           </a:p>
           <a:p>
-            <a:pPr marL="457200" lvl="0" indent="-342900">
-              <a:spcBef>
-                <a:spcPts val="1200"/>
+            <a:pPr indent="-342900" lvl="0" marL="457200">
+              <a:spcBef>
+                <a:spcPts val="0"/>
               </a:spcBef>
               <a:buAutoNum type="arabicPeriod"/>
             </a:pPr>
             <a:r>
-              <a:rPr lang="en" dirty="0"/>
+              <a:rPr lang="en"/>
               <a:t>Visualization using Zeppelin</a:t>
             </a:r>
           </a:p>
@@ -5799,11 +5510,11 @@
 </file>
 
 <file path=ppt/slides/slide4.xml><?xml version="1.0" encoding="utf-8"?>
-<p:sld xmlns:a="http://schemas.openxmlformats.org/drawingml/2006/main" xmlns:r="http://schemas.openxmlformats.org/officeDocument/2006/relationships" xmlns:p="http://schemas.openxmlformats.org/presentationml/2006/main">
+<p:sld xmlns:a="http://schemas.openxmlformats.org/drawingml/2006/main" xmlns:r="http://schemas.openxmlformats.org/officeDocument/2006/relationships" xmlns:mc="http://schemas.openxmlformats.org/markup-compatibility/2006" xmlns:mv="urn:schemas-microsoft-com:mac:vml" xmlns:p="http://schemas.openxmlformats.org/presentationml/2006/main" xmlns:c="http://schemas.openxmlformats.org/drawingml/2006/chart" xmlns:dgm="http://schemas.openxmlformats.org/drawingml/2006/diagram" xmlns:o="urn:schemas-microsoft-com:office:office" xmlns:v="urn:schemas-microsoft-com:vml" xmlns:pvml="urn:schemas-microsoft-com:office:powerpoint" xmlns:com="http://schemas.openxmlformats.org/drawingml/2006/compatibility" xmlns:p14="http://schemas.microsoft.com/office/powerpoint/2010/main" xmlns:p15="http://schemas.microsoft.com/office/powerpoint/2012/main">
   <p:cSld>
     <p:spTree>
       <p:nvGrpSpPr>
-        <p:cNvPr id="1" name="Shape 80"/>
+        <p:cNvPr id="80" name="Shape 80"/>
         <p:cNvGrpSpPr/>
         <p:nvPr/>
       </p:nvGrpSpPr>
@@ -5818,9 +5529,7 @@
       <p:sp>
         <p:nvSpPr>
           <p:cNvPr id="81" name="Shape 81"/>
-          <p:cNvSpPr txBox="1">
-            <a:spLocks noGrp="1"/>
-          </p:cNvSpPr>
+          <p:cNvSpPr txBox="1"/>
           <p:nvPr>
             <p:ph type="title"/>
           </p:nvPr>
@@ -5835,7 +5544,7 @@
           </a:prstGeom>
         </p:spPr>
         <p:txBody>
-          <a:bodyPr wrap="square" lIns="91425" tIns="91425" rIns="91425" bIns="91425" anchor="b" anchorCtr="0">
+          <a:bodyPr anchorCtr="0" anchor="b" bIns="91425" lIns="91425" rIns="91425" wrap="square" tIns="91425">
             <a:noAutofit/>
           </a:bodyPr>
           <a:lstStyle/>
@@ -5856,11 +5565,9 @@
       <p:sp>
         <p:nvSpPr>
           <p:cNvPr id="82" name="Shape 82"/>
-          <p:cNvSpPr txBox="1">
-            <a:spLocks noGrp="1"/>
-          </p:cNvSpPr>
+          <p:cNvSpPr txBox="1"/>
           <p:nvPr>
-            <p:ph type="body" idx="1"/>
+            <p:ph idx="1" type="body"/>
           </p:nvPr>
         </p:nvSpPr>
         <p:spPr>
@@ -5873,12 +5580,12 @@
           </a:prstGeom>
         </p:spPr>
         <p:txBody>
-          <a:bodyPr wrap="square" lIns="91425" tIns="91425" rIns="91425" bIns="91425" anchor="t" anchorCtr="0">
+          <a:bodyPr anchorCtr="0" anchor="t" bIns="91425" lIns="91425" rIns="91425" wrap="square" tIns="91425">
             <a:noAutofit/>
           </a:bodyPr>
           <a:lstStyle/>
           <a:p>
-            <a:pPr marL="457200" lvl="0" indent="-342900" rtl="0">
+            <a:pPr indent="-342900" lvl="0" marL="457200" rtl="0">
               <a:lnSpc>
                 <a:spcPct val="115000"/>
               </a:lnSpc>
@@ -5899,7 +5606,7 @@
               <a:t>New York Stock Exchange S&amp;P 500 Companies historical prices with fundamental data:</a:t>
             </a:r>
             <a:r>
-              <a:rPr lang="en" i="1">
+              <a:rPr i="1" lang="en">
                 <a:solidFill>
                   <a:schemeClr val="dk1"/>
                 </a:solidFill>
@@ -5908,7 +5615,7 @@
             </a:r>
           </a:p>
           <a:p>
-            <a:pPr lvl="0" indent="457200" rtl="0">
+            <a:pPr indent="457200" lvl="0" rtl="0">
               <a:lnSpc>
                 <a:spcPct val="115000"/>
               </a:lnSpc>
@@ -5918,7 +5625,7 @@
               <a:buNone/>
             </a:pPr>
             <a:r>
-              <a:rPr lang="en" i="1">
+              <a:rPr i="1" lang="en">
                 <a:solidFill>
                   <a:schemeClr val="hlink"/>
                 </a:solidFill>
@@ -5928,7 +5635,7 @@
             </a:r>
           </a:p>
           <a:p>
-            <a:pPr marL="457200" lvl="0" indent="-342900" rtl="0">
+            <a:pPr indent="-342900" lvl="0" marL="457200" rtl="0">
               <a:lnSpc>
                 <a:spcPct val="115000"/>
               </a:lnSpc>
@@ -5950,7 +5657,7 @@
             </a:r>
           </a:p>
           <a:p>
-            <a:pPr lvl="0" indent="457200">
+            <a:pPr indent="457200" lvl="0">
               <a:lnSpc>
                 <a:spcPct val="115000"/>
               </a:lnSpc>
@@ -5960,7 +5667,7 @@
               <a:buNone/>
             </a:pPr>
             <a:r>
-              <a:rPr lang="en" i="1">
+              <a:rPr i="1" lang="en">
                 <a:solidFill>
                   <a:srgbClr val="4285F4"/>
                 </a:solidFill>
@@ -5979,11 +5686,11 @@
 </file>
 
 <file path=ppt/slides/slide5.xml><?xml version="1.0" encoding="utf-8"?>
-<p:sld xmlns:a="http://schemas.openxmlformats.org/drawingml/2006/main" xmlns:r="http://schemas.openxmlformats.org/officeDocument/2006/relationships" xmlns:p="http://schemas.openxmlformats.org/presentationml/2006/main">
+<p:sld xmlns:a="http://schemas.openxmlformats.org/drawingml/2006/main" xmlns:r="http://schemas.openxmlformats.org/officeDocument/2006/relationships" xmlns:mc="http://schemas.openxmlformats.org/markup-compatibility/2006" xmlns:mv="urn:schemas-microsoft-com:mac:vml" xmlns:p="http://schemas.openxmlformats.org/presentationml/2006/main" xmlns:c="http://schemas.openxmlformats.org/drawingml/2006/chart" xmlns:dgm="http://schemas.openxmlformats.org/drawingml/2006/diagram" xmlns:o="urn:schemas-microsoft-com:office:office" xmlns:v="urn:schemas-microsoft-com:vml" xmlns:pvml="urn:schemas-microsoft-com:office:powerpoint" xmlns:com="http://schemas.openxmlformats.org/drawingml/2006/compatibility" xmlns:p14="http://schemas.microsoft.com/office/powerpoint/2010/main" xmlns:p15="http://schemas.microsoft.com/office/powerpoint/2012/main">
   <p:cSld>
     <p:spTree>
       <p:nvGrpSpPr>
-        <p:cNvPr id="1" name="Shape 86"/>
+        <p:cNvPr id="86" name="Shape 86"/>
         <p:cNvGrpSpPr/>
         <p:nvPr/>
       </p:nvGrpSpPr>
@@ -5998,9 +5705,7 @@
       <p:sp>
         <p:nvSpPr>
           <p:cNvPr id="87" name="Shape 87"/>
-          <p:cNvSpPr txBox="1">
-            <a:spLocks noGrp="1"/>
-          </p:cNvSpPr>
+          <p:cNvSpPr txBox="1"/>
           <p:nvPr>
             <p:ph type="title"/>
           </p:nvPr>
@@ -6015,7 +5720,7 @@
           </a:prstGeom>
         </p:spPr>
         <p:txBody>
-          <a:bodyPr wrap="square" lIns="91425" tIns="91425" rIns="91425" bIns="91425" anchor="b" anchorCtr="0">
+          <a:bodyPr anchorCtr="0" anchor="b" bIns="91425" lIns="91425" rIns="91425" wrap="square" tIns="91425">
             <a:noAutofit/>
           </a:bodyPr>
           <a:lstStyle/>
@@ -6048,14 +5753,14 @@
             <a:avLst/>
           </a:prstGeom>
           <a:noFill/>
-          <a:ln w="38100" cap="flat" cmpd="sng">
+          <a:ln cap="flat" cmpd="sng" w="38100">
             <a:solidFill>
               <a:srgbClr val="FFF2CC"/>
             </a:solidFill>
             <a:prstDash val="solid"/>
             <a:round/>
-            <a:headEnd type="none" w="lg" len="lg"/>
-            <a:tailEnd type="triangle" w="lg" len="lg"/>
+            <a:headEnd len="lg" w="lg" type="none"/>
+            <a:tailEnd len="lg" w="lg" type="triangle"/>
           </a:ln>
         </p:spPr>
       </p:cxnSp>
@@ -6072,26 +5777,26 @@
           </a:xfrm>
           <a:prstGeom prst="wedgeRoundRectCallout">
             <a:avLst>
-              <a:gd name="adj1" fmla="val -8798"/>
-              <a:gd name="adj2" fmla="val 81542"/>
-              <a:gd name="adj3" fmla="val 0"/>
+              <a:gd fmla="val -8798" name="adj1"/>
+              <a:gd fmla="val 81542" name="adj2"/>
+              <a:gd fmla="val 0" name="adj3"/>
             </a:avLst>
           </a:prstGeom>
           <a:solidFill>
             <a:srgbClr val="F3F3F3"/>
           </a:solidFill>
-          <a:ln w="9525" cap="flat" cmpd="sng">
+          <a:ln cap="flat" cmpd="sng" w="9525">
             <a:solidFill>
               <a:schemeClr val="dk2"/>
             </a:solidFill>
             <a:prstDash val="solid"/>
             <a:round/>
-            <a:headEnd type="none" w="med" len="med"/>
-            <a:tailEnd type="none" w="med" len="med"/>
+            <a:headEnd len="med" w="med" type="none"/>
+            <a:tailEnd len="med" w="med" type="none"/>
           </a:ln>
         </p:spPr>
         <p:txBody>
-          <a:bodyPr wrap="square" lIns="91425" tIns="91425" rIns="91425" bIns="91425" anchor="ctr" anchorCtr="0">
+          <a:bodyPr anchorCtr="0" anchor="ctr" bIns="91425" lIns="91425" rIns="91425" wrap="square" tIns="91425">
             <a:noAutofit/>
           </a:bodyPr>
           <a:lstStyle/>
@@ -6129,7 +5834,7 @@
           </a:ln>
         </p:spPr>
         <p:txBody>
-          <a:bodyPr wrap="square" lIns="91425" tIns="91425" rIns="91425" bIns="91425" anchor="t" anchorCtr="0">
+          <a:bodyPr anchorCtr="0" anchor="t" bIns="91425" lIns="91425" rIns="91425" wrap="square" tIns="91425">
             <a:noAutofit/>
           </a:bodyPr>
           <a:lstStyle/>
@@ -6171,7 +5876,7 @@
           </a:ln>
         </p:spPr>
         <p:txBody>
-          <a:bodyPr wrap="square" lIns="91425" tIns="91425" rIns="91425" bIns="91425" anchor="t" anchorCtr="0">
+          <a:bodyPr anchorCtr="0" anchor="t" bIns="91425" lIns="91425" rIns="91425" wrap="square" tIns="91425">
             <a:noAutofit/>
           </a:bodyPr>
           <a:lstStyle/>
@@ -6213,7 +5918,7 @@
           </a:ln>
         </p:spPr>
         <p:txBody>
-          <a:bodyPr wrap="square" lIns="91425" tIns="91425" rIns="91425" bIns="91425" anchor="t" anchorCtr="0">
+          <a:bodyPr anchorCtr="0" anchor="t" bIns="91425" lIns="91425" rIns="91425" wrap="square" tIns="91425">
             <a:noAutofit/>
           </a:bodyPr>
           <a:lstStyle/>
@@ -6255,7 +5960,7 @@
           </a:ln>
         </p:spPr>
         <p:txBody>
-          <a:bodyPr wrap="square" lIns="91425" tIns="91425" rIns="91425" bIns="91425" anchor="t" anchorCtr="0">
+          <a:bodyPr anchorCtr="0" anchor="t" bIns="91425" lIns="91425" rIns="91425" wrap="square" tIns="91425">
             <a:noAutofit/>
           </a:bodyPr>
           <a:lstStyle/>
@@ -6294,14 +5999,14 @@
             <a:avLst/>
           </a:prstGeom>
           <a:noFill/>
-          <a:ln w="9525" cap="flat" cmpd="sng">
+          <a:ln cap="flat" cmpd="sng" w="9525">
             <a:solidFill>
               <a:schemeClr val="dk2"/>
             </a:solidFill>
             <a:prstDash val="solid"/>
             <a:round/>
-            <a:headEnd type="none" w="lg" len="lg"/>
-            <a:tailEnd type="none" w="lg" len="lg"/>
+            <a:headEnd len="lg" w="lg" type="none"/>
+            <a:tailEnd len="lg" w="lg" type="none"/>
           </a:ln>
         </p:spPr>
       </p:cxnSp>
@@ -6318,26 +6023,26 @@
           </a:xfrm>
           <a:prstGeom prst="wedgeRoundRectCallout">
             <a:avLst>
-              <a:gd name="adj1" fmla="val -35237"/>
-              <a:gd name="adj2" fmla="val 83639"/>
-              <a:gd name="adj3" fmla="val 0"/>
+              <a:gd fmla="val -35237" name="adj1"/>
+              <a:gd fmla="val 83639" name="adj2"/>
+              <a:gd fmla="val 0" name="adj3"/>
             </a:avLst>
           </a:prstGeom>
           <a:solidFill>
             <a:srgbClr val="F3F3F3"/>
           </a:solidFill>
-          <a:ln w="9525" cap="flat" cmpd="sng">
+          <a:ln cap="flat" cmpd="sng" w="9525">
             <a:solidFill>
               <a:schemeClr val="dk2"/>
             </a:solidFill>
             <a:prstDash val="solid"/>
             <a:round/>
-            <a:headEnd type="none" w="med" len="med"/>
-            <a:tailEnd type="none" w="med" len="med"/>
+            <a:headEnd len="med" w="med" type="none"/>
+            <a:tailEnd len="med" w="med" type="none"/>
           </a:ln>
         </p:spPr>
         <p:txBody>
-          <a:bodyPr wrap="square" lIns="91425" tIns="91425" rIns="91425" bIns="91425" anchor="ctr" anchorCtr="0">
+          <a:bodyPr anchorCtr="0" anchor="ctr" bIns="91425" lIns="91425" rIns="91425" wrap="square" tIns="91425">
             <a:noAutofit/>
           </a:bodyPr>
           <a:lstStyle/>
@@ -6368,26 +6073,26 @@
           </a:xfrm>
           <a:prstGeom prst="wedgeRoundRectCallout">
             <a:avLst>
-              <a:gd name="adj1" fmla="val 24680"/>
-              <a:gd name="adj2" fmla="val -86639"/>
-              <a:gd name="adj3" fmla="val 0"/>
+              <a:gd fmla="val 24680" name="adj1"/>
+              <a:gd fmla="val -86639" name="adj2"/>
+              <a:gd fmla="val 0" name="adj3"/>
             </a:avLst>
           </a:prstGeom>
           <a:solidFill>
             <a:srgbClr val="F3F3F3"/>
           </a:solidFill>
-          <a:ln w="9525" cap="flat" cmpd="sng">
+          <a:ln cap="flat" cmpd="sng" w="9525">
             <a:solidFill>
               <a:schemeClr val="dk2"/>
             </a:solidFill>
             <a:prstDash val="solid"/>
             <a:round/>
-            <a:headEnd type="none" w="med" len="med"/>
-            <a:tailEnd type="none" w="med" len="med"/>
+            <a:headEnd len="med" w="med" type="none"/>
+            <a:tailEnd len="med" w="med" type="none"/>
           </a:ln>
         </p:spPr>
         <p:txBody>
-          <a:bodyPr wrap="square" lIns="91425" tIns="91425" rIns="91425" bIns="91425" anchor="ctr" anchorCtr="0">
+          <a:bodyPr anchorCtr="0" anchor="ctr" bIns="91425" lIns="91425" rIns="91425" wrap="square" tIns="91425">
             <a:noAutofit/>
           </a:bodyPr>
           <a:lstStyle/>
@@ -6418,26 +6123,26 @@
           </a:xfrm>
           <a:prstGeom prst="wedgeRoundRectCallout">
             <a:avLst>
-              <a:gd name="adj1" fmla="val 6267"/>
-              <a:gd name="adj2" fmla="val -87703"/>
-              <a:gd name="adj3" fmla="val 0"/>
+              <a:gd fmla="val 6267" name="adj1"/>
+              <a:gd fmla="val -87703" name="adj2"/>
+              <a:gd fmla="val 0" name="adj3"/>
             </a:avLst>
           </a:prstGeom>
           <a:solidFill>
             <a:srgbClr val="F3F3F3"/>
           </a:solidFill>
-          <a:ln w="9525" cap="flat" cmpd="sng">
+          <a:ln cap="flat" cmpd="sng" w="9525">
             <a:solidFill>
               <a:schemeClr val="dk2"/>
             </a:solidFill>
             <a:prstDash val="solid"/>
             <a:round/>
-            <a:headEnd type="none" w="med" len="med"/>
-            <a:tailEnd type="none" w="med" len="med"/>
+            <a:headEnd len="med" w="med" type="none"/>
+            <a:tailEnd len="med" w="med" type="none"/>
           </a:ln>
         </p:spPr>
         <p:txBody>
-          <a:bodyPr wrap="square" lIns="91425" tIns="91425" rIns="91425" bIns="91425" anchor="ctr" anchorCtr="0">
+          <a:bodyPr anchorCtr="0" anchor="ctr" bIns="91425" lIns="91425" rIns="91425" wrap="square" tIns="91425">
             <a:noAutofit/>
           </a:bodyPr>
           <a:lstStyle/>
@@ -6464,11 +6169,11 @@
 </file>
 
 <file path=ppt/slides/slide6.xml><?xml version="1.0" encoding="utf-8"?>
-<p:sld xmlns:a="http://schemas.openxmlformats.org/drawingml/2006/main" xmlns:r="http://schemas.openxmlformats.org/officeDocument/2006/relationships" xmlns:p="http://schemas.openxmlformats.org/presentationml/2006/main">
+<p:sld xmlns:a="http://schemas.openxmlformats.org/drawingml/2006/main" xmlns:r="http://schemas.openxmlformats.org/officeDocument/2006/relationships" xmlns:mc="http://schemas.openxmlformats.org/markup-compatibility/2006" xmlns:mv="urn:schemas-microsoft-com:mac:vml" xmlns:p="http://schemas.openxmlformats.org/presentationml/2006/main" xmlns:c="http://schemas.openxmlformats.org/drawingml/2006/chart" xmlns:dgm="http://schemas.openxmlformats.org/drawingml/2006/diagram" xmlns:o="urn:schemas-microsoft-com:office:office" xmlns:v="urn:schemas-microsoft-com:vml" xmlns:pvml="urn:schemas-microsoft-com:office:powerpoint" xmlns:com="http://schemas.openxmlformats.org/drawingml/2006/compatibility" xmlns:p14="http://schemas.microsoft.com/office/powerpoint/2010/main" xmlns:p15="http://schemas.microsoft.com/office/powerpoint/2012/main">
   <p:cSld>
     <p:spTree>
       <p:nvGrpSpPr>
-        <p:cNvPr id="1" name="Shape 101"/>
+        <p:cNvPr id="101" name="Shape 101"/>
         <p:cNvGrpSpPr/>
         <p:nvPr/>
       </p:nvGrpSpPr>
@@ -6483,9 +6188,7 @@
       <p:sp>
         <p:nvSpPr>
           <p:cNvPr id="102" name="Shape 102"/>
-          <p:cNvSpPr txBox="1">
-            <a:spLocks noGrp="1"/>
-          </p:cNvSpPr>
+          <p:cNvSpPr txBox="1"/>
           <p:nvPr>
             <p:ph type="title"/>
           </p:nvPr>
@@ -6500,12 +6203,12 @@
           </a:prstGeom>
         </p:spPr>
         <p:txBody>
-          <a:bodyPr wrap="square" lIns="91425" tIns="91425" rIns="91425" bIns="91425" anchor="b" anchorCtr="0">
+          <a:bodyPr anchorCtr="0" anchor="b" bIns="91425" lIns="91425" rIns="91425" wrap="square" tIns="91425">
             <a:noAutofit/>
           </a:bodyPr>
           <a:lstStyle/>
           <a:p>
-            <a:pPr marL="0" marR="0" lvl="0" indent="0" algn="l" rtl="0">
+            <a:pPr indent="0" lvl="0" marL="0" marR="0" rtl="0" algn="l">
               <a:lnSpc>
                 <a:spcPct val="100000"/>
               </a:lnSpc>
@@ -6527,11 +6230,9 @@
       <p:sp>
         <p:nvSpPr>
           <p:cNvPr id="103" name="Shape 103"/>
-          <p:cNvSpPr txBox="1">
-            <a:spLocks noGrp="1"/>
-          </p:cNvSpPr>
+          <p:cNvSpPr txBox="1"/>
           <p:nvPr>
-            <p:ph type="body" idx="1"/>
+            <p:ph idx="1" type="body"/>
           </p:nvPr>
         </p:nvSpPr>
         <p:spPr>
@@ -6544,7 +6245,7 @@
           </a:prstGeom>
         </p:spPr>
         <p:txBody>
-          <a:bodyPr wrap="square" lIns="91425" tIns="91425" rIns="91425" bIns="91425" anchor="t" anchorCtr="0">
+          <a:bodyPr anchorCtr="0" anchor="t" bIns="91425" lIns="91425" rIns="91425" wrap="square" tIns="91425">
             <a:noAutofit/>
           </a:bodyPr>
           <a:lstStyle/>
@@ -6561,7 +6262,7 @@
             </a:r>
           </a:p>
           <a:p>
-            <a:pPr marL="457200" lvl="0" indent="-342900" rtl="0">
+            <a:pPr indent="-342900" lvl="0" marL="457200" rtl="0">
               <a:spcBef>
                 <a:spcPts val="0"/>
               </a:spcBef>
@@ -6575,7 +6276,7 @@
             </a:r>
           </a:p>
           <a:p>
-            <a:pPr marL="457200" lvl="0" indent="-342900" rtl="0">
+            <a:pPr indent="-342900" lvl="0" marL="457200" rtl="0">
               <a:spcBef>
                 <a:spcPts val="0"/>
               </a:spcBef>
@@ -6589,7 +6290,7 @@
             </a:r>
           </a:p>
           <a:p>
-            <a:pPr marL="457200" lvl="0" indent="-342900" rtl="0">
+            <a:pPr indent="-342900" lvl="0" marL="457200" rtl="0">
               <a:spcBef>
                 <a:spcPts val="0"/>
               </a:spcBef>
@@ -6603,7 +6304,7 @@
             </a:r>
           </a:p>
           <a:p>
-            <a:pPr marL="457200" lvl="0" indent="-342900" rtl="0">
+            <a:pPr indent="-342900" lvl="0" marL="457200" rtl="0">
               <a:spcBef>
                 <a:spcPts val="0"/>
               </a:spcBef>
@@ -6617,7 +6318,7 @@
             </a:r>
           </a:p>
           <a:p>
-            <a:pPr marL="457200" lvl="0" indent="-342900" rtl="0">
+            <a:pPr indent="-342900" lvl="0" marL="457200" rtl="0">
               <a:spcBef>
                 <a:spcPts val="0"/>
               </a:spcBef>
@@ -6627,11 +6328,15 @@
             </a:pPr>
             <a:r>
               <a:rPr lang="en"/>
-              <a:t>Data visualization</a:t>
+              <a:t>Data </a:t>
+            </a:r>
+            <a:r>
+              <a:rPr lang="en"/>
+              <a:t>visualization</a:t>
             </a:r>
           </a:p>
           <a:p>
-            <a:pPr marL="457200" lvl="0" indent="-342900">
+            <a:pPr indent="-342900" lvl="0" marL="457200">
               <a:spcBef>
                 <a:spcPts val="0"/>
               </a:spcBef>
@@ -6673,6 +6378,9 @@
               </a:spcBef>
               <a:buNone/>
             </a:pPr>
+            <a:r>
+              <a:t/>
+            </a:r>
             <a:endParaRPr/>
           </a:p>
         </p:txBody>
@@ -6686,11 +6394,11 @@
 </file>
 
 <file path=ppt/slides/slide7.xml><?xml version="1.0" encoding="utf-8"?>
-<p:sld xmlns:a="http://schemas.openxmlformats.org/drawingml/2006/main" xmlns:r="http://schemas.openxmlformats.org/officeDocument/2006/relationships" xmlns:p="http://schemas.openxmlformats.org/presentationml/2006/main">
+<p:sld xmlns:a="http://schemas.openxmlformats.org/drawingml/2006/main" xmlns:r="http://schemas.openxmlformats.org/officeDocument/2006/relationships" xmlns:mc="http://schemas.openxmlformats.org/markup-compatibility/2006" xmlns:mv="urn:schemas-microsoft-com:mac:vml" xmlns:p="http://schemas.openxmlformats.org/presentationml/2006/main" xmlns:c="http://schemas.openxmlformats.org/drawingml/2006/chart" xmlns:dgm="http://schemas.openxmlformats.org/drawingml/2006/diagram" xmlns:o="urn:schemas-microsoft-com:office:office" xmlns:v="urn:schemas-microsoft-com:vml" xmlns:pvml="urn:schemas-microsoft-com:office:powerpoint" xmlns:com="http://schemas.openxmlformats.org/drawingml/2006/compatibility" xmlns:p14="http://schemas.microsoft.com/office/powerpoint/2010/main" xmlns:p15="http://schemas.microsoft.com/office/powerpoint/2012/main">
   <p:cSld>
     <p:spTree>
       <p:nvGrpSpPr>
-        <p:cNvPr id="1" name="Shape 107"/>
+        <p:cNvPr id="107" name="Shape 107"/>
         <p:cNvGrpSpPr/>
         <p:nvPr/>
       </p:nvGrpSpPr>
@@ -6705,11 +6413,9 @@
       <p:sp>
         <p:nvSpPr>
           <p:cNvPr id="108" name="Shape 108"/>
-          <p:cNvSpPr txBox="1">
-            <a:spLocks noGrp="1"/>
-          </p:cNvSpPr>
+          <p:cNvSpPr txBox="1"/>
           <p:nvPr>
-            <p:ph type="body" idx="1"/>
+            <p:ph idx="1" type="body"/>
           </p:nvPr>
         </p:nvSpPr>
         <p:spPr>
@@ -6722,14 +6428,14 @@
           </a:prstGeom>
         </p:spPr>
         <p:txBody>
-          <a:bodyPr wrap="square" lIns="91425" tIns="91425" rIns="91425" bIns="91425" anchor="t" anchorCtr="0">
+          <a:bodyPr anchorCtr="0" anchor="t" bIns="91425" lIns="91425" rIns="91425" wrap="square" tIns="91425">
             <a:noAutofit/>
           </a:bodyPr>
           <a:lstStyle/>
           <a:p>
-            <a:pPr marL="457200" lvl="0" indent="-342900" rtl="0">
-              <a:spcBef>
-                <a:spcPts val="1200"/>
+            <a:pPr indent="-342900" lvl="0" marL="457200" rtl="0">
+              <a:spcBef>
+                <a:spcPts val="0"/>
               </a:spcBef>
               <a:spcAft>
                 <a:spcPts val="0"/>
@@ -6740,30 +6446,30 @@
               <a:buChar char="●"/>
             </a:pPr>
             <a:r>
-              <a:rPr lang="en" dirty="0"/>
+              <a:rPr lang="en"/>
               <a:t>Accuracy of prediction model for price </a:t>
             </a:r>
             <a:r>
-              <a:rPr lang="en" b="1" i="1" dirty="0"/>
+              <a:rPr b="1" i="1" lang="en"/>
               <a:t>trend</a:t>
             </a:r>
             <a:r>
-              <a:rPr lang="en" dirty="0"/>
+              <a:rPr lang="en"/>
               <a:t> at </a:t>
             </a:r>
             <a:r>
-              <a:rPr lang="en" b="1" i="1" dirty="0"/>
+              <a:rPr b="1" i="1" lang="en"/>
               <a:t>least</a:t>
             </a:r>
             <a:r>
-              <a:rPr lang="en" dirty="0"/>
+              <a:rPr lang="en"/>
               <a:t> 65%.</a:t>
             </a:r>
           </a:p>
           <a:p>
-            <a:pPr marL="457200" lvl="0" indent="-342900" rtl="0">
-              <a:spcBef>
-                <a:spcPts val="1200"/>
+            <a:pPr indent="-342900" lvl="0" marL="457200" rtl="0">
+              <a:spcBef>
+                <a:spcPts val="0"/>
               </a:spcBef>
               <a:spcAft>
                 <a:spcPts val="0"/>
@@ -6771,30 +6477,30 @@
               <a:buChar char="●"/>
             </a:pPr>
             <a:r>
-              <a:rPr lang="en" dirty="0"/>
+              <a:rPr lang="en"/>
               <a:t>Difference of prediction model for price </a:t>
             </a:r>
             <a:r>
-              <a:rPr lang="en" b="1" i="1" dirty="0"/>
+              <a:rPr b="1" i="1" lang="en"/>
               <a:t>movement</a:t>
             </a:r>
             <a:r>
-              <a:rPr lang="en" dirty="0"/>
+              <a:rPr lang="en"/>
               <a:t> at </a:t>
             </a:r>
             <a:r>
-              <a:rPr lang="en" b="1" i="1" dirty="0"/>
+              <a:rPr b="1" i="1" lang="en"/>
               <a:t>most</a:t>
             </a:r>
             <a:r>
-              <a:rPr lang="en" dirty="0"/>
+              <a:rPr lang="en"/>
               <a:t> 20%.</a:t>
             </a:r>
           </a:p>
           <a:p>
-            <a:pPr marL="457200" lvl="0" indent="-342900" rtl="0">
-              <a:spcBef>
-                <a:spcPts val="1200"/>
+            <a:pPr indent="-342900" lvl="0" marL="457200" rtl="0">
+              <a:spcBef>
+                <a:spcPts val="0"/>
               </a:spcBef>
               <a:spcAft>
                 <a:spcPts val="0"/>
@@ -6802,24 +6508,19 @@
               <a:buChar char="●"/>
             </a:pPr>
             <a:r>
-              <a:rPr lang="en" dirty="0"/>
-              <a:t>Visualization the prediction result using </a:t>
-            </a:r>
-            <a:r>
-              <a:rPr lang="en" dirty="0" err="1"/>
-              <a:t>Zepplin</a:t>
-            </a:r>
-            <a:endParaRPr lang="en" dirty="0"/>
+              <a:rPr lang="en"/>
+              <a:t>Visualize the prediction result using Zeppelin</a:t>
+            </a:r>
           </a:p>
           <a:p>
-            <a:pPr marL="457200" lvl="0" indent="-342900" rtl="0">
-              <a:spcBef>
-                <a:spcPts val="1200"/>
+            <a:pPr indent="-342900" lvl="0" marL="457200" rtl="0">
+              <a:spcBef>
+                <a:spcPts val="0"/>
               </a:spcBef>
               <a:buChar char="●"/>
             </a:pPr>
             <a:r>
-              <a:rPr lang="en" dirty="0"/>
+              <a:rPr lang="en"/>
               <a:t>Provide prediction for individual stock based on user inputs</a:t>
             </a:r>
           </a:p>
@@ -6830,16 +6531,17 @@
               </a:spcBef>
               <a:buNone/>
             </a:pPr>
-            <a:endParaRPr dirty="0"/>
+            <a:r>
+              <a:t/>
+            </a:r>
+            <a:endParaRPr/>
           </a:p>
         </p:txBody>
       </p:sp>
       <p:sp>
         <p:nvSpPr>
           <p:cNvPr id="109" name="Shape 109"/>
-          <p:cNvSpPr txBox="1">
-            <a:spLocks noGrp="1"/>
-          </p:cNvSpPr>
+          <p:cNvSpPr txBox="1"/>
           <p:nvPr>
             <p:ph type="title"/>
           </p:nvPr>
@@ -6854,7 +6556,7 @@
           </a:prstGeom>
         </p:spPr>
         <p:txBody>
-          <a:bodyPr wrap="square" lIns="91425" tIns="91425" rIns="91425" bIns="91425" anchor="b" anchorCtr="0">
+          <a:bodyPr anchorCtr="0" anchor="b" bIns="91425" lIns="91425" rIns="91425" wrap="square" tIns="91425">
             <a:noAutofit/>
           </a:bodyPr>
           <a:lstStyle/>
@@ -6881,11 +6583,11 @@
 </file>
 
 <file path=ppt/slides/slide8.xml><?xml version="1.0" encoding="utf-8"?>
-<p:sld xmlns:a="http://schemas.openxmlformats.org/drawingml/2006/main" xmlns:r="http://schemas.openxmlformats.org/officeDocument/2006/relationships" xmlns:p="http://schemas.openxmlformats.org/presentationml/2006/main">
+<p:sld xmlns:a="http://schemas.openxmlformats.org/drawingml/2006/main" xmlns:r="http://schemas.openxmlformats.org/officeDocument/2006/relationships" xmlns:mc="http://schemas.openxmlformats.org/markup-compatibility/2006" xmlns:mv="urn:schemas-microsoft-com:mac:vml" xmlns:p="http://schemas.openxmlformats.org/presentationml/2006/main" xmlns:c="http://schemas.openxmlformats.org/drawingml/2006/chart" xmlns:dgm="http://schemas.openxmlformats.org/drawingml/2006/diagram" xmlns:o="urn:schemas-microsoft-com:office:office" xmlns:v="urn:schemas-microsoft-com:vml" xmlns:pvml="urn:schemas-microsoft-com:office:powerpoint" xmlns:com="http://schemas.openxmlformats.org/drawingml/2006/compatibility" xmlns:p14="http://schemas.microsoft.com/office/powerpoint/2010/main" xmlns:p15="http://schemas.microsoft.com/office/powerpoint/2012/main">
   <p:cSld>
     <p:spTree>
       <p:nvGrpSpPr>
-        <p:cNvPr id="1" name="Shape 113"/>
+        <p:cNvPr id="113" name="Shape 113"/>
         <p:cNvGrpSpPr/>
         <p:nvPr/>
       </p:nvGrpSpPr>
@@ -6900,9 +6602,7 @@
       <p:sp>
         <p:nvSpPr>
           <p:cNvPr id="114" name="Shape 114"/>
-          <p:cNvSpPr txBox="1">
-            <a:spLocks noGrp="1"/>
-          </p:cNvSpPr>
+          <p:cNvSpPr txBox="1"/>
           <p:nvPr>
             <p:ph type="title"/>
           </p:nvPr>
@@ -6917,7 +6617,7 @@
           </a:prstGeom>
         </p:spPr>
         <p:txBody>
-          <a:bodyPr wrap="square" lIns="91425" tIns="91425" rIns="91425" bIns="91425" anchor="b" anchorCtr="0">
+          <a:bodyPr anchorCtr="0" anchor="b" bIns="91425" lIns="91425" rIns="91425" wrap="square" tIns="91425">
             <a:noAutofit/>
           </a:bodyPr>
           <a:lstStyle/>
@@ -6938,11 +6638,9 @@
       <p:sp>
         <p:nvSpPr>
           <p:cNvPr id="115" name="Shape 115"/>
-          <p:cNvSpPr txBox="1">
-            <a:spLocks noGrp="1"/>
-          </p:cNvSpPr>
+          <p:cNvSpPr txBox="1"/>
           <p:nvPr>
-            <p:ph type="body" idx="1"/>
+            <p:ph idx="1" type="body"/>
           </p:nvPr>
         </p:nvSpPr>
         <p:spPr>
@@ -6955,12 +6653,12 @@
           </a:prstGeom>
         </p:spPr>
         <p:txBody>
-          <a:bodyPr wrap="square" lIns="91425" tIns="91425" rIns="91425" bIns="91425" anchor="t" anchorCtr="0">
+          <a:bodyPr anchorCtr="0" anchor="t" bIns="91425" lIns="91425" rIns="91425" wrap="square" tIns="91425">
             <a:noAutofit/>
           </a:bodyPr>
           <a:lstStyle/>
           <a:p>
-            <a:pPr marL="457200" lvl="0" indent="-355600" rtl="0">
+            <a:pPr indent="-355600" lvl="0" marL="457200" rtl="0">
               <a:spcBef>
                 <a:spcPts val="0"/>
               </a:spcBef>
@@ -6974,11 +6672,27 @@
             </a:pPr>
             <a:r>
               <a:rPr lang="en" sz="2000"/>
-              <a:t>Process historical stock data sets to make meaningful analysis and predict stock price</a:t>
+              <a:t>Process historical stock </a:t>
+            </a:r>
+            <a:r>
+              <a:rPr lang="en" sz="2000"/>
+              <a:t>data sets</a:t>
+            </a:r>
+            <a:r>
+              <a:rPr lang="en" sz="2000"/>
+              <a:t> </a:t>
+            </a:r>
+            <a:r>
+              <a:rPr lang="en" sz="2000"/>
+              <a:t>to make</a:t>
+            </a:r>
+            <a:r>
+              <a:rPr lang="en" sz="2000"/>
+              <a:t> meaningful analysis and predict stock price</a:t>
             </a:r>
           </a:p>
           <a:p>
-            <a:pPr marL="457200" lvl="0" indent="-355600" rtl="0">
+            <a:pPr indent="-355600" lvl="0" marL="457200" rtl="0">
               <a:spcBef>
                 <a:spcPts val="0"/>
               </a:spcBef>
@@ -6993,7 +6707,7 @@
             </a:r>
           </a:p>
           <a:p>
-            <a:pPr marL="457200" lvl="0" indent="-355600" rtl="0">
+            <a:pPr indent="-355600" lvl="0" marL="457200" rtl="0">
               <a:spcBef>
                 <a:spcPts val="0"/>
               </a:spcBef>
@@ -7004,11 +6718,23 @@
             </a:pPr>
             <a:r>
               <a:rPr lang="en" sz="2000"/>
-              <a:t>Design UI to allow interact with users and represent result using charts</a:t>
+              <a:t>Design UI to allow </a:t>
+            </a:r>
+            <a:r>
+              <a:rPr lang="en" sz="2000"/>
+              <a:t>interact</a:t>
+            </a:r>
+            <a:r>
+              <a:rPr lang="en" sz="2000"/>
+              <a:t> with users and r</a:t>
+            </a:r>
+            <a:r>
+              <a:rPr lang="en" sz="2000"/>
+              <a:t>epresent result using charts</a:t>
             </a:r>
           </a:p>
           <a:p>
-            <a:pPr marL="457200" lvl="0" indent="-355600">
+            <a:pPr indent="-355600" lvl="0" marL="457200">
               <a:spcBef>
                 <a:spcPts val="0"/>
               </a:spcBef>
@@ -7030,11 +6756,11 @@
 </file>
 
 <file path=ppt/slides/slide9.xml><?xml version="1.0" encoding="utf-8"?>
-<p:sld xmlns:a="http://schemas.openxmlformats.org/drawingml/2006/main" xmlns:r="http://schemas.openxmlformats.org/officeDocument/2006/relationships" xmlns:p="http://schemas.openxmlformats.org/presentationml/2006/main">
+<p:sld xmlns:a="http://schemas.openxmlformats.org/drawingml/2006/main" xmlns:r="http://schemas.openxmlformats.org/officeDocument/2006/relationships" xmlns:mc="http://schemas.openxmlformats.org/markup-compatibility/2006" xmlns:mv="urn:schemas-microsoft-com:mac:vml" xmlns:p="http://schemas.openxmlformats.org/presentationml/2006/main" xmlns:c="http://schemas.openxmlformats.org/drawingml/2006/chart" xmlns:dgm="http://schemas.openxmlformats.org/drawingml/2006/diagram" xmlns:o="urn:schemas-microsoft-com:office:office" xmlns:v="urn:schemas-microsoft-com:vml" xmlns:pvml="urn:schemas-microsoft-com:office:powerpoint" xmlns:com="http://schemas.openxmlformats.org/drawingml/2006/compatibility" xmlns:p14="http://schemas.microsoft.com/office/powerpoint/2010/main" xmlns:p15="http://schemas.microsoft.com/office/powerpoint/2012/main">
   <p:cSld>
     <p:spTree>
       <p:nvGrpSpPr>
-        <p:cNvPr id="1" name="Shape 119"/>
+        <p:cNvPr id="119" name="Shape 119"/>
         <p:cNvGrpSpPr/>
         <p:nvPr/>
       </p:nvGrpSpPr>
@@ -7049,9 +6775,7 @@
       <p:sp>
         <p:nvSpPr>
           <p:cNvPr id="120" name="Shape 120"/>
-          <p:cNvSpPr txBox="1">
-            <a:spLocks noGrp="1"/>
-          </p:cNvSpPr>
+          <p:cNvSpPr txBox="1"/>
           <p:nvPr>
             <p:ph type="title"/>
           </p:nvPr>
@@ -7066,7 +6790,7 @@
           </a:prstGeom>
         </p:spPr>
         <p:txBody>
-          <a:bodyPr wrap="square" lIns="91425" tIns="91425" rIns="91425" bIns="91425" anchor="b" anchorCtr="0">
+          <a:bodyPr anchorCtr="0" anchor="b" bIns="91425" lIns="91425" rIns="91425" wrap="square" tIns="91425">
             <a:noAutofit/>
           </a:bodyPr>
           <a:lstStyle/>
@@ -7087,11 +6811,9 @@
       <p:sp>
         <p:nvSpPr>
           <p:cNvPr id="121" name="Shape 121"/>
-          <p:cNvSpPr txBox="1">
-            <a:spLocks noGrp="1"/>
-          </p:cNvSpPr>
+          <p:cNvSpPr txBox="1"/>
           <p:nvPr>
-            <p:ph type="body" idx="4294967295"/>
+            <p:ph idx="4294967295" type="body"/>
           </p:nvPr>
         </p:nvSpPr>
         <p:spPr>
@@ -7104,7 +6826,7 @@
           </a:prstGeom>
         </p:spPr>
         <p:txBody>
-          <a:bodyPr wrap="square" lIns="91425" tIns="91425" rIns="91425" bIns="91425" anchor="t" anchorCtr="0">
+          <a:bodyPr anchorCtr="0" anchor="t" bIns="91425" lIns="91425" rIns="91425" wrap="square" tIns="91425">
             <a:noAutofit/>
           </a:bodyPr>
           <a:lstStyle/>
@@ -7131,7 +6853,7 @@
 </file>
 
 <file path=ppt/theme/theme1.xml><?xml version="1.0" encoding="utf-8"?>
-<a:theme xmlns:a="http://schemas.openxmlformats.org/drawingml/2006/main" name="Marina">
+<a:theme xmlns:a="http://schemas.openxmlformats.org/drawingml/2006/main" xmlns:r="http://schemas.openxmlformats.org/officeDocument/2006/relationships" name="Marina">
   <a:themeElements>
     <a:clrScheme name="Marina">
       <a:dk1>
@@ -7406,13 +7128,11 @@
       </a:bgFillStyleLst>
     </a:fmtScheme>
   </a:themeElements>
-  <a:objectDefaults/>
-  <a:extraClrSchemeLst/>
 </a:theme>
 </file>
 
 <file path=ppt/theme/theme2.xml><?xml version="1.0" encoding="utf-8"?>
-<a:theme xmlns:a="http://schemas.openxmlformats.org/drawingml/2006/main" name="Custom Theme">
+<a:theme xmlns:a="http://schemas.openxmlformats.org/drawingml/2006/main" xmlns:r="http://schemas.openxmlformats.org/officeDocument/2006/relationships" name="Custom Theme">
   <a:themeElements>
     <a:clrScheme name="Default">
       <a:dk1>
@@ -7687,7 +7407,5 @@
       </a:bgFillStyleLst>
     </a:fmtScheme>
   </a:themeElements>
-  <a:objectDefaults/>
-  <a:extraClrSchemeLst/>
 </a:theme>
 </file>
--- a/Presentation/ScalaTeam9Planning.pptx
+++ b/Presentation/ScalaTeam9Planning.pptx
@@ -17,21 +17,23 @@
     <p:sldId id="262" r:id="rId11"/>
     <p:sldId id="263" r:id="rId12"/>
     <p:sldId id="264" r:id="rId13"/>
+    <p:sldId id="265" r:id="rId14"/>
+    <p:sldId id="266" r:id="rId15"/>
   </p:sldIdLst>
   <p:sldSz cy="5143500" cx="9144000"/>
   <p:notesSz cx="6858000" cy="9144000"/>
   <p:embeddedFontLst>
     <p:embeddedFont>
       <p:font typeface="Roboto Slab"/>
-      <p:regular r:id="rId14"/>
-      <p:bold r:id="rId15"/>
+      <p:regular r:id="rId16"/>
+      <p:bold r:id="rId17"/>
     </p:embeddedFont>
     <p:embeddedFont>
       <p:font typeface="Roboto"/>
-      <p:regular r:id="rId16"/>
-      <p:bold r:id="rId17"/>
-      <p:italic r:id="rId18"/>
-      <p:boldItalic r:id="rId19"/>
+      <p:regular r:id="rId18"/>
+      <p:bold r:id="rId19"/>
+      <p:italic r:id="rId20"/>
+      <p:boldItalic r:id="rId21"/>
     </p:embeddedFont>
   </p:embeddedFontLst>
   <p:defaultTextStyle>
@@ -501,12 +503,12 @@
 </p:notes>
 </file>
 
-<file path=ppt/notesSlides/notesSlide2.xml><?xml version="1.0" encoding="utf-8"?>
+<file path=ppt/notesSlides/notesSlide10.xml><?xml version="1.0" encoding="utf-8"?>
 <p:notes xmlns:a="http://schemas.openxmlformats.org/drawingml/2006/main" xmlns:r="http://schemas.openxmlformats.org/officeDocument/2006/relationships" xmlns:mc="http://schemas.openxmlformats.org/markup-compatibility/2006" xmlns:mv="urn:schemas-microsoft-com:mac:vml" xmlns:p="http://schemas.openxmlformats.org/presentationml/2006/main" xmlns:c="http://schemas.openxmlformats.org/drawingml/2006/chart" xmlns:dgm="http://schemas.openxmlformats.org/drawingml/2006/diagram" xmlns:o="urn:schemas-microsoft-com:office:office" xmlns:v="urn:schemas-microsoft-com:vml" xmlns:pvml="urn:schemas-microsoft-com:office:powerpoint" xmlns:com="http://schemas.openxmlformats.org/drawingml/2006/compatibility" xmlns:p14="http://schemas.microsoft.com/office/powerpoint/2010/main" xmlns:p15="http://schemas.microsoft.com/office/powerpoint/2012/main" showMasterPhAnim="0" showMasterSp="0">
   <p:cSld>
     <p:spTree>
       <p:nvGrpSpPr>
-        <p:cNvPr id="65" name="Shape 65"/>
+        <p:cNvPr id="127" name="Shape 127"/>
         <p:cNvGrpSpPr/>
         <p:nvPr/>
       </p:nvGrpSpPr>
@@ -520,7 +522,7 @@
       </p:grpSpPr>
       <p:sp>
         <p:nvSpPr>
-          <p:cNvPr id="66" name="Shape 66"/>
+          <p:cNvPr id="128" name="Shape 128"/>
           <p:cNvSpPr/>
           <p:nvPr>
             <p:ph idx="2" type="sldImg"/>
@@ -554,6 +556,196 @@
       </p:sp>
       <p:sp>
         <p:nvSpPr>
+          <p:cNvPr id="129" name="Shape 129"/>
+          <p:cNvSpPr txBox="1"/>
+          <p:nvPr>
+            <p:ph idx="1" type="body"/>
+          </p:nvPr>
+        </p:nvSpPr>
+        <p:spPr>
+          <a:xfrm>
+            <a:off x="685800" y="4343400"/>
+            <a:ext cx="5486400" cy="4114800"/>
+          </a:xfrm>
+          <a:prstGeom prst="rect">
+            <a:avLst/>
+          </a:prstGeom>
+        </p:spPr>
+        <p:txBody>
+          <a:bodyPr anchorCtr="0" anchor="t" bIns="91425" lIns="91425" rIns="91425" wrap="square" tIns="91425">
+            <a:noAutofit/>
+          </a:bodyPr>
+          <a:lstStyle/>
+          <a:p>
+            <a:pPr lvl="0">
+              <a:spcBef>
+                <a:spcPts val="0"/>
+              </a:spcBef>
+              <a:buNone/>
+            </a:pPr>
+            <a:r>
+              <a:t/>
+            </a:r>
+            <a:endParaRPr/>
+          </a:p>
+        </p:txBody>
+      </p:sp>
+    </p:spTree>
+  </p:cSld>
+  <p:clrMapOvr>
+    <a:masterClrMapping/>
+  </p:clrMapOvr>
+</p:notes>
+</file>
+
+<file path=ppt/notesSlides/notesSlide11.xml><?xml version="1.0" encoding="utf-8"?>
+<p:notes xmlns:a="http://schemas.openxmlformats.org/drawingml/2006/main" xmlns:r="http://schemas.openxmlformats.org/officeDocument/2006/relationships" xmlns:mc="http://schemas.openxmlformats.org/markup-compatibility/2006" xmlns:mv="urn:schemas-microsoft-com:mac:vml" xmlns:p="http://schemas.openxmlformats.org/presentationml/2006/main" xmlns:c="http://schemas.openxmlformats.org/drawingml/2006/chart" xmlns:dgm="http://schemas.openxmlformats.org/drawingml/2006/diagram" xmlns:o="urn:schemas-microsoft-com:office:office" xmlns:v="urn:schemas-microsoft-com:vml" xmlns:pvml="urn:schemas-microsoft-com:office:powerpoint" xmlns:com="http://schemas.openxmlformats.org/drawingml/2006/compatibility" xmlns:p14="http://schemas.microsoft.com/office/powerpoint/2010/main" xmlns:p15="http://schemas.microsoft.com/office/powerpoint/2012/main" showMasterPhAnim="0" showMasterSp="0">
+  <p:cSld>
+    <p:spTree>
+      <p:nvGrpSpPr>
+        <p:cNvPr id="133" name="Shape 133"/>
+        <p:cNvGrpSpPr/>
+        <p:nvPr/>
+      </p:nvGrpSpPr>
+      <p:grpSpPr>
+        <a:xfrm>
+          <a:off x="0" y="0"/>
+          <a:ext cx="0" cy="0"/>
+          <a:chOff x="0" y="0"/>
+          <a:chExt cx="0" cy="0"/>
+        </a:xfrm>
+      </p:grpSpPr>
+      <p:sp>
+        <p:nvSpPr>
+          <p:cNvPr id="134" name="Shape 134"/>
+          <p:cNvSpPr/>
+          <p:nvPr>
+            <p:ph idx="2" type="sldImg"/>
+          </p:nvPr>
+        </p:nvSpPr>
+        <p:spPr>
+          <a:xfrm>
+            <a:off x="381300" y="685800"/>
+            <a:ext cx="6096000" cy="3429000"/>
+          </a:xfrm>
+          <a:custGeom>
+            <a:pathLst>
+              <a:path extrusionOk="0" h="120000" w="120000">
+                <a:moveTo>
+                  <a:pt x="0" y="0"/>
+                </a:moveTo>
+                <a:lnTo>
+                  <a:pt x="120000" y="0"/>
+                </a:lnTo>
+                <a:lnTo>
+                  <a:pt x="120000" y="120000"/>
+                </a:lnTo>
+                <a:lnTo>
+                  <a:pt x="0" y="120000"/>
+                </a:lnTo>
+                <a:close/>
+              </a:path>
+            </a:pathLst>
+          </a:custGeom>
+        </p:spPr>
+      </p:sp>
+      <p:sp>
+        <p:nvSpPr>
+          <p:cNvPr id="135" name="Shape 135"/>
+          <p:cNvSpPr txBox="1"/>
+          <p:nvPr>
+            <p:ph idx="1" type="body"/>
+          </p:nvPr>
+        </p:nvSpPr>
+        <p:spPr>
+          <a:xfrm>
+            <a:off x="685800" y="4343400"/>
+            <a:ext cx="5486400" cy="4114800"/>
+          </a:xfrm>
+          <a:prstGeom prst="rect">
+            <a:avLst/>
+          </a:prstGeom>
+        </p:spPr>
+        <p:txBody>
+          <a:bodyPr anchorCtr="0" anchor="t" bIns="91425" lIns="91425" rIns="91425" wrap="square" tIns="91425">
+            <a:noAutofit/>
+          </a:bodyPr>
+          <a:lstStyle/>
+          <a:p>
+            <a:pPr lvl="0">
+              <a:spcBef>
+                <a:spcPts val="0"/>
+              </a:spcBef>
+              <a:buNone/>
+            </a:pPr>
+            <a:r>
+              <a:t/>
+            </a:r>
+            <a:endParaRPr/>
+          </a:p>
+        </p:txBody>
+      </p:sp>
+    </p:spTree>
+  </p:cSld>
+  <p:clrMapOvr>
+    <a:masterClrMapping/>
+  </p:clrMapOvr>
+</p:notes>
+</file>
+
+<file path=ppt/notesSlides/notesSlide2.xml><?xml version="1.0" encoding="utf-8"?>
+<p:notes xmlns:a="http://schemas.openxmlformats.org/drawingml/2006/main" xmlns:r="http://schemas.openxmlformats.org/officeDocument/2006/relationships" xmlns:mc="http://schemas.openxmlformats.org/markup-compatibility/2006" xmlns:mv="urn:schemas-microsoft-com:mac:vml" xmlns:p="http://schemas.openxmlformats.org/presentationml/2006/main" xmlns:c="http://schemas.openxmlformats.org/drawingml/2006/chart" xmlns:dgm="http://schemas.openxmlformats.org/drawingml/2006/diagram" xmlns:o="urn:schemas-microsoft-com:office:office" xmlns:v="urn:schemas-microsoft-com:vml" xmlns:pvml="urn:schemas-microsoft-com:office:powerpoint" xmlns:com="http://schemas.openxmlformats.org/drawingml/2006/compatibility" xmlns:p14="http://schemas.microsoft.com/office/powerpoint/2010/main" xmlns:p15="http://schemas.microsoft.com/office/powerpoint/2012/main" showMasterPhAnim="0" showMasterSp="0">
+  <p:cSld>
+    <p:spTree>
+      <p:nvGrpSpPr>
+        <p:cNvPr id="65" name="Shape 65"/>
+        <p:cNvGrpSpPr/>
+        <p:nvPr/>
+      </p:nvGrpSpPr>
+      <p:grpSpPr>
+        <a:xfrm>
+          <a:off x="0" y="0"/>
+          <a:ext cx="0" cy="0"/>
+          <a:chOff x="0" y="0"/>
+          <a:chExt cx="0" cy="0"/>
+        </a:xfrm>
+      </p:grpSpPr>
+      <p:sp>
+        <p:nvSpPr>
+          <p:cNvPr id="66" name="Shape 66"/>
+          <p:cNvSpPr/>
+          <p:nvPr>
+            <p:ph idx="2" type="sldImg"/>
+          </p:nvPr>
+        </p:nvSpPr>
+        <p:spPr>
+          <a:xfrm>
+            <a:off x="381300" y="685800"/>
+            <a:ext cx="6096000" cy="3429000"/>
+          </a:xfrm>
+          <a:custGeom>
+            <a:pathLst>
+              <a:path extrusionOk="0" h="120000" w="120000">
+                <a:moveTo>
+                  <a:pt x="0" y="0"/>
+                </a:moveTo>
+                <a:lnTo>
+                  <a:pt x="120000" y="0"/>
+                </a:lnTo>
+                <a:lnTo>
+                  <a:pt x="120000" y="120000"/>
+                </a:lnTo>
+                <a:lnTo>
+                  <a:pt x="0" y="120000"/>
+                </a:lnTo>
+                <a:close/>
+              </a:path>
+            </a:pathLst>
+          </a:custGeom>
+        </p:spPr>
+      </p:sp>
+      <p:sp>
+        <p:nvSpPr>
           <p:cNvPr id="67" name="Shape 67"/>
           <p:cNvSpPr txBox="1"/>
           <p:nvPr>
@@ -575,16 +767,30 @@
           </a:bodyPr>
           <a:lstStyle/>
           <a:p>
-            <a:pPr lvl="0">
-              <a:spcBef>
-                <a:spcPts val="0"/>
-              </a:spcBef>
-              <a:buNone/>
-            </a:pPr>
-            <a:r>
-              <a:t/>
-            </a:r>
-            <a:endParaRPr/>
+            <a:pPr lvl="0" rtl="0">
+              <a:lnSpc>
+                <a:spcPct val="115000"/>
+              </a:lnSpc>
+              <a:spcBef>
+                <a:spcPts val="0"/>
+              </a:spcBef>
+              <a:spcAft>
+                <a:spcPts val="1600"/>
+              </a:spcAft>
+              <a:buNone/>
+            </a:pPr>
+            <a:r>
+              <a:rPr lang="en" sz="1000">
+                <a:solidFill>
+                  <a:schemeClr val="dk1"/>
+                </a:solidFill>
+                <a:latin typeface="Roboto"/>
+                <a:ea typeface="Roboto"/>
+                <a:cs typeface="Roboto"/>
+                <a:sym typeface="Roboto"/>
+              </a:rPr>
+              <a:t>Hypothetical Customers:   Fund Management Company, Research Institution and Individual Investors.</a:t>
+            </a:r>
           </a:p>
         </p:txBody>
       </p:sp>
@@ -791,7 +997,7 @@
   <p:cSld>
     <p:spTree>
       <p:nvGrpSpPr>
-        <p:cNvPr id="83" name="Shape 83"/>
+        <p:cNvPr id="85" name="Shape 85"/>
         <p:cNvGrpSpPr/>
         <p:nvPr/>
       </p:nvGrpSpPr>
@@ -805,7 +1011,7 @@
       </p:grpSpPr>
       <p:sp>
         <p:nvSpPr>
-          <p:cNvPr id="84" name="Shape 84"/>
+          <p:cNvPr id="86" name="Shape 86"/>
           <p:cNvSpPr/>
           <p:nvPr>
             <p:ph idx="2" type="sldImg"/>
@@ -839,7 +1045,7 @@
       </p:sp>
       <p:sp>
         <p:nvSpPr>
-          <p:cNvPr id="85" name="Shape 85"/>
+          <p:cNvPr id="87" name="Shape 87"/>
           <p:cNvSpPr txBox="1"/>
           <p:nvPr>
             <p:ph idx="1" type="body"/>
@@ -860,7 +1066,7 @@
           </a:bodyPr>
           <a:lstStyle/>
           <a:p>
-            <a:pPr lvl="0">
+            <a:pPr lvl="0" rtl="0">
               <a:spcBef>
                 <a:spcPts val="0"/>
               </a:spcBef>
@@ -886,7 +1092,7 @@
   <p:cSld>
     <p:spTree>
       <p:nvGrpSpPr>
-        <p:cNvPr id="98" name="Shape 98"/>
+        <p:cNvPr id="92" name="Shape 92"/>
         <p:cNvGrpSpPr/>
         <p:nvPr/>
       </p:nvGrpSpPr>
@@ -900,7 +1106,7 @@
       </p:grpSpPr>
       <p:sp>
         <p:nvSpPr>
-          <p:cNvPr id="99" name="Shape 99"/>
+          <p:cNvPr id="93" name="Shape 93"/>
           <p:cNvSpPr/>
           <p:nvPr>
             <p:ph idx="2" type="sldImg"/>
@@ -934,7 +1140,7 @@
       </p:sp>
       <p:sp>
         <p:nvSpPr>
-          <p:cNvPr id="100" name="Shape 100"/>
+          <p:cNvPr id="94" name="Shape 94"/>
           <p:cNvSpPr txBox="1"/>
           <p:nvPr>
             <p:ph idx="1" type="body"/>
@@ -955,7 +1161,7 @@
           </a:bodyPr>
           <a:lstStyle/>
           <a:p>
-            <a:pPr lvl="0">
+            <a:pPr lvl="0" rtl="0">
               <a:spcBef>
                 <a:spcPts val="0"/>
               </a:spcBef>
@@ -981,7 +1187,7 @@
   <p:cSld>
     <p:spTree>
       <p:nvGrpSpPr>
-        <p:cNvPr id="104" name="Shape 104"/>
+        <p:cNvPr id="100" name="Shape 100"/>
         <p:cNvGrpSpPr/>
         <p:nvPr/>
       </p:nvGrpSpPr>
@@ -995,7 +1201,7 @@
       </p:grpSpPr>
       <p:sp>
         <p:nvSpPr>
-          <p:cNvPr id="105" name="Shape 105"/>
+          <p:cNvPr id="101" name="Shape 101"/>
           <p:cNvSpPr/>
           <p:nvPr>
             <p:ph idx="2" type="sldImg"/>
@@ -1029,7 +1235,7 @@
       </p:sp>
       <p:sp>
         <p:nvSpPr>
-          <p:cNvPr id="106" name="Shape 106"/>
+          <p:cNvPr id="102" name="Shape 102"/>
           <p:cNvSpPr txBox="1"/>
           <p:nvPr>
             <p:ph idx="1" type="body"/>
@@ -1076,7 +1282,7 @@
   <p:cSld>
     <p:spTree>
       <p:nvGrpSpPr>
-        <p:cNvPr id="110" name="Shape 110"/>
+        <p:cNvPr id="115" name="Shape 115"/>
         <p:cNvGrpSpPr/>
         <p:nvPr/>
       </p:nvGrpSpPr>
@@ -1090,7 +1296,7 @@
       </p:grpSpPr>
       <p:sp>
         <p:nvSpPr>
-          <p:cNvPr id="111" name="Shape 111"/>
+          <p:cNvPr id="116" name="Shape 116"/>
           <p:cNvSpPr/>
           <p:nvPr>
             <p:ph idx="2" type="sldImg"/>
@@ -1124,7 +1330,7 @@
       </p:sp>
       <p:sp>
         <p:nvSpPr>
-          <p:cNvPr id="112" name="Shape 112"/>
+          <p:cNvPr id="117" name="Shape 117"/>
           <p:cNvSpPr txBox="1"/>
           <p:nvPr>
             <p:ph idx="1" type="body"/>
@@ -1171,7 +1377,7 @@
   <p:cSld>
     <p:spTree>
       <p:nvGrpSpPr>
-        <p:cNvPr id="116" name="Shape 116"/>
+        <p:cNvPr id="121" name="Shape 121"/>
         <p:cNvGrpSpPr/>
         <p:nvPr/>
       </p:nvGrpSpPr>
@@ -1185,7 +1391,7 @@
       </p:grpSpPr>
       <p:sp>
         <p:nvSpPr>
-          <p:cNvPr id="117" name="Shape 117"/>
+          <p:cNvPr id="122" name="Shape 122"/>
           <p:cNvSpPr/>
           <p:nvPr>
             <p:ph idx="2" type="sldImg"/>
@@ -1219,7 +1425,7 @@
       </p:sp>
       <p:sp>
         <p:nvSpPr>
-          <p:cNvPr id="118" name="Shape 118"/>
+          <p:cNvPr id="123" name="Shape 123"/>
           <p:cNvSpPr txBox="1"/>
           <p:nvPr>
             <p:ph idx="1" type="body"/>
@@ -5150,7 +5356,289 @@
             </a:pPr>
             <a:r>
               <a:rPr lang="en"/>
+              <a:t>Team 9</a:t>
+            </a:r>
+          </a:p>
+          <a:p>
+            <a:pPr lvl="0">
+              <a:spcBef>
+                <a:spcPts val="0"/>
+              </a:spcBef>
+              <a:buNone/>
+            </a:pPr>
+            <a:r>
+              <a:rPr lang="en"/>
               <a:t>Bowei Wang, Qichu Zhao, You Li</a:t>
+            </a:r>
+          </a:p>
+        </p:txBody>
+      </p:sp>
+    </p:spTree>
+  </p:cSld>
+  <p:clrMapOvr>
+    <a:masterClrMapping/>
+  </p:clrMapOvr>
+</p:sld>
+</file>
+
+<file path=ppt/slides/slide10.xml><?xml version="1.0" encoding="utf-8"?>
+<p:sld xmlns:a="http://schemas.openxmlformats.org/drawingml/2006/main" xmlns:r="http://schemas.openxmlformats.org/officeDocument/2006/relationships" xmlns:mc="http://schemas.openxmlformats.org/markup-compatibility/2006" xmlns:mv="urn:schemas-microsoft-com:mac:vml" xmlns:p="http://schemas.openxmlformats.org/presentationml/2006/main" xmlns:c="http://schemas.openxmlformats.org/drawingml/2006/chart" xmlns:dgm="http://schemas.openxmlformats.org/drawingml/2006/diagram" xmlns:o="urn:schemas-microsoft-com:office:office" xmlns:v="urn:schemas-microsoft-com:vml" xmlns:pvml="urn:schemas-microsoft-com:office:powerpoint" xmlns:com="http://schemas.openxmlformats.org/drawingml/2006/compatibility" xmlns:p14="http://schemas.microsoft.com/office/powerpoint/2010/main" xmlns:p15="http://schemas.microsoft.com/office/powerpoint/2012/main">
+  <p:cSld>
+    <p:spTree>
+      <p:nvGrpSpPr>
+        <p:cNvPr id="130" name="Shape 130"/>
+        <p:cNvGrpSpPr/>
+        <p:nvPr/>
+      </p:nvGrpSpPr>
+      <p:grpSpPr>
+        <a:xfrm>
+          <a:off x="0" y="0"/>
+          <a:ext cx="0" cy="0"/>
+          <a:chOff x="0" y="0"/>
+          <a:chExt cx="0" cy="0"/>
+        </a:xfrm>
+      </p:grpSpPr>
+      <p:sp>
+        <p:nvSpPr>
+          <p:cNvPr id="131" name="Shape 131"/>
+          <p:cNvSpPr txBox="1"/>
+          <p:nvPr>
+            <p:ph type="title"/>
+          </p:nvPr>
+        </p:nvSpPr>
+        <p:spPr>
+          <a:xfrm>
+            <a:off x="387900" y="458025"/>
+            <a:ext cx="8368200" cy="686100"/>
+          </a:xfrm>
+          <a:prstGeom prst="rect">
+            <a:avLst/>
+          </a:prstGeom>
+        </p:spPr>
+        <p:txBody>
+          <a:bodyPr anchorCtr="0" anchor="b" bIns="91425" lIns="91425" rIns="91425" wrap="square" tIns="91425">
+            <a:noAutofit/>
+          </a:bodyPr>
+          <a:lstStyle/>
+          <a:p>
+            <a:pPr lvl="0">
+              <a:spcBef>
+                <a:spcPts val="0"/>
+              </a:spcBef>
+              <a:buNone/>
+            </a:pPr>
+            <a:r>
+              <a:rPr lang="en"/>
+              <a:t>Goals of the project</a:t>
+            </a:r>
+          </a:p>
+        </p:txBody>
+      </p:sp>
+      <p:sp>
+        <p:nvSpPr>
+          <p:cNvPr id="132" name="Shape 132"/>
+          <p:cNvSpPr txBox="1"/>
+          <p:nvPr>
+            <p:ph idx="1" type="body"/>
+          </p:nvPr>
+        </p:nvSpPr>
+        <p:spPr>
+          <a:xfrm>
+            <a:off x="387900" y="1489824"/>
+            <a:ext cx="8368200" cy="3078900"/>
+          </a:xfrm>
+          <a:prstGeom prst="rect">
+            <a:avLst/>
+          </a:prstGeom>
+        </p:spPr>
+        <p:txBody>
+          <a:bodyPr anchorCtr="0" anchor="t" bIns="91425" lIns="91425" rIns="91425" wrap="square" tIns="91425">
+            <a:noAutofit/>
+          </a:bodyPr>
+          <a:lstStyle/>
+          <a:p>
+            <a:pPr indent="-355600" lvl="0" marL="457200" rtl="0">
+              <a:spcBef>
+                <a:spcPts val="0"/>
+              </a:spcBef>
+              <a:spcAft>
+                <a:spcPts val="0"/>
+              </a:spcAft>
+              <a:buClr>
+                <a:schemeClr val="dk1"/>
+              </a:buClr>
+              <a:buSzPct val="100000"/>
+            </a:pPr>
+            <a:r>
+              <a:rPr lang="en" sz="2000"/>
+              <a:t>Process historical stock </a:t>
+            </a:r>
+            <a:r>
+              <a:rPr lang="en" sz="2000"/>
+              <a:t>data sets</a:t>
+            </a:r>
+            <a:r>
+              <a:rPr lang="en" sz="2000"/>
+              <a:t> </a:t>
+            </a:r>
+            <a:r>
+              <a:rPr lang="en" sz="2000"/>
+              <a:t>to make</a:t>
+            </a:r>
+            <a:r>
+              <a:rPr lang="en" sz="2000"/>
+              <a:t> meaningful analysis and predict stock price</a:t>
+            </a:r>
+          </a:p>
+          <a:p>
+            <a:pPr indent="-355600" lvl="0" marL="457200" rtl="0">
+              <a:spcBef>
+                <a:spcPts val="0"/>
+              </a:spcBef>
+              <a:spcAft>
+                <a:spcPts val="0"/>
+              </a:spcAft>
+              <a:buSzPct val="100000"/>
+            </a:pPr>
+            <a:r>
+              <a:rPr lang="en" sz="2000"/>
+              <a:t>Utilize information from Kaggle and Real-Time Quote API </a:t>
+            </a:r>
+          </a:p>
+          <a:p>
+            <a:pPr indent="-355600" lvl="0" marL="457200" rtl="0">
+              <a:spcBef>
+                <a:spcPts val="0"/>
+              </a:spcBef>
+              <a:spcAft>
+                <a:spcPts val="0"/>
+              </a:spcAft>
+              <a:buSzPct val="100000"/>
+            </a:pPr>
+            <a:r>
+              <a:rPr lang="en" sz="2000"/>
+              <a:t>Design UI to allow </a:t>
+            </a:r>
+            <a:r>
+              <a:rPr lang="en" sz="2000"/>
+              <a:t>interact</a:t>
+            </a:r>
+            <a:r>
+              <a:rPr lang="en" sz="2000"/>
+              <a:t> with users and r</a:t>
+            </a:r>
+            <a:r>
+              <a:rPr lang="en" sz="2000"/>
+              <a:t>epresent result using charts</a:t>
+            </a:r>
+          </a:p>
+          <a:p>
+            <a:pPr indent="-355600" lvl="0" marL="457200">
+              <a:spcBef>
+                <a:spcPts val="0"/>
+              </a:spcBef>
+              <a:buSzPct val="100000"/>
+            </a:pPr>
+            <a:r>
+              <a:rPr lang="en" sz="2000"/>
+              <a:t>Visualize the difference between the prediction and the actual stock prices and meet the acceptance criteria</a:t>
+            </a:r>
+          </a:p>
+        </p:txBody>
+      </p:sp>
+    </p:spTree>
+  </p:cSld>
+  <p:clrMapOvr>
+    <a:masterClrMapping/>
+  </p:clrMapOvr>
+</p:sld>
+</file>
+
+<file path=ppt/slides/slide11.xml><?xml version="1.0" encoding="utf-8"?>
+<p:sld xmlns:a="http://schemas.openxmlformats.org/drawingml/2006/main" xmlns:r="http://schemas.openxmlformats.org/officeDocument/2006/relationships" xmlns:mc="http://schemas.openxmlformats.org/markup-compatibility/2006" xmlns:mv="urn:schemas-microsoft-com:mac:vml" xmlns:p="http://schemas.openxmlformats.org/presentationml/2006/main" xmlns:c="http://schemas.openxmlformats.org/drawingml/2006/chart" xmlns:dgm="http://schemas.openxmlformats.org/drawingml/2006/diagram" xmlns:o="urn:schemas-microsoft-com:office:office" xmlns:v="urn:schemas-microsoft-com:vml" xmlns:pvml="urn:schemas-microsoft-com:office:powerpoint" xmlns:com="http://schemas.openxmlformats.org/drawingml/2006/compatibility" xmlns:p14="http://schemas.microsoft.com/office/powerpoint/2010/main" xmlns:p15="http://schemas.microsoft.com/office/powerpoint/2012/main">
+  <p:cSld>
+    <p:spTree>
+      <p:nvGrpSpPr>
+        <p:cNvPr id="136" name="Shape 136"/>
+        <p:cNvGrpSpPr/>
+        <p:nvPr/>
+      </p:nvGrpSpPr>
+      <p:grpSpPr>
+        <a:xfrm>
+          <a:off x="0" y="0"/>
+          <a:ext cx="0" cy="0"/>
+          <a:chOff x="0" y="0"/>
+          <a:chExt cx="0" cy="0"/>
+        </a:xfrm>
+      </p:grpSpPr>
+      <p:sp>
+        <p:nvSpPr>
+          <p:cNvPr id="137" name="Shape 137"/>
+          <p:cNvSpPr txBox="1"/>
+          <p:nvPr>
+            <p:ph type="title"/>
+          </p:nvPr>
+        </p:nvSpPr>
+        <p:spPr>
+          <a:xfrm>
+            <a:off x="480750" y="1764950"/>
+            <a:ext cx="8222100" cy="907500"/>
+          </a:xfrm>
+          <a:prstGeom prst="rect">
+            <a:avLst/>
+          </a:prstGeom>
+        </p:spPr>
+        <p:txBody>
+          <a:bodyPr anchorCtr="0" anchor="b" bIns="91425" lIns="91425" rIns="91425" wrap="square" tIns="91425">
+            <a:noAutofit/>
+          </a:bodyPr>
+          <a:lstStyle/>
+          <a:p>
+            <a:pPr lvl="0">
+              <a:spcBef>
+                <a:spcPts val="0"/>
+              </a:spcBef>
+              <a:buNone/>
+            </a:pPr>
+            <a:r>
+              <a:rPr lang="en" sz="3600"/>
+              <a:t>Q &amp; A</a:t>
+            </a:r>
+          </a:p>
+        </p:txBody>
+      </p:sp>
+      <p:sp>
+        <p:nvSpPr>
+          <p:cNvPr id="138" name="Shape 138"/>
+          <p:cNvSpPr txBox="1"/>
+          <p:nvPr>
+            <p:ph idx="4294967295" type="body"/>
+          </p:nvPr>
+        </p:nvSpPr>
+        <p:spPr>
+          <a:xfrm>
+            <a:off x="3436325" y="3105825"/>
+            <a:ext cx="4023000" cy="1186500"/>
+          </a:xfrm>
+          <a:prstGeom prst="rect">
+            <a:avLst/>
+          </a:prstGeom>
+        </p:spPr>
+        <p:txBody>
+          <a:bodyPr anchorCtr="0" anchor="t" bIns="91425" lIns="91425" rIns="91425" wrap="square" tIns="91425">
+            <a:noAutofit/>
+          </a:bodyPr>
+          <a:lstStyle/>
+          <a:p>
+            <a:pPr lvl="0">
+              <a:spcBef>
+                <a:spcPts val="0"/>
+              </a:spcBef>
+              <a:buNone/>
+            </a:pPr>
+            <a:r>
+              <a:rPr lang="en" sz="3600"/>
+              <a:t>Thank you !</a:t>
             </a:r>
           </a:p>
         </p:txBody>
@@ -5239,120 +5727,55 @@
           </a:bodyPr>
           <a:lstStyle/>
           <a:p>
-            <a:pPr lvl="0" rtl="0">
-              <a:spcBef>
-                <a:spcPts val="0"/>
-              </a:spcBef>
-              <a:buNone/>
-            </a:pPr>
-            <a:r>
-              <a:rPr lang="en">
-                <a:solidFill>
-                  <a:schemeClr val="dk1"/>
-                </a:solidFill>
-              </a:rPr>
-              <a:t>Hypothetical Customers:   Fund Management Company, Research Institution and Individual Investors.</a:t>
-            </a:r>
-          </a:p>
-          <a:p>
-            <a:pPr lvl="0" rtl="0">
-              <a:spcBef>
-                <a:spcPts val="0"/>
-              </a:spcBef>
-              <a:buNone/>
-            </a:pPr>
-            <a:r>
-              <a:rPr lang="en">
-                <a:solidFill>
-                  <a:schemeClr val="dk1"/>
-                </a:solidFill>
-              </a:rPr>
-              <a:t>Usage:	</a:t>
-            </a:r>
-            <a:r>
-              <a:rPr lang="en">
-                <a:solidFill>
-                  <a:schemeClr val="dk1"/>
-                </a:solidFill>
-              </a:rPr>
-              <a:t>Prediction for quantitative trading </a:t>
-            </a:r>
-            <a:r>
-              <a:rPr lang="en">
-                <a:solidFill>
-                  <a:schemeClr val="dk1"/>
-                </a:solidFill>
-              </a:rPr>
-              <a:t>and high frequency trading strategy</a:t>
-            </a:r>
-          </a:p>
-          <a:p>
-            <a:pPr lvl="0" rtl="0">
-              <a:spcBef>
-                <a:spcPts val="0"/>
-              </a:spcBef>
-              <a:buNone/>
-            </a:pPr>
-            <a:r>
-              <a:rPr lang="en">
-                <a:solidFill>
-                  <a:schemeClr val="dk1"/>
-                </a:solidFill>
-              </a:rPr>
-              <a:t>	E</a:t>
-            </a:r>
-            <a:r>
-              <a:rPr lang="en">
-                <a:solidFill>
-                  <a:schemeClr val="dk1"/>
-                </a:solidFill>
-              </a:rPr>
-              <a:t>g.: Given a stock and a particular timeframe, predict the following trend price and its </a:t>
-            </a:r>
+            <a:pPr indent="-342900" lvl="0" marL="457200" rtl="0">
+              <a:spcBef>
+                <a:spcPts val="0"/>
+              </a:spcBef>
+              <a:spcAft>
+                <a:spcPts val="0"/>
+              </a:spcAft>
+              <a:buClr>
+                <a:schemeClr val="dk1"/>
+              </a:buClr>
+              <a:buSzPct val="100000"/>
+              <a:buAutoNum type="arabicPeriod"/>
+            </a:pPr>
             <a:r>
               <a:rPr lang="en"/>
-              <a:t>probability</a:t>
-            </a:r>
-            <a:r>
-              <a:rPr lang="en">
-                <a:solidFill>
-                  <a:schemeClr val="dk1"/>
-                </a:solidFill>
-              </a:rPr>
-              <a:t> based on time scale (per day). Results will show as a line chart with values like open price, close price, low/high, trading volume</a:t>
-            </a:r>
-          </a:p>
-          <a:p>
-            <a:pPr lvl="0" rtl="0">
-              <a:spcBef>
-                <a:spcPts val="0"/>
-              </a:spcBef>
-              <a:buNone/>
-            </a:pPr>
-            <a:r>
-              <a:t/>
-            </a:r>
-            <a:endParaRPr>
-              <a:solidFill>
+              <a:t>Users select one stock and one timeframe </a:t>
+            </a:r>
+            <a:r>
+              <a:rPr lang="en"/>
+              <a:t>(1 day/1 week/1 month) at a time. System runs data model and predict the following trend (up/down) based on time scale. System displays whether the price trend is up or down of the prediction and actual history trend.</a:t>
+            </a:r>
+          </a:p>
+          <a:p>
+            <a:pPr indent="-342900" lvl="0" marL="457200">
+              <a:spcBef>
+                <a:spcPts val="0"/>
+              </a:spcBef>
+              <a:buClr>
                 <a:schemeClr val="dk1"/>
-              </a:solidFill>
-            </a:endParaRPr>
-          </a:p>
-          <a:p>
-            <a:pPr lvl="0">
-              <a:spcBef>
-                <a:spcPts val="0"/>
-              </a:spcBef>
-              <a:buNone/>
-            </a:pPr>
-            <a:r>
-              <a:t/>
-            </a:r>
-            <a:endParaRPr>
-              <a:solidFill>
-                <a:schemeClr val="dk1"/>
-              </a:solidFill>
-            </a:endParaRPr>
+              </a:buClr>
+              <a:buSzPct val="100000"/>
+              <a:buAutoNum type="arabicPeriod"/>
+            </a:pPr>
+            <a:r>
+              <a:rPr lang="en"/>
+              <a:t>Users select one stock and one timeframe (1 day/1 week/1 month) at a time. System runs data model and </a:t>
+            </a:r>
+            <a:r>
+              <a:rPr lang="en"/>
+              <a:t>predict the following </a:t>
+            </a:r>
+            <a:r>
+              <a:rPr b="1" i="1" lang="en"/>
+              <a:t>closing price</a:t>
+            </a:r>
+            <a:r>
+              <a:rPr lang="en"/>
+              <a:t> based on time scale. System displays a line chart of price trend with the predict closing price and actual history price.</a:t>
+            </a:r>
           </a:p>
         </p:txBody>
       </p:sp>
@@ -5450,6 +5873,7 @@
               <a:buClr>
                 <a:schemeClr val="dk1"/>
               </a:buClr>
+              <a:buSzPct val="100000"/>
               <a:buAutoNum type="arabicPeriod"/>
             </a:pPr>
             <a:r>
@@ -5466,7 +5890,7 @@
                   <a:schemeClr val="dk1"/>
                 </a:solidFill>
               </a:rPr>
-              <a:t>relevant dataset. (Market Price, Ask, Bid, Market Cap, PE Ratio, EPS, Volume and historical Financial Statement)</a:t>
+              <a:t>relevant dataset. (Market Price, Market Cap, PE Ratio, EPS, Volume and historical Financial Statement)</a:t>
             </a:r>
           </a:p>
           <a:p>
@@ -5480,6 +5904,7 @@
               <a:buClr>
                 <a:schemeClr val="dk1"/>
               </a:buClr>
+              <a:buSzPct val="100000"/>
               <a:buAutoNum type="arabicPeriod"/>
             </a:pPr>
             <a:r>
@@ -5492,6 +5917,7 @@
               <a:spcBef>
                 <a:spcPts val="0"/>
               </a:spcBef>
+              <a:buSzPct val="100000"/>
               <a:buAutoNum type="arabicPeriod"/>
             </a:pPr>
             <a:r>
@@ -5572,7 +5998,7 @@
         </p:nvSpPr>
         <p:spPr>
           <a:xfrm>
-            <a:off x="387900" y="1489824"/>
+            <a:off x="387900" y="1337424"/>
             <a:ext cx="8368200" cy="3078900"/>
           </a:xfrm>
           <a:prstGeom prst="rect">
@@ -5595,7 +6021,8 @@
               <a:buClr>
                 <a:schemeClr val="dk1"/>
               </a:buClr>
-              <a:buChar char="●"/>
+              <a:buSzPct val="100000"/>
+              <a:buAutoNum type="arabicPeriod"/>
             </a:pPr>
             <a:r>
               <a:rPr lang="en">
@@ -5613,17 +6040,10 @@
               </a:rPr>
               <a:t> </a:t>
             </a:r>
-          </a:p>
-          <a:p>
-            <a:pPr indent="457200" lvl="0" rtl="0">
-              <a:lnSpc>
-                <a:spcPct val="115000"/>
-              </a:lnSpc>
-              <a:spcBef>
-                <a:spcPts val="0"/>
-              </a:spcBef>
-              <a:buNone/>
-            </a:pPr>
+            <a:r>
+              <a:rPr i="1" lang="en"/>
+              <a:t>	</a:t>
+            </a:r>
             <a:r>
               <a:rPr i="1" lang="en">
                 <a:solidFill>
@@ -5635,29 +6055,22 @@
             </a:r>
           </a:p>
           <a:p>
-            <a:pPr indent="-342900" lvl="0" marL="457200" rtl="0">
+            <a:pPr indent="457200" lvl="0" rtl="0">
               <a:lnSpc>
                 <a:spcPct val="115000"/>
               </a:lnSpc>
               <a:spcBef>
                 <a:spcPts val="0"/>
               </a:spcBef>
-              <a:buClr>
-                <a:schemeClr val="dk1"/>
-              </a:buClr>
-              <a:buChar char="●"/>
-            </a:pPr>
-            <a:r>
-              <a:rPr lang="en">
-                <a:solidFill>
-                  <a:schemeClr val="dk1"/>
-                </a:solidFill>
-              </a:rPr>
-              <a:t>Quote API for Yahoo Finance: </a:t>
-            </a:r>
-          </a:p>
-          <a:p>
-            <a:pPr indent="457200" lvl="0">
+              <a:buNone/>
+            </a:pPr>
+            <a:r>
+              <a:rPr lang="en"/>
+              <a:t>Sample of price data: </a:t>
+            </a:r>
+          </a:p>
+          <a:p>
+            <a:pPr indent="457200" lvl="0" rtl="0">
               <a:lnSpc>
                 <a:spcPct val="115000"/>
               </a:lnSpc>
@@ -5667,16 +6080,98 @@
               <a:buNone/>
             </a:pPr>
             <a:r>
-              <a:rPr i="1" lang="en">
-                <a:solidFill>
-                  <a:srgbClr val="4285F4"/>
-                </a:solidFill>
-              </a:rPr>
-              <a:t>https://financequotes-api.com/#singlestock-easy</a:t>
+              <a:t/>
+            </a:r>
+            <a:endParaRPr sz="600"/>
+          </a:p>
+          <a:p>
+            <a:pPr indent="457200" lvl="0" rtl="0">
+              <a:lnSpc>
+                <a:spcPct val="115000"/>
+              </a:lnSpc>
+              <a:spcBef>
+                <a:spcPts val="0"/>
+              </a:spcBef>
+              <a:buNone/>
+            </a:pPr>
+            <a:r>
+              <a:rPr lang="en"/>
+              <a:t>Size:  Daily stock prices of year 2010-2016</a:t>
+            </a:r>
+          </a:p>
+          <a:p>
+            <a:pPr indent="457200" lvl="0" rtl="0">
+              <a:lnSpc>
+                <a:spcPct val="115000"/>
+              </a:lnSpc>
+              <a:spcBef>
+                <a:spcPts val="0"/>
+              </a:spcBef>
+              <a:buNone/>
+            </a:pPr>
+            <a:r>
+              <a:rPr lang="en"/>
+              <a:t>	851,265 lines and 52.7 MB CSV file</a:t>
             </a:r>
           </a:p>
         </p:txBody>
       </p:sp>
+      <p:pic>
+        <p:nvPicPr>
+          <p:cNvPr id="83" name="Shape 83"/>
+          <p:cNvPicPr preferRelativeResize="0"/>
+          <p:nvPr/>
+        </p:nvPicPr>
+        <p:blipFill>
+          <a:blip r:embed="rId4">
+            <a:alphaModFix/>
+          </a:blip>
+          <a:stretch>
+            <a:fillRect/>
+          </a:stretch>
+        </p:blipFill>
+        <p:spPr>
+          <a:xfrm>
+            <a:off x="621825" y="2690599"/>
+            <a:ext cx="7900351" cy="269976"/>
+          </a:xfrm>
+          <a:prstGeom prst="rect">
+            <a:avLst/>
+          </a:prstGeom>
+          <a:noFill/>
+          <a:ln>
+            <a:noFill/>
+          </a:ln>
+        </p:spPr>
+      </p:pic>
+      <p:pic>
+        <p:nvPicPr>
+          <p:cNvPr id="84" name="Shape 84"/>
+          <p:cNvPicPr preferRelativeResize="0"/>
+          <p:nvPr/>
+        </p:nvPicPr>
+        <p:blipFill>
+          <a:blip r:embed="rId5">
+            <a:alphaModFix/>
+          </a:blip>
+          <a:stretch>
+            <a:fillRect/>
+          </a:stretch>
+        </p:blipFill>
+        <p:spPr>
+          <a:xfrm>
+            <a:off x="5358200" y="3120975"/>
+            <a:ext cx="3163975" cy="865050"/>
+          </a:xfrm>
+          <a:prstGeom prst="rect">
+            <a:avLst/>
+          </a:prstGeom>
+          <a:noFill/>
+          <a:ln>
+            <a:noFill/>
+          </a:ln>
+        </p:spPr>
+      </p:pic>
     </p:spTree>
   </p:cSld>
   <p:clrMapOvr>
@@ -5690,7 +6185,7 @@
   <p:cSld>
     <p:spTree>
       <p:nvGrpSpPr>
-        <p:cNvPr id="86" name="Shape 86"/>
+        <p:cNvPr id="88" name="Shape 88"/>
         <p:cNvGrpSpPr/>
         <p:nvPr/>
       </p:nvGrpSpPr>
@@ -5704,7 +6199,7 @@
       </p:grpSpPr>
       <p:sp>
         <p:nvSpPr>
-          <p:cNvPr id="87" name="Shape 87"/>
+          <p:cNvPr id="89" name="Shape 89"/>
           <p:cNvSpPr txBox="1"/>
           <p:nvPr>
             <p:ph type="title"/>
@@ -5725,7 +6220,7 @@
           </a:bodyPr>
           <a:lstStyle/>
           <a:p>
-            <a:pPr lvl="0">
+            <a:pPr lvl="0" rtl="0">
               <a:spcBef>
                 <a:spcPts val="0"/>
               </a:spcBef>
@@ -5733,83 +6228,7 @@
             </a:pPr>
             <a:r>
               <a:rPr lang="en"/>
-              <a:t>Milestones</a:t>
-            </a:r>
-          </a:p>
-        </p:txBody>
-      </p:sp>
-      <p:cxnSp>
-        <p:nvCxnSpPr>
-          <p:cNvPr id="88" name="Shape 88"/>
-          <p:cNvCxnSpPr/>
-          <p:nvPr/>
-        </p:nvCxnSpPr>
-        <p:spPr>
-          <a:xfrm>
-            <a:off x="678000" y="2907950"/>
-            <a:ext cx="7788000" cy="0"/>
-          </a:xfrm>
-          <a:prstGeom prst="straightConnector1">
-            <a:avLst/>
-          </a:prstGeom>
-          <a:noFill/>
-          <a:ln cap="flat" cmpd="sng" w="38100">
-            <a:solidFill>
-              <a:srgbClr val="FFF2CC"/>
-            </a:solidFill>
-            <a:prstDash val="solid"/>
-            <a:round/>
-            <a:headEnd len="lg" w="lg" type="none"/>
-            <a:tailEnd len="lg" w="lg" type="triangle"/>
-          </a:ln>
-        </p:spPr>
-      </p:cxnSp>
-      <p:sp>
-        <p:nvSpPr>
-          <p:cNvPr id="89" name="Shape 89"/>
-          <p:cNvSpPr/>
-          <p:nvPr/>
-        </p:nvSpPr>
-        <p:spPr>
-          <a:xfrm>
-            <a:off x="470650" y="1413850"/>
-            <a:ext cx="2610900" cy="1055100"/>
-          </a:xfrm>
-          <a:prstGeom prst="wedgeRoundRectCallout">
-            <a:avLst>
-              <a:gd fmla="val -8798" name="adj1"/>
-              <a:gd fmla="val 81542" name="adj2"/>
-              <a:gd fmla="val 0" name="adj3"/>
-            </a:avLst>
-          </a:prstGeom>
-          <a:solidFill>
-            <a:srgbClr val="F3F3F3"/>
-          </a:solidFill>
-          <a:ln cap="flat" cmpd="sng" w="9525">
-            <a:solidFill>
-              <a:schemeClr val="dk2"/>
-            </a:solidFill>
-            <a:prstDash val="solid"/>
-            <a:round/>
-            <a:headEnd len="med" w="med" type="none"/>
-            <a:tailEnd len="med" w="med" type="none"/>
-          </a:ln>
-        </p:spPr>
-        <p:txBody>
-          <a:bodyPr anchorCtr="0" anchor="ctr" bIns="91425" lIns="91425" rIns="91425" wrap="square" tIns="91425">
-            <a:noAutofit/>
-          </a:bodyPr>
-          <a:lstStyle/>
-          <a:p>
-            <a:pPr lvl="0">
-              <a:spcBef>
-                <a:spcPts val="0"/>
-              </a:spcBef>
-              <a:buNone/>
-            </a:pPr>
-            <a:r>
-              <a:rPr lang="en"/>
-              <a:t>Clean Data, Learn Spark and Zeppelin, Search references for algorithm</a:t>
+              <a:t>Data sources</a:t>
             </a:r>
           </a:p>
         </p:txBody>
@@ -5818,20 +6237,18 @@
         <p:nvSpPr>
           <p:cNvPr id="90" name="Shape 90"/>
           <p:cNvSpPr txBox="1"/>
-          <p:nvPr/>
-        </p:nvSpPr>
-        <p:spPr>
-          <a:xfrm>
-            <a:off x="905425" y="2895600"/>
-            <a:ext cx="1143000" cy="381000"/>
+          <p:nvPr>
+            <p:ph idx="1" type="body"/>
+          </p:nvPr>
+        </p:nvSpPr>
+        <p:spPr>
+          <a:xfrm>
+            <a:off x="387900" y="1296524"/>
+            <a:ext cx="8368200" cy="3078900"/>
           </a:xfrm>
           <a:prstGeom prst="rect">
             <a:avLst/>
           </a:prstGeom>
-          <a:noFill/>
-          <a:ln>
-            <a:noFill/>
-          </a:ln>
         </p:spPr>
         <p:txBody>
           <a:bodyPr anchorCtr="0" anchor="t" bIns="91425" lIns="91425" rIns="91425" wrap="square" tIns="91425">
@@ -5839,11 +6256,18 @@
           </a:bodyPr>
           <a:lstStyle/>
           <a:p>
-            <a:pPr lvl="0">
-              <a:spcBef>
-                <a:spcPts val="0"/>
-              </a:spcBef>
-              <a:buNone/>
+            <a:pPr indent="-342900" lvl="0" marL="457200" rtl="0">
+              <a:lnSpc>
+                <a:spcPct val="115000"/>
+              </a:lnSpc>
+              <a:spcBef>
+                <a:spcPts val="0"/>
+              </a:spcBef>
+              <a:buClr>
+                <a:schemeClr val="dk1"/>
+              </a:buClr>
+              <a:buSzPct val="100000"/>
+              <a:buAutoNum type="arabicPeriod"/>
             </a:pPr>
             <a:r>
               <a:rPr lang="en">
@@ -5851,21 +6275,140 @@
                   <a:schemeClr val="dk1"/>
                 </a:solidFill>
               </a:rPr>
-              <a:t>Week 11/12</a:t>
+              <a:t>New York Stock Exchange S&amp;P 500 Companies historical prices with fundamental data:</a:t>
+            </a:r>
+            <a:r>
+              <a:rPr i="1" lang="en">
+                <a:solidFill>
+                  <a:schemeClr val="dk1"/>
+                </a:solidFill>
+              </a:rPr>
+              <a:t> </a:t>
+            </a:r>
+            <a:r>
+              <a:rPr i="1" lang="en"/>
+              <a:t>	</a:t>
+            </a:r>
+            <a:r>
+              <a:rPr i="1" lang="en">
+                <a:solidFill>
+                  <a:schemeClr val="hlink"/>
+                </a:solidFill>
+                <a:hlinkClick r:id="rId3"/>
+              </a:rPr>
+              <a:t>https://www.kaggle.com/dgawlik/nyse</a:t>
+            </a:r>
+          </a:p>
+          <a:p>
+            <a:pPr indent="457200" lvl="0" rtl="0">
+              <a:lnSpc>
+                <a:spcPct val="115000"/>
+              </a:lnSpc>
+              <a:spcBef>
+                <a:spcPts val="0"/>
+              </a:spcBef>
+              <a:buNone/>
+            </a:pPr>
+            <a:r>
+              <a:rPr lang="en"/>
+              <a:t>Sample of foundation data: </a:t>
+            </a:r>
+          </a:p>
+          <a:p>
+            <a:pPr indent="457200" lvl="0" rtl="0">
+              <a:lnSpc>
+                <a:spcPct val="115000"/>
+              </a:lnSpc>
+              <a:spcBef>
+                <a:spcPts val="0"/>
+              </a:spcBef>
+              <a:buNone/>
+            </a:pPr>
+            <a:r>
+              <a:t/>
+            </a:r>
+            <a:endParaRPr sz="600"/>
+          </a:p>
+          <a:p>
+            <a:pPr indent="457200" lvl="0" rtl="0">
+              <a:lnSpc>
+                <a:spcPct val="115000"/>
+              </a:lnSpc>
+              <a:spcBef>
+                <a:spcPts val="0"/>
+              </a:spcBef>
+              <a:buNone/>
+            </a:pPr>
+            <a:r>
+              <a:t/>
+            </a:r>
+            <a:endParaRPr/>
+          </a:p>
+          <a:p>
+            <a:pPr indent="457200" lvl="0" rtl="0">
+              <a:lnSpc>
+                <a:spcPct val="115000"/>
+              </a:lnSpc>
+              <a:spcBef>
+                <a:spcPts val="0"/>
+              </a:spcBef>
+              <a:buNone/>
+            </a:pPr>
+            <a:r>
+              <a:t/>
+            </a:r>
+            <a:endParaRPr/>
+          </a:p>
+          <a:p>
+            <a:pPr indent="457200" lvl="0" rtl="0">
+              <a:lnSpc>
+                <a:spcPct val="115000"/>
+              </a:lnSpc>
+              <a:spcBef>
+                <a:spcPts val="0"/>
+              </a:spcBef>
+              <a:buNone/>
+            </a:pPr>
+            <a:r>
+              <a:t/>
+            </a:r>
+            <a:endParaRPr/>
+          </a:p>
+          <a:p>
+            <a:pPr indent="457200" lvl="0" rtl="0">
+              <a:lnSpc>
+                <a:spcPct val="115000"/>
+              </a:lnSpc>
+              <a:spcBef>
+                <a:spcPts val="0"/>
+              </a:spcBef>
+              <a:buNone/>
+            </a:pPr>
+            <a:r>
+              <a:rPr lang="en"/>
+              <a:t>Size:  1782 lines with 77 columns each line and 1.4 MB CSV file</a:t>
             </a:r>
           </a:p>
         </p:txBody>
       </p:sp>
-      <p:sp>
-        <p:nvSpPr>
+      <p:pic>
+        <p:nvPicPr>
           <p:cNvPr id="91" name="Shape 91"/>
-          <p:cNvSpPr txBox="1"/>
+          <p:cNvPicPr preferRelativeResize="0"/>
           <p:nvPr/>
-        </p:nvSpPr>
-        <p:spPr>
-          <a:xfrm>
-            <a:off x="2626650" y="2895600"/>
-            <a:ext cx="1143000" cy="381000"/>
+        </p:nvPicPr>
+        <p:blipFill>
+          <a:blip r:embed="rId4">
+            <a:alphaModFix/>
+          </a:blip>
+          <a:stretch>
+            <a:fillRect/>
+          </a:stretch>
+        </p:blipFill>
+        <p:spPr>
+          <a:xfrm>
+            <a:off x="929900" y="2508750"/>
+            <a:ext cx="7003876" cy="2014475"/>
           </a:xfrm>
           <a:prstGeom prst="rect">
             <a:avLst/>
@@ -5875,291 +6418,7 @@
             <a:noFill/>
           </a:ln>
         </p:spPr>
-        <p:txBody>
-          <a:bodyPr anchorCtr="0" anchor="t" bIns="91425" lIns="91425" rIns="91425" wrap="square" tIns="91425">
-            <a:noAutofit/>
-          </a:bodyPr>
-          <a:lstStyle/>
-          <a:p>
-            <a:pPr lvl="0" rtl="0">
-              <a:spcBef>
-                <a:spcPts val="0"/>
-              </a:spcBef>
-              <a:buNone/>
-            </a:pPr>
-            <a:r>
-              <a:rPr lang="en">
-                <a:solidFill>
-                  <a:schemeClr val="dk1"/>
-                </a:solidFill>
-              </a:rPr>
-              <a:t>Week 11/19</a:t>
-            </a:r>
-          </a:p>
-        </p:txBody>
-      </p:sp>
-      <p:sp>
-        <p:nvSpPr>
-          <p:cNvPr id="92" name="Shape 92"/>
-          <p:cNvSpPr txBox="1"/>
-          <p:nvPr/>
-        </p:nvSpPr>
-        <p:spPr>
-          <a:xfrm>
-            <a:off x="4457700" y="2895600"/>
-            <a:ext cx="1143000" cy="381000"/>
-          </a:xfrm>
-          <a:prstGeom prst="rect">
-            <a:avLst/>
-          </a:prstGeom>
-          <a:noFill/>
-          <a:ln>
-            <a:noFill/>
-          </a:ln>
-        </p:spPr>
-        <p:txBody>
-          <a:bodyPr anchorCtr="0" anchor="t" bIns="91425" lIns="91425" rIns="91425" wrap="square" tIns="91425">
-            <a:noAutofit/>
-          </a:bodyPr>
-          <a:lstStyle/>
-          <a:p>
-            <a:pPr lvl="0" rtl="0">
-              <a:spcBef>
-                <a:spcPts val="0"/>
-              </a:spcBef>
-              <a:buNone/>
-            </a:pPr>
-            <a:r>
-              <a:rPr lang="en">
-                <a:solidFill>
-                  <a:schemeClr val="dk1"/>
-                </a:solidFill>
-              </a:rPr>
-              <a:t>Week 11/26</a:t>
-            </a:r>
-          </a:p>
-        </p:txBody>
-      </p:sp>
-      <p:sp>
-        <p:nvSpPr>
-          <p:cNvPr id="93" name="Shape 93"/>
-          <p:cNvSpPr txBox="1"/>
-          <p:nvPr/>
-        </p:nvSpPr>
-        <p:spPr>
-          <a:xfrm>
-            <a:off x="6459050" y="2895600"/>
-            <a:ext cx="1143000" cy="381000"/>
-          </a:xfrm>
-          <a:prstGeom prst="rect">
-            <a:avLst/>
-          </a:prstGeom>
-          <a:noFill/>
-          <a:ln>
-            <a:noFill/>
-          </a:ln>
-        </p:spPr>
-        <p:txBody>
-          <a:bodyPr anchorCtr="0" anchor="t" bIns="91425" lIns="91425" rIns="91425" wrap="square" tIns="91425">
-            <a:noAutofit/>
-          </a:bodyPr>
-          <a:lstStyle/>
-          <a:p>
-            <a:pPr lvl="0" rtl="0">
-              <a:spcBef>
-                <a:spcPts val="0"/>
-              </a:spcBef>
-              <a:buNone/>
-            </a:pPr>
-            <a:r>
-              <a:rPr lang="en">
-                <a:solidFill>
-                  <a:schemeClr val="dk1"/>
-                </a:solidFill>
-              </a:rPr>
-              <a:t>Week 12/3</a:t>
-            </a:r>
-          </a:p>
-        </p:txBody>
-      </p:sp>
-      <p:cxnSp>
-        <p:nvCxnSpPr>
-          <p:cNvPr id="94" name="Shape 94"/>
-          <p:cNvCxnSpPr>
-            <a:stCxn id="90" idx="0"/>
-          </p:cNvCxnSpPr>
-          <p:nvPr/>
-        </p:nvCxnSpPr>
-        <p:spPr>
-          <a:xfrm>
-            <a:off x="1476925" y="2895600"/>
-            <a:ext cx="0" cy="0"/>
-          </a:xfrm>
-          <a:prstGeom prst="straightConnector1">
-            <a:avLst/>
-          </a:prstGeom>
-          <a:noFill/>
-          <a:ln cap="flat" cmpd="sng" w="9525">
-            <a:solidFill>
-              <a:schemeClr val="dk2"/>
-            </a:solidFill>
-            <a:prstDash val="solid"/>
-            <a:round/>
-            <a:headEnd len="lg" w="lg" type="none"/>
-            <a:tailEnd len="lg" w="lg" type="none"/>
-          </a:ln>
-        </p:spPr>
-      </p:cxnSp>
-      <p:sp>
-        <p:nvSpPr>
-          <p:cNvPr id="95" name="Shape 95"/>
-          <p:cNvSpPr/>
-          <p:nvPr/>
-        </p:nvSpPr>
-        <p:spPr>
-          <a:xfrm>
-            <a:off x="4791675" y="1413850"/>
-            <a:ext cx="3028800" cy="1055100"/>
-          </a:xfrm>
-          <a:prstGeom prst="wedgeRoundRectCallout">
-            <a:avLst>
-              <a:gd fmla="val -35237" name="adj1"/>
-              <a:gd fmla="val 83639" name="adj2"/>
-              <a:gd fmla="val 0" name="adj3"/>
-            </a:avLst>
-          </a:prstGeom>
-          <a:solidFill>
-            <a:srgbClr val="F3F3F3"/>
-          </a:solidFill>
-          <a:ln cap="flat" cmpd="sng" w="9525">
-            <a:solidFill>
-              <a:schemeClr val="dk2"/>
-            </a:solidFill>
-            <a:prstDash val="solid"/>
-            <a:round/>
-            <a:headEnd len="med" w="med" type="none"/>
-            <a:tailEnd len="med" w="med" type="none"/>
-          </a:ln>
-        </p:spPr>
-        <p:txBody>
-          <a:bodyPr anchorCtr="0" anchor="ctr" bIns="91425" lIns="91425" rIns="91425" wrap="square" tIns="91425">
-            <a:noAutofit/>
-          </a:bodyPr>
-          <a:lstStyle/>
-          <a:p>
-            <a:pPr lvl="0" rtl="0">
-              <a:spcBef>
-                <a:spcPts val="0"/>
-              </a:spcBef>
-              <a:buNone/>
-            </a:pPr>
-            <a:r>
-              <a:rPr lang="en"/>
-              <a:t>Implement (tail), Improve the accuracy if possible, Render on Zeppelin, Design Test cases</a:t>
-            </a:r>
-          </a:p>
-        </p:txBody>
-      </p:sp>
-      <p:sp>
-        <p:nvSpPr>
-          <p:cNvPr id="96" name="Shape 96"/>
-          <p:cNvSpPr/>
-          <p:nvPr/>
-        </p:nvSpPr>
-        <p:spPr>
-          <a:xfrm>
-            <a:off x="1344700" y="3602675"/>
-            <a:ext cx="2610900" cy="1055100"/>
-          </a:xfrm>
-          <a:prstGeom prst="wedgeRoundRectCallout">
-            <a:avLst>
-              <a:gd fmla="val 24680" name="adj1"/>
-              <a:gd fmla="val -86639" name="adj2"/>
-              <a:gd fmla="val 0" name="adj3"/>
-            </a:avLst>
-          </a:prstGeom>
-          <a:solidFill>
-            <a:srgbClr val="F3F3F3"/>
-          </a:solidFill>
-          <a:ln cap="flat" cmpd="sng" w="9525">
-            <a:solidFill>
-              <a:schemeClr val="dk2"/>
-            </a:solidFill>
-            <a:prstDash val="solid"/>
-            <a:round/>
-            <a:headEnd len="med" w="med" type="none"/>
-            <a:tailEnd len="med" w="med" type="none"/>
-          </a:ln>
-        </p:spPr>
-        <p:txBody>
-          <a:bodyPr anchorCtr="0" anchor="ctr" bIns="91425" lIns="91425" rIns="91425" wrap="square" tIns="91425">
-            <a:noAutofit/>
-          </a:bodyPr>
-          <a:lstStyle/>
-          <a:p>
-            <a:pPr lvl="0" rtl="0">
-              <a:spcBef>
-                <a:spcPts val="0"/>
-              </a:spcBef>
-              <a:buNone/>
-            </a:pPr>
-            <a:r>
-              <a:rPr lang="en"/>
-              <a:t>Clean Data (tail), Try to implement the prediction model on a small dataset</a:t>
-            </a:r>
-          </a:p>
-        </p:txBody>
-      </p:sp>
-      <p:sp>
-        <p:nvSpPr>
-          <p:cNvPr id="97" name="Shape 97"/>
-          <p:cNvSpPr/>
-          <p:nvPr/>
-        </p:nvSpPr>
-        <p:spPr>
-          <a:xfrm>
-            <a:off x="5725100" y="3602675"/>
-            <a:ext cx="2610900" cy="1055100"/>
-          </a:xfrm>
-          <a:prstGeom prst="wedgeRoundRectCallout">
-            <a:avLst>
-              <a:gd fmla="val 6267" name="adj1"/>
-              <a:gd fmla="val -87703" name="adj2"/>
-              <a:gd fmla="val 0" name="adj3"/>
-            </a:avLst>
-          </a:prstGeom>
-          <a:solidFill>
-            <a:srgbClr val="F3F3F3"/>
-          </a:solidFill>
-          <a:ln cap="flat" cmpd="sng" w="9525">
-            <a:solidFill>
-              <a:schemeClr val="dk2"/>
-            </a:solidFill>
-            <a:prstDash val="solid"/>
-            <a:round/>
-            <a:headEnd len="med" w="med" type="none"/>
-            <a:tailEnd len="med" w="med" type="none"/>
-          </a:ln>
-        </p:spPr>
-        <p:txBody>
-          <a:bodyPr anchorCtr="0" anchor="ctr" bIns="91425" lIns="91425" rIns="91425" wrap="square" tIns="91425">
-            <a:noAutofit/>
-          </a:bodyPr>
-          <a:lstStyle/>
-          <a:p>
-            <a:pPr lvl="0" rtl="0">
-              <a:spcBef>
-                <a:spcPts val="0"/>
-              </a:spcBef>
-              <a:buNone/>
-            </a:pPr>
-            <a:r>
-              <a:rPr lang="en"/>
-              <a:t>Create Tests and check criteria, Implement UI, Prepare Final Presentation</a:t>
-            </a:r>
-          </a:p>
-        </p:txBody>
-      </p:sp>
+      </p:pic>
     </p:spTree>
   </p:cSld>
   <p:clrMapOvr>
@@ -6173,7 +6432,7 @@
   <p:cSld>
     <p:spTree>
       <p:nvGrpSpPr>
-        <p:cNvPr id="101" name="Shape 101"/>
+        <p:cNvPr id="95" name="Shape 95"/>
         <p:cNvGrpSpPr/>
         <p:nvPr/>
       </p:nvGrpSpPr>
@@ -6187,7 +6446,7 @@
       </p:grpSpPr>
       <p:sp>
         <p:nvSpPr>
-          <p:cNvPr id="102" name="Shape 102"/>
+          <p:cNvPr id="96" name="Shape 96"/>
           <p:cNvSpPr txBox="1"/>
           <p:nvPr>
             <p:ph type="title"/>
@@ -6208,28 +6467,22 @@
           </a:bodyPr>
           <a:lstStyle/>
           <a:p>
-            <a:pPr indent="0" lvl="0" marL="0" marR="0" rtl="0" algn="l">
-              <a:lnSpc>
-                <a:spcPct val="100000"/>
-              </a:lnSpc>
-              <a:spcBef>
-                <a:spcPts val="0"/>
-              </a:spcBef>
-              <a:spcAft>
-                <a:spcPts val="0"/>
-              </a:spcAft>
+            <a:pPr lvl="0" rtl="0">
+              <a:spcBef>
+                <a:spcPts val="0"/>
+              </a:spcBef>
               <a:buNone/>
             </a:pPr>
             <a:r>
               <a:rPr lang="en"/>
-              <a:t>Programming in Scala and code repository</a:t>
+              <a:t>Data sources</a:t>
             </a:r>
           </a:p>
         </p:txBody>
       </p:sp>
       <p:sp>
         <p:nvSpPr>
-          <p:cNvPr id="103" name="Shape 103"/>
+          <p:cNvPr id="97" name="Shape 97"/>
           <p:cNvSpPr txBox="1"/>
           <p:nvPr>
             <p:ph idx="1" type="body"/>
@@ -6250,7 +6503,10 @@
           </a:bodyPr>
           <a:lstStyle/>
           <a:p>
-            <a:pPr lvl="0">
+            <a:pPr lvl="0" rtl="0">
+              <a:lnSpc>
+                <a:spcPct val="115000"/>
+              </a:lnSpc>
               <a:spcBef>
                 <a:spcPts val="0"/>
               </a:spcBef>
@@ -6258,133 +6514,142 @@
             </a:pPr>
             <a:r>
               <a:rPr lang="en"/>
-              <a:t>Programming in Scala:</a:t>
-            </a:r>
-          </a:p>
-          <a:p>
-            <a:pPr indent="-342900" lvl="0" marL="457200" rtl="0">
-              <a:spcBef>
-                <a:spcPts val="0"/>
-              </a:spcBef>
-              <a:spcAft>
-                <a:spcPts val="0"/>
-              </a:spcAft>
-            </a:pPr>
-            <a:r>
-              <a:rPr lang="en"/>
-              <a:t>Parsing data from CSV file</a:t>
-            </a:r>
-          </a:p>
-          <a:p>
-            <a:pPr indent="-342900" lvl="0" marL="457200" rtl="0">
-              <a:spcBef>
-                <a:spcPts val="0"/>
-              </a:spcBef>
-              <a:spcAft>
-                <a:spcPts val="0"/>
-              </a:spcAft>
-            </a:pPr>
-            <a:r>
-              <a:rPr lang="en"/>
-              <a:t>Clean data</a:t>
-            </a:r>
-          </a:p>
-          <a:p>
-            <a:pPr indent="-342900" lvl="0" marL="457200" rtl="0">
-              <a:spcBef>
-                <a:spcPts val="0"/>
-              </a:spcBef>
-              <a:spcAft>
-                <a:spcPts val="0"/>
-              </a:spcAft>
-            </a:pPr>
-            <a:r>
-              <a:rPr lang="en"/>
-              <a:t>Filter and trim</a:t>
-            </a:r>
-          </a:p>
-          <a:p>
-            <a:pPr indent="-342900" lvl="0" marL="457200" rtl="0">
-              <a:spcBef>
-                <a:spcPts val="0"/>
-              </a:spcBef>
-              <a:spcAft>
-                <a:spcPts val="0"/>
-              </a:spcAft>
-            </a:pPr>
-            <a:r>
-              <a:rPr lang="en"/>
-              <a:t>Calculate and implement prediction model</a:t>
-            </a:r>
-          </a:p>
-          <a:p>
-            <a:pPr indent="-342900" lvl="0" marL="457200" rtl="0">
-              <a:spcBef>
-                <a:spcPts val="0"/>
-              </a:spcBef>
-              <a:spcAft>
-                <a:spcPts val="0"/>
-              </a:spcAft>
-            </a:pPr>
-            <a:r>
-              <a:rPr lang="en"/>
-              <a:t>Data </a:t>
-            </a:r>
-            <a:r>
-              <a:rPr lang="en"/>
-              <a:t>visualization</a:t>
-            </a:r>
-          </a:p>
-          <a:p>
-            <a:pPr indent="-342900" lvl="0" marL="457200">
-              <a:spcBef>
-                <a:spcPts val="0"/>
-              </a:spcBef>
-            </a:pPr>
-            <a:r>
-              <a:rPr lang="en"/>
-              <a:t>Tests</a:t>
-            </a:r>
-          </a:p>
-          <a:p>
-            <a:pPr lvl="0">
-              <a:spcBef>
-                <a:spcPts val="0"/>
-              </a:spcBef>
-              <a:buNone/>
-            </a:pPr>
-            <a:r>
-              <a:rPr lang="en"/>
-              <a:t>Repository:	</a:t>
-            </a:r>
-            <a:r>
-              <a:rPr lang="en" u="sng">
+              <a:t>2.	</a:t>
+            </a:r>
+            <a:r>
+              <a:rPr lang="en">
+                <a:solidFill>
+                  <a:schemeClr val="dk1"/>
+                </a:solidFill>
+              </a:rPr>
+              <a:t>Quote API for Yahoo Finance:</a:t>
+            </a:r>
+            <a:r>
+              <a:rPr lang="en">
+                <a:solidFill>
+                  <a:schemeClr val="dk1"/>
+                </a:solidFill>
+              </a:rPr>
+              <a:t> </a:t>
+            </a:r>
+          </a:p>
+          <a:p>
+            <a:pPr indent="457200" lvl="0" rtl="0">
+              <a:lnSpc>
+                <a:spcPct val="115000"/>
+              </a:lnSpc>
+              <a:spcBef>
+                <a:spcPts val="0"/>
+              </a:spcBef>
+              <a:buNone/>
+            </a:pPr>
+            <a:r>
+              <a:rPr i="1" lang="en" u="sng">
                 <a:solidFill>
                   <a:schemeClr val="hlink"/>
                 </a:solidFill>
-                <a:latin typeface="Arial"/>
-                <a:ea typeface="Arial"/>
-                <a:cs typeface="Arial"/>
-                <a:sym typeface="Arial"/>
                 <a:hlinkClick r:id="rId3"/>
               </a:rPr>
-              <a:t>https://github.com/reasonwow/Stock_Prediction_Scala</a:t>
-            </a:r>
-          </a:p>
-          <a:p>
-            <a:pPr lvl="0">
-              <a:spcBef>
-                <a:spcPts val="0"/>
-              </a:spcBef>
-              <a:buNone/>
-            </a:pPr>
-            <a:r>
-              <a:t/>
-            </a:r>
-            <a:endParaRPr/>
+              <a:t>h</a:t>
+            </a:r>
+            <a:r>
+              <a:rPr i="1" lang="en" u="sng">
+                <a:solidFill>
+                  <a:schemeClr val="hlink"/>
+                </a:solidFill>
+                <a:hlinkClick r:id="rId4"/>
+              </a:rPr>
+              <a:t>ttps://financequotes-api.com/#singlestock-easy</a:t>
+            </a:r>
+          </a:p>
+          <a:p>
+            <a:pPr indent="457200" lvl="0" rtl="0">
+              <a:lnSpc>
+                <a:spcPct val="115000"/>
+              </a:lnSpc>
+              <a:spcBef>
+                <a:spcPts val="0"/>
+              </a:spcBef>
+              <a:buNone/>
+            </a:pPr>
+            <a:r>
+              <a:rPr lang="en"/>
+              <a:t>Input: 	</a:t>
+            </a:r>
+          </a:p>
+          <a:p>
+            <a:pPr indent="457200" lvl="0" rtl="0">
+              <a:lnSpc>
+                <a:spcPct val="115000"/>
+              </a:lnSpc>
+              <a:spcBef>
+                <a:spcPts val="0"/>
+              </a:spcBef>
+              <a:buNone/>
+            </a:pPr>
+            <a:r>
+              <a:rPr lang="en"/>
+              <a:t>Output:	</a:t>
+            </a:r>
           </a:p>
         </p:txBody>
       </p:sp>
+      <p:pic>
+        <p:nvPicPr>
+          <p:cNvPr id="98" name="Shape 98"/>
+          <p:cNvPicPr preferRelativeResize="0"/>
+          <p:nvPr/>
+        </p:nvPicPr>
+        <p:blipFill>
+          <a:blip r:embed="rId5">
+            <a:alphaModFix/>
+          </a:blip>
+          <a:stretch>
+            <a:fillRect/>
+          </a:stretch>
+        </p:blipFill>
+        <p:spPr>
+          <a:xfrm>
+            <a:off x="1865775" y="3212752"/>
+            <a:ext cx="5412451" cy="1717400"/>
+          </a:xfrm>
+          <a:prstGeom prst="rect">
+            <a:avLst/>
+          </a:prstGeom>
+          <a:noFill/>
+          <a:ln>
+            <a:noFill/>
+          </a:ln>
+        </p:spPr>
+      </p:pic>
+      <p:pic>
+        <p:nvPicPr>
+          <p:cNvPr id="99" name="Shape 99"/>
+          <p:cNvPicPr preferRelativeResize="0"/>
+          <p:nvPr/>
+        </p:nvPicPr>
+        <p:blipFill>
+          <a:blip r:embed="rId6">
+            <a:alphaModFix/>
+          </a:blip>
+          <a:stretch>
+            <a:fillRect/>
+          </a:stretch>
+        </p:blipFill>
+        <p:spPr>
+          <a:xfrm>
+            <a:off x="1865775" y="2437000"/>
+            <a:ext cx="4464775" cy="686100"/>
+          </a:xfrm>
+          <a:prstGeom prst="rect">
+            <a:avLst/>
+          </a:prstGeom>
+          <a:noFill/>
+          <a:ln>
+            <a:noFill/>
+          </a:ln>
+        </p:spPr>
+      </p:pic>
     </p:spTree>
   </p:cSld>
   <p:clrMapOvr>
@@ -6398,7 +6663,7 @@
   <p:cSld>
     <p:spTree>
       <p:nvGrpSpPr>
-        <p:cNvPr id="107" name="Shape 107"/>
+        <p:cNvPr id="103" name="Shape 103"/>
         <p:cNvGrpSpPr/>
         <p:nvPr/>
       </p:nvGrpSpPr>
@@ -6412,20 +6677,134 @@
       </p:grpSpPr>
       <p:sp>
         <p:nvSpPr>
-          <p:cNvPr id="108" name="Shape 108"/>
+          <p:cNvPr id="104" name="Shape 104"/>
           <p:cNvSpPr txBox="1"/>
           <p:nvPr>
-            <p:ph idx="1" type="body"/>
+            <p:ph type="title"/>
           </p:nvPr>
         </p:nvSpPr>
         <p:spPr>
           <a:xfrm>
-            <a:off x="387900" y="1489824"/>
-            <a:ext cx="8368200" cy="3078900"/>
+            <a:off x="387900" y="458025"/>
+            <a:ext cx="8368200" cy="686100"/>
           </a:xfrm>
           <a:prstGeom prst="rect">
             <a:avLst/>
           </a:prstGeom>
+        </p:spPr>
+        <p:txBody>
+          <a:bodyPr anchorCtr="0" anchor="b" bIns="91425" lIns="91425" rIns="91425" wrap="square" tIns="91425">
+            <a:noAutofit/>
+          </a:bodyPr>
+          <a:lstStyle/>
+          <a:p>
+            <a:pPr lvl="0">
+              <a:spcBef>
+                <a:spcPts val="0"/>
+              </a:spcBef>
+              <a:buNone/>
+            </a:pPr>
+            <a:r>
+              <a:rPr lang="en"/>
+              <a:t>Milestones</a:t>
+            </a:r>
+          </a:p>
+        </p:txBody>
+      </p:sp>
+      <p:cxnSp>
+        <p:nvCxnSpPr>
+          <p:cNvPr id="105" name="Shape 105"/>
+          <p:cNvCxnSpPr/>
+          <p:nvPr/>
+        </p:nvCxnSpPr>
+        <p:spPr>
+          <a:xfrm>
+            <a:off x="678000" y="2907950"/>
+            <a:ext cx="7788000" cy="0"/>
+          </a:xfrm>
+          <a:prstGeom prst="straightConnector1">
+            <a:avLst/>
+          </a:prstGeom>
+          <a:noFill/>
+          <a:ln cap="flat" cmpd="sng" w="38100">
+            <a:solidFill>
+              <a:srgbClr val="FFF2CC"/>
+            </a:solidFill>
+            <a:prstDash val="solid"/>
+            <a:round/>
+            <a:headEnd len="lg" w="lg" type="none"/>
+            <a:tailEnd len="lg" w="lg" type="triangle"/>
+          </a:ln>
+        </p:spPr>
+      </p:cxnSp>
+      <p:sp>
+        <p:nvSpPr>
+          <p:cNvPr id="106" name="Shape 106"/>
+          <p:cNvSpPr/>
+          <p:nvPr/>
+        </p:nvSpPr>
+        <p:spPr>
+          <a:xfrm>
+            <a:off x="470650" y="1413850"/>
+            <a:ext cx="2610900" cy="1055100"/>
+          </a:xfrm>
+          <a:prstGeom prst="wedgeRoundRectCallout">
+            <a:avLst>
+              <a:gd fmla="val -8798" name="adj1"/>
+              <a:gd fmla="val 81542" name="adj2"/>
+              <a:gd fmla="val 0" name="adj3"/>
+            </a:avLst>
+          </a:prstGeom>
+          <a:solidFill>
+            <a:srgbClr val="F3F3F3"/>
+          </a:solidFill>
+          <a:ln cap="flat" cmpd="sng" w="9525">
+            <a:solidFill>
+              <a:schemeClr val="dk2"/>
+            </a:solidFill>
+            <a:prstDash val="solid"/>
+            <a:round/>
+            <a:headEnd len="med" w="med" type="none"/>
+            <a:tailEnd len="med" w="med" type="none"/>
+          </a:ln>
+        </p:spPr>
+        <p:txBody>
+          <a:bodyPr anchorCtr="0" anchor="ctr" bIns="91425" lIns="91425" rIns="91425" wrap="square" tIns="91425">
+            <a:noAutofit/>
+          </a:bodyPr>
+          <a:lstStyle/>
+          <a:p>
+            <a:pPr lvl="0">
+              <a:spcBef>
+                <a:spcPts val="0"/>
+              </a:spcBef>
+              <a:buNone/>
+            </a:pPr>
+            <a:r>
+              <a:rPr lang="en"/>
+              <a:t>Clean Data, Learn Spark and Zeppelin, Search references for algorithm</a:t>
+            </a:r>
+          </a:p>
+        </p:txBody>
+      </p:sp>
+      <p:sp>
+        <p:nvSpPr>
+          <p:cNvPr id="107" name="Shape 107"/>
+          <p:cNvSpPr txBox="1"/>
+          <p:nvPr/>
+        </p:nvSpPr>
+        <p:spPr>
+          <a:xfrm>
+            <a:off x="905425" y="2895600"/>
+            <a:ext cx="1143000" cy="381000"/>
+          </a:xfrm>
+          <a:prstGeom prst="rect">
+            <a:avLst/>
+          </a:prstGeom>
+          <a:noFill/>
+          <a:ln>
+            <a:noFill/>
+          </a:ln>
         </p:spPr>
         <p:txBody>
           <a:bodyPr anchorCtr="0" anchor="t" bIns="91425" lIns="91425" rIns="91425" wrap="square" tIns="91425">
@@ -6433,135 +6812,215 @@
           </a:bodyPr>
           <a:lstStyle/>
           <a:p>
-            <a:pPr indent="-342900" lvl="0" marL="457200" rtl="0">
-              <a:spcBef>
-                <a:spcPts val="0"/>
-              </a:spcBef>
-              <a:spcAft>
-                <a:spcPts val="0"/>
-              </a:spcAft>
-              <a:buClr>
-                <a:schemeClr val="dk1"/>
-              </a:buClr>
-              <a:buChar char="●"/>
-            </a:pPr>
-            <a:r>
-              <a:rPr lang="en"/>
-              <a:t>Accuracy of prediction model for price </a:t>
-            </a:r>
-            <a:r>
-              <a:rPr b="1" i="1" lang="en"/>
-              <a:t>trend</a:t>
-            </a:r>
-            <a:r>
-              <a:rPr lang="en"/>
-              <a:t> at </a:t>
-            </a:r>
-            <a:r>
-              <a:rPr b="1" i="1" lang="en"/>
-              <a:t>least</a:t>
-            </a:r>
-            <a:r>
-              <a:rPr lang="en"/>
-              <a:t> 65%.</a:t>
-            </a:r>
-          </a:p>
-          <a:p>
-            <a:pPr indent="-342900" lvl="0" marL="457200" rtl="0">
-              <a:spcBef>
-                <a:spcPts val="0"/>
-              </a:spcBef>
-              <a:spcAft>
-                <a:spcPts val="0"/>
-              </a:spcAft>
-              <a:buChar char="●"/>
-            </a:pPr>
-            <a:r>
-              <a:rPr lang="en"/>
-              <a:t>Difference of prediction model for price </a:t>
-            </a:r>
-            <a:r>
-              <a:rPr b="1" i="1" lang="en"/>
-              <a:t>movement</a:t>
-            </a:r>
-            <a:r>
-              <a:rPr lang="en"/>
-              <a:t> at </a:t>
-            </a:r>
-            <a:r>
-              <a:rPr b="1" i="1" lang="en"/>
-              <a:t>most</a:t>
-            </a:r>
-            <a:r>
-              <a:rPr lang="en"/>
-              <a:t> 20%.</a:t>
-            </a:r>
-          </a:p>
-          <a:p>
-            <a:pPr indent="-342900" lvl="0" marL="457200" rtl="0">
-              <a:spcBef>
-                <a:spcPts val="0"/>
-              </a:spcBef>
-              <a:spcAft>
-                <a:spcPts val="0"/>
-              </a:spcAft>
-              <a:buChar char="●"/>
-            </a:pPr>
-            <a:r>
-              <a:rPr lang="en"/>
-              <a:t>Visualize the prediction result using Zeppelin</a:t>
-            </a:r>
-          </a:p>
-          <a:p>
-            <a:pPr indent="-342900" lvl="0" marL="457200" rtl="0">
-              <a:spcBef>
-                <a:spcPts val="0"/>
-              </a:spcBef>
-              <a:buChar char="●"/>
-            </a:pPr>
-            <a:r>
-              <a:rPr lang="en"/>
-              <a:t>Provide prediction for individual stock based on user inputs</a:t>
-            </a:r>
-          </a:p>
-          <a:p>
-            <a:pPr lvl="0" rtl="0">
-              <a:spcBef>
-                <a:spcPts val="0"/>
-              </a:spcBef>
-              <a:buNone/>
-            </a:pPr>
-            <a:r>
-              <a:t/>
-            </a:r>
-            <a:endParaRPr/>
+            <a:pPr lvl="0">
+              <a:spcBef>
+                <a:spcPts val="0"/>
+              </a:spcBef>
+              <a:buNone/>
+            </a:pPr>
+            <a:r>
+              <a:rPr lang="en">
+                <a:solidFill>
+                  <a:schemeClr val="dk1"/>
+                </a:solidFill>
+              </a:rPr>
+              <a:t>Week 11/12</a:t>
+            </a:r>
           </a:p>
         </p:txBody>
       </p:sp>
       <p:sp>
         <p:nvSpPr>
-          <p:cNvPr id="109" name="Shape 109"/>
+          <p:cNvPr id="108" name="Shape 108"/>
           <p:cNvSpPr txBox="1"/>
-          <p:nvPr>
-            <p:ph type="title"/>
-          </p:nvPr>
-        </p:nvSpPr>
-        <p:spPr>
-          <a:xfrm>
-            <a:off x="387900" y="458025"/>
-            <a:ext cx="8368200" cy="686100"/>
+          <p:nvPr/>
+        </p:nvSpPr>
+        <p:spPr>
+          <a:xfrm>
+            <a:off x="2626650" y="2895600"/>
+            <a:ext cx="1143000" cy="381000"/>
           </a:xfrm>
           <a:prstGeom prst="rect">
             <a:avLst/>
           </a:prstGeom>
+          <a:noFill/>
+          <a:ln>
+            <a:noFill/>
+          </a:ln>
         </p:spPr>
         <p:txBody>
-          <a:bodyPr anchorCtr="0" anchor="b" bIns="91425" lIns="91425" rIns="91425" wrap="square" tIns="91425">
+          <a:bodyPr anchorCtr="0" anchor="t" bIns="91425" lIns="91425" rIns="91425" wrap="square" tIns="91425">
             <a:noAutofit/>
           </a:bodyPr>
           <a:lstStyle/>
           <a:p>
-            <a:pPr lvl="0">
+            <a:pPr lvl="0" rtl="0">
+              <a:spcBef>
+                <a:spcPts val="0"/>
+              </a:spcBef>
+              <a:buNone/>
+            </a:pPr>
+            <a:r>
+              <a:rPr lang="en">
+                <a:solidFill>
+                  <a:schemeClr val="dk1"/>
+                </a:solidFill>
+              </a:rPr>
+              <a:t>Week 11/19</a:t>
+            </a:r>
+          </a:p>
+        </p:txBody>
+      </p:sp>
+      <p:sp>
+        <p:nvSpPr>
+          <p:cNvPr id="109" name="Shape 109"/>
+          <p:cNvSpPr txBox="1"/>
+          <p:nvPr/>
+        </p:nvSpPr>
+        <p:spPr>
+          <a:xfrm>
+            <a:off x="4457700" y="2895600"/>
+            <a:ext cx="1143000" cy="381000"/>
+          </a:xfrm>
+          <a:prstGeom prst="rect">
+            <a:avLst/>
+          </a:prstGeom>
+          <a:noFill/>
+          <a:ln>
+            <a:noFill/>
+          </a:ln>
+        </p:spPr>
+        <p:txBody>
+          <a:bodyPr anchorCtr="0" anchor="t" bIns="91425" lIns="91425" rIns="91425" wrap="square" tIns="91425">
+            <a:noAutofit/>
+          </a:bodyPr>
+          <a:lstStyle/>
+          <a:p>
+            <a:pPr lvl="0" rtl="0">
+              <a:spcBef>
+                <a:spcPts val="0"/>
+              </a:spcBef>
+              <a:buNone/>
+            </a:pPr>
+            <a:r>
+              <a:rPr lang="en">
+                <a:solidFill>
+                  <a:schemeClr val="dk1"/>
+                </a:solidFill>
+              </a:rPr>
+              <a:t>Week 11/26</a:t>
+            </a:r>
+          </a:p>
+        </p:txBody>
+      </p:sp>
+      <p:sp>
+        <p:nvSpPr>
+          <p:cNvPr id="110" name="Shape 110"/>
+          <p:cNvSpPr txBox="1"/>
+          <p:nvPr/>
+        </p:nvSpPr>
+        <p:spPr>
+          <a:xfrm>
+            <a:off x="6459050" y="2895600"/>
+            <a:ext cx="1143000" cy="381000"/>
+          </a:xfrm>
+          <a:prstGeom prst="rect">
+            <a:avLst/>
+          </a:prstGeom>
+          <a:noFill/>
+          <a:ln>
+            <a:noFill/>
+          </a:ln>
+        </p:spPr>
+        <p:txBody>
+          <a:bodyPr anchorCtr="0" anchor="t" bIns="91425" lIns="91425" rIns="91425" wrap="square" tIns="91425">
+            <a:noAutofit/>
+          </a:bodyPr>
+          <a:lstStyle/>
+          <a:p>
+            <a:pPr lvl="0" rtl="0">
+              <a:spcBef>
+                <a:spcPts val="0"/>
+              </a:spcBef>
+              <a:buNone/>
+            </a:pPr>
+            <a:r>
+              <a:rPr lang="en">
+                <a:solidFill>
+                  <a:schemeClr val="dk1"/>
+                </a:solidFill>
+              </a:rPr>
+              <a:t>Week 12/3</a:t>
+            </a:r>
+          </a:p>
+        </p:txBody>
+      </p:sp>
+      <p:cxnSp>
+        <p:nvCxnSpPr>
+          <p:cNvPr id="111" name="Shape 111"/>
+          <p:cNvCxnSpPr>
+            <a:stCxn id="107" idx="0"/>
+          </p:cNvCxnSpPr>
+          <p:nvPr/>
+        </p:nvCxnSpPr>
+        <p:spPr>
+          <a:xfrm>
+            <a:off x="1476925" y="2895600"/>
+            <a:ext cx="0" cy="0"/>
+          </a:xfrm>
+          <a:prstGeom prst="straightConnector1">
+            <a:avLst/>
+          </a:prstGeom>
+          <a:noFill/>
+          <a:ln cap="flat" cmpd="sng" w="9525">
+            <a:solidFill>
+              <a:schemeClr val="dk2"/>
+            </a:solidFill>
+            <a:prstDash val="solid"/>
+            <a:round/>
+            <a:headEnd len="lg" w="lg" type="none"/>
+            <a:tailEnd len="lg" w="lg" type="none"/>
+          </a:ln>
+        </p:spPr>
+      </p:cxnSp>
+      <p:sp>
+        <p:nvSpPr>
+          <p:cNvPr id="112" name="Shape 112"/>
+          <p:cNvSpPr/>
+          <p:nvPr/>
+        </p:nvSpPr>
+        <p:spPr>
+          <a:xfrm>
+            <a:off x="4791675" y="1413850"/>
+            <a:ext cx="3028800" cy="1055100"/>
+          </a:xfrm>
+          <a:prstGeom prst="wedgeRoundRectCallout">
+            <a:avLst>
+              <a:gd fmla="val -35237" name="adj1"/>
+              <a:gd fmla="val 83639" name="adj2"/>
+              <a:gd fmla="val 0" name="adj3"/>
+            </a:avLst>
+          </a:prstGeom>
+          <a:solidFill>
+            <a:srgbClr val="F3F3F3"/>
+          </a:solidFill>
+          <a:ln cap="flat" cmpd="sng" w="9525">
+            <a:solidFill>
+              <a:schemeClr val="dk2"/>
+            </a:solidFill>
+            <a:prstDash val="solid"/>
+            <a:round/>
+            <a:headEnd len="med" w="med" type="none"/>
+            <a:tailEnd len="med" w="med" type="none"/>
+          </a:ln>
+        </p:spPr>
+        <p:txBody>
+          <a:bodyPr anchorCtr="0" anchor="ctr" bIns="91425" lIns="91425" rIns="91425" wrap="square" tIns="91425">
+            <a:noAutofit/>
+          </a:bodyPr>
+          <a:lstStyle/>
+          <a:p>
+            <a:pPr lvl="0" rtl="0">
               <a:spcBef>
                 <a:spcPts val="0"/>
               </a:spcBef>
@@ -6569,7 +7028,107 @@
             </a:pPr>
             <a:r>
               <a:rPr lang="en"/>
-              <a:t>Acceptance criteria</a:t>
+              <a:t>Implement (tail), Improve the accuracy if possible, Render on Zeppelin, Design Test cases</a:t>
+            </a:r>
+          </a:p>
+        </p:txBody>
+      </p:sp>
+      <p:sp>
+        <p:nvSpPr>
+          <p:cNvPr id="113" name="Shape 113"/>
+          <p:cNvSpPr/>
+          <p:nvPr/>
+        </p:nvSpPr>
+        <p:spPr>
+          <a:xfrm>
+            <a:off x="1344700" y="3602675"/>
+            <a:ext cx="2610900" cy="1055100"/>
+          </a:xfrm>
+          <a:prstGeom prst="wedgeRoundRectCallout">
+            <a:avLst>
+              <a:gd fmla="val 24680" name="adj1"/>
+              <a:gd fmla="val -86639" name="adj2"/>
+              <a:gd fmla="val 0" name="adj3"/>
+            </a:avLst>
+          </a:prstGeom>
+          <a:solidFill>
+            <a:srgbClr val="F3F3F3"/>
+          </a:solidFill>
+          <a:ln cap="flat" cmpd="sng" w="9525">
+            <a:solidFill>
+              <a:schemeClr val="dk2"/>
+            </a:solidFill>
+            <a:prstDash val="solid"/>
+            <a:round/>
+            <a:headEnd len="med" w="med" type="none"/>
+            <a:tailEnd len="med" w="med" type="none"/>
+          </a:ln>
+        </p:spPr>
+        <p:txBody>
+          <a:bodyPr anchorCtr="0" anchor="ctr" bIns="91425" lIns="91425" rIns="91425" wrap="square" tIns="91425">
+            <a:noAutofit/>
+          </a:bodyPr>
+          <a:lstStyle/>
+          <a:p>
+            <a:pPr lvl="0" rtl="0">
+              <a:spcBef>
+                <a:spcPts val="0"/>
+              </a:spcBef>
+              <a:buNone/>
+            </a:pPr>
+            <a:r>
+              <a:rPr lang="en"/>
+              <a:t>Clean Data (tail), Try to implement the prediction model on a small dataset</a:t>
+            </a:r>
+          </a:p>
+        </p:txBody>
+      </p:sp>
+      <p:sp>
+        <p:nvSpPr>
+          <p:cNvPr id="114" name="Shape 114"/>
+          <p:cNvSpPr/>
+          <p:nvPr/>
+        </p:nvSpPr>
+        <p:spPr>
+          <a:xfrm>
+            <a:off x="5725100" y="3602675"/>
+            <a:ext cx="2610900" cy="1055100"/>
+          </a:xfrm>
+          <a:prstGeom prst="wedgeRoundRectCallout">
+            <a:avLst>
+              <a:gd fmla="val 6267" name="adj1"/>
+              <a:gd fmla="val -87703" name="adj2"/>
+              <a:gd fmla="val 0" name="adj3"/>
+            </a:avLst>
+          </a:prstGeom>
+          <a:solidFill>
+            <a:srgbClr val="F3F3F3"/>
+          </a:solidFill>
+          <a:ln cap="flat" cmpd="sng" w="9525">
+            <a:solidFill>
+              <a:schemeClr val="dk2"/>
+            </a:solidFill>
+            <a:prstDash val="solid"/>
+            <a:round/>
+            <a:headEnd len="med" w="med" type="none"/>
+            <a:tailEnd len="med" w="med" type="none"/>
+          </a:ln>
+        </p:spPr>
+        <p:txBody>
+          <a:bodyPr anchorCtr="0" anchor="ctr" bIns="91425" lIns="91425" rIns="91425" wrap="square" tIns="91425">
+            <a:noAutofit/>
+          </a:bodyPr>
+          <a:lstStyle/>
+          <a:p>
+            <a:pPr lvl="0" rtl="0">
+              <a:spcBef>
+                <a:spcPts val="0"/>
+              </a:spcBef>
+              <a:buNone/>
+            </a:pPr>
+            <a:r>
+              <a:rPr lang="en"/>
+              <a:t>Create Tests and check criteria, Implement UI, Prepare Final Presentation</a:t>
             </a:r>
           </a:p>
         </p:txBody>
@@ -6587,7 +7146,7 @@
   <p:cSld>
     <p:spTree>
       <p:nvGrpSpPr>
-        <p:cNvPr id="113" name="Shape 113"/>
+        <p:cNvPr id="118" name="Shape 118"/>
         <p:cNvGrpSpPr/>
         <p:nvPr/>
       </p:nvGrpSpPr>
@@ -6601,7 +7160,7 @@
       </p:grpSpPr>
       <p:sp>
         <p:nvSpPr>
-          <p:cNvPr id="114" name="Shape 114"/>
+          <p:cNvPr id="119" name="Shape 119"/>
           <p:cNvSpPr txBox="1"/>
           <p:nvPr>
             <p:ph type="title"/>
@@ -6622,22 +7181,28 @@
           </a:bodyPr>
           <a:lstStyle/>
           <a:p>
-            <a:pPr lvl="0">
-              <a:spcBef>
-                <a:spcPts val="0"/>
-              </a:spcBef>
+            <a:pPr indent="0" lvl="0" marL="0" marR="0" rtl="0" algn="l">
+              <a:lnSpc>
+                <a:spcPct val="100000"/>
+              </a:lnSpc>
+              <a:spcBef>
+                <a:spcPts val="0"/>
+              </a:spcBef>
+              <a:spcAft>
+                <a:spcPts val="0"/>
+              </a:spcAft>
               <a:buNone/>
             </a:pPr>
             <a:r>
               <a:rPr lang="en"/>
-              <a:t>Goals of the project</a:t>
+              <a:t>Programming in Scala and code repository</a:t>
             </a:r>
           </a:p>
         </p:txBody>
       </p:sp>
       <p:sp>
         <p:nvSpPr>
-          <p:cNvPr id="115" name="Shape 115"/>
+          <p:cNvPr id="120" name="Shape 120"/>
           <p:cNvSpPr txBox="1"/>
           <p:nvPr>
             <p:ph idx="1" type="body"/>
@@ -6658,41 +7223,34 @@
           </a:bodyPr>
           <a:lstStyle/>
           <a:p>
-            <a:pPr indent="-355600" lvl="0" marL="457200" rtl="0">
+            <a:pPr lvl="0">
+              <a:spcBef>
+                <a:spcPts val="0"/>
+              </a:spcBef>
+              <a:buNone/>
+            </a:pPr>
+            <a:r>
+              <a:rPr lang="en"/>
+              <a:t>Programming in Scala:</a:t>
+            </a:r>
+          </a:p>
+          <a:p>
+            <a:pPr indent="-342900" lvl="0" marL="457200" rtl="0">
               <a:spcBef>
                 <a:spcPts val="0"/>
               </a:spcBef>
               <a:spcAft>
                 <a:spcPts val="0"/>
               </a:spcAft>
-              <a:buClr>
-                <a:schemeClr val="dk1"/>
-              </a:buClr>
-              <a:buSzPct val="100000"/>
-            </a:pPr>
-            <a:r>
-              <a:rPr lang="en" sz="2000"/>
-              <a:t>Process historical stock </a:t>
-            </a:r>
-            <a:r>
-              <a:rPr lang="en" sz="2000"/>
-              <a:t>data sets</a:t>
-            </a:r>
-            <a:r>
-              <a:rPr lang="en" sz="2000"/>
-              <a:t> </a:t>
-            </a:r>
-            <a:r>
-              <a:rPr lang="en" sz="2000"/>
-              <a:t>to make</a:t>
-            </a:r>
-            <a:r>
-              <a:rPr lang="en" sz="2000"/>
-              <a:t> meaningful analysis and predict stock price</a:t>
-            </a:r>
-          </a:p>
-          <a:p>
-            <a:pPr indent="-355600" lvl="0" marL="457200" rtl="0">
+              <a:buSzPct val="100000"/>
+            </a:pPr>
+            <a:r>
+              <a:rPr lang="en"/>
+              <a:t>Parsing data from CSV file</a:t>
+            </a:r>
+          </a:p>
+          <a:p>
+            <a:pPr indent="-342900" lvl="0" marL="457200" rtl="0">
               <a:spcBef>
                 <a:spcPts val="0"/>
               </a:spcBef>
@@ -6702,12 +7260,12 @@
               <a:buSzPct val="100000"/>
             </a:pPr>
             <a:r>
-              <a:rPr lang="en" sz="2000"/>
-              <a:t>Utilize information from Kaggle and Real-Time Quote API </a:t>
-            </a:r>
-          </a:p>
-          <a:p>
-            <a:pPr indent="-355600" lvl="0" marL="457200" rtl="0">
+              <a:rPr lang="en"/>
+              <a:t>Clean data</a:t>
+            </a:r>
+          </a:p>
+          <a:p>
+            <a:pPr indent="-342900" lvl="0" marL="457200" rtl="0">
               <a:spcBef>
                 <a:spcPts val="0"/>
               </a:spcBef>
@@ -6717,33 +7275,92 @@
               <a:buSzPct val="100000"/>
             </a:pPr>
             <a:r>
-              <a:rPr lang="en" sz="2000"/>
-              <a:t>Design UI to allow </a:t>
-            </a:r>
-            <a:r>
-              <a:rPr lang="en" sz="2000"/>
-              <a:t>interact</a:t>
-            </a:r>
-            <a:r>
-              <a:rPr lang="en" sz="2000"/>
-              <a:t> with users and r</a:t>
-            </a:r>
-            <a:r>
-              <a:rPr lang="en" sz="2000"/>
-              <a:t>epresent result using charts</a:t>
-            </a:r>
-          </a:p>
-          <a:p>
-            <a:pPr indent="-355600" lvl="0" marL="457200">
-              <a:spcBef>
-                <a:spcPts val="0"/>
-              </a:spcBef>
-              <a:buSzPct val="100000"/>
-            </a:pPr>
-            <a:r>
-              <a:rPr lang="en" sz="2000"/>
-              <a:t>Visualize the difference between the prediction and the actual stock prices and meet the acceptance criteria</a:t>
-            </a:r>
+              <a:rPr lang="en"/>
+              <a:t>Filter and trim</a:t>
+            </a:r>
+          </a:p>
+          <a:p>
+            <a:pPr indent="-342900" lvl="0" marL="457200" rtl="0">
+              <a:spcBef>
+                <a:spcPts val="0"/>
+              </a:spcBef>
+              <a:spcAft>
+                <a:spcPts val="0"/>
+              </a:spcAft>
+              <a:buSzPct val="100000"/>
+            </a:pPr>
+            <a:r>
+              <a:rPr lang="en"/>
+              <a:t>Calculate and implement prediction model</a:t>
+            </a:r>
+          </a:p>
+          <a:p>
+            <a:pPr indent="-342900" lvl="0" marL="457200" rtl="0">
+              <a:spcBef>
+                <a:spcPts val="0"/>
+              </a:spcBef>
+              <a:spcAft>
+                <a:spcPts val="0"/>
+              </a:spcAft>
+              <a:buSzPct val="100000"/>
+            </a:pPr>
+            <a:r>
+              <a:rPr lang="en"/>
+              <a:t>Data </a:t>
+            </a:r>
+            <a:r>
+              <a:rPr lang="en"/>
+              <a:t>visualization</a:t>
+            </a:r>
+          </a:p>
+          <a:p>
+            <a:pPr indent="-342900" lvl="0" marL="457200">
+              <a:spcBef>
+                <a:spcPts val="0"/>
+              </a:spcBef>
+              <a:buSzPct val="100000"/>
+            </a:pPr>
+            <a:r>
+              <a:rPr lang="en"/>
+              <a:t>Tests</a:t>
+            </a:r>
+          </a:p>
+          <a:p>
+            <a:pPr lvl="0">
+              <a:spcBef>
+                <a:spcPts val="0"/>
+              </a:spcBef>
+              <a:buNone/>
+            </a:pPr>
+            <a:r>
+              <a:rPr lang="en"/>
+              <a:t>Repository:	</a:t>
+            </a:r>
+            <a:r>
+              <a:rPr lang="en" u="sng">
+                <a:solidFill>
+                  <a:schemeClr val="hlink"/>
+                </a:solidFill>
+                <a:latin typeface="Arial"/>
+                <a:ea typeface="Arial"/>
+                <a:cs typeface="Arial"/>
+                <a:sym typeface="Arial"/>
+                <a:hlinkClick r:id="rId3"/>
+              </a:rPr>
+              <a:t>https://github.com/reasonwow/Stock_Prediction_Scala</a:t>
+            </a:r>
+          </a:p>
+          <a:p>
+            <a:pPr lvl="0">
+              <a:spcBef>
+                <a:spcPts val="0"/>
+              </a:spcBef>
+              <a:buNone/>
+            </a:pPr>
+            <a:r>
+              <a:t/>
+            </a:r>
+            <a:endParaRPr/>
           </a:p>
         </p:txBody>
       </p:sp>
@@ -6760,7 +7377,7 @@
   <p:cSld>
     <p:spTree>
       <p:nvGrpSpPr>
-        <p:cNvPr id="119" name="Shape 119"/>
+        <p:cNvPr id="124" name="Shape 124"/>
         <p:cNvGrpSpPr/>
         <p:nvPr/>
       </p:nvGrpSpPr>
@@ -6774,7 +7391,95 @@
       </p:grpSpPr>
       <p:sp>
         <p:nvSpPr>
-          <p:cNvPr id="120" name="Shape 120"/>
+          <p:cNvPr id="125" name="Shape 125"/>
+          <p:cNvSpPr txBox="1"/>
+          <p:nvPr>
+            <p:ph idx="1" type="body"/>
+          </p:nvPr>
+        </p:nvSpPr>
+        <p:spPr>
+          <a:xfrm>
+            <a:off x="387900" y="1489824"/>
+            <a:ext cx="8368200" cy="3078900"/>
+          </a:xfrm>
+          <a:prstGeom prst="rect">
+            <a:avLst/>
+          </a:prstGeom>
+        </p:spPr>
+        <p:txBody>
+          <a:bodyPr anchorCtr="0" anchor="t" bIns="91425" lIns="91425" rIns="91425" wrap="square" tIns="91425">
+            <a:noAutofit/>
+          </a:bodyPr>
+          <a:lstStyle/>
+          <a:p>
+            <a:pPr indent="-342900" lvl="0" marL="457200" rtl="0">
+              <a:spcBef>
+                <a:spcPts val="0"/>
+              </a:spcBef>
+              <a:spcAft>
+                <a:spcPts val="0"/>
+              </a:spcAft>
+              <a:buClr>
+                <a:schemeClr val="dk1"/>
+              </a:buClr>
+              <a:buSzPct val="100000"/>
+              <a:buChar char="●"/>
+            </a:pPr>
+            <a:r>
+              <a:rPr lang="en"/>
+              <a:t>For user case 1, randomly choose 100 stocks for each time scale </a:t>
+            </a:r>
+            <a:r>
+              <a:rPr lang="en"/>
+              <a:t>scenario (1 day/1 week/1 month) and compare each predictive trends (up/down) with historical trends, the accuracy rate of prediction model should be at </a:t>
+            </a:r>
+            <a:r>
+              <a:rPr b="1" i="1" lang="en"/>
+              <a:t>least</a:t>
+            </a:r>
+            <a:r>
+              <a:rPr lang="en"/>
+              <a:t> 60%.</a:t>
+            </a:r>
+          </a:p>
+          <a:p>
+            <a:pPr indent="-342900" lvl="0" marL="457200" rtl="0">
+              <a:spcBef>
+                <a:spcPts val="0"/>
+              </a:spcBef>
+              <a:buSzPct val="100000"/>
+              <a:buChar char="●"/>
+            </a:pPr>
+            <a:r>
+              <a:rPr lang="en"/>
+              <a:t>For user case 2, randomly choose 100 stocks for each time scale scenario (1 day/1 week/1 month) and compare each predictive closing price with historical price, the average difference between the two should be at </a:t>
+            </a:r>
+            <a:r>
+              <a:rPr b="1" i="1" lang="en"/>
+              <a:t>most</a:t>
+            </a:r>
+            <a:r>
+              <a:rPr lang="en"/>
+              <a:t> 20%.</a:t>
+            </a:r>
+          </a:p>
+          <a:p>
+            <a:pPr lvl="0" rtl="0">
+              <a:spcBef>
+                <a:spcPts val="0"/>
+              </a:spcBef>
+              <a:buNone/>
+            </a:pPr>
+            <a:r>
+              <a:t/>
+            </a:r>
+            <a:endParaRPr/>
+          </a:p>
+        </p:txBody>
+      </p:sp>
+      <p:sp>
+        <p:nvSpPr>
+          <p:cNvPr id="126" name="Shape 126"/>
           <p:cNvSpPr txBox="1"/>
           <p:nvPr>
             <p:ph type="title"/>
@@ -6782,8 +7487,8 @@
         </p:nvSpPr>
         <p:spPr>
           <a:xfrm>
-            <a:off x="480750" y="1764950"/>
-            <a:ext cx="8222100" cy="907500"/>
+            <a:off x="387900" y="458025"/>
+            <a:ext cx="8368200" cy="686100"/>
           </a:xfrm>
           <a:prstGeom prst="rect">
             <a:avLst/>
@@ -6802,44 +7507,8 @@
               <a:buNone/>
             </a:pPr>
             <a:r>
-              <a:rPr lang="en" sz="3600"/>
-              <a:t>Q &amp; A</a:t>
-            </a:r>
-          </a:p>
-        </p:txBody>
-      </p:sp>
-      <p:sp>
-        <p:nvSpPr>
-          <p:cNvPr id="121" name="Shape 121"/>
-          <p:cNvSpPr txBox="1"/>
-          <p:nvPr>
-            <p:ph idx="4294967295" type="body"/>
-          </p:nvPr>
-        </p:nvSpPr>
-        <p:spPr>
-          <a:xfrm>
-            <a:off x="3436325" y="3105825"/>
-            <a:ext cx="4023000" cy="1186500"/>
-          </a:xfrm>
-          <a:prstGeom prst="rect">
-            <a:avLst/>
-          </a:prstGeom>
-        </p:spPr>
-        <p:txBody>
-          <a:bodyPr anchorCtr="0" anchor="t" bIns="91425" lIns="91425" rIns="91425" wrap="square" tIns="91425">
-            <a:noAutofit/>
-          </a:bodyPr>
-          <a:lstStyle/>
-          <a:p>
-            <a:pPr lvl="0">
-              <a:spcBef>
-                <a:spcPts val="0"/>
-              </a:spcBef>
-              <a:buNone/>
-            </a:pPr>
-            <a:r>
-              <a:rPr lang="en" sz="3600"/>
-              <a:t>Thank you !</a:t>
+              <a:rPr lang="en"/>
+              <a:t>Acceptance criteria</a:t>
             </a:r>
           </a:p>
         </p:txBody>
@@ -6853,6 +7522,285 @@
 </file>
 
 <file path=ppt/theme/theme1.xml><?xml version="1.0" encoding="utf-8"?>
+<a:theme xmlns:a="http://schemas.openxmlformats.org/drawingml/2006/main" xmlns:r="http://schemas.openxmlformats.org/officeDocument/2006/relationships" name="Custom Theme">
+  <a:themeElements>
+    <a:clrScheme name="Default">
+      <a:dk1>
+        <a:srgbClr val="000000"/>
+      </a:dk1>
+      <a:lt1>
+        <a:srgbClr val="FFFFFF"/>
+      </a:lt1>
+      <a:dk2>
+        <a:srgbClr val="158158"/>
+      </a:dk2>
+      <a:lt2>
+        <a:srgbClr val="F3F3F3"/>
+      </a:lt2>
+      <a:accent1>
+        <a:srgbClr val="058DC7"/>
+      </a:accent1>
+      <a:accent2>
+        <a:srgbClr val="50B432"/>
+      </a:accent2>
+      <a:accent3>
+        <a:srgbClr val="ED561B"/>
+      </a:accent3>
+      <a:accent4>
+        <a:srgbClr val="EDEF00"/>
+      </a:accent4>
+      <a:accent5>
+        <a:srgbClr val="24CBE5"/>
+      </a:accent5>
+      <a:accent6>
+        <a:srgbClr val="64E572"/>
+      </a:accent6>
+      <a:hlink>
+        <a:srgbClr val="2200CC"/>
+      </a:hlink>
+      <a:folHlink>
+        <a:srgbClr val="551A8B"/>
+      </a:folHlink>
+    </a:clrScheme>
+    <a:fontScheme name="Office">
+      <a:majorFont>
+        <a:latin typeface="Arial"/>
+        <a:ea typeface=""/>
+        <a:cs typeface=""/>
+        <a:font script="Jpan" typeface="ＭＳ Ｐゴシック"/>
+        <a:font script="Hang" typeface="맑은 고딕"/>
+        <a:font script="Hans" typeface="宋体"/>
+        <a:font script="Hant" typeface="新細明體"/>
+        <a:font script="Arab" typeface="Times New Roman"/>
+        <a:font script="Hebr" typeface="Times New Roman"/>
+        <a:font script="Thai" typeface="Angsana New"/>
+        <a:font script="Ethi" typeface="Nyala"/>
+        <a:font script="Beng" typeface="Vrinda"/>
+        <a:font script="Gujr" typeface="Shruti"/>
+        <a:font script="Khmr" typeface="MoolBoran"/>
+        <a:font script="Knda" typeface="Tunga"/>
+        <a:font script="Guru" typeface="Raavi"/>
+        <a:font script="Cans" typeface="Euphemia"/>
+        <a:font script="Cher" typeface="Plantagenet Cherokee"/>
+        <a:font script="Yiii" typeface="Microsoft Yi Baiti"/>
+        <a:font script="Tibt" typeface="Microsoft Himalaya"/>
+        <a:font script="Thaa" typeface="MV Boli"/>
+        <a:font script="Deva" typeface="Mangal"/>
+        <a:font script="Telu" typeface="Gautami"/>
+        <a:font script="Taml" typeface="Latha"/>
+        <a:font script="Syrc" typeface="Estrangelo Edessa"/>
+        <a:font script="Orya" typeface="Kalinga"/>
+        <a:font script="Mlym" typeface="Kartika"/>
+        <a:font script="Laoo" typeface="DokChampa"/>
+        <a:font script="Sinh" typeface="Iskoola Pota"/>
+        <a:font script="Mong" typeface="Mongolian Baiti"/>
+        <a:font script="Viet" typeface="Times New Roman"/>
+        <a:font script="Uigh" typeface="Microsoft Uighur"/>
+        <a:font script="Geor" typeface="Sylfaen"/>
+      </a:majorFont>
+      <a:minorFont>
+        <a:latin typeface="Arial"/>
+        <a:ea typeface=""/>
+        <a:cs typeface=""/>
+        <a:font script="Jpan" typeface="ＭＳ Ｐゴシック"/>
+        <a:font script="Hang" typeface="맑은 고딕"/>
+        <a:font script="Hans" typeface="宋体"/>
+        <a:font script="Hant" typeface="新細明體"/>
+        <a:font script="Arab" typeface="Arial"/>
+        <a:font script="Hebr" typeface="Arial"/>
+        <a:font script="Thai" typeface="Cordia New"/>
+        <a:font script="Ethi" typeface="Nyala"/>
+        <a:font script="Beng" typeface="Vrinda"/>
+        <a:font script="Gujr" typeface="Shruti"/>
+        <a:font script="Khmr" typeface="DaunPenh"/>
+        <a:font script="Knda" typeface="Tunga"/>
+        <a:font script="Guru" typeface="Raavi"/>
+        <a:font script="Cans" typeface="Euphemia"/>
+        <a:font script="Cher" typeface="Plantagenet Cherokee"/>
+        <a:font script="Yiii" typeface="Microsoft Yi Baiti"/>
+        <a:font script="Tibt" typeface="Microsoft Himalaya"/>
+        <a:font script="Thaa" typeface="MV Boli"/>
+        <a:font script="Deva" typeface="Mangal"/>
+        <a:font script="Telu" typeface="Gautami"/>
+        <a:font script="Taml" typeface="Latha"/>
+        <a:font script="Syrc" typeface="Estrangelo Edessa"/>
+        <a:font script="Orya" typeface="Kalinga"/>
+        <a:font script="Mlym" typeface="Kartika"/>
+        <a:font script="Laoo" typeface="DokChampa"/>
+        <a:font script="Sinh" typeface="Iskoola Pota"/>
+        <a:font script="Mong" typeface="Mongolian Baiti"/>
+        <a:font script="Viet" typeface="Arial"/>
+        <a:font script="Uigh" typeface="Microsoft Uighur"/>
+        <a:font script="Geor" typeface="Sylfaen"/>
+      </a:minorFont>
+    </a:fontScheme>
+    <a:fmtScheme name="Office">
+      <a:fillStyleLst>
+        <a:solidFill>
+          <a:schemeClr val="phClr"/>
+        </a:solidFill>
+        <a:gradFill rotWithShape="1">
+          <a:gsLst>
+            <a:gs pos="0">
+              <a:schemeClr val="phClr">
+                <a:tint val="50000"/>
+                <a:satMod val="300000"/>
+              </a:schemeClr>
+            </a:gs>
+            <a:gs pos="35000">
+              <a:schemeClr val="phClr">
+                <a:tint val="37000"/>
+                <a:satMod val="300000"/>
+              </a:schemeClr>
+            </a:gs>
+            <a:gs pos="100000">
+              <a:schemeClr val="phClr">
+                <a:tint val="15000"/>
+                <a:satMod val="350000"/>
+              </a:schemeClr>
+            </a:gs>
+          </a:gsLst>
+          <a:lin ang="16200000" scaled="1"/>
+        </a:gradFill>
+        <a:gradFill rotWithShape="1">
+          <a:gsLst>
+            <a:gs pos="0">
+              <a:schemeClr val="phClr">
+                <a:tint val="100000"/>
+                <a:shade val="100000"/>
+                <a:satMod val="130000"/>
+              </a:schemeClr>
+            </a:gs>
+            <a:gs pos="100000">
+              <a:schemeClr val="phClr">
+                <a:tint val="50000"/>
+                <a:shade val="100000"/>
+                <a:satMod val="350000"/>
+              </a:schemeClr>
+            </a:gs>
+          </a:gsLst>
+          <a:lin ang="16200000" scaled="0"/>
+        </a:gradFill>
+      </a:fillStyleLst>
+      <a:lnStyleLst>
+        <a:ln w="9525" cap="flat" cmpd="sng" algn="ctr">
+          <a:solidFill>
+            <a:schemeClr val="phClr">
+              <a:shade val="95000"/>
+              <a:satMod val="105000"/>
+            </a:schemeClr>
+          </a:solidFill>
+          <a:prstDash val="solid"/>
+        </a:ln>
+        <a:ln w="25400" cap="flat" cmpd="sng" algn="ctr">
+          <a:solidFill>
+            <a:schemeClr val="phClr"/>
+          </a:solidFill>
+          <a:prstDash val="solid"/>
+        </a:ln>
+        <a:ln w="38100" cap="flat" cmpd="sng" algn="ctr">
+          <a:solidFill>
+            <a:schemeClr val="phClr"/>
+          </a:solidFill>
+          <a:prstDash val="solid"/>
+        </a:ln>
+      </a:lnStyleLst>
+      <a:effectStyleLst>
+        <a:effectStyle>
+          <a:effectLst>
+            <a:outerShdw blurRad="40000" dist="20000" dir="5400000" rotWithShape="0">
+              <a:srgbClr val="000000">
+                <a:alpha val="38000"/>
+              </a:srgbClr>
+            </a:outerShdw>
+          </a:effectLst>
+        </a:effectStyle>
+        <a:effectStyle>
+          <a:effectLst>
+            <a:outerShdw blurRad="40000" dist="23000" dir="5400000" rotWithShape="0">
+              <a:srgbClr val="000000">
+                <a:alpha val="35000"/>
+              </a:srgbClr>
+            </a:outerShdw>
+          </a:effectLst>
+        </a:effectStyle>
+        <a:effectStyle>
+          <a:effectLst>
+            <a:outerShdw blurRad="40000" dist="23000" dir="5400000" rotWithShape="0">
+              <a:srgbClr val="000000">
+                <a:alpha val="35000"/>
+              </a:srgbClr>
+            </a:outerShdw>
+          </a:effectLst>
+          <a:scene3d>
+            <a:camera prst="orthographicFront">
+              <a:rot lat="0" lon="0" rev="0"/>
+            </a:camera>
+            <a:lightRig rig="threePt" dir="t">
+              <a:rot lat="0" lon="0" rev="1200000"/>
+            </a:lightRig>
+          </a:scene3d>
+          <a:sp3d>
+            <a:bevelT w="63500" h="25400"/>
+          </a:sp3d>
+        </a:effectStyle>
+      </a:effectStyleLst>
+      <a:bgFillStyleLst>
+        <a:solidFill>
+          <a:schemeClr val="phClr"/>
+        </a:solidFill>
+        <a:gradFill rotWithShape="1">
+          <a:gsLst>
+            <a:gs pos="0">
+              <a:schemeClr val="phClr">
+                <a:tint val="40000"/>
+                <a:satMod val="350000"/>
+              </a:schemeClr>
+            </a:gs>
+            <a:gs pos="40000">
+              <a:schemeClr val="phClr">
+                <a:tint val="45000"/>
+                <a:shade val="99000"/>
+                <a:satMod val="350000"/>
+              </a:schemeClr>
+            </a:gs>
+            <a:gs pos="100000">
+              <a:schemeClr val="phClr">
+                <a:shade val="20000"/>
+                <a:satMod val="255000"/>
+              </a:schemeClr>
+            </a:gs>
+          </a:gsLst>
+          <a:path path="circle">
+            <a:fillToRect l="50000" t="-80000" r="50000" b="180000"/>
+          </a:path>
+        </a:gradFill>
+        <a:gradFill rotWithShape="1">
+          <a:gsLst>
+            <a:gs pos="0">
+              <a:schemeClr val="phClr">
+                <a:tint val="80000"/>
+                <a:satMod val="300000"/>
+              </a:schemeClr>
+            </a:gs>
+            <a:gs pos="100000">
+              <a:schemeClr val="phClr">
+                <a:shade val="30000"/>
+                <a:satMod val="200000"/>
+              </a:schemeClr>
+            </a:gs>
+          </a:gsLst>
+          <a:path path="circle">
+            <a:fillToRect l="50000" t="50000" r="50000" b="50000"/>
+          </a:path>
+        </a:gradFill>
+      </a:bgFillStyleLst>
+    </a:fmtScheme>
+  </a:themeElements>
+</a:theme>
+</file>
+
+<file path=ppt/theme/theme2.xml><?xml version="1.0" encoding="utf-8"?>
 <a:theme xmlns:a="http://schemas.openxmlformats.org/drawingml/2006/main" xmlns:r="http://schemas.openxmlformats.org/officeDocument/2006/relationships" name="Marina">
   <a:themeElements>
     <a:clrScheme name="Marina">
@@ -7129,283 +8077,4 @@
     </a:fmtScheme>
   </a:themeElements>
 </a:theme>
-</file>
-
-<file path=ppt/theme/theme2.xml><?xml version="1.0" encoding="utf-8"?>
-<a:theme xmlns:a="http://schemas.openxmlformats.org/drawingml/2006/main" xmlns:r="http://schemas.openxmlformats.org/officeDocument/2006/relationships" name="Custom Theme">
-  <a:themeElements>
-    <a:clrScheme name="Default">
-      <a:dk1>
-        <a:srgbClr val="000000"/>
-      </a:dk1>
-      <a:lt1>
-        <a:srgbClr val="FFFFFF"/>
-      </a:lt1>
-      <a:dk2>
-        <a:srgbClr val="158158"/>
-      </a:dk2>
-      <a:lt2>
-        <a:srgbClr val="F3F3F3"/>
-      </a:lt2>
-      <a:accent1>
-        <a:srgbClr val="058DC7"/>
-      </a:accent1>
-      <a:accent2>
-        <a:srgbClr val="50B432"/>
-      </a:accent2>
-      <a:accent3>
-        <a:srgbClr val="ED561B"/>
-      </a:accent3>
-      <a:accent4>
-        <a:srgbClr val="EDEF00"/>
-      </a:accent4>
-      <a:accent5>
-        <a:srgbClr val="24CBE5"/>
-      </a:accent5>
-      <a:accent6>
-        <a:srgbClr val="64E572"/>
-      </a:accent6>
-      <a:hlink>
-        <a:srgbClr val="2200CC"/>
-      </a:hlink>
-      <a:folHlink>
-        <a:srgbClr val="551A8B"/>
-      </a:folHlink>
-    </a:clrScheme>
-    <a:fontScheme name="Office">
-      <a:majorFont>
-        <a:latin typeface="Arial"/>
-        <a:ea typeface=""/>
-        <a:cs typeface=""/>
-        <a:font script="Jpan" typeface="ＭＳ Ｐゴシック"/>
-        <a:font script="Hang" typeface="맑은 고딕"/>
-        <a:font script="Hans" typeface="宋体"/>
-        <a:font script="Hant" typeface="新細明體"/>
-        <a:font script="Arab" typeface="Times New Roman"/>
-        <a:font script="Hebr" typeface="Times New Roman"/>
-        <a:font script="Thai" typeface="Angsana New"/>
-        <a:font script="Ethi" typeface="Nyala"/>
-        <a:font script="Beng" typeface="Vrinda"/>
-        <a:font script="Gujr" typeface="Shruti"/>
-        <a:font script="Khmr" typeface="MoolBoran"/>
-        <a:font script="Knda" typeface="Tunga"/>
-        <a:font script="Guru" typeface="Raavi"/>
-        <a:font script="Cans" typeface="Euphemia"/>
-        <a:font script="Cher" typeface="Plantagenet Cherokee"/>
-        <a:font script="Yiii" typeface="Microsoft Yi Baiti"/>
-        <a:font script="Tibt" typeface="Microsoft Himalaya"/>
-        <a:font script="Thaa" typeface="MV Boli"/>
-        <a:font script="Deva" typeface="Mangal"/>
-        <a:font script="Telu" typeface="Gautami"/>
-        <a:font script="Taml" typeface="Latha"/>
-        <a:font script="Syrc" typeface="Estrangelo Edessa"/>
-        <a:font script="Orya" typeface="Kalinga"/>
-        <a:font script="Mlym" typeface="Kartika"/>
-        <a:font script="Laoo" typeface="DokChampa"/>
-        <a:font script="Sinh" typeface="Iskoola Pota"/>
-        <a:font script="Mong" typeface="Mongolian Baiti"/>
-        <a:font script="Viet" typeface="Times New Roman"/>
-        <a:font script="Uigh" typeface="Microsoft Uighur"/>
-        <a:font script="Geor" typeface="Sylfaen"/>
-      </a:majorFont>
-      <a:minorFont>
-        <a:latin typeface="Arial"/>
-        <a:ea typeface=""/>
-        <a:cs typeface=""/>
-        <a:font script="Jpan" typeface="ＭＳ Ｐゴシック"/>
-        <a:font script="Hang" typeface="맑은 고딕"/>
-        <a:font script="Hans" typeface="宋体"/>
-        <a:font script="Hant" typeface="新細明體"/>
-        <a:font script="Arab" typeface="Arial"/>
-        <a:font script="Hebr" typeface="Arial"/>
-        <a:font script="Thai" typeface="Cordia New"/>
-        <a:font script="Ethi" typeface="Nyala"/>
-        <a:font script="Beng" typeface="Vrinda"/>
-        <a:font script="Gujr" typeface="Shruti"/>
-        <a:font script="Khmr" typeface="DaunPenh"/>
-        <a:font script="Knda" typeface="Tunga"/>
-        <a:font script="Guru" typeface="Raavi"/>
-        <a:font script="Cans" typeface="Euphemia"/>
-        <a:font script="Cher" typeface="Plantagenet Cherokee"/>
-        <a:font script="Yiii" typeface="Microsoft Yi Baiti"/>
-        <a:font script="Tibt" typeface="Microsoft Himalaya"/>
-        <a:font script="Thaa" typeface="MV Boli"/>
-        <a:font script="Deva" typeface="Mangal"/>
-        <a:font script="Telu" typeface="Gautami"/>
-        <a:font script="Taml" typeface="Latha"/>
-        <a:font script="Syrc" typeface="Estrangelo Edessa"/>
-        <a:font script="Orya" typeface="Kalinga"/>
-        <a:font script="Mlym" typeface="Kartika"/>
-        <a:font script="Laoo" typeface="DokChampa"/>
-        <a:font script="Sinh" typeface="Iskoola Pota"/>
-        <a:font script="Mong" typeface="Mongolian Baiti"/>
-        <a:font script="Viet" typeface="Arial"/>
-        <a:font script="Uigh" typeface="Microsoft Uighur"/>
-        <a:font script="Geor" typeface="Sylfaen"/>
-      </a:minorFont>
-    </a:fontScheme>
-    <a:fmtScheme name="Office">
-      <a:fillStyleLst>
-        <a:solidFill>
-          <a:schemeClr val="phClr"/>
-        </a:solidFill>
-        <a:gradFill rotWithShape="1">
-          <a:gsLst>
-            <a:gs pos="0">
-              <a:schemeClr val="phClr">
-                <a:tint val="50000"/>
-                <a:satMod val="300000"/>
-              </a:schemeClr>
-            </a:gs>
-            <a:gs pos="35000">
-              <a:schemeClr val="phClr">
-                <a:tint val="37000"/>
-                <a:satMod val="300000"/>
-              </a:schemeClr>
-            </a:gs>
-            <a:gs pos="100000">
-              <a:schemeClr val="phClr">
-                <a:tint val="15000"/>
-                <a:satMod val="350000"/>
-              </a:schemeClr>
-            </a:gs>
-          </a:gsLst>
-          <a:lin ang="16200000" scaled="1"/>
-        </a:gradFill>
-        <a:gradFill rotWithShape="1">
-          <a:gsLst>
-            <a:gs pos="0">
-              <a:schemeClr val="phClr">
-                <a:tint val="100000"/>
-                <a:shade val="100000"/>
-                <a:satMod val="130000"/>
-              </a:schemeClr>
-            </a:gs>
-            <a:gs pos="100000">
-              <a:schemeClr val="phClr">
-                <a:tint val="50000"/>
-                <a:shade val="100000"/>
-                <a:satMod val="350000"/>
-              </a:schemeClr>
-            </a:gs>
-          </a:gsLst>
-          <a:lin ang="16200000" scaled="0"/>
-        </a:gradFill>
-      </a:fillStyleLst>
-      <a:lnStyleLst>
-        <a:ln w="9525" cap="flat" cmpd="sng" algn="ctr">
-          <a:solidFill>
-            <a:schemeClr val="phClr">
-              <a:shade val="95000"/>
-              <a:satMod val="105000"/>
-            </a:schemeClr>
-          </a:solidFill>
-          <a:prstDash val="solid"/>
-        </a:ln>
-        <a:ln w="25400" cap="flat" cmpd="sng" algn="ctr">
-          <a:solidFill>
-            <a:schemeClr val="phClr"/>
-          </a:solidFill>
-          <a:prstDash val="solid"/>
-        </a:ln>
-        <a:ln w="38100" cap="flat" cmpd="sng" algn="ctr">
-          <a:solidFill>
-            <a:schemeClr val="phClr"/>
-          </a:solidFill>
-          <a:prstDash val="solid"/>
-        </a:ln>
-      </a:lnStyleLst>
-      <a:effectStyleLst>
-        <a:effectStyle>
-          <a:effectLst>
-            <a:outerShdw blurRad="40000" dist="20000" dir="5400000" rotWithShape="0">
-              <a:srgbClr val="000000">
-                <a:alpha val="38000"/>
-              </a:srgbClr>
-            </a:outerShdw>
-          </a:effectLst>
-        </a:effectStyle>
-        <a:effectStyle>
-          <a:effectLst>
-            <a:outerShdw blurRad="40000" dist="23000" dir="5400000" rotWithShape="0">
-              <a:srgbClr val="000000">
-                <a:alpha val="35000"/>
-              </a:srgbClr>
-            </a:outerShdw>
-          </a:effectLst>
-        </a:effectStyle>
-        <a:effectStyle>
-          <a:effectLst>
-            <a:outerShdw blurRad="40000" dist="23000" dir="5400000" rotWithShape="0">
-              <a:srgbClr val="000000">
-                <a:alpha val="35000"/>
-              </a:srgbClr>
-            </a:outerShdw>
-          </a:effectLst>
-          <a:scene3d>
-            <a:camera prst="orthographicFront">
-              <a:rot lat="0" lon="0" rev="0"/>
-            </a:camera>
-            <a:lightRig rig="threePt" dir="t">
-              <a:rot lat="0" lon="0" rev="1200000"/>
-            </a:lightRig>
-          </a:scene3d>
-          <a:sp3d>
-            <a:bevelT w="63500" h="25400"/>
-          </a:sp3d>
-        </a:effectStyle>
-      </a:effectStyleLst>
-      <a:bgFillStyleLst>
-        <a:solidFill>
-          <a:schemeClr val="phClr"/>
-        </a:solidFill>
-        <a:gradFill rotWithShape="1">
-          <a:gsLst>
-            <a:gs pos="0">
-              <a:schemeClr val="phClr">
-                <a:tint val="40000"/>
-                <a:satMod val="350000"/>
-              </a:schemeClr>
-            </a:gs>
-            <a:gs pos="40000">
-              <a:schemeClr val="phClr">
-                <a:tint val="45000"/>
-                <a:shade val="99000"/>
-                <a:satMod val="350000"/>
-              </a:schemeClr>
-            </a:gs>
-            <a:gs pos="100000">
-              <a:schemeClr val="phClr">
-                <a:shade val="20000"/>
-                <a:satMod val="255000"/>
-              </a:schemeClr>
-            </a:gs>
-          </a:gsLst>
-          <a:path path="circle">
-            <a:fillToRect l="50000" t="-80000" r="50000" b="180000"/>
-          </a:path>
-        </a:gradFill>
-        <a:gradFill rotWithShape="1">
-          <a:gsLst>
-            <a:gs pos="0">
-              <a:schemeClr val="phClr">
-                <a:tint val="80000"/>
-                <a:satMod val="300000"/>
-              </a:schemeClr>
-            </a:gs>
-            <a:gs pos="100000">
-              <a:schemeClr val="phClr">
-                <a:shade val="30000"/>
-                <a:satMod val="200000"/>
-              </a:schemeClr>
-            </a:gs>
-          </a:gsLst>
-          <a:path path="circle">
-            <a:fillToRect l="50000" t="50000" r="50000" b="50000"/>
-          </a:path>
-        </a:gradFill>
-      </a:bgFillStyleLst>
-    </a:fmtScheme>
-  </a:themeElements>
-</a:theme>
 </file>